--- a/ipsa/slides/control.pptx
+++ b/ipsa/slides/control.pptx
@@ -131,13 +131,171 @@
 <file path=ppt/revisionInfo.xml><?xml version="1.0" encoding="utf-8"?>
 <p1510:revInfo xmlns:a="http://schemas.openxmlformats.org/drawingml/2006/main" xmlns:r="http://schemas.openxmlformats.org/officeDocument/2006/relationships" xmlns:p1510="http://schemas.microsoft.com/office/powerpoint/2015/10/main">
   <p1510:revLst>
-    <p1510:client id="{2FC3BC44-7AD5-499A-9E6F-BCA215DBF3B1}" v="5" dt="2022-02-06T09:43:31.071"/>
+    <p1510:client id="{CCA6BA44-85D7-4E34-A506-D12B36546E3D}" v="12" dt="2023-02-06T07:15:19.333"/>
   </p1510:revLst>
 </p1510:revInfo>
 </file>
 
 <file path=ppt/changesInfos/changesInfo1.xml><?xml version="1.0" encoding="utf-8"?>
 <pc:chgInfo xmlns:a="http://schemas.openxmlformats.org/drawingml/2006/main" xmlns:r="http://schemas.openxmlformats.org/officeDocument/2006/relationships" xmlns:ac="http://schemas.microsoft.com/office/drawing/2013/main/command" xmlns:pc="http://schemas.microsoft.com/office/powerpoint/2013/main/command">
+  <pc:docChgLst>
+    <pc:chgData name="Gerth Stølting Brodal" userId="04ef4784-6591-4f86-a140-f5c3b108582a" providerId="ADAL" clId="{CCA6BA44-85D7-4E34-A506-D12B36546E3D}"/>
+    <pc:docChg chg="modSld">
+      <pc:chgData name="Gerth Stølting Brodal" userId="04ef4784-6591-4f86-a140-f5c3b108582a" providerId="ADAL" clId="{CCA6BA44-85D7-4E34-A506-D12B36546E3D}" dt="2023-02-06T07:15:19.333" v="57" actId="20577"/>
+      <pc:docMkLst>
+        <pc:docMk/>
+      </pc:docMkLst>
+      <pc:sldChg chg="modSp mod">
+        <pc:chgData name="Gerth Stølting Brodal" userId="04ef4784-6591-4f86-a140-f5c3b108582a" providerId="ADAL" clId="{CCA6BA44-85D7-4E34-A506-D12B36546E3D}" dt="2023-02-06T06:50:16.540" v="46" actId="1037"/>
+        <pc:sldMkLst>
+          <pc:docMk/>
+          <pc:sldMk cId="328472895" sldId="380"/>
+        </pc:sldMkLst>
+        <pc:spChg chg="mod">
+          <ac:chgData name="Gerth Stølting Brodal" userId="04ef4784-6591-4f86-a140-f5c3b108582a" providerId="ADAL" clId="{CCA6BA44-85D7-4E34-A506-D12B36546E3D}" dt="2023-02-06T06:50:16.540" v="46" actId="1037"/>
+          <ac:spMkLst>
+            <pc:docMk/>
+            <pc:sldMk cId="328472895" sldId="380"/>
+            <ac:spMk id="4" creationId="{00000000-0000-0000-0000-000000000000}"/>
+          </ac:spMkLst>
+        </pc:spChg>
+        <pc:spChg chg="mod">
+          <ac:chgData name="Gerth Stølting Brodal" userId="04ef4784-6591-4f86-a140-f5c3b108582a" providerId="ADAL" clId="{CCA6BA44-85D7-4E34-A506-D12B36546E3D}" dt="2023-02-06T06:50:16.540" v="46" actId="1037"/>
+          <ac:spMkLst>
+            <pc:docMk/>
+            <pc:sldMk cId="328472895" sldId="380"/>
+            <ac:spMk id="5" creationId="{00000000-0000-0000-0000-000000000000}"/>
+          </ac:spMkLst>
+        </pc:spChg>
+        <pc:spChg chg="mod">
+          <ac:chgData name="Gerth Stølting Brodal" userId="04ef4784-6591-4f86-a140-f5c3b108582a" providerId="ADAL" clId="{CCA6BA44-85D7-4E34-A506-D12B36546E3D}" dt="2023-02-06T06:50:16.540" v="46" actId="1037"/>
+          <ac:spMkLst>
+            <pc:docMk/>
+            <pc:sldMk cId="328472895" sldId="380"/>
+            <ac:spMk id="6" creationId="{00000000-0000-0000-0000-000000000000}"/>
+          </ac:spMkLst>
+        </pc:spChg>
+        <pc:spChg chg="mod">
+          <ac:chgData name="Gerth Stølting Brodal" userId="04ef4784-6591-4f86-a140-f5c3b108582a" providerId="ADAL" clId="{CCA6BA44-85D7-4E34-A506-D12B36546E3D}" dt="2023-02-06T06:50:16.540" v="46" actId="1037"/>
+          <ac:spMkLst>
+            <pc:docMk/>
+            <pc:sldMk cId="328472895" sldId="380"/>
+            <ac:spMk id="7" creationId="{00000000-0000-0000-0000-000000000000}"/>
+          </ac:spMkLst>
+        </pc:spChg>
+        <pc:spChg chg="mod">
+          <ac:chgData name="Gerth Stølting Brodal" userId="04ef4784-6591-4f86-a140-f5c3b108582a" providerId="ADAL" clId="{CCA6BA44-85D7-4E34-A506-D12B36546E3D}" dt="2023-02-06T06:50:16.540" v="46" actId="1037"/>
+          <ac:spMkLst>
+            <pc:docMk/>
+            <pc:sldMk cId="328472895" sldId="380"/>
+            <ac:spMk id="9" creationId="{00000000-0000-0000-0000-000000000000}"/>
+          </ac:spMkLst>
+        </pc:spChg>
+        <pc:spChg chg="mod">
+          <ac:chgData name="Gerth Stølting Brodal" userId="04ef4784-6591-4f86-a140-f5c3b108582a" providerId="ADAL" clId="{CCA6BA44-85D7-4E34-A506-D12B36546E3D}" dt="2023-02-06T06:50:16.540" v="46" actId="1037"/>
+          <ac:spMkLst>
+            <pc:docMk/>
+            <pc:sldMk cId="328472895" sldId="380"/>
+            <ac:spMk id="27" creationId="{00000000-0000-0000-0000-000000000000}"/>
+          </ac:spMkLst>
+        </pc:spChg>
+        <pc:spChg chg="mod">
+          <ac:chgData name="Gerth Stølting Brodal" userId="04ef4784-6591-4f86-a140-f5c3b108582a" providerId="ADAL" clId="{CCA6BA44-85D7-4E34-A506-D12B36546E3D}" dt="2023-02-06T06:50:16.540" v="46" actId="1037"/>
+          <ac:spMkLst>
+            <pc:docMk/>
+            <pc:sldMk cId="328472895" sldId="380"/>
+            <ac:spMk id="28" creationId="{00000000-0000-0000-0000-000000000000}"/>
+          </ac:spMkLst>
+        </pc:spChg>
+        <pc:spChg chg="mod">
+          <ac:chgData name="Gerth Stølting Brodal" userId="04ef4784-6591-4f86-a140-f5c3b108582a" providerId="ADAL" clId="{CCA6BA44-85D7-4E34-A506-D12B36546E3D}" dt="2023-02-06T06:50:16.540" v="46" actId="1037"/>
+          <ac:spMkLst>
+            <pc:docMk/>
+            <pc:sldMk cId="328472895" sldId="380"/>
+            <ac:spMk id="29" creationId="{00000000-0000-0000-0000-000000000000}"/>
+          </ac:spMkLst>
+        </pc:spChg>
+        <pc:spChg chg="mod">
+          <ac:chgData name="Gerth Stølting Brodal" userId="04ef4784-6591-4f86-a140-f5c3b108582a" providerId="ADAL" clId="{CCA6BA44-85D7-4E34-A506-D12B36546E3D}" dt="2023-02-06T06:50:16.540" v="46" actId="1037"/>
+          <ac:spMkLst>
+            <pc:docMk/>
+            <pc:sldMk cId="328472895" sldId="380"/>
+            <ac:spMk id="30" creationId="{00000000-0000-0000-0000-000000000000}"/>
+          </ac:spMkLst>
+        </pc:spChg>
+        <pc:cxnChg chg="mod">
+          <ac:chgData name="Gerth Stølting Brodal" userId="04ef4784-6591-4f86-a140-f5c3b108582a" providerId="ADAL" clId="{CCA6BA44-85D7-4E34-A506-D12B36546E3D}" dt="2023-02-06T06:50:16.540" v="46" actId="1037"/>
+          <ac:cxnSpMkLst>
+            <pc:docMk/>
+            <pc:sldMk cId="328472895" sldId="380"/>
+            <ac:cxnSpMk id="11" creationId="{00000000-0000-0000-0000-000000000000}"/>
+          </ac:cxnSpMkLst>
+        </pc:cxnChg>
+        <pc:cxnChg chg="mod">
+          <ac:chgData name="Gerth Stølting Brodal" userId="04ef4784-6591-4f86-a140-f5c3b108582a" providerId="ADAL" clId="{CCA6BA44-85D7-4E34-A506-D12B36546E3D}" dt="2023-02-06T06:50:16.540" v="46" actId="1037"/>
+          <ac:cxnSpMkLst>
+            <pc:docMk/>
+            <pc:sldMk cId="328472895" sldId="380"/>
+            <ac:cxnSpMk id="12" creationId="{00000000-0000-0000-0000-000000000000}"/>
+          </ac:cxnSpMkLst>
+        </pc:cxnChg>
+        <pc:cxnChg chg="mod">
+          <ac:chgData name="Gerth Stølting Brodal" userId="04ef4784-6591-4f86-a140-f5c3b108582a" providerId="ADAL" clId="{CCA6BA44-85D7-4E34-A506-D12B36546E3D}" dt="2023-02-06T06:50:16.540" v="46" actId="1037"/>
+          <ac:cxnSpMkLst>
+            <pc:docMk/>
+            <pc:sldMk cId="328472895" sldId="380"/>
+            <ac:cxnSpMk id="13" creationId="{00000000-0000-0000-0000-000000000000}"/>
+          </ac:cxnSpMkLst>
+        </pc:cxnChg>
+        <pc:cxnChg chg="mod">
+          <ac:chgData name="Gerth Stølting Brodal" userId="04ef4784-6591-4f86-a140-f5c3b108582a" providerId="ADAL" clId="{CCA6BA44-85D7-4E34-A506-D12B36546E3D}" dt="2023-02-06T06:50:16.540" v="46" actId="1037"/>
+          <ac:cxnSpMkLst>
+            <pc:docMk/>
+            <pc:sldMk cId="328472895" sldId="380"/>
+            <ac:cxnSpMk id="14" creationId="{00000000-0000-0000-0000-000000000000}"/>
+          </ac:cxnSpMkLst>
+        </pc:cxnChg>
+        <pc:cxnChg chg="mod">
+          <ac:chgData name="Gerth Stølting Brodal" userId="04ef4784-6591-4f86-a140-f5c3b108582a" providerId="ADAL" clId="{CCA6BA44-85D7-4E34-A506-D12B36546E3D}" dt="2023-02-06T06:50:16.540" v="46" actId="1037"/>
+          <ac:cxnSpMkLst>
+            <pc:docMk/>
+            <pc:sldMk cId="328472895" sldId="380"/>
+            <ac:cxnSpMk id="15" creationId="{00000000-0000-0000-0000-000000000000}"/>
+          </ac:cxnSpMkLst>
+        </pc:cxnChg>
+      </pc:sldChg>
+      <pc:sldChg chg="modSp mod">
+        <pc:chgData name="Gerth Stølting Brodal" userId="04ef4784-6591-4f86-a140-f5c3b108582a" providerId="ADAL" clId="{CCA6BA44-85D7-4E34-A506-D12B36546E3D}" dt="2023-02-06T06:48:18.531" v="1" actId="20577"/>
+        <pc:sldMkLst>
+          <pc:docMk/>
+          <pc:sldMk cId="1756381776" sldId="383"/>
+        </pc:sldMkLst>
+        <pc:spChg chg="mod">
+          <ac:chgData name="Gerth Stølting Brodal" userId="04ef4784-6591-4f86-a140-f5c3b108582a" providerId="ADAL" clId="{CCA6BA44-85D7-4E34-A506-D12B36546E3D}" dt="2023-02-06T06:48:18.531" v="1" actId="20577"/>
+          <ac:spMkLst>
+            <pc:docMk/>
+            <pc:sldMk cId="1756381776" sldId="383"/>
+            <ac:spMk id="3" creationId="{00000000-0000-0000-0000-000000000000}"/>
+          </ac:spMkLst>
+        </pc:spChg>
+      </pc:sldChg>
+      <pc:sldChg chg="modSp">
+        <pc:chgData name="Gerth Stølting Brodal" userId="04ef4784-6591-4f86-a140-f5c3b108582a" providerId="ADAL" clId="{CCA6BA44-85D7-4E34-A506-D12B36546E3D}" dt="2023-02-06T07:15:19.333" v="57" actId="20577"/>
+        <pc:sldMkLst>
+          <pc:docMk/>
+          <pc:sldMk cId="2572527049" sldId="388"/>
+        </pc:sldMkLst>
+        <pc:spChg chg="mod">
+          <ac:chgData name="Gerth Stølting Brodal" userId="04ef4784-6591-4f86-a140-f5c3b108582a" providerId="ADAL" clId="{CCA6BA44-85D7-4E34-A506-D12B36546E3D}" dt="2023-02-06T07:15:19.333" v="57" actId="20577"/>
+          <ac:spMkLst>
+            <pc:docMk/>
+            <pc:sldMk cId="2572527049" sldId="388"/>
+            <ac:spMk id="3" creationId="{00000000-0000-0000-0000-000000000000}"/>
+          </ac:spMkLst>
+        </pc:spChg>
+      </pc:sldChg>
+    </pc:docChg>
+  </pc:docChgLst>
   <pc:docChgLst>
     <pc:chgData name="Gerth Stølting Brodal" userId="04ef4784-6591-4f86-a140-f5c3b108582a" providerId="ADAL" clId="{2FC3BC44-7AD5-499A-9E6F-BCA215DBF3B1}"/>
     <pc:docChg chg="undo custSel addSld modSld">
@@ -315,7 +473,7 @@
           <a:p>
             <a:fld id="{FB1A172F-81D4-4DC4-9113-1DBD56EC3646}" type="datetimeFigureOut">
               <a:rPr lang="en-US" smtClean="0"/>
-              <a:t>2/7/2022</a:t>
+              <a:t>2/6/2023</a:t>
             </a:fld>
             <a:endParaRPr lang="en-US"/>
           </a:p>
@@ -1714,7 +1872,7 @@
           <a:p>
             <a:fld id="{0560A9CD-0304-4E0B-9E82-E7E0115DE05B}" type="datetimeFigureOut">
               <a:rPr lang="en-US" smtClean="0"/>
-              <a:t>2/7/2022</a:t>
+              <a:t>2/6/2023</a:t>
             </a:fld>
             <a:endParaRPr lang="en-US"/>
           </a:p>
@@ -1882,7 +2040,7 @@
           <a:p>
             <a:fld id="{0560A9CD-0304-4E0B-9E82-E7E0115DE05B}" type="datetimeFigureOut">
               <a:rPr lang="en-US" smtClean="0"/>
-              <a:t>2/7/2022</a:t>
+              <a:t>2/6/2023</a:t>
             </a:fld>
             <a:endParaRPr lang="en-US"/>
           </a:p>
@@ -2060,7 +2218,7 @@
           <a:p>
             <a:fld id="{0560A9CD-0304-4E0B-9E82-E7E0115DE05B}" type="datetimeFigureOut">
               <a:rPr lang="en-US" smtClean="0"/>
-              <a:t>2/7/2022</a:t>
+              <a:t>2/6/2023</a:t>
             </a:fld>
             <a:endParaRPr lang="en-US"/>
           </a:p>
@@ -2237,7 +2395,7 @@
           <a:p>
             <a:fld id="{0560A9CD-0304-4E0B-9E82-E7E0115DE05B}" type="datetimeFigureOut">
               <a:rPr lang="en-US" smtClean="0"/>
-              <a:t>2/7/2022</a:t>
+              <a:t>2/6/2023</a:t>
             </a:fld>
             <a:endParaRPr lang="en-US"/>
           </a:p>
@@ -2482,7 +2640,7 @@
           <a:p>
             <a:fld id="{0560A9CD-0304-4E0B-9E82-E7E0115DE05B}" type="datetimeFigureOut">
               <a:rPr lang="en-US" smtClean="0"/>
-              <a:t>2/7/2022</a:t>
+              <a:t>2/6/2023</a:t>
             </a:fld>
             <a:endParaRPr lang="en-US"/>
           </a:p>
@@ -2711,7 +2869,7 @@
           <a:p>
             <a:fld id="{0560A9CD-0304-4E0B-9E82-E7E0115DE05B}" type="datetimeFigureOut">
               <a:rPr lang="en-US" smtClean="0"/>
-              <a:t>2/7/2022</a:t>
+              <a:t>2/6/2023</a:t>
             </a:fld>
             <a:endParaRPr lang="en-US"/>
           </a:p>
@@ -3075,7 +3233,7 @@
           <a:p>
             <a:fld id="{0560A9CD-0304-4E0B-9E82-E7E0115DE05B}" type="datetimeFigureOut">
               <a:rPr lang="en-US" smtClean="0"/>
-              <a:t>2/7/2022</a:t>
+              <a:t>2/6/2023</a:t>
             </a:fld>
             <a:endParaRPr lang="en-US"/>
           </a:p>
@@ -3192,7 +3350,7 @@
           <a:p>
             <a:fld id="{0560A9CD-0304-4E0B-9E82-E7E0115DE05B}" type="datetimeFigureOut">
               <a:rPr lang="en-US" smtClean="0"/>
-              <a:t>2/7/2022</a:t>
+              <a:t>2/6/2023</a:t>
             </a:fld>
             <a:endParaRPr lang="en-US"/>
           </a:p>
@@ -3287,7 +3445,7 @@
           <a:p>
             <a:fld id="{0560A9CD-0304-4E0B-9E82-E7E0115DE05B}" type="datetimeFigureOut">
               <a:rPr lang="en-US" smtClean="0"/>
-              <a:t>2/7/2022</a:t>
+              <a:t>2/6/2023</a:t>
             </a:fld>
             <a:endParaRPr lang="en-US"/>
           </a:p>
@@ -3562,7 +3720,7 @@
           <a:p>
             <a:fld id="{0560A9CD-0304-4E0B-9E82-E7E0115DE05B}" type="datetimeFigureOut">
               <a:rPr lang="en-US" smtClean="0"/>
-              <a:t>2/7/2022</a:t>
+              <a:t>2/6/2023</a:t>
             </a:fld>
             <a:endParaRPr lang="en-US"/>
           </a:p>
@@ -3814,7 +3972,7 @@
           <a:p>
             <a:fld id="{0560A9CD-0304-4E0B-9E82-E7E0115DE05B}" type="datetimeFigureOut">
               <a:rPr lang="en-US" smtClean="0"/>
-              <a:t>2/7/2022</a:t>
+              <a:t>2/6/2023</a:t>
             </a:fld>
             <a:endParaRPr lang="en-US"/>
           </a:p>
@@ -4025,7 +4183,7 @@
           <a:p>
             <a:fld id="{0560A9CD-0304-4E0B-9E82-E7E0115DE05B}" type="datetimeFigureOut">
               <a:rPr lang="en-US" smtClean="0"/>
-              <a:t>2/7/2022</a:t>
+              <a:t>2/6/2023</a:t>
             </a:fld>
             <a:endParaRPr lang="en-US"/>
           </a:p>
@@ -6703,7 +6861,10 @@
               <a:t>continue</a:t>
             </a:r>
             <a:r>
-              <a:rPr lang="da-DK" sz="2400" i="1" dirty="0"/>
+              <a:rPr lang="da-DK" sz="2400" i="1" dirty="0">
+                <a:latin typeface="Courier New" panose="02070309020205020404" pitchFamily="49" charset="0"/>
+                <a:cs typeface="Courier New" panose="02070309020205020404" pitchFamily="49" charset="0"/>
+              </a:rPr>
               <a:t> </a:t>
             </a:r>
             <a:r>
@@ -6745,17 +6906,28 @@
             </a:r>
             <a:r>
               <a:rPr lang="da-DK" sz="2400" i="1" dirty="0"/>
-              <a:t>...   	    </a:t>
-            </a:r>
-            <a:r>
-              <a:rPr lang="da-DK" sz="2400" dirty="0">
+              <a:t>...   	</a:t>
+            </a:r>
+            <a:r>
+              <a:rPr lang="da-DK" sz="2400" i="1"/>
+              <a:t>   </a:t>
+            </a:r>
+            <a:r>
+              <a:rPr lang="da-DK" sz="2400" i="1">
+                <a:latin typeface="Courier New" panose="02070309020205020404" pitchFamily="49" charset="0"/>
+                <a:cs typeface="Courier New" panose="02070309020205020404" pitchFamily="49" charset="0"/>
+              </a:rPr>
+              <a:t> </a:t>
+            </a:r>
+            <a:r>
+              <a:rPr lang="da-DK" sz="2400">
                 <a:latin typeface="Courier New" panose="02070309020205020404" pitchFamily="49" charset="0"/>
                 <a:cs typeface="Courier New" panose="02070309020205020404" pitchFamily="49" charset="0"/>
               </a:rPr>
               <a:t>#</a:t>
             </a:r>
             <a:r>
-              <a:rPr lang="da-DK" sz="2400" dirty="0">
+              <a:rPr lang="da-DK" sz="2400">
                 <a:cs typeface="Courier New" panose="02070309020205020404" pitchFamily="49" charset="0"/>
               </a:rPr>
               <a:t>  </a:t>
@@ -14210,10 +14382,24 @@
             </a:r>
             <a:r>
               <a:rPr lang="en-US" dirty="0"/>
-              <a:t>, and waits for the user provides a line of input and presses return. The line of input is returned as a </a:t>
-            </a:r>
-            <a:r>
-              <a:rPr lang="en-US" dirty="0" err="1">
+              <a:t>, </a:t>
+            </a:r>
+            <a:br>
+              <a:rPr lang="en-US" dirty="0"/>
+            </a:br>
+            <a:r>
+              <a:rPr lang="en-US" dirty="0"/>
+              <a:t>and waits for the user provides a line of input and presses return. </a:t>
+            </a:r>
+            <a:br>
+              <a:rPr lang="en-US" dirty="0"/>
+            </a:br>
+            <a:r>
+              <a:rPr lang="en-US" dirty="0"/>
+              <a:t>The line of input is returned as a </a:t>
+            </a:r>
+            <a:r>
+              <a:rPr lang="en-US" dirty="0">
                 <a:latin typeface="Courier New" panose="02070309020205020404" pitchFamily="49" charset="0"/>
                 <a:cs typeface="Courier New" panose="02070309020205020404" pitchFamily="49" charset="0"/>
               </a:rPr>
@@ -14737,7 +14923,7 @@
         </p:nvSpPr>
         <p:spPr>
           <a:xfrm>
-            <a:off x="2600695" y="2485593"/>
+            <a:off x="2894610" y="2790393"/>
             <a:ext cx="6341423" cy="2490168"/>
           </a:xfrm>
           <a:prstGeom prst="rect">
@@ -14813,7 +14999,7 @@
         </p:nvCxnSpPr>
         <p:spPr>
           <a:xfrm flipH="1">
-            <a:off x="5818909" y="2220625"/>
+            <a:off x="6112824" y="2525425"/>
             <a:ext cx="3958" cy="529937"/>
           </a:xfrm>
           <a:prstGeom prst="straightConnector1">
@@ -14855,7 +15041,7 @@
         </p:nvCxnSpPr>
         <p:spPr>
           <a:xfrm flipH="1">
-            <a:off x="4308764" y="3446814"/>
+            <a:off x="4602679" y="3751614"/>
             <a:ext cx="868878" cy="622125"/>
           </a:xfrm>
           <a:prstGeom prst="straightConnector1">
@@ -14897,7 +15083,7 @@
         </p:nvCxnSpPr>
         <p:spPr>
           <a:xfrm>
-            <a:off x="6483927" y="3446814"/>
+            <a:off x="6777842" y="3751614"/>
             <a:ext cx="775855" cy="622125"/>
           </a:xfrm>
           <a:prstGeom prst="straightConnector1">
@@ -14939,7 +15125,7 @@
         </p:nvCxnSpPr>
         <p:spPr>
           <a:xfrm flipH="1">
-            <a:off x="6483927" y="4765191"/>
+            <a:off x="6777842" y="5069991"/>
             <a:ext cx="775855" cy="711747"/>
           </a:xfrm>
           <a:prstGeom prst="straightConnector1">
@@ -14981,7 +15167,7 @@
         </p:nvCxnSpPr>
         <p:spPr>
           <a:xfrm>
-            <a:off x="4308764" y="4765191"/>
+            <a:off x="4602679" y="5069991"/>
             <a:ext cx="868878" cy="711747"/>
           </a:xfrm>
           <a:prstGeom prst="straightConnector1">
@@ -15021,7 +15207,7 @@
         </p:nvSpPr>
         <p:spPr>
           <a:xfrm>
-            <a:off x="4659085" y="1524373"/>
+            <a:off x="4953000" y="1829173"/>
             <a:ext cx="2327564" cy="696252"/>
           </a:xfrm>
           <a:prstGeom prst="rect">
@@ -15085,7 +15271,7 @@
         </p:nvSpPr>
         <p:spPr>
           <a:xfrm>
-            <a:off x="4655127" y="5476938"/>
+            <a:off x="4949042" y="5781738"/>
             <a:ext cx="2327564" cy="696252"/>
           </a:xfrm>
           <a:prstGeom prst="rect">
@@ -15149,7 +15335,7 @@
         </p:nvSpPr>
         <p:spPr>
           <a:xfrm>
-            <a:off x="3144982" y="4068939"/>
+            <a:off x="3438897" y="4373739"/>
             <a:ext cx="2327564" cy="696252"/>
           </a:xfrm>
           <a:prstGeom prst="rect">
@@ -15213,7 +15399,7 @@
         </p:nvSpPr>
         <p:spPr>
           <a:xfrm>
-            <a:off x="6096000" y="4068939"/>
+            <a:off x="6389915" y="4373739"/>
             <a:ext cx="2327564" cy="696252"/>
           </a:xfrm>
           <a:prstGeom prst="rect">
@@ -15277,7 +15463,7 @@
         </p:nvSpPr>
         <p:spPr>
           <a:xfrm>
-            <a:off x="4655127" y="2750562"/>
+            <a:off x="4949042" y="3055362"/>
             <a:ext cx="2327564" cy="696252"/>
           </a:xfrm>
           <a:prstGeom prst="rect">
@@ -15341,7 +15527,7 @@
         </p:nvSpPr>
         <p:spPr>
           <a:xfrm>
-            <a:off x="2956955" y="3517514"/>
+            <a:off x="3250870" y="3822314"/>
             <a:ext cx="1698172" cy="369332"/>
           </a:xfrm>
           <a:prstGeom prst="rect">
@@ -15377,7 +15563,7 @@
         </p:nvSpPr>
         <p:spPr>
           <a:xfrm>
-            <a:off x="6992587" y="3517514"/>
+            <a:off x="7286502" y="3822314"/>
             <a:ext cx="1698172" cy="369332"/>
           </a:xfrm>
           <a:prstGeom prst="rect">
@@ -15412,7 +15598,7 @@
         </p:nvSpPr>
         <p:spPr>
           <a:xfrm>
-            <a:off x="4655127" y="3130417"/>
+            <a:off x="4949042" y="3435217"/>
             <a:ext cx="2327564" cy="307777"/>
           </a:xfrm>
           <a:prstGeom prst="rect">

--- a/ipsa/slides/control.pptx
+++ b/ipsa/slides/control.pptx
@@ -131,7 +131,7 @@
 <file path=ppt/revisionInfo.xml><?xml version="1.0" encoding="utf-8"?>
 <p1510:revInfo xmlns:a="http://schemas.openxmlformats.org/drawingml/2006/main" xmlns:r="http://schemas.openxmlformats.org/officeDocument/2006/relationships" xmlns:p1510="http://schemas.microsoft.com/office/powerpoint/2015/10/main">
   <p1510:revLst>
-    <p1510:client id="{CCA6BA44-85D7-4E34-A506-D12B36546E3D}" v="12" dt="2023-02-06T07:15:19.333"/>
+    <p1510:client id="{DDB2EBFE-BE9D-478D-B155-AD8F8F2B5AB2}" v="18" dt="2024-01-30T12:41:42.534"/>
   </p1510:revLst>
 </p1510:revInfo>
 </file>
@@ -297,6 +297,37 @@
     </pc:docChg>
   </pc:docChgLst>
   <pc:docChgLst>
+    <pc:chgData name="Gerth Stølting Brodal" userId="04ef4784-6591-4f86-a140-f5c3b108582a" providerId="ADAL" clId="{DDB2EBFE-BE9D-478D-B155-AD8F8F2B5AB2}"/>
+    <pc:docChg chg="custSel modSld">
+      <pc:chgData name="Gerth Stølting Brodal" userId="04ef4784-6591-4f86-a140-f5c3b108582a" providerId="ADAL" clId="{DDB2EBFE-BE9D-478D-B155-AD8F8F2B5AB2}" dt="2024-01-30T12:44:22.812" v="87" actId="313"/>
+      <pc:docMkLst>
+        <pc:docMk/>
+      </pc:docMkLst>
+      <pc:sldChg chg="modSp modNotesTx">
+        <pc:chgData name="Gerth Stølting Brodal" userId="04ef4784-6591-4f86-a140-f5c3b108582a" providerId="ADAL" clId="{DDB2EBFE-BE9D-478D-B155-AD8F8F2B5AB2}" dt="2024-01-30T12:44:22.812" v="87" actId="313"/>
+        <pc:sldMkLst>
+          <pc:docMk/>
+          <pc:sldMk cId="973870306" sldId="273"/>
+        </pc:sldMkLst>
+        <pc:spChg chg="mod">
+          <ac:chgData name="Gerth Stølting Brodal" userId="04ef4784-6591-4f86-a140-f5c3b108582a" providerId="ADAL" clId="{DDB2EBFE-BE9D-478D-B155-AD8F8F2B5AB2}" dt="2024-01-30T12:41:42.534" v="33" actId="20577"/>
+          <ac:spMkLst>
+            <pc:docMk/>
+            <pc:sldMk cId="973870306" sldId="273"/>
+            <ac:spMk id="3" creationId="{00000000-0000-0000-0000-000000000000}"/>
+          </ac:spMkLst>
+        </pc:spChg>
+      </pc:sldChg>
+      <pc:sldChg chg="modNotesTx">
+        <pc:chgData name="Gerth Stølting Brodal" userId="04ef4784-6591-4f86-a140-f5c3b108582a" providerId="ADAL" clId="{DDB2EBFE-BE9D-478D-B155-AD8F8F2B5AB2}" dt="2024-01-30T12:38:31.484" v="15" actId="113"/>
+        <pc:sldMkLst>
+          <pc:docMk/>
+          <pc:sldMk cId="1044916503" sldId="382"/>
+        </pc:sldMkLst>
+      </pc:sldChg>
+    </pc:docChg>
+  </pc:docChgLst>
+  <pc:docChgLst>
     <pc:chgData name="Gerth Stølting Brodal" userId="04ef4784-6591-4f86-a140-f5c3b108582a" providerId="ADAL" clId="{2FC3BC44-7AD5-499A-9E6F-BCA215DBF3B1}"/>
     <pc:docChg chg="undo custSel addSld modSld">
       <pc:chgData name="Gerth Stølting Brodal" userId="04ef4784-6591-4f86-a140-f5c3b108582a" providerId="ADAL" clId="{2FC3BC44-7AD5-499A-9E6F-BCA215DBF3B1}" dt="2022-02-07T07:21:44.250" v="328" actId="20577"/>
@@ -473,7 +504,7 @@
           <a:p>
             <a:fld id="{FB1A172F-81D4-4DC4-9113-1DBD56EC3646}" type="datetimeFigureOut">
               <a:rPr lang="en-US" smtClean="0"/>
-              <a:t>2/6/2023</a:t>
+              <a:t>1/30/2024</a:t>
             </a:fld>
             <a:endParaRPr lang="en-US"/>
           </a:p>
@@ -950,6 +981,12 @@
           <a:p>
             <a:endParaRPr lang="en-US" dirty="0"/>
           </a:p>
+          <a:p>
+            <a:r>
+              <a:rPr lang="en-US" b="1" dirty="0"/>
+              <a:t>Remember “:”</a:t>
+            </a:r>
+          </a:p>
         </p:txBody>
       </p:sp>
       <p:sp>
@@ -1260,6 +1297,60 @@
               <a:rPr lang="en-US" dirty="0"/>
               <a:t>Example: y = 1 / x if x != 0 else 0.0</a:t>
             </a:r>
+          </a:p>
+          <a:p>
+            <a:endParaRPr lang="en-US" dirty="0"/>
+          </a:p>
+          <a:p>
+            <a:r>
+              <a:rPr lang="en-US" dirty="0"/>
+              <a:t>PEP308: 17 variations were considered, but “</a:t>
+            </a:r>
+            <a:r>
+              <a:rPr lang="da-DK" dirty="0"/>
+              <a:t>Guido van </a:t>
+            </a:r>
+            <a:r>
+              <a:rPr lang="da-DK" dirty="0" err="1"/>
+              <a:t>Rossum</a:t>
+            </a:r>
+            <a:r>
+              <a:rPr lang="da-DK" dirty="0"/>
+              <a:t> </a:t>
+            </a:r>
+            <a:r>
+              <a:rPr lang="da-DK" dirty="0" err="1"/>
+              <a:t>eventually</a:t>
+            </a:r>
+            <a:r>
+              <a:rPr lang="da-DK" dirty="0"/>
+              <a:t> </a:t>
+            </a:r>
+            <a:r>
+              <a:rPr lang="da-DK" dirty="0" err="1"/>
+              <a:t>chose</a:t>
+            </a:r>
+            <a:r>
+              <a:rPr lang="da-DK" dirty="0"/>
+              <a:t> a </a:t>
+            </a:r>
+            <a:r>
+              <a:rPr lang="da-DK" dirty="0" err="1"/>
+              <a:t>surprising</a:t>
+            </a:r>
+            <a:r>
+              <a:rPr lang="da-DK" dirty="0"/>
+              <a:t> </a:t>
+            </a:r>
+            <a:r>
+              <a:rPr lang="da-DK" dirty="0" err="1"/>
+              <a:t>syntax</a:t>
+            </a:r>
+            <a:r>
+              <a:rPr lang="da-DK"/>
+              <a:t>”</a:t>
+            </a:r>
+            <a:endParaRPr lang="en-US" dirty="0"/>
           </a:p>
         </p:txBody>
       </p:sp>
@@ -1872,7 +1963,7 @@
           <a:p>
             <a:fld id="{0560A9CD-0304-4E0B-9E82-E7E0115DE05B}" type="datetimeFigureOut">
               <a:rPr lang="en-US" smtClean="0"/>
-              <a:t>2/6/2023</a:t>
+              <a:t>1/30/2024</a:t>
             </a:fld>
             <a:endParaRPr lang="en-US"/>
           </a:p>
@@ -2040,7 +2131,7 @@
           <a:p>
             <a:fld id="{0560A9CD-0304-4E0B-9E82-E7E0115DE05B}" type="datetimeFigureOut">
               <a:rPr lang="en-US" smtClean="0"/>
-              <a:t>2/6/2023</a:t>
+              <a:t>1/30/2024</a:t>
             </a:fld>
             <a:endParaRPr lang="en-US"/>
           </a:p>
@@ -2218,7 +2309,7 @@
           <a:p>
             <a:fld id="{0560A9CD-0304-4E0B-9E82-E7E0115DE05B}" type="datetimeFigureOut">
               <a:rPr lang="en-US" smtClean="0"/>
-              <a:t>2/6/2023</a:t>
+              <a:t>1/30/2024</a:t>
             </a:fld>
             <a:endParaRPr lang="en-US"/>
           </a:p>
@@ -2395,7 +2486,7 @@
           <a:p>
             <a:fld id="{0560A9CD-0304-4E0B-9E82-E7E0115DE05B}" type="datetimeFigureOut">
               <a:rPr lang="en-US" smtClean="0"/>
-              <a:t>2/6/2023</a:t>
+              <a:t>1/30/2024</a:t>
             </a:fld>
             <a:endParaRPr lang="en-US"/>
           </a:p>
@@ -2640,7 +2731,7 @@
           <a:p>
             <a:fld id="{0560A9CD-0304-4E0B-9E82-E7E0115DE05B}" type="datetimeFigureOut">
               <a:rPr lang="en-US" smtClean="0"/>
-              <a:t>2/6/2023</a:t>
+              <a:t>1/30/2024</a:t>
             </a:fld>
             <a:endParaRPr lang="en-US"/>
           </a:p>
@@ -2869,7 +2960,7 @@
           <a:p>
             <a:fld id="{0560A9CD-0304-4E0B-9E82-E7E0115DE05B}" type="datetimeFigureOut">
               <a:rPr lang="en-US" smtClean="0"/>
-              <a:t>2/6/2023</a:t>
+              <a:t>1/30/2024</a:t>
             </a:fld>
             <a:endParaRPr lang="en-US"/>
           </a:p>
@@ -3233,7 +3324,7 @@
           <a:p>
             <a:fld id="{0560A9CD-0304-4E0B-9E82-E7E0115DE05B}" type="datetimeFigureOut">
               <a:rPr lang="en-US" smtClean="0"/>
-              <a:t>2/6/2023</a:t>
+              <a:t>1/30/2024</a:t>
             </a:fld>
             <a:endParaRPr lang="en-US"/>
           </a:p>
@@ -3350,7 +3441,7 @@
           <a:p>
             <a:fld id="{0560A9CD-0304-4E0B-9E82-E7E0115DE05B}" type="datetimeFigureOut">
               <a:rPr lang="en-US" smtClean="0"/>
-              <a:t>2/6/2023</a:t>
+              <a:t>1/30/2024</a:t>
             </a:fld>
             <a:endParaRPr lang="en-US"/>
           </a:p>
@@ -3445,7 +3536,7 @@
           <a:p>
             <a:fld id="{0560A9CD-0304-4E0B-9E82-E7E0115DE05B}" type="datetimeFigureOut">
               <a:rPr lang="en-US" smtClean="0"/>
-              <a:t>2/6/2023</a:t>
+              <a:t>1/30/2024</a:t>
             </a:fld>
             <a:endParaRPr lang="en-US"/>
           </a:p>
@@ -3720,7 +3811,7 @@
           <a:p>
             <a:fld id="{0560A9CD-0304-4E0B-9E82-E7E0115DE05B}" type="datetimeFigureOut">
               <a:rPr lang="en-US" smtClean="0"/>
-              <a:t>2/6/2023</a:t>
+              <a:t>1/30/2024</a:t>
             </a:fld>
             <a:endParaRPr lang="en-US"/>
           </a:p>
@@ -3972,7 +4063,7 @@
           <a:p>
             <a:fld id="{0560A9CD-0304-4E0B-9E82-E7E0115DE05B}" type="datetimeFigureOut">
               <a:rPr lang="en-US" smtClean="0"/>
-              <a:t>2/6/2023</a:t>
+              <a:t>1/30/2024</a:t>
             </a:fld>
             <a:endParaRPr lang="en-US"/>
           </a:p>
@@ -4183,7 +4274,7 @@
           <a:p>
             <a:fld id="{0560A9CD-0304-4E0B-9E82-E7E0115DE05B}" type="datetimeFigureOut">
               <a:rPr lang="en-US" smtClean="0"/>
-              <a:t>2/6/2023</a:t>
+              <a:t>1/30/2024</a:t>
             </a:fld>
             <a:endParaRPr lang="en-US"/>
           </a:p>
@@ -4984,7 +5075,15 @@
           <a:p>
             <a:r>
               <a:rPr lang="en-US" sz="2400" dirty="0"/>
-              <a:t>In C, C++ and Java the equivalent notation is (note the different order)</a:t>
+              <a:t>In C, C++, Java, </a:t>
+            </a:r>
+            <a:r>
+              <a:rPr lang="en-US" sz="2400" dirty="0" err="1"/>
+              <a:t>Javascript</a:t>
+            </a:r>
+            <a:r>
+              <a:rPr lang="en-US" sz="2400" dirty="0"/>
+              <a:t> the equivalent notation is (note the different order)</a:t>
             </a:r>
           </a:p>
           <a:p>

--- a/ipsa/slides/control.pptx
+++ b/ipsa/slides/control.pptx
@@ -5,7 +5,7 @@
     <p:sldMasterId id="2147483648" r:id="rId1"/>
   </p:sldMasterIdLst>
   <p:notesMasterIdLst>
-    <p:notesMasterId r:id="rId16"/>
+    <p:notesMasterId r:id="rId17"/>
   </p:notesMasterIdLst>
   <p:sldIdLst>
     <p:sldId id="370" r:id="rId2"/>
@@ -14,14 +14,15 @@
     <p:sldId id="382" r:id="rId5"/>
     <p:sldId id="381" r:id="rId6"/>
     <p:sldId id="291" r:id="rId7"/>
-    <p:sldId id="384" r:id="rId8"/>
-    <p:sldId id="272" r:id="rId9"/>
-    <p:sldId id="389" r:id="rId10"/>
-    <p:sldId id="273" r:id="rId11"/>
-    <p:sldId id="385" r:id="rId12"/>
-    <p:sldId id="388" r:id="rId13"/>
-    <p:sldId id="386" r:id="rId14"/>
-    <p:sldId id="387" r:id="rId15"/>
+    <p:sldId id="390" r:id="rId8"/>
+    <p:sldId id="384" r:id="rId9"/>
+    <p:sldId id="272" r:id="rId10"/>
+    <p:sldId id="389" r:id="rId11"/>
+    <p:sldId id="273" r:id="rId12"/>
+    <p:sldId id="385" r:id="rId13"/>
+    <p:sldId id="388" r:id="rId14"/>
+    <p:sldId id="386" r:id="rId15"/>
+    <p:sldId id="387" r:id="rId16"/>
   </p:sldIdLst>
   <p:sldSz cx="12192000" cy="6858000"/>
   <p:notesSz cx="6858000" cy="9144000"/>
@@ -131,7 +132,7 @@
 <file path=ppt/revisionInfo.xml><?xml version="1.0" encoding="utf-8"?>
 <p1510:revInfo xmlns:a="http://schemas.openxmlformats.org/drawingml/2006/main" xmlns:r="http://schemas.openxmlformats.org/officeDocument/2006/relationships" xmlns:p1510="http://schemas.microsoft.com/office/powerpoint/2015/10/main">
   <p1510:revLst>
-    <p1510:client id="{DDB2EBFE-BE9D-478D-B155-AD8F8F2B5AB2}" v="18" dt="2024-01-30T12:41:42.534"/>
+    <p1510:client id="{DDB2EBFE-BE9D-478D-B155-AD8F8F2B5AB2}" v="20" dt="2024-02-05T08:03:33.637"/>
   </p1510:revLst>
 </p1510:revInfo>
 </file>
@@ -298,8 +299,8 @@
   </pc:docChgLst>
   <pc:docChgLst>
     <pc:chgData name="Gerth Stølting Brodal" userId="04ef4784-6591-4f86-a140-f5c3b108582a" providerId="ADAL" clId="{DDB2EBFE-BE9D-478D-B155-AD8F8F2B5AB2}"/>
-    <pc:docChg chg="custSel modSld">
-      <pc:chgData name="Gerth Stølting Brodal" userId="04ef4784-6591-4f86-a140-f5c3b108582a" providerId="ADAL" clId="{DDB2EBFE-BE9D-478D-B155-AD8F8F2B5AB2}" dt="2024-01-30T12:44:22.812" v="87" actId="313"/>
+    <pc:docChg chg="undo custSel addSld modSld">
+      <pc:chgData name="Gerth Stølting Brodal" userId="04ef4784-6591-4f86-a140-f5c3b108582a" providerId="ADAL" clId="{DDB2EBFE-BE9D-478D-B155-AD8F8F2B5AB2}" dt="2024-02-05T08:07:34.012" v="327" actId="554"/>
       <pc:docMkLst>
         <pc:docMk/>
       </pc:docMkLst>
@@ -319,11 +320,49 @@
         </pc:spChg>
       </pc:sldChg>
       <pc:sldChg chg="modNotesTx">
+        <pc:chgData name="Gerth Stølting Brodal" userId="04ef4784-6591-4f86-a140-f5c3b108582a" providerId="ADAL" clId="{DDB2EBFE-BE9D-478D-B155-AD8F8F2B5AB2}" dt="2024-02-05T08:02:32.535" v="147" actId="20577"/>
+        <pc:sldMkLst>
+          <pc:docMk/>
+          <pc:sldMk cId="959264993" sldId="291"/>
+        </pc:sldMkLst>
+      </pc:sldChg>
+      <pc:sldChg chg="modNotesTx">
         <pc:chgData name="Gerth Stølting Brodal" userId="04ef4784-6591-4f86-a140-f5c3b108582a" providerId="ADAL" clId="{DDB2EBFE-BE9D-478D-B155-AD8F8F2B5AB2}" dt="2024-01-30T12:38:31.484" v="15" actId="113"/>
         <pc:sldMkLst>
           <pc:docMk/>
           <pc:sldMk cId="1044916503" sldId="382"/>
         </pc:sldMkLst>
+      </pc:sldChg>
+      <pc:sldChg chg="addSp modSp new mod">
+        <pc:chgData name="Gerth Stølting Brodal" userId="04ef4784-6591-4f86-a140-f5c3b108582a" providerId="ADAL" clId="{DDB2EBFE-BE9D-478D-B155-AD8F8F2B5AB2}" dt="2024-02-05T08:07:34.012" v="327" actId="554"/>
+        <pc:sldMkLst>
+          <pc:docMk/>
+          <pc:sldMk cId="2353739137" sldId="390"/>
+        </pc:sldMkLst>
+        <pc:spChg chg="mod">
+          <ac:chgData name="Gerth Stølting Brodal" userId="04ef4784-6591-4f86-a140-f5c3b108582a" providerId="ADAL" clId="{DDB2EBFE-BE9D-478D-B155-AD8F8F2B5AB2}" dt="2024-02-05T08:05:17.719" v="302" actId="6549"/>
+          <ac:spMkLst>
+            <pc:docMk/>
+            <pc:sldMk cId="2353739137" sldId="390"/>
+            <ac:spMk id="2" creationId="{300D2980-7746-9AC1-E353-FFBFA32F3271}"/>
+          </ac:spMkLst>
+        </pc:spChg>
+        <pc:graphicFrameChg chg="add mod">
+          <ac:chgData name="Gerth Stølting Brodal" userId="04ef4784-6591-4f86-a140-f5c3b108582a" providerId="ADAL" clId="{DDB2EBFE-BE9D-478D-B155-AD8F8F2B5AB2}" dt="2024-02-05T08:07:34.012" v="327" actId="554"/>
+          <ac:graphicFrameMkLst>
+            <pc:docMk/>
+            <pc:sldMk cId="2353739137" sldId="390"/>
+            <ac:graphicFrameMk id="4" creationId="{004F710B-956D-6723-B2F5-62E14699C9D1}"/>
+          </ac:graphicFrameMkLst>
+        </pc:graphicFrameChg>
+        <pc:graphicFrameChg chg="add mod modGraphic">
+          <ac:chgData name="Gerth Stølting Brodal" userId="04ef4784-6591-4f86-a140-f5c3b108582a" providerId="ADAL" clId="{DDB2EBFE-BE9D-478D-B155-AD8F8F2B5AB2}" dt="2024-02-05T08:07:34.012" v="327" actId="554"/>
+          <ac:graphicFrameMkLst>
+            <pc:docMk/>
+            <pc:sldMk cId="2353739137" sldId="390"/>
+            <ac:graphicFrameMk id="5" creationId="{3BB6B9DA-B672-2FE0-5D5B-88ABA077A7BB}"/>
+          </ac:graphicFrameMkLst>
+        </pc:graphicFrameChg>
       </pc:sldChg>
     </pc:docChg>
   </pc:docChgLst>
@@ -504,7 +543,7 @@
           <a:p>
             <a:fld id="{FB1A172F-81D4-4DC4-9113-1DBD56EC3646}" type="datetimeFigureOut">
               <a:rPr lang="en-US" smtClean="0"/>
-              <a:t>1/30/2024</a:t>
+              <a:t>2/5/2024</a:t>
             </a:fld>
             <a:endParaRPr lang="en-US"/>
           </a:p>
@@ -1206,6 +1245,57 @@
               <a:rPr lang="en-US" baseline="0" dirty="0"/>
               <a:t> x=3:” will give a syntax error, opposed to other languages... like C, C++ &lt;&lt; java???&gt;&gt;</a:t>
             </a:r>
+          </a:p>
+          <a:p>
+            <a:pPr marL="0" marR="0" lvl="0" indent="0" algn="l" defTabSz="914400" rtl="0" eaLnBrk="1" fontAlgn="auto" latinLnBrk="0" hangingPunct="1">
+              <a:lnSpc>
+                <a:spcPct val="100000"/>
+              </a:lnSpc>
+              <a:spcBef>
+                <a:spcPts val="0"/>
+              </a:spcBef>
+              <a:spcAft>
+                <a:spcPts val="0"/>
+              </a:spcAft>
+              <a:buClrTx/>
+              <a:buSzTx/>
+              <a:buFontTx/>
+              <a:buNone/>
+              <a:tabLst/>
+              <a:defRPr/>
+            </a:pPr>
+            <a:endParaRPr lang="en-US" baseline="0" dirty="0"/>
+          </a:p>
+          <a:p>
+            <a:pPr marL="0" marR="0" lvl="0" indent="0" algn="l" defTabSz="914400" rtl="0" eaLnBrk="1" fontAlgn="auto" latinLnBrk="0" hangingPunct="1">
+              <a:lnSpc>
+                <a:spcPct val="100000"/>
+              </a:lnSpc>
+              <a:spcBef>
+                <a:spcPts val="0"/>
+              </a:spcBef>
+              <a:spcAft>
+                <a:spcPts val="0"/>
+              </a:spcAft>
+              <a:buClrTx/>
+              <a:buSzTx/>
+              <a:buFontTx/>
+              <a:buNone/>
+              <a:tabLst/>
+              <a:defRPr/>
+            </a:pPr>
+            <a:r>
+              <a:rPr lang="en-US" baseline="0" dirty="0"/>
+              <a:t>Ugly way to write if-</a:t>
+            </a:r>
+            <a:r>
+              <a:rPr lang="en-US" baseline="0" dirty="0" err="1"/>
+              <a:t>elif</a:t>
+            </a:r>
+            <a:r>
+              <a:rPr lang="en-US" baseline="0" dirty="0"/>
+              <a:t> is with nested if statements</a:t>
+            </a:r>
             <a:endParaRPr lang="en-US" dirty="0"/>
           </a:p>
           <a:p>
@@ -1371,7 +1461,7 @@
           <a:p>
             <a:fld id="{CD563DD8-32AB-41BE-B1C6-8EAC45222ACE}" type="slidenum">
               <a:rPr lang="en-US" smtClean="0"/>
-              <a:t>10</a:t>
+              <a:t>11</a:t>
             </a:fld>
             <a:endParaRPr lang="en-US"/>
           </a:p>
@@ -1500,7 +1590,7 @@
           <a:p>
             <a:fld id="{CD563DD8-32AB-41BE-B1C6-8EAC45222ACE}" type="slidenum">
               <a:rPr lang="en-US" smtClean="0"/>
-              <a:t>12</a:t>
+              <a:t>13</a:t>
             </a:fld>
             <a:endParaRPr lang="en-US"/>
           </a:p>
@@ -1601,7 +1691,7 @@
           <a:p>
             <a:fld id="{CD563DD8-32AB-41BE-B1C6-8EAC45222ACE}" type="slidenum">
               <a:rPr lang="en-US" smtClean="0"/>
-              <a:t>13</a:t>
+              <a:t>14</a:t>
             </a:fld>
             <a:endParaRPr lang="en-US"/>
           </a:p>
@@ -1807,7 +1897,7 @@
           <a:p>
             <a:fld id="{CD563DD8-32AB-41BE-B1C6-8EAC45222ACE}" type="slidenum">
               <a:rPr lang="en-US" smtClean="0"/>
-              <a:t>14</a:t>
+              <a:t>15</a:t>
             </a:fld>
             <a:endParaRPr lang="en-US"/>
           </a:p>
@@ -1963,7 +2053,7 @@
           <a:p>
             <a:fld id="{0560A9CD-0304-4E0B-9E82-E7E0115DE05B}" type="datetimeFigureOut">
               <a:rPr lang="en-US" smtClean="0"/>
-              <a:t>1/30/2024</a:t>
+              <a:t>2/5/2024</a:t>
             </a:fld>
             <a:endParaRPr lang="en-US"/>
           </a:p>
@@ -2131,7 +2221,7 @@
           <a:p>
             <a:fld id="{0560A9CD-0304-4E0B-9E82-E7E0115DE05B}" type="datetimeFigureOut">
               <a:rPr lang="en-US" smtClean="0"/>
-              <a:t>1/30/2024</a:t>
+              <a:t>2/5/2024</a:t>
             </a:fld>
             <a:endParaRPr lang="en-US"/>
           </a:p>
@@ -2309,7 +2399,7 @@
           <a:p>
             <a:fld id="{0560A9CD-0304-4E0B-9E82-E7E0115DE05B}" type="datetimeFigureOut">
               <a:rPr lang="en-US" smtClean="0"/>
-              <a:t>1/30/2024</a:t>
+              <a:t>2/5/2024</a:t>
             </a:fld>
             <a:endParaRPr lang="en-US"/>
           </a:p>
@@ -2486,7 +2576,7 @@
           <a:p>
             <a:fld id="{0560A9CD-0304-4E0B-9E82-E7E0115DE05B}" type="datetimeFigureOut">
               <a:rPr lang="en-US" smtClean="0"/>
-              <a:t>1/30/2024</a:t>
+              <a:t>2/5/2024</a:t>
             </a:fld>
             <a:endParaRPr lang="en-US"/>
           </a:p>
@@ -2731,7 +2821,7 @@
           <a:p>
             <a:fld id="{0560A9CD-0304-4E0B-9E82-E7E0115DE05B}" type="datetimeFigureOut">
               <a:rPr lang="en-US" smtClean="0"/>
-              <a:t>1/30/2024</a:t>
+              <a:t>2/5/2024</a:t>
             </a:fld>
             <a:endParaRPr lang="en-US"/>
           </a:p>
@@ -2960,7 +3050,7 @@
           <a:p>
             <a:fld id="{0560A9CD-0304-4E0B-9E82-E7E0115DE05B}" type="datetimeFigureOut">
               <a:rPr lang="en-US" smtClean="0"/>
-              <a:t>1/30/2024</a:t>
+              <a:t>2/5/2024</a:t>
             </a:fld>
             <a:endParaRPr lang="en-US"/>
           </a:p>
@@ -3324,7 +3414,7 @@
           <a:p>
             <a:fld id="{0560A9CD-0304-4E0B-9E82-E7E0115DE05B}" type="datetimeFigureOut">
               <a:rPr lang="en-US" smtClean="0"/>
-              <a:t>1/30/2024</a:t>
+              <a:t>2/5/2024</a:t>
             </a:fld>
             <a:endParaRPr lang="en-US"/>
           </a:p>
@@ -3441,7 +3531,7 @@
           <a:p>
             <a:fld id="{0560A9CD-0304-4E0B-9E82-E7E0115DE05B}" type="datetimeFigureOut">
               <a:rPr lang="en-US" smtClean="0"/>
-              <a:t>1/30/2024</a:t>
+              <a:t>2/5/2024</a:t>
             </a:fld>
             <a:endParaRPr lang="en-US"/>
           </a:p>
@@ -3536,7 +3626,7 @@
           <a:p>
             <a:fld id="{0560A9CD-0304-4E0B-9E82-E7E0115DE05B}" type="datetimeFigureOut">
               <a:rPr lang="en-US" smtClean="0"/>
-              <a:t>1/30/2024</a:t>
+              <a:t>2/5/2024</a:t>
             </a:fld>
             <a:endParaRPr lang="en-US"/>
           </a:p>
@@ -3811,7 +3901,7 @@
           <a:p>
             <a:fld id="{0560A9CD-0304-4E0B-9E82-E7E0115DE05B}" type="datetimeFigureOut">
               <a:rPr lang="en-US" smtClean="0"/>
-              <a:t>1/30/2024</a:t>
+              <a:t>2/5/2024</a:t>
             </a:fld>
             <a:endParaRPr lang="en-US"/>
           </a:p>
@@ -4063,7 +4153,7 @@
           <a:p>
             <a:fld id="{0560A9CD-0304-4E0B-9E82-E7E0115DE05B}" type="datetimeFigureOut">
               <a:rPr lang="en-US" smtClean="0"/>
-              <a:t>1/30/2024</a:t>
+              <a:t>2/5/2024</a:t>
             </a:fld>
             <a:endParaRPr lang="en-US"/>
           </a:p>
@@ -4274,7 +4364,7 @@
           <a:p>
             <a:fld id="{0560A9CD-0304-4E0B-9E82-E7E0115DE05B}" type="datetimeFigureOut">
               <a:rPr lang="en-US" smtClean="0"/>
-              <a:t>1/30/2024</a:t>
+              <a:t>2/5/2024</a:t>
             </a:fld>
             <a:endParaRPr lang="en-US"/>
           </a:p>
@@ -4770,6 +4860,1138 @@
 </file>
 
 <file path=ppt/slides/slide10.xml><?xml version="1.0" encoding="utf-8"?>
+<p:sld xmlns:a="http://schemas.openxmlformats.org/drawingml/2006/main" xmlns:r="http://schemas.openxmlformats.org/officeDocument/2006/relationships" xmlns:p="http://schemas.openxmlformats.org/presentationml/2006/main">
+  <p:cSld>
+    <p:spTree>
+      <p:nvGrpSpPr>
+        <p:cNvPr id="1" name=""/>
+        <p:cNvGrpSpPr/>
+        <p:nvPr/>
+      </p:nvGrpSpPr>
+      <p:grpSpPr>
+        <a:xfrm>
+          <a:off x="0" y="0"/>
+          <a:ext cx="0" cy="0"/>
+          <a:chOff x="0" y="0"/>
+          <a:chExt cx="0" cy="0"/>
+        </a:xfrm>
+      </p:grpSpPr>
+      <p:sp>
+        <p:nvSpPr>
+          <p:cNvPr id="2" name="Title 1">
+            <a:extLst>
+              <a:ext uri="{FF2B5EF4-FFF2-40B4-BE49-F238E27FC236}">
+                <a16:creationId xmlns:a16="http://schemas.microsoft.com/office/drawing/2014/main" id="{91BDC123-E5D6-4B1E-838D-428C0508E6B1}"/>
+              </a:ext>
+            </a:extLst>
+          </p:cNvPr>
+          <p:cNvSpPr>
+            <a:spLocks noGrp="1"/>
+          </p:cNvSpPr>
+          <p:nvPr>
+            <p:ph type="title"/>
+          </p:nvPr>
+        </p:nvSpPr>
+        <p:spPr/>
+        <p:txBody>
+          <a:bodyPr/>
+          <a:lstStyle/>
+          <a:p>
+            <a:r>
+              <a:rPr lang="da-DK" dirty="0"/>
+              <a:t>Common </a:t>
+            </a:r>
+            <a:r>
+              <a:rPr lang="da-DK" dirty="0" err="1"/>
+              <a:t>mistake</a:t>
+            </a:r>
+            <a:endParaRPr lang="da-DK" dirty="0"/>
+          </a:p>
+        </p:txBody>
+      </p:sp>
+      <p:graphicFrame>
+        <p:nvGraphicFramePr>
+          <p:cNvPr id="4" name="Table 3">
+            <a:extLst>
+              <a:ext uri="{FF2B5EF4-FFF2-40B4-BE49-F238E27FC236}">
+                <a16:creationId xmlns:a16="http://schemas.microsoft.com/office/drawing/2014/main" id="{E47B0A96-A9F4-4F69-8933-393AB0B1C5AE}"/>
+              </a:ext>
+            </a:extLst>
+          </p:cNvPr>
+          <p:cNvGraphicFramePr>
+            <a:graphicFrameLocks noGrp="1"/>
+          </p:cNvGraphicFramePr>
+          <p:nvPr>
+            <p:extLst>
+              <p:ext uri="{D42A27DB-BD31-4B8C-83A1-F6EECF244321}">
+                <p14:modId xmlns:p14="http://schemas.microsoft.com/office/powerpoint/2010/main" val="1708989440"/>
+              </p:ext>
+            </p:extLst>
+          </p:nvPr>
+        </p:nvGraphicFramePr>
+        <p:xfrm>
+          <a:off x="1973378" y="2331128"/>
+          <a:ext cx="3763391" cy="3216577"/>
+        </p:xfrm>
+        <a:graphic>
+          <a:graphicData uri="http://schemas.openxmlformats.org/drawingml/2006/table">
+            <a:tbl>
+              <a:tblPr firstRow="1" bandRow="1">
+                <a:tableStyleId>{5C22544A-7EE6-4342-B048-85BDC9FD1C3A}</a:tableStyleId>
+              </a:tblPr>
+              <a:tblGrid>
+                <a:gridCol w="3763391">
+                  <a:extLst>
+                    <a:ext uri="{9D8B030D-6E8A-4147-A177-3AD203B41FA5}">
+                      <a16:colId xmlns:a16="http://schemas.microsoft.com/office/drawing/2014/main" val="1873682825"/>
+                    </a:ext>
+                  </a:extLst>
+                </a:gridCol>
+              </a:tblGrid>
+              <a:tr h="313378">
+                <a:tc>
+                  <a:txBody>
+                    <a:bodyPr/>
+                    <a:lstStyle/>
+                    <a:p>
+                      <a:r>
+                        <a:rPr lang="da-DK" sz="1800" b="1" dirty="0">
+                          <a:latin typeface="Courier New" panose="02070309020205020404" pitchFamily="49" charset="0"/>
+                          <a:cs typeface="Courier New" panose="02070309020205020404" pitchFamily="49" charset="0"/>
+                        </a:rPr>
+                        <a:t>if-if.py</a:t>
+                      </a:r>
+                    </a:p>
+                  </a:txBody>
+                  <a:tcPr anchor="ctr">
+                    <a:lnL w="6350" cap="flat" cmpd="sng" algn="ctr">
+                      <a:solidFill>
+                        <a:schemeClr val="tx1"/>
+                      </a:solidFill>
+                      <a:prstDash val="solid"/>
+                      <a:round/>
+                      <a:headEnd type="none" w="med" len="med"/>
+                      <a:tailEnd type="none" w="med" len="med"/>
+                    </a:lnL>
+                    <a:lnR w="6350" cap="flat" cmpd="sng" algn="ctr">
+                      <a:solidFill>
+                        <a:schemeClr val="tx1"/>
+                      </a:solidFill>
+                      <a:prstDash val="solid"/>
+                      <a:round/>
+                      <a:headEnd type="none" w="med" len="med"/>
+                      <a:tailEnd type="none" w="med" len="med"/>
+                    </a:lnR>
+                    <a:lnT w="6350" cap="flat" cmpd="sng" algn="ctr">
+                      <a:solidFill>
+                        <a:schemeClr val="tx1"/>
+                      </a:solidFill>
+                      <a:prstDash val="solid"/>
+                      <a:round/>
+                      <a:headEnd type="none" w="med" len="med"/>
+                      <a:tailEnd type="none" w="med" len="med"/>
+                    </a:lnT>
+                    <a:lnB w="6350" cap="flat" cmpd="sng" algn="ctr">
+                      <a:solidFill>
+                        <a:schemeClr val="tx1"/>
+                      </a:solidFill>
+                      <a:prstDash val="solid"/>
+                      <a:round/>
+                      <a:headEnd type="none" w="med" len="med"/>
+                      <a:tailEnd type="none" w="med" len="med"/>
+                    </a:lnB>
+                    <a:lnTlToBr w="12700" cmpd="sng">
+                      <a:noFill/>
+                      <a:prstDash val="solid"/>
+                    </a:lnTlToBr>
+                    <a:lnBlToTr w="12700" cmpd="sng">
+                      <a:noFill/>
+                      <a:prstDash val="solid"/>
+                    </a:lnBlToTr>
+                    <a:solidFill>
+                      <a:srgbClr val="C00000"/>
+                    </a:solidFill>
+                  </a:tcPr>
+                </a:tc>
+                <a:extLst>
+                  <a:ext uri="{0D108BD9-81ED-4DB2-BD59-A6C34878D82A}">
+                    <a16:rowId xmlns:a16="http://schemas.microsoft.com/office/drawing/2014/main" val="3330819881"/>
+                  </a:ext>
+                </a:extLst>
+              </a:tr>
+              <a:tr h="783445">
+                <a:tc>
+                  <a:txBody>
+                    <a:bodyPr/>
+                    <a:lstStyle/>
+                    <a:p>
+                      <a:pPr>
+                        <a:spcAft>
+                          <a:spcPts val="600"/>
+                        </a:spcAft>
+                      </a:pPr>
+                      <a:r>
+                        <a:rPr lang="en-US" sz="1800" b="1" dirty="0">
+                          <a:solidFill>
+                            <a:schemeClr val="tx1"/>
+                          </a:solidFill>
+                          <a:latin typeface="Courier New" panose="02070309020205020404" pitchFamily="49" charset="0"/>
+                          <a:cs typeface="Courier New" panose="02070309020205020404" pitchFamily="49" charset="0"/>
+                        </a:rPr>
+                        <a:t>x = int(input())</a:t>
+                      </a:r>
+                    </a:p>
+                    <a:p>
+                      <a:r>
+                        <a:rPr lang="en-US" sz="1800" b="1" dirty="0">
+                          <a:solidFill>
+                            <a:schemeClr val="tx1"/>
+                          </a:solidFill>
+                          <a:latin typeface="Courier New" panose="02070309020205020404" pitchFamily="49" charset="0"/>
+                          <a:cs typeface="Courier New" panose="02070309020205020404" pitchFamily="49" charset="0"/>
+                        </a:rPr>
+                        <a:t>if x == 0:</a:t>
+                      </a:r>
+                    </a:p>
+                    <a:p>
+                      <a:r>
+                        <a:rPr lang="en-US" sz="1800" b="1" dirty="0">
+                          <a:solidFill>
+                            <a:schemeClr val="tx1"/>
+                          </a:solidFill>
+                          <a:latin typeface="Courier New" panose="02070309020205020404" pitchFamily="49" charset="0"/>
+                          <a:cs typeface="Courier New" panose="02070309020205020404" pitchFamily="49" charset="0"/>
+                        </a:rPr>
+                        <a:t>    print('zero')</a:t>
+                      </a:r>
+                    </a:p>
+                    <a:p>
+                      <a:r>
+                        <a:rPr lang="en-US" sz="1800" b="1" dirty="0">
+                          <a:solidFill>
+                            <a:srgbClr val="C00000"/>
+                          </a:solidFill>
+                          <a:latin typeface="Courier New" panose="02070309020205020404" pitchFamily="49" charset="0"/>
+                          <a:cs typeface="Courier New" panose="02070309020205020404" pitchFamily="49" charset="0"/>
+                        </a:rPr>
+                        <a:t>if</a:t>
+                      </a:r>
+                      <a:r>
+                        <a:rPr lang="en-US" sz="1800" b="1" dirty="0">
+                          <a:solidFill>
+                            <a:schemeClr val="tx1"/>
+                          </a:solidFill>
+                          <a:latin typeface="Courier New" panose="02070309020205020404" pitchFamily="49" charset="0"/>
+                          <a:cs typeface="Courier New" panose="02070309020205020404" pitchFamily="49" charset="0"/>
+                        </a:rPr>
+                        <a:t> x % 2 == 0:</a:t>
+                      </a:r>
+                    </a:p>
+                    <a:p>
+                      <a:r>
+                        <a:rPr lang="en-US" sz="1800" b="1" dirty="0">
+                          <a:solidFill>
+                            <a:schemeClr val="tx1"/>
+                          </a:solidFill>
+                          <a:latin typeface="Courier New" panose="02070309020205020404" pitchFamily="49" charset="0"/>
+                          <a:cs typeface="Courier New" panose="02070309020205020404" pitchFamily="49" charset="0"/>
+                        </a:rPr>
+                        <a:t>    print('even')</a:t>
+                      </a:r>
+                    </a:p>
+                  </a:txBody>
+                  <a:tcPr>
+                    <a:lnL w="6350" cap="flat" cmpd="sng" algn="ctr">
+                      <a:solidFill>
+                        <a:schemeClr val="tx1"/>
+                      </a:solidFill>
+                      <a:prstDash val="solid"/>
+                      <a:round/>
+                      <a:headEnd type="none" w="med" len="med"/>
+                      <a:tailEnd type="none" w="med" len="med"/>
+                    </a:lnL>
+                    <a:lnR w="6350" cap="flat" cmpd="sng" algn="ctr">
+                      <a:solidFill>
+                        <a:schemeClr val="tx1"/>
+                      </a:solidFill>
+                      <a:prstDash val="solid"/>
+                      <a:round/>
+                      <a:headEnd type="none" w="med" len="med"/>
+                      <a:tailEnd type="none" w="med" len="med"/>
+                    </a:lnR>
+                    <a:lnT w="6350" cap="flat" cmpd="sng" algn="ctr">
+                      <a:solidFill>
+                        <a:schemeClr val="tx1"/>
+                      </a:solidFill>
+                      <a:prstDash val="solid"/>
+                      <a:round/>
+                      <a:headEnd type="none" w="med" len="med"/>
+                      <a:tailEnd type="none" w="med" len="med"/>
+                    </a:lnT>
+                    <a:lnB w="6350" cap="flat" cmpd="sng" algn="ctr">
+                      <a:solidFill>
+                        <a:schemeClr val="tx1"/>
+                      </a:solidFill>
+                      <a:prstDash val="solid"/>
+                      <a:round/>
+                      <a:headEnd type="none" w="med" len="med"/>
+                      <a:tailEnd type="none" w="med" len="med"/>
+                    </a:lnB>
+                    <a:lnTlToBr w="12700" cmpd="sng">
+                      <a:noFill/>
+                      <a:prstDash val="solid"/>
+                    </a:lnTlToBr>
+                    <a:lnBlToTr w="12700" cmpd="sng">
+                      <a:noFill/>
+                      <a:prstDash val="solid"/>
+                    </a:lnBlToTr>
+                    <a:solidFill>
+                      <a:schemeClr val="accent5">
+                        <a:lumMod val="20000"/>
+                        <a:lumOff val="80000"/>
+                      </a:schemeClr>
+                    </a:solidFill>
+                  </a:tcPr>
+                </a:tc>
+                <a:extLst>
+                  <a:ext uri="{0D108BD9-81ED-4DB2-BD59-A6C34878D82A}">
+                    <a16:rowId xmlns:a16="http://schemas.microsoft.com/office/drawing/2014/main" val="4112970457"/>
+                  </a:ext>
+                </a:extLst>
+              </a:tr>
+              <a:tr h="313378">
+                <a:tc>
+                  <a:txBody>
+                    <a:bodyPr/>
+                    <a:lstStyle/>
+                    <a:p>
+                      <a:r>
+                        <a:rPr lang="pt-BR" sz="1800" b="1" dirty="0">
+                          <a:solidFill>
+                            <a:schemeClr val="bg1"/>
+                          </a:solidFill>
+                          <a:latin typeface="Courier New" panose="02070309020205020404" pitchFamily="49" charset="0"/>
+                          <a:cs typeface="Courier New" panose="02070309020205020404" pitchFamily="49" charset="0"/>
+                        </a:rPr>
+                        <a:t>Python shell</a:t>
+                      </a:r>
+                    </a:p>
+                  </a:txBody>
+                  <a:tcPr>
+                    <a:lnL w="6350" cap="flat" cmpd="sng" algn="ctr">
+                      <a:solidFill>
+                        <a:schemeClr val="tx1"/>
+                      </a:solidFill>
+                      <a:prstDash val="solid"/>
+                      <a:round/>
+                      <a:headEnd type="none" w="med" len="med"/>
+                      <a:tailEnd type="none" w="med" len="med"/>
+                    </a:lnL>
+                    <a:lnR w="6350" cap="flat" cmpd="sng" algn="ctr">
+                      <a:solidFill>
+                        <a:schemeClr val="tx1"/>
+                      </a:solidFill>
+                      <a:prstDash val="solid"/>
+                      <a:round/>
+                      <a:headEnd type="none" w="med" len="med"/>
+                      <a:tailEnd type="none" w="med" len="med"/>
+                    </a:lnR>
+                    <a:lnT w="6350" cap="flat" cmpd="sng" algn="ctr">
+                      <a:solidFill>
+                        <a:schemeClr val="tx1"/>
+                      </a:solidFill>
+                      <a:prstDash val="solid"/>
+                      <a:round/>
+                      <a:headEnd type="none" w="med" len="med"/>
+                      <a:tailEnd type="none" w="med" len="med"/>
+                    </a:lnT>
+                    <a:lnB w="6350" cap="flat" cmpd="sng" algn="ctr">
+                      <a:solidFill>
+                        <a:schemeClr val="tx1"/>
+                      </a:solidFill>
+                      <a:prstDash val="solid"/>
+                      <a:round/>
+                      <a:headEnd type="none" w="med" len="med"/>
+                      <a:tailEnd type="none" w="med" len="med"/>
+                    </a:lnB>
+                    <a:lnTlToBr w="12700" cmpd="sng">
+                      <a:noFill/>
+                      <a:prstDash val="solid"/>
+                    </a:lnTlToBr>
+                    <a:lnBlToTr w="12700" cmpd="sng">
+                      <a:noFill/>
+                      <a:prstDash val="solid"/>
+                    </a:lnBlToTr>
+                    <a:solidFill>
+                      <a:srgbClr val="C00000"/>
+                    </a:solidFill>
+                  </a:tcPr>
+                </a:tc>
+                <a:extLst>
+                  <a:ext uri="{0D108BD9-81ED-4DB2-BD59-A6C34878D82A}">
+                    <a16:rowId xmlns:a16="http://schemas.microsoft.com/office/drawing/2014/main" val="3167765046"/>
+                  </a:ext>
+                </a:extLst>
+              </a:tr>
+              <a:tr h="945817">
+                <a:tc>
+                  <a:txBody>
+                    <a:bodyPr/>
+                    <a:lstStyle/>
+                    <a:p>
+                      <a:pPr marL="266700" indent="-266700">
+                        <a:buClr>
+                          <a:srgbClr val="C00000"/>
+                        </a:buClr>
+                        <a:buSzPct val="100000"/>
+                        <a:buFont typeface="Courier New" panose="02070309020205020404" pitchFamily="49" charset="0"/>
+                        <a:buChar char="&gt;"/>
+                      </a:pPr>
+                      <a:r>
+                        <a:rPr lang="en-US" sz="1800" b="1" dirty="0">
+                          <a:latin typeface="Courier New" panose="02070309020205020404" pitchFamily="49" charset="0"/>
+                          <a:cs typeface="Courier New" panose="02070309020205020404" pitchFamily="49" charset="0"/>
+                        </a:rPr>
+                        <a:t>0</a:t>
+                      </a:r>
+                    </a:p>
+                    <a:p>
+                      <a:pPr marL="266700" marR="0" lvl="0" indent="-266700" algn="l" defTabSz="914400" rtl="0" eaLnBrk="1" fontAlgn="auto" latinLnBrk="0" hangingPunct="1">
+                        <a:lnSpc>
+                          <a:spcPct val="100000"/>
+                        </a:lnSpc>
+                        <a:spcBef>
+                          <a:spcPts val="0"/>
+                        </a:spcBef>
+                        <a:spcAft>
+                          <a:spcPts val="0"/>
+                        </a:spcAft>
+                        <a:buClr>
+                          <a:schemeClr val="accent1">
+                            <a:lumMod val="50000"/>
+                          </a:schemeClr>
+                        </a:buClr>
+                        <a:buSzPct val="120000"/>
+                        <a:buFont typeface="Courier New" panose="02070309020205020404" pitchFamily="49" charset="0"/>
+                        <a:buChar char="|"/>
+                        <a:tabLst/>
+                        <a:defRPr/>
+                      </a:pPr>
+                      <a:r>
+                        <a:rPr lang="en-US" sz="1800" b="1" dirty="0">
+                          <a:latin typeface="Courier New" panose="02070309020205020404" pitchFamily="49" charset="0"/>
+                          <a:cs typeface="Courier New" panose="02070309020205020404" pitchFamily="49" charset="0"/>
+                        </a:rPr>
+                        <a:t>zero</a:t>
+                      </a:r>
+                    </a:p>
+                    <a:p>
+                      <a:pPr marL="266700" marR="0" lvl="0" indent="-266700" algn="l" defTabSz="914400" rtl="0" eaLnBrk="1" fontAlgn="auto" latinLnBrk="0" hangingPunct="1">
+                        <a:lnSpc>
+                          <a:spcPct val="100000"/>
+                        </a:lnSpc>
+                        <a:spcBef>
+                          <a:spcPts val="0"/>
+                        </a:spcBef>
+                        <a:spcAft>
+                          <a:spcPts val="0"/>
+                        </a:spcAft>
+                        <a:buClr>
+                          <a:schemeClr val="accent1">
+                            <a:lumMod val="50000"/>
+                          </a:schemeClr>
+                        </a:buClr>
+                        <a:buSzPct val="120000"/>
+                        <a:buFont typeface="Courier New" panose="02070309020205020404" pitchFamily="49" charset="0"/>
+                        <a:buChar char="|"/>
+                        <a:tabLst/>
+                        <a:defRPr/>
+                      </a:pPr>
+                      <a:r>
+                        <a:rPr lang="en-US" sz="1800" b="1" dirty="0">
+                          <a:latin typeface="Courier New" panose="02070309020205020404" pitchFamily="49" charset="0"/>
+                          <a:cs typeface="Courier New" panose="02070309020205020404" pitchFamily="49" charset="0"/>
+                        </a:rPr>
+                        <a:t>even</a:t>
+                      </a:r>
+                      <a:endParaRPr lang="en-US" sz="1400" b="1" dirty="0">
+                        <a:solidFill>
+                          <a:srgbClr val="C00000"/>
+                        </a:solidFill>
+                        <a:latin typeface="Courier New" panose="02070309020205020404" pitchFamily="49" charset="0"/>
+                        <a:cs typeface="Courier New" panose="02070309020205020404" pitchFamily="49" charset="0"/>
+                      </a:endParaRPr>
+                    </a:p>
+                  </a:txBody>
+                  <a:tcPr>
+                    <a:lnL w="6350" cap="flat" cmpd="sng" algn="ctr">
+                      <a:solidFill>
+                        <a:schemeClr val="tx1"/>
+                      </a:solidFill>
+                      <a:prstDash val="solid"/>
+                      <a:round/>
+                      <a:headEnd type="none" w="med" len="med"/>
+                      <a:tailEnd type="none" w="med" len="med"/>
+                    </a:lnL>
+                    <a:lnR w="6350" cap="flat" cmpd="sng" algn="ctr">
+                      <a:solidFill>
+                        <a:schemeClr val="tx1"/>
+                      </a:solidFill>
+                      <a:prstDash val="solid"/>
+                      <a:round/>
+                      <a:headEnd type="none" w="med" len="med"/>
+                      <a:tailEnd type="none" w="med" len="med"/>
+                    </a:lnR>
+                    <a:lnT w="6350" cap="flat" cmpd="sng" algn="ctr">
+                      <a:solidFill>
+                        <a:schemeClr val="tx1"/>
+                      </a:solidFill>
+                      <a:prstDash val="solid"/>
+                      <a:round/>
+                      <a:headEnd type="none" w="med" len="med"/>
+                      <a:tailEnd type="none" w="med" len="med"/>
+                    </a:lnT>
+                    <a:lnB w="6350" cap="flat" cmpd="sng" algn="ctr">
+                      <a:solidFill>
+                        <a:schemeClr val="tx1"/>
+                      </a:solidFill>
+                      <a:prstDash val="solid"/>
+                      <a:round/>
+                      <a:headEnd type="none" w="med" len="med"/>
+                      <a:tailEnd type="none" w="med" len="med"/>
+                    </a:lnB>
+                    <a:lnTlToBr w="12700" cmpd="sng">
+                      <a:noFill/>
+                      <a:prstDash val="solid"/>
+                    </a:lnTlToBr>
+                    <a:lnBlToTr w="12700" cmpd="sng">
+                      <a:noFill/>
+                      <a:prstDash val="solid"/>
+                    </a:lnBlToTr>
+                    <a:solidFill>
+                      <a:schemeClr val="accent5">
+                        <a:lumMod val="20000"/>
+                        <a:lumOff val="80000"/>
+                      </a:schemeClr>
+                    </a:solidFill>
+                  </a:tcPr>
+                </a:tc>
+                <a:extLst>
+                  <a:ext uri="{0D108BD9-81ED-4DB2-BD59-A6C34878D82A}">
+                    <a16:rowId xmlns:a16="http://schemas.microsoft.com/office/drawing/2014/main" val="4204568129"/>
+                  </a:ext>
+                </a:extLst>
+              </a:tr>
+            </a:tbl>
+          </a:graphicData>
+        </a:graphic>
+      </p:graphicFrame>
+      <p:graphicFrame>
+        <p:nvGraphicFramePr>
+          <p:cNvPr id="5" name="Table 4">
+            <a:extLst>
+              <a:ext uri="{FF2B5EF4-FFF2-40B4-BE49-F238E27FC236}">
+                <a16:creationId xmlns:a16="http://schemas.microsoft.com/office/drawing/2014/main" id="{84A6A35F-BAC9-4890-8CB9-B588AA5F8D34}"/>
+              </a:ext>
+            </a:extLst>
+          </p:cNvPr>
+          <p:cNvGraphicFramePr>
+            <a:graphicFrameLocks noGrp="1"/>
+          </p:cNvGraphicFramePr>
+          <p:nvPr>
+            <p:extLst>
+              <p:ext uri="{D42A27DB-BD31-4B8C-83A1-F6EECF244321}">
+                <p14:modId xmlns:p14="http://schemas.microsoft.com/office/powerpoint/2010/main" val="1779953135"/>
+              </p:ext>
+            </p:extLst>
+          </p:nvPr>
+        </p:nvGraphicFramePr>
+        <p:xfrm>
+          <a:off x="6455233" y="2326478"/>
+          <a:ext cx="3763391" cy="3216577"/>
+        </p:xfrm>
+        <a:graphic>
+          <a:graphicData uri="http://schemas.openxmlformats.org/drawingml/2006/table">
+            <a:tbl>
+              <a:tblPr firstRow="1" bandRow="1">
+                <a:tableStyleId>{5C22544A-7EE6-4342-B048-85BDC9FD1C3A}</a:tableStyleId>
+              </a:tblPr>
+              <a:tblGrid>
+                <a:gridCol w="3763391">
+                  <a:extLst>
+                    <a:ext uri="{9D8B030D-6E8A-4147-A177-3AD203B41FA5}">
+                      <a16:colId xmlns:a16="http://schemas.microsoft.com/office/drawing/2014/main" val="1873682825"/>
+                    </a:ext>
+                  </a:extLst>
+                </a:gridCol>
+              </a:tblGrid>
+              <a:tr h="313378">
+                <a:tc>
+                  <a:txBody>
+                    <a:bodyPr/>
+                    <a:lstStyle/>
+                    <a:p>
+                      <a:r>
+                        <a:rPr lang="da-DK" sz="1800" b="1" dirty="0">
+                          <a:latin typeface="Courier New" panose="02070309020205020404" pitchFamily="49" charset="0"/>
+                          <a:cs typeface="Courier New" panose="02070309020205020404" pitchFamily="49" charset="0"/>
+                        </a:rPr>
+                        <a:t>if-elif.py</a:t>
+                      </a:r>
+                    </a:p>
+                  </a:txBody>
+                  <a:tcPr anchor="ctr">
+                    <a:lnL w="6350" cap="flat" cmpd="sng" algn="ctr">
+                      <a:solidFill>
+                        <a:schemeClr val="tx1"/>
+                      </a:solidFill>
+                      <a:prstDash val="solid"/>
+                      <a:round/>
+                      <a:headEnd type="none" w="med" len="med"/>
+                      <a:tailEnd type="none" w="med" len="med"/>
+                    </a:lnL>
+                    <a:lnR w="6350" cap="flat" cmpd="sng" algn="ctr">
+                      <a:solidFill>
+                        <a:schemeClr val="tx1"/>
+                      </a:solidFill>
+                      <a:prstDash val="solid"/>
+                      <a:round/>
+                      <a:headEnd type="none" w="med" len="med"/>
+                      <a:tailEnd type="none" w="med" len="med"/>
+                    </a:lnR>
+                    <a:lnT w="6350" cap="flat" cmpd="sng" algn="ctr">
+                      <a:solidFill>
+                        <a:schemeClr val="tx1"/>
+                      </a:solidFill>
+                      <a:prstDash val="solid"/>
+                      <a:round/>
+                      <a:headEnd type="none" w="med" len="med"/>
+                      <a:tailEnd type="none" w="med" len="med"/>
+                    </a:lnT>
+                    <a:lnB w="6350" cap="flat" cmpd="sng" algn="ctr">
+                      <a:solidFill>
+                        <a:schemeClr val="tx1"/>
+                      </a:solidFill>
+                      <a:prstDash val="solid"/>
+                      <a:round/>
+                      <a:headEnd type="none" w="med" len="med"/>
+                      <a:tailEnd type="none" w="med" len="med"/>
+                    </a:lnB>
+                    <a:lnTlToBr w="12700" cmpd="sng">
+                      <a:noFill/>
+                      <a:prstDash val="solid"/>
+                    </a:lnTlToBr>
+                    <a:lnBlToTr w="12700" cmpd="sng">
+                      <a:noFill/>
+                      <a:prstDash val="solid"/>
+                    </a:lnBlToTr>
+                    <a:solidFill>
+                      <a:srgbClr val="C00000"/>
+                    </a:solidFill>
+                  </a:tcPr>
+                </a:tc>
+                <a:extLst>
+                  <a:ext uri="{0D108BD9-81ED-4DB2-BD59-A6C34878D82A}">
+                    <a16:rowId xmlns:a16="http://schemas.microsoft.com/office/drawing/2014/main" val="3330819881"/>
+                  </a:ext>
+                </a:extLst>
+              </a:tr>
+              <a:tr h="783445">
+                <a:tc>
+                  <a:txBody>
+                    <a:bodyPr/>
+                    <a:lstStyle/>
+                    <a:p>
+                      <a:pPr>
+                        <a:spcAft>
+                          <a:spcPts val="600"/>
+                        </a:spcAft>
+                      </a:pPr>
+                      <a:r>
+                        <a:rPr lang="en-US" sz="1800" b="1" dirty="0">
+                          <a:solidFill>
+                            <a:schemeClr val="tx1"/>
+                          </a:solidFill>
+                          <a:latin typeface="Courier New" panose="02070309020205020404" pitchFamily="49" charset="0"/>
+                          <a:cs typeface="Courier New" panose="02070309020205020404" pitchFamily="49" charset="0"/>
+                        </a:rPr>
+                        <a:t>x = int(input())</a:t>
+                      </a:r>
+                    </a:p>
+                    <a:p>
+                      <a:r>
+                        <a:rPr lang="en-US" sz="1800" b="1" dirty="0">
+                          <a:solidFill>
+                            <a:schemeClr val="tx1"/>
+                          </a:solidFill>
+                          <a:latin typeface="Courier New" panose="02070309020205020404" pitchFamily="49" charset="0"/>
+                          <a:cs typeface="Courier New" panose="02070309020205020404" pitchFamily="49" charset="0"/>
+                        </a:rPr>
+                        <a:t>if x == 0:</a:t>
+                      </a:r>
+                    </a:p>
+                    <a:p>
+                      <a:r>
+                        <a:rPr lang="en-US" sz="1800" b="1" dirty="0">
+                          <a:solidFill>
+                            <a:schemeClr val="tx1"/>
+                          </a:solidFill>
+                          <a:latin typeface="Courier New" panose="02070309020205020404" pitchFamily="49" charset="0"/>
+                          <a:cs typeface="Courier New" panose="02070309020205020404" pitchFamily="49" charset="0"/>
+                        </a:rPr>
+                        <a:t>    print('zero')</a:t>
+                      </a:r>
+                    </a:p>
+                    <a:p>
+                      <a:r>
+                        <a:rPr lang="en-US" sz="1800" b="1" dirty="0" err="1">
+                          <a:solidFill>
+                            <a:srgbClr val="C00000"/>
+                          </a:solidFill>
+                          <a:latin typeface="Courier New" panose="02070309020205020404" pitchFamily="49" charset="0"/>
+                          <a:cs typeface="Courier New" panose="02070309020205020404" pitchFamily="49" charset="0"/>
+                        </a:rPr>
+                        <a:t>elif</a:t>
+                      </a:r>
+                      <a:r>
+                        <a:rPr lang="en-US" sz="1800" b="1" dirty="0">
+                          <a:solidFill>
+                            <a:schemeClr val="tx1"/>
+                          </a:solidFill>
+                          <a:latin typeface="Courier New" panose="02070309020205020404" pitchFamily="49" charset="0"/>
+                          <a:cs typeface="Courier New" panose="02070309020205020404" pitchFamily="49" charset="0"/>
+                        </a:rPr>
+                        <a:t> x % 2 == 0:</a:t>
+                      </a:r>
+                    </a:p>
+                    <a:p>
+                      <a:r>
+                        <a:rPr lang="en-US" sz="1800" b="1" dirty="0">
+                          <a:solidFill>
+                            <a:schemeClr val="tx1"/>
+                          </a:solidFill>
+                          <a:latin typeface="Courier New" panose="02070309020205020404" pitchFamily="49" charset="0"/>
+                          <a:cs typeface="Courier New" panose="02070309020205020404" pitchFamily="49" charset="0"/>
+                        </a:rPr>
+                        <a:t>    print('even')</a:t>
+                      </a:r>
+                    </a:p>
+                  </a:txBody>
+                  <a:tcPr>
+                    <a:lnL w="6350" cap="flat" cmpd="sng" algn="ctr">
+                      <a:solidFill>
+                        <a:schemeClr val="tx1"/>
+                      </a:solidFill>
+                      <a:prstDash val="solid"/>
+                      <a:round/>
+                      <a:headEnd type="none" w="med" len="med"/>
+                      <a:tailEnd type="none" w="med" len="med"/>
+                    </a:lnL>
+                    <a:lnR w="6350" cap="flat" cmpd="sng" algn="ctr">
+                      <a:solidFill>
+                        <a:schemeClr val="tx1"/>
+                      </a:solidFill>
+                      <a:prstDash val="solid"/>
+                      <a:round/>
+                      <a:headEnd type="none" w="med" len="med"/>
+                      <a:tailEnd type="none" w="med" len="med"/>
+                    </a:lnR>
+                    <a:lnT w="6350" cap="flat" cmpd="sng" algn="ctr">
+                      <a:solidFill>
+                        <a:schemeClr val="tx1"/>
+                      </a:solidFill>
+                      <a:prstDash val="solid"/>
+                      <a:round/>
+                      <a:headEnd type="none" w="med" len="med"/>
+                      <a:tailEnd type="none" w="med" len="med"/>
+                    </a:lnT>
+                    <a:lnB w="6350" cap="flat" cmpd="sng" algn="ctr">
+                      <a:solidFill>
+                        <a:schemeClr val="tx1"/>
+                      </a:solidFill>
+                      <a:prstDash val="solid"/>
+                      <a:round/>
+                      <a:headEnd type="none" w="med" len="med"/>
+                      <a:tailEnd type="none" w="med" len="med"/>
+                    </a:lnB>
+                    <a:lnTlToBr w="12700" cmpd="sng">
+                      <a:noFill/>
+                      <a:prstDash val="solid"/>
+                    </a:lnTlToBr>
+                    <a:lnBlToTr w="12700" cmpd="sng">
+                      <a:noFill/>
+                      <a:prstDash val="solid"/>
+                    </a:lnBlToTr>
+                    <a:solidFill>
+                      <a:schemeClr val="accent5">
+                        <a:lumMod val="20000"/>
+                        <a:lumOff val="80000"/>
+                      </a:schemeClr>
+                    </a:solidFill>
+                  </a:tcPr>
+                </a:tc>
+                <a:extLst>
+                  <a:ext uri="{0D108BD9-81ED-4DB2-BD59-A6C34878D82A}">
+                    <a16:rowId xmlns:a16="http://schemas.microsoft.com/office/drawing/2014/main" val="4112970457"/>
+                  </a:ext>
+                </a:extLst>
+              </a:tr>
+              <a:tr h="313378">
+                <a:tc>
+                  <a:txBody>
+                    <a:bodyPr/>
+                    <a:lstStyle/>
+                    <a:p>
+                      <a:r>
+                        <a:rPr lang="pt-BR" sz="1800" b="1" dirty="0">
+                          <a:solidFill>
+                            <a:schemeClr val="bg1"/>
+                          </a:solidFill>
+                          <a:latin typeface="Courier New" panose="02070309020205020404" pitchFamily="49" charset="0"/>
+                          <a:cs typeface="Courier New" panose="02070309020205020404" pitchFamily="49" charset="0"/>
+                        </a:rPr>
+                        <a:t>Python shell</a:t>
+                      </a:r>
+                    </a:p>
+                  </a:txBody>
+                  <a:tcPr>
+                    <a:lnL w="6350" cap="flat" cmpd="sng" algn="ctr">
+                      <a:solidFill>
+                        <a:schemeClr val="tx1"/>
+                      </a:solidFill>
+                      <a:prstDash val="solid"/>
+                      <a:round/>
+                      <a:headEnd type="none" w="med" len="med"/>
+                      <a:tailEnd type="none" w="med" len="med"/>
+                    </a:lnL>
+                    <a:lnR w="6350" cap="flat" cmpd="sng" algn="ctr">
+                      <a:solidFill>
+                        <a:schemeClr val="tx1"/>
+                      </a:solidFill>
+                      <a:prstDash val="solid"/>
+                      <a:round/>
+                      <a:headEnd type="none" w="med" len="med"/>
+                      <a:tailEnd type="none" w="med" len="med"/>
+                    </a:lnR>
+                    <a:lnT w="6350" cap="flat" cmpd="sng" algn="ctr">
+                      <a:solidFill>
+                        <a:schemeClr val="tx1"/>
+                      </a:solidFill>
+                      <a:prstDash val="solid"/>
+                      <a:round/>
+                      <a:headEnd type="none" w="med" len="med"/>
+                      <a:tailEnd type="none" w="med" len="med"/>
+                    </a:lnT>
+                    <a:lnB w="6350" cap="flat" cmpd="sng" algn="ctr">
+                      <a:solidFill>
+                        <a:schemeClr val="tx1"/>
+                      </a:solidFill>
+                      <a:prstDash val="solid"/>
+                      <a:round/>
+                      <a:headEnd type="none" w="med" len="med"/>
+                      <a:tailEnd type="none" w="med" len="med"/>
+                    </a:lnB>
+                    <a:lnTlToBr w="12700" cmpd="sng">
+                      <a:noFill/>
+                      <a:prstDash val="solid"/>
+                    </a:lnTlToBr>
+                    <a:lnBlToTr w="12700" cmpd="sng">
+                      <a:noFill/>
+                      <a:prstDash val="solid"/>
+                    </a:lnBlToTr>
+                    <a:solidFill>
+                      <a:srgbClr val="C00000"/>
+                    </a:solidFill>
+                  </a:tcPr>
+                </a:tc>
+                <a:extLst>
+                  <a:ext uri="{0D108BD9-81ED-4DB2-BD59-A6C34878D82A}">
+                    <a16:rowId xmlns:a16="http://schemas.microsoft.com/office/drawing/2014/main" val="3167765046"/>
+                  </a:ext>
+                </a:extLst>
+              </a:tr>
+              <a:tr h="945817">
+                <a:tc>
+                  <a:txBody>
+                    <a:bodyPr/>
+                    <a:lstStyle/>
+                    <a:p>
+                      <a:pPr marL="266700" indent="-266700">
+                        <a:buClr>
+                          <a:srgbClr val="C00000"/>
+                        </a:buClr>
+                        <a:buSzPct val="100000"/>
+                        <a:buFont typeface="Courier New" panose="02070309020205020404" pitchFamily="49" charset="0"/>
+                        <a:buChar char="&gt;"/>
+                      </a:pPr>
+                      <a:r>
+                        <a:rPr lang="en-US" sz="1800" b="1" dirty="0">
+                          <a:latin typeface="Courier New" panose="02070309020205020404" pitchFamily="49" charset="0"/>
+                          <a:cs typeface="Courier New" panose="02070309020205020404" pitchFamily="49" charset="0"/>
+                        </a:rPr>
+                        <a:t>0</a:t>
+                      </a:r>
+                    </a:p>
+                    <a:p>
+                      <a:pPr marL="266700" marR="0" lvl="0" indent="-266700" algn="l" defTabSz="914400" rtl="0" eaLnBrk="1" fontAlgn="auto" latinLnBrk="0" hangingPunct="1">
+                        <a:lnSpc>
+                          <a:spcPct val="100000"/>
+                        </a:lnSpc>
+                        <a:spcBef>
+                          <a:spcPts val="0"/>
+                        </a:spcBef>
+                        <a:spcAft>
+                          <a:spcPts val="0"/>
+                        </a:spcAft>
+                        <a:buClr>
+                          <a:schemeClr val="accent1">
+                            <a:lumMod val="50000"/>
+                          </a:schemeClr>
+                        </a:buClr>
+                        <a:buSzPct val="120000"/>
+                        <a:buFont typeface="Courier New" panose="02070309020205020404" pitchFamily="49" charset="0"/>
+                        <a:buChar char="|"/>
+                        <a:tabLst/>
+                        <a:defRPr/>
+                      </a:pPr>
+                      <a:r>
+                        <a:rPr lang="en-US" sz="1800" b="1" dirty="0">
+                          <a:latin typeface="Courier New" panose="02070309020205020404" pitchFamily="49" charset="0"/>
+                          <a:cs typeface="Courier New" panose="02070309020205020404" pitchFamily="49" charset="0"/>
+                        </a:rPr>
+                        <a:t>zero</a:t>
+                      </a:r>
+                    </a:p>
+                    <a:p>
+                      <a:pPr marL="0" marR="0" lvl="0" indent="0" algn="l" defTabSz="914400" rtl="0" eaLnBrk="1" fontAlgn="auto" latinLnBrk="0" hangingPunct="1">
+                        <a:lnSpc>
+                          <a:spcPct val="100000"/>
+                        </a:lnSpc>
+                        <a:spcBef>
+                          <a:spcPts val="0"/>
+                        </a:spcBef>
+                        <a:spcAft>
+                          <a:spcPts val="0"/>
+                        </a:spcAft>
+                        <a:buClr>
+                          <a:schemeClr val="accent1">
+                            <a:lumMod val="50000"/>
+                          </a:schemeClr>
+                        </a:buClr>
+                        <a:buSzPct val="120000"/>
+                        <a:buFont typeface="Courier New" panose="02070309020205020404" pitchFamily="49" charset="0"/>
+                        <a:buNone/>
+                        <a:tabLst/>
+                        <a:defRPr/>
+                      </a:pPr>
+                      <a:endParaRPr lang="en-US" sz="1400" b="1" dirty="0">
+                        <a:solidFill>
+                          <a:srgbClr val="C00000"/>
+                        </a:solidFill>
+                        <a:latin typeface="Courier New" panose="02070309020205020404" pitchFamily="49" charset="0"/>
+                        <a:cs typeface="Courier New" panose="02070309020205020404" pitchFamily="49" charset="0"/>
+                      </a:endParaRPr>
+                    </a:p>
+                  </a:txBody>
+                  <a:tcPr>
+                    <a:lnL w="6350" cap="flat" cmpd="sng" algn="ctr">
+                      <a:solidFill>
+                        <a:schemeClr val="tx1"/>
+                      </a:solidFill>
+                      <a:prstDash val="solid"/>
+                      <a:round/>
+                      <a:headEnd type="none" w="med" len="med"/>
+                      <a:tailEnd type="none" w="med" len="med"/>
+                    </a:lnL>
+                    <a:lnR w="6350" cap="flat" cmpd="sng" algn="ctr">
+                      <a:solidFill>
+                        <a:schemeClr val="tx1"/>
+                      </a:solidFill>
+                      <a:prstDash val="solid"/>
+                      <a:round/>
+                      <a:headEnd type="none" w="med" len="med"/>
+                      <a:tailEnd type="none" w="med" len="med"/>
+                    </a:lnR>
+                    <a:lnT w="6350" cap="flat" cmpd="sng" algn="ctr">
+                      <a:solidFill>
+                        <a:schemeClr val="tx1"/>
+                      </a:solidFill>
+                      <a:prstDash val="solid"/>
+                      <a:round/>
+                      <a:headEnd type="none" w="med" len="med"/>
+                      <a:tailEnd type="none" w="med" len="med"/>
+                    </a:lnT>
+                    <a:lnB w="6350" cap="flat" cmpd="sng" algn="ctr">
+                      <a:solidFill>
+                        <a:schemeClr val="tx1"/>
+                      </a:solidFill>
+                      <a:prstDash val="solid"/>
+                      <a:round/>
+                      <a:headEnd type="none" w="med" len="med"/>
+                      <a:tailEnd type="none" w="med" len="med"/>
+                    </a:lnB>
+                    <a:lnTlToBr w="12700" cmpd="sng">
+                      <a:noFill/>
+                      <a:prstDash val="solid"/>
+                    </a:lnTlToBr>
+                    <a:lnBlToTr w="12700" cmpd="sng">
+                      <a:noFill/>
+                      <a:prstDash val="solid"/>
+                    </a:lnBlToTr>
+                    <a:solidFill>
+                      <a:schemeClr val="accent5">
+                        <a:lumMod val="20000"/>
+                        <a:lumOff val="80000"/>
+                      </a:schemeClr>
+                    </a:solidFill>
+                  </a:tcPr>
+                </a:tc>
+                <a:extLst>
+                  <a:ext uri="{0D108BD9-81ED-4DB2-BD59-A6C34878D82A}">
+                    <a16:rowId xmlns:a16="http://schemas.microsoft.com/office/drawing/2014/main" val="4204568129"/>
+                  </a:ext>
+                </a:extLst>
+              </a:tr>
+            </a:tbl>
+          </a:graphicData>
+        </a:graphic>
+      </p:graphicFrame>
+      <p:pic>
+        <p:nvPicPr>
+          <p:cNvPr id="6" name="Picture 5">
+            <a:extLst>
+              <a:ext uri="{FF2B5EF4-FFF2-40B4-BE49-F238E27FC236}">
+                <a16:creationId xmlns:a16="http://schemas.microsoft.com/office/drawing/2014/main" id="{5F11C221-8A2B-4CD1-A546-36CEDD4082C4}"/>
+              </a:ext>
+            </a:extLst>
+          </p:cNvPr>
+          <p:cNvPicPr>
+            <a:picLocks noChangeAspect="1"/>
+          </p:cNvPicPr>
+          <p:nvPr/>
+        </p:nvPicPr>
+        <p:blipFill>
+          <a:blip r:embed="rId2" cstate="print">
+            <a:extLst>
+              <a:ext uri="{28A0092B-C50C-407E-A947-70E740481C1C}">
+                <a14:useLocalDpi xmlns:a14="http://schemas.microsoft.com/office/drawing/2010/main" val="0"/>
+              </a:ext>
+            </a:extLst>
+          </a:blip>
+          <a:stretch>
+            <a:fillRect/>
+          </a:stretch>
+        </p:blipFill>
+        <p:spPr>
+          <a:xfrm>
+            <a:off x="1293379" y="5137151"/>
+            <a:ext cx="487666" cy="405904"/>
+          </a:xfrm>
+          <a:prstGeom prst="rect">
+            <a:avLst/>
+          </a:prstGeom>
+        </p:spPr>
+      </p:pic>
+    </p:spTree>
+    <p:extLst>
+      <p:ext uri="{BB962C8B-B14F-4D97-AF65-F5344CB8AC3E}">
+        <p14:creationId xmlns:p14="http://schemas.microsoft.com/office/powerpoint/2010/main" val="795770451"/>
+      </p:ext>
+    </p:extLst>
+  </p:cSld>
+  <p:clrMapOvr>
+    <a:masterClrMapping/>
+  </p:clrMapOvr>
+  <p:timing>
+    <p:tnLst>
+      <p:par>
+        <p:cTn id="1" dur="indefinite" restart="never" nodeType="tmRoot">
+          <p:childTnLst>
+            <p:seq concurrent="1" nextAc="seek">
+              <p:cTn id="2" dur="indefinite" nodeType="mainSeq">
+                <p:childTnLst>
+                  <p:par>
+                    <p:cTn id="3" fill="hold">
+                      <p:stCondLst>
+                        <p:cond delay="indefinite"/>
+                        <p:cond evt="onBegin" delay="0">
+                          <p:tn val="2"/>
+                        </p:cond>
+                      </p:stCondLst>
+                      <p:childTnLst>
+                        <p:par>
+                          <p:cTn id="4" fill="hold">
+                            <p:stCondLst>
+                              <p:cond delay="0"/>
+                            </p:stCondLst>
+                            <p:childTnLst>
+                              <p:par>
+                                <p:cTn id="5" presetID="10" presetClass="entr" presetSubtype="0" fill="hold" nodeType="withEffect">
+                                  <p:stCondLst>
+                                    <p:cond delay="0"/>
+                                  </p:stCondLst>
+                                  <p:childTnLst>
+                                    <p:set>
+                                      <p:cBhvr>
+                                        <p:cTn id="6" dur="1" fill="hold">
+                                          <p:stCondLst>
+                                            <p:cond delay="0"/>
+                                          </p:stCondLst>
+                                        </p:cTn>
+                                        <p:tgtEl>
+                                          <p:spTgt spid="6"/>
+                                        </p:tgtEl>
+                                        <p:attrNameLst>
+                                          <p:attrName>style.visibility</p:attrName>
+                                        </p:attrNameLst>
+                                      </p:cBhvr>
+                                      <p:to>
+                                        <p:strVal val="visible"/>
+                                      </p:to>
+                                    </p:set>
+                                    <p:animEffect transition="in" filter="fade">
+                                      <p:cBhvr>
+                                        <p:cTn id="7" dur="500"/>
+                                        <p:tgtEl>
+                                          <p:spTgt spid="6"/>
+                                        </p:tgtEl>
+                                      </p:cBhvr>
+                                    </p:animEffect>
+                                  </p:childTnLst>
+                                </p:cTn>
+                              </p:par>
+                            </p:childTnLst>
+                          </p:cTn>
+                        </p:par>
+                      </p:childTnLst>
+                    </p:cTn>
+                  </p:par>
+                </p:childTnLst>
+              </p:cTn>
+              <p:prevCondLst>
+                <p:cond evt="onPrev" delay="0">
+                  <p:tgtEl>
+                    <p:sldTgt/>
+                  </p:tgtEl>
+                </p:cond>
+              </p:prevCondLst>
+              <p:nextCondLst>
+                <p:cond evt="onNext" delay="0">
+                  <p:tgtEl>
+                    <p:sldTgt/>
+                  </p:tgtEl>
+                </p:cond>
+              </p:nextCondLst>
+            </p:seq>
+          </p:childTnLst>
+        </p:cTn>
+      </p:par>
+    </p:tnLst>
+  </p:timing>
+</p:sld>
+</file>
+
+<file path=ppt/slides/slide11.xml><?xml version="1.0" encoding="utf-8"?>
 <p:sld xmlns:a="http://schemas.openxmlformats.org/drawingml/2006/main" xmlns:r="http://schemas.openxmlformats.org/officeDocument/2006/relationships" xmlns:p="http://schemas.openxmlformats.org/presentationml/2006/main">
   <p:cSld>
     <p:spTree>
@@ -5693,7 +6915,7 @@
 </p:sld>
 </file>
 
-<file path=ppt/slides/slide11.xml><?xml version="1.0" encoding="utf-8"?>
+<file path=ppt/slides/slide12.xml><?xml version="1.0" encoding="utf-8"?>
 <p:sld xmlns:a="http://schemas.openxmlformats.org/drawingml/2006/main" xmlns:r="http://schemas.openxmlformats.org/officeDocument/2006/relationships" xmlns:p="http://schemas.openxmlformats.org/presentationml/2006/main">
   <p:cSld>
     <p:spTree>
@@ -6744,7 +7966,7 @@
 </p:sld>
 </file>
 
-<file path=ppt/slides/slide12.xml><?xml version="1.0" encoding="utf-8"?>
+<file path=ppt/slides/slide13.xml><?xml version="1.0" encoding="utf-8"?>
 <p:sld xmlns:a="http://schemas.openxmlformats.org/drawingml/2006/main" xmlns:r="http://schemas.openxmlformats.org/officeDocument/2006/relationships" xmlns:p="http://schemas.openxmlformats.org/presentationml/2006/main">
   <p:cSld>
     <p:spTree>
@@ -8845,7 +10067,7 @@
 </p:sld>
 </file>
 
-<file path=ppt/slides/slide13.xml><?xml version="1.0" encoding="utf-8"?>
+<file path=ppt/slides/slide14.xml><?xml version="1.0" encoding="utf-8"?>
 <p:sld xmlns:a="http://schemas.openxmlformats.org/drawingml/2006/main" xmlns:r="http://schemas.openxmlformats.org/officeDocument/2006/relationships" xmlns:p="http://schemas.openxmlformats.org/presentationml/2006/main">
   <p:cSld>
     <p:spTree>
@@ -12340,7 +13562,7 @@
 </p:sld>
 </file>
 
-<file path=ppt/slides/slide14.xml><?xml version="1.0" encoding="utf-8"?>
+<file path=ppt/slides/slide15.xml><?xml version="1.0" encoding="utf-8"?>
 <p:sld xmlns:a="http://schemas.openxmlformats.org/drawingml/2006/main" xmlns:r="http://schemas.openxmlformats.org/officeDocument/2006/relationships" xmlns:p="http://schemas.openxmlformats.org/presentationml/2006/main">
   <p:cSld>
     <p:spTree>
@@ -19725,6 +20947,809 @@
 <file path=ppt/slides/slide7.xml><?xml version="1.0" encoding="utf-8"?>
 <p:sld xmlns:a="http://schemas.openxmlformats.org/drawingml/2006/main" xmlns:r="http://schemas.openxmlformats.org/officeDocument/2006/relationships" xmlns:p="http://schemas.openxmlformats.org/presentationml/2006/main">
   <p:cSld>
+    <p:spTree>
+      <p:nvGrpSpPr>
+        <p:cNvPr id="1" name=""/>
+        <p:cNvGrpSpPr/>
+        <p:nvPr/>
+      </p:nvGrpSpPr>
+      <p:grpSpPr>
+        <a:xfrm>
+          <a:off x="0" y="0"/>
+          <a:ext cx="0" cy="0"/>
+          <a:chOff x="0" y="0"/>
+          <a:chExt cx="0" cy="0"/>
+        </a:xfrm>
+      </p:grpSpPr>
+      <p:sp>
+        <p:nvSpPr>
+          <p:cNvPr id="2" name="Title 1">
+            <a:extLst>
+              <a:ext uri="{FF2B5EF4-FFF2-40B4-BE49-F238E27FC236}">
+                <a16:creationId xmlns:a16="http://schemas.microsoft.com/office/drawing/2014/main" id="{300D2980-7746-9AC1-E353-FFBFA32F3271}"/>
+              </a:ext>
+            </a:extLst>
+          </p:cNvPr>
+          <p:cNvSpPr>
+            <a:spLocks noGrp="1"/>
+          </p:cNvSpPr>
+          <p:nvPr>
+            <p:ph type="title"/>
+          </p:nvPr>
+        </p:nvSpPr>
+        <p:spPr/>
+        <p:txBody>
+          <a:bodyPr/>
+          <a:lstStyle/>
+          <a:p>
+            <a:r>
+              <a:rPr lang="da-DK" dirty="0" err="1"/>
+              <a:t>elif</a:t>
+            </a:r>
+            <a:r>
+              <a:rPr lang="da-DK" dirty="0"/>
+              <a:t> </a:t>
+            </a:r>
+            <a:r>
+              <a:rPr lang="da-DK" dirty="0" err="1"/>
+              <a:t>can</a:t>
+            </a:r>
+            <a:r>
+              <a:rPr lang="da-DK" dirty="0"/>
+              <a:t> </a:t>
+            </a:r>
+            <a:r>
+              <a:rPr lang="da-DK" dirty="0" err="1"/>
+              <a:t>make</a:t>
+            </a:r>
+            <a:r>
+              <a:rPr lang="da-DK" dirty="0"/>
+              <a:t> </a:t>
+            </a:r>
+            <a:r>
+              <a:rPr lang="da-DK" dirty="0" err="1"/>
+              <a:t>code</a:t>
+            </a:r>
+            <a:r>
+              <a:rPr lang="da-DK" dirty="0"/>
+              <a:t> </a:t>
+            </a:r>
+            <a:r>
+              <a:rPr lang="da-DK" dirty="0" err="1"/>
+              <a:t>nicer</a:t>
+            </a:r>
+            <a:r>
+              <a:rPr lang="da-DK" dirty="0"/>
+              <a:t> (</a:t>
+            </a:r>
+            <a:r>
+              <a:rPr lang="da-DK" dirty="0" err="1"/>
+              <a:t>less</a:t>
+            </a:r>
+            <a:r>
+              <a:rPr lang="da-DK" dirty="0"/>
+              <a:t> </a:t>
+            </a:r>
+            <a:r>
+              <a:rPr lang="da-DK" dirty="0" err="1"/>
+              <a:t>identation</a:t>
+            </a:r>
+            <a:r>
+              <a:rPr lang="da-DK" dirty="0"/>
+              <a:t>)</a:t>
+            </a:r>
+          </a:p>
+        </p:txBody>
+      </p:sp>
+      <p:sp>
+        <p:nvSpPr>
+          <p:cNvPr id="3" name="Content Placeholder 2">
+            <a:extLst>
+              <a:ext uri="{FF2B5EF4-FFF2-40B4-BE49-F238E27FC236}">
+                <a16:creationId xmlns:a16="http://schemas.microsoft.com/office/drawing/2014/main" id="{D9F7FCBA-4C22-0069-EFE4-B70D55B249C8}"/>
+              </a:ext>
+            </a:extLst>
+          </p:cNvPr>
+          <p:cNvSpPr>
+            <a:spLocks noGrp="1"/>
+          </p:cNvSpPr>
+          <p:nvPr>
+            <p:ph idx="1"/>
+          </p:nvPr>
+        </p:nvSpPr>
+        <p:spPr/>
+        <p:txBody>
+          <a:bodyPr/>
+          <a:lstStyle/>
+          <a:p>
+            <a:endParaRPr lang="da-DK" dirty="0"/>
+          </a:p>
+        </p:txBody>
+      </p:sp>
+      <p:graphicFrame>
+        <p:nvGraphicFramePr>
+          <p:cNvPr id="4" name="Table 3">
+            <a:extLst>
+              <a:ext uri="{FF2B5EF4-FFF2-40B4-BE49-F238E27FC236}">
+                <a16:creationId xmlns:a16="http://schemas.microsoft.com/office/drawing/2014/main" id="{004F710B-956D-6723-B2F5-62E14699C9D1}"/>
+              </a:ext>
+            </a:extLst>
+          </p:cNvPr>
+          <p:cNvGraphicFramePr>
+            <a:graphicFrameLocks noGrp="1"/>
+          </p:cNvGraphicFramePr>
+          <p:nvPr>
+            <p:extLst>
+              <p:ext uri="{D42A27DB-BD31-4B8C-83A1-F6EECF244321}">
+                <p14:modId xmlns:p14="http://schemas.microsoft.com/office/powerpoint/2010/main" val="3783545125"/>
+              </p:ext>
+            </p:extLst>
+          </p:nvPr>
+        </p:nvGraphicFramePr>
+        <p:xfrm>
+          <a:off x="1846472" y="2394073"/>
+          <a:ext cx="3149325" cy="2665801"/>
+        </p:xfrm>
+        <a:graphic>
+          <a:graphicData uri="http://schemas.openxmlformats.org/drawingml/2006/table">
+            <a:tbl>
+              <a:tblPr firstRow="1" bandRow="1">
+                <a:tableStyleId>{5C22544A-7EE6-4342-B048-85BDC9FD1C3A}</a:tableStyleId>
+              </a:tblPr>
+              <a:tblGrid>
+                <a:gridCol w="3149325">
+                  <a:extLst>
+                    <a:ext uri="{9D8B030D-6E8A-4147-A177-3AD203B41FA5}">
+                      <a16:colId xmlns:a16="http://schemas.microsoft.com/office/drawing/2014/main" val="1873682825"/>
+                    </a:ext>
+                  </a:extLst>
+                </a:gridCol>
+              </a:tblGrid>
+              <a:tr h="379801">
+                <a:tc>
+                  <a:txBody>
+                    <a:bodyPr/>
+                    <a:lstStyle/>
+                    <a:p>
+                      <a:r>
+                        <a:rPr lang="da-DK" sz="1800" b="1" dirty="0">
+                          <a:latin typeface="Courier New" panose="02070309020205020404" pitchFamily="49" charset="0"/>
+                          <a:cs typeface="Courier New" panose="02070309020205020404" pitchFamily="49" charset="0"/>
+                        </a:rPr>
+                        <a:t>elif.py</a:t>
+                      </a:r>
+                    </a:p>
+                  </a:txBody>
+                  <a:tcPr anchor="ctr">
+                    <a:lnL w="6350" cap="flat" cmpd="sng" algn="ctr">
+                      <a:solidFill>
+                        <a:schemeClr val="tx1"/>
+                      </a:solidFill>
+                      <a:prstDash val="solid"/>
+                      <a:round/>
+                      <a:headEnd type="none" w="med" len="med"/>
+                      <a:tailEnd type="none" w="med" len="med"/>
+                    </a:lnL>
+                    <a:lnR w="6350" cap="flat" cmpd="sng" algn="ctr">
+                      <a:solidFill>
+                        <a:schemeClr val="tx1"/>
+                      </a:solidFill>
+                      <a:prstDash val="solid"/>
+                      <a:round/>
+                      <a:headEnd type="none" w="med" len="med"/>
+                      <a:tailEnd type="none" w="med" len="med"/>
+                    </a:lnR>
+                    <a:lnT w="6350" cap="flat" cmpd="sng" algn="ctr">
+                      <a:solidFill>
+                        <a:schemeClr val="tx1"/>
+                      </a:solidFill>
+                      <a:prstDash val="solid"/>
+                      <a:round/>
+                      <a:headEnd type="none" w="med" len="med"/>
+                      <a:tailEnd type="none" w="med" len="med"/>
+                    </a:lnT>
+                    <a:lnB w="6350" cap="flat" cmpd="sng" algn="ctr">
+                      <a:solidFill>
+                        <a:schemeClr val="tx1"/>
+                      </a:solidFill>
+                      <a:prstDash val="solid"/>
+                      <a:round/>
+                      <a:headEnd type="none" w="med" len="med"/>
+                      <a:tailEnd type="none" w="med" len="med"/>
+                    </a:lnB>
+                    <a:lnTlToBr w="12700" cmpd="sng">
+                      <a:noFill/>
+                      <a:prstDash val="solid"/>
+                    </a:lnTlToBr>
+                    <a:lnBlToTr w="12700" cmpd="sng">
+                      <a:noFill/>
+                      <a:prstDash val="solid"/>
+                    </a:lnBlToTr>
+                    <a:solidFill>
+                      <a:srgbClr val="C00000"/>
+                    </a:solidFill>
+                  </a:tcPr>
+                </a:tc>
+                <a:extLst>
+                  <a:ext uri="{0D108BD9-81ED-4DB2-BD59-A6C34878D82A}">
+                    <a16:rowId xmlns:a16="http://schemas.microsoft.com/office/drawing/2014/main" val="3330819881"/>
+                  </a:ext>
+                </a:extLst>
+              </a:tr>
+              <a:tr h="2088904">
+                <a:tc>
+                  <a:txBody>
+                    <a:bodyPr/>
+                    <a:lstStyle/>
+                    <a:p>
+                      <a:r>
+                        <a:rPr lang="da-DK" b="1" dirty="0">
+                          <a:latin typeface="Courier New" panose="02070309020205020404" pitchFamily="49" charset="0"/>
+                          <a:cs typeface="Courier New" panose="02070309020205020404" pitchFamily="49" charset="0"/>
+                        </a:rPr>
+                        <a:t>if x &lt; 0:</a:t>
+                      </a:r>
+                    </a:p>
+                    <a:p>
+                      <a:r>
+                        <a:rPr lang="da-DK" b="1" dirty="0">
+                          <a:latin typeface="Courier New" panose="02070309020205020404" pitchFamily="49" charset="0"/>
+                          <a:cs typeface="Courier New" panose="02070309020205020404" pitchFamily="49" charset="0"/>
+                        </a:rPr>
+                        <a:t>    print('negative')</a:t>
+                      </a:r>
+                    </a:p>
+                    <a:p>
+                      <a:r>
+                        <a:rPr lang="da-DK" b="1" dirty="0" err="1">
+                          <a:latin typeface="Courier New" panose="02070309020205020404" pitchFamily="49" charset="0"/>
+                          <a:cs typeface="Courier New" panose="02070309020205020404" pitchFamily="49" charset="0"/>
+                        </a:rPr>
+                        <a:t>elif</a:t>
+                      </a:r>
+                      <a:r>
+                        <a:rPr lang="da-DK" b="1" dirty="0">
+                          <a:latin typeface="Courier New" panose="02070309020205020404" pitchFamily="49" charset="0"/>
+                          <a:cs typeface="Courier New" panose="02070309020205020404" pitchFamily="49" charset="0"/>
+                        </a:rPr>
+                        <a:t> x == 0:</a:t>
+                      </a:r>
+                    </a:p>
+                    <a:p>
+                      <a:r>
+                        <a:rPr lang="da-DK" b="1" dirty="0">
+                          <a:latin typeface="Courier New" panose="02070309020205020404" pitchFamily="49" charset="0"/>
+                          <a:cs typeface="Courier New" panose="02070309020205020404" pitchFamily="49" charset="0"/>
+                        </a:rPr>
+                        <a:t>    print('</a:t>
+                      </a:r>
+                      <a:r>
+                        <a:rPr lang="da-DK" b="1" dirty="0" err="1">
+                          <a:latin typeface="Courier New" panose="02070309020205020404" pitchFamily="49" charset="0"/>
+                          <a:cs typeface="Courier New" panose="02070309020205020404" pitchFamily="49" charset="0"/>
+                        </a:rPr>
+                        <a:t>zero</a:t>
+                      </a:r>
+                      <a:r>
+                        <a:rPr lang="da-DK" b="1" dirty="0">
+                          <a:latin typeface="Courier New" panose="02070309020205020404" pitchFamily="49" charset="0"/>
+                          <a:cs typeface="Courier New" panose="02070309020205020404" pitchFamily="49" charset="0"/>
+                        </a:rPr>
+                        <a:t>')</a:t>
+                      </a:r>
+                    </a:p>
+                    <a:p>
+                      <a:r>
+                        <a:rPr lang="da-DK" b="1" dirty="0" err="1">
+                          <a:latin typeface="Courier New" panose="02070309020205020404" pitchFamily="49" charset="0"/>
+                          <a:cs typeface="Courier New" panose="02070309020205020404" pitchFamily="49" charset="0"/>
+                        </a:rPr>
+                        <a:t>elif</a:t>
+                      </a:r>
+                      <a:r>
+                        <a:rPr lang="da-DK" b="1" dirty="0">
+                          <a:latin typeface="Courier New" panose="02070309020205020404" pitchFamily="49" charset="0"/>
+                          <a:cs typeface="Courier New" panose="02070309020205020404" pitchFamily="49" charset="0"/>
+                        </a:rPr>
+                        <a:t> x == 1:</a:t>
+                      </a:r>
+                    </a:p>
+                    <a:p>
+                      <a:r>
+                        <a:rPr lang="da-DK" b="1" dirty="0">
+                          <a:latin typeface="Courier New" panose="02070309020205020404" pitchFamily="49" charset="0"/>
+                          <a:cs typeface="Courier New" panose="02070309020205020404" pitchFamily="49" charset="0"/>
+                        </a:rPr>
+                        <a:t>    print('</a:t>
+                      </a:r>
+                      <a:r>
+                        <a:rPr lang="da-DK" b="1" dirty="0" err="1">
+                          <a:latin typeface="Courier New" panose="02070309020205020404" pitchFamily="49" charset="0"/>
+                          <a:cs typeface="Courier New" panose="02070309020205020404" pitchFamily="49" charset="0"/>
+                        </a:rPr>
+                        <a:t>one</a:t>
+                      </a:r>
+                      <a:r>
+                        <a:rPr lang="da-DK" b="1" dirty="0">
+                          <a:latin typeface="Courier New" panose="02070309020205020404" pitchFamily="49" charset="0"/>
+                          <a:cs typeface="Courier New" panose="02070309020205020404" pitchFamily="49" charset="0"/>
+                        </a:rPr>
+                        <a:t>')</a:t>
+                      </a:r>
+                    </a:p>
+                    <a:p>
+                      <a:r>
+                        <a:rPr lang="da-DK" b="1" dirty="0" err="1">
+                          <a:latin typeface="Courier New" panose="02070309020205020404" pitchFamily="49" charset="0"/>
+                          <a:cs typeface="Courier New" panose="02070309020205020404" pitchFamily="49" charset="0"/>
+                        </a:rPr>
+                        <a:t>else</a:t>
+                      </a:r>
+                      <a:r>
+                        <a:rPr lang="da-DK" b="1" dirty="0">
+                          <a:latin typeface="Courier New" panose="02070309020205020404" pitchFamily="49" charset="0"/>
+                          <a:cs typeface="Courier New" panose="02070309020205020404" pitchFamily="49" charset="0"/>
+                        </a:rPr>
+                        <a:t>: </a:t>
+                      </a:r>
+                    </a:p>
+                    <a:p>
+                      <a:r>
+                        <a:rPr lang="da-DK" b="1" dirty="0">
+                          <a:latin typeface="Courier New" panose="02070309020205020404" pitchFamily="49" charset="0"/>
+                          <a:cs typeface="Courier New" panose="02070309020205020404" pitchFamily="49" charset="0"/>
+                        </a:rPr>
+                        <a:t>    print('&gt;= 2')</a:t>
+                      </a:r>
+                      <a:endParaRPr lang="en-US" b="1" dirty="0">
+                        <a:latin typeface="Courier New" panose="02070309020205020404" pitchFamily="49" charset="0"/>
+                        <a:cs typeface="Courier New" panose="02070309020205020404" pitchFamily="49" charset="0"/>
+                      </a:endParaRPr>
+                    </a:p>
+                  </a:txBody>
+                  <a:tcPr>
+                    <a:lnL w="6350" cap="flat" cmpd="sng" algn="ctr">
+                      <a:solidFill>
+                        <a:schemeClr val="tx1"/>
+                      </a:solidFill>
+                      <a:prstDash val="solid"/>
+                      <a:round/>
+                      <a:headEnd type="none" w="med" len="med"/>
+                      <a:tailEnd type="none" w="med" len="med"/>
+                    </a:lnL>
+                    <a:lnR w="6350" cap="flat" cmpd="sng" algn="ctr">
+                      <a:solidFill>
+                        <a:schemeClr val="tx1"/>
+                      </a:solidFill>
+                      <a:prstDash val="solid"/>
+                      <a:round/>
+                      <a:headEnd type="none" w="med" len="med"/>
+                      <a:tailEnd type="none" w="med" len="med"/>
+                    </a:lnR>
+                    <a:lnT w="6350" cap="flat" cmpd="sng" algn="ctr">
+                      <a:solidFill>
+                        <a:schemeClr val="tx1"/>
+                      </a:solidFill>
+                      <a:prstDash val="solid"/>
+                      <a:round/>
+                      <a:headEnd type="none" w="med" len="med"/>
+                      <a:tailEnd type="none" w="med" len="med"/>
+                    </a:lnT>
+                    <a:lnB w="6350" cap="flat" cmpd="sng" algn="ctr">
+                      <a:solidFill>
+                        <a:schemeClr val="tx1"/>
+                      </a:solidFill>
+                      <a:prstDash val="solid"/>
+                      <a:round/>
+                      <a:headEnd type="none" w="med" len="med"/>
+                      <a:tailEnd type="none" w="med" len="med"/>
+                    </a:lnB>
+                    <a:lnTlToBr w="12700" cmpd="sng">
+                      <a:noFill/>
+                      <a:prstDash val="solid"/>
+                    </a:lnTlToBr>
+                    <a:lnBlToTr w="12700" cmpd="sng">
+                      <a:noFill/>
+                      <a:prstDash val="solid"/>
+                    </a:lnBlToTr>
+                    <a:solidFill>
+                      <a:schemeClr val="accent5">
+                        <a:lumMod val="20000"/>
+                        <a:lumOff val="80000"/>
+                      </a:schemeClr>
+                    </a:solidFill>
+                  </a:tcPr>
+                </a:tc>
+                <a:extLst>
+                  <a:ext uri="{0D108BD9-81ED-4DB2-BD59-A6C34878D82A}">
+                    <a16:rowId xmlns:a16="http://schemas.microsoft.com/office/drawing/2014/main" val="4112970457"/>
+                  </a:ext>
+                </a:extLst>
+              </a:tr>
+            </a:tbl>
+          </a:graphicData>
+        </a:graphic>
+      </p:graphicFrame>
+      <p:graphicFrame>
+        <p:nvGraphicFramePr>
+          <p:cNvPr id="5" name="Table 4">
+            <a:extLst>
+              <a:ext uri="{FF2B5EF4-FFF2-40B4-BE49-F238E27FC236}">
+                <a16:creationId xmlns:a16="http://schemas.microsoft.com/office/drawing/2014/main" id="{3BB6B9DA-B672-2FE0-5D5B-88ABA077A7BB}"/>
+              </a:ext>
+            </a:extLst>
+          </p:cNvPr>
+          <p:cNvGraphicFramePr>
+            <a:graphicFrameLocks noGrp="1"/>
+          </p:cNvGraphicFramePr>
+          <p:nvPr>
+            <p:extLst>
+              <p:ext uri="{D42A27DB-BD31-4B8C-83A1-F6EECF244321}">
+                <p14:modId xmlns:p14="http://schemas.microsoft.com/office/powerpoint/2010/main" val="3266806333"/>
+              </p:ext>
+            </p:extLst>
+          </p:nvPr>
+        </p:nvGraphicFramePr>
+        <p:xfrm>
+          <a:off x="5745272" y="2394073"/>
+          <a:ext cx="4737348" cy="3214441"/>
+        </p:xfrm>
+        <a:graphic>
+          <a:graphicData uri="http://schemas.openxmlformats.org/drawingml/2006/table">
+            <a:tbl>
+              <a:tblPr firstRow="1" bandRow="1">
+                <a:tableStyleId>{5C22544A-7EE6-4342-B048-85BDC9FD1C3A}</a:tableStyleId>
+              </a:tblPr>
+              <a:tblGrid>
+                <a:gridCol w="4737348">
+                  <a:extLst>
+                    <a:ext uri="{9D8B030D-6E8A-4147-A177-3AD203B41FA5}">
+                      <a16:colId xmlns:a16="http://schemas.microsoft.com/office/drawing/2014/main" val="1873682825"/>
+                    </a:ext>
+                  </a:extLst>
+                </a:gridCol>
+              </a:tblGrid>
+              <a:tr h="379801">
+                <a:tc>
+                  <a:txBody>
+                    <a:bodyPr/>
+                    <a:lstStyle/>
+                    <a:p>
+                      <a:r>
+                        <a:rPr lang="da-DK" sz="1800" b="1" dirty="0">
+                          <a:latin typeface="Courier New" panose="02070309020205020404" pitchFamily="49" charset="0"/>
+                          <a:cs typeface="Courier New" panose="02070309020205020404" pitchFamily="49" charset="0"/>
+                        </a:rPr>
+                        <a:t>ugly-if.py</a:t>
+                      </a:r>
+                    </a:p>
+                  </a:txBody>
+                  <a:tcPr anchor="ctr">
+                    <a:lnL w="6350" cap="flat" cmpd="sng" algn="ctr">
+                      <a:solidFill>
+                        <a:schemeClr val="tx1"/>
+                      </a:solidFill>
+                      <a:prstDash val="solid"/>
+                      <a:round/>
+                      <a:headEnd type="none" w="med" len="med"/>
+                      <a:tailEnd type="none" w="med" len="med"/>
+                    </a:lnL>
+                    <a:lnR w="6350" cap="flat" cmpd="sng" algn="ctr">
+                      <a:solidFill>
+                        <a:schemeClr val="tx1"/>
+                      </a:solidFill>
+                      <a:prstDash val="solid"/>
+                      <a:round/>
+                      <a:headEnd type="none" w="med" len="med"/>
+                      <a:tailEnd type="none" w="med" len="med"/>
+                    </a:lnR>
+                    <a:lnT w="6350" cap="flat" cmpd="sng" algn="ctr">
+                      <a:solidFill>
+                        <a:schemeClr val="tx1"/>
+                      </a:solidFill>
+                      <a:prstDash val="solid"/>
+                      <a:round/>
+                      <a:headEnd type="none" w="med" len="med"/>
+                      <a:tailEnd type="none" w="med" len="med"/>
+                    </a:lnT>
+                    <a:lnB w="6350" cap="flat" cmpd="sng" algn="ctr">
+                      <a:solidFill>
+                        <a:schemeClr val="tx1"/>
+                      </a:solidFill>
+                      <a:prstDash val="solid"/>
+                      <a:round/>
+                      <a:headEnd type="none" w="med" len="med"/>
+                      <a:tailEnd type="none" w="med" len="med"/>
+                    </a:lnB>
+                    <a:lnTlToBr w="12700" cmpd="sng">
+                      <a:noFill/>
+                      <a:prstDash val="solid"/>
+                    </a:lnTlToBr>
+                    <a:lnBlToTr w="12700" cmpd="sng">
+                      <a:noFill/>
+                      <a:prstDash val="solid"/>
+                    </a:lnBlToTr>
+                    <a:solidFill>
+                      <a:srgbClr val="C00000"/>
+                    </a:solidFill>
+                  </a:tcPr>
+                </a:tc>
+                <a:extLst>
+                  <a:ext uri="{0D108BD9-81ED-4DB2-BD59-A6C34878D82A}">
+                    <a16:rowId xmlns:a16="http://schemas.microsoft.com/office/drawing/2014/main" val="3330819881"/>
+                  </a:ext>
+                </a:extLst>
+              </a:tr>
+              <a:tr h="2088904">
+                <a:tc>
+                  <a:txBody>
+                    <a:bodyPr/>
+                    <a:lstStyle/>
+                    <a:p>
+                      <a:r>
+                        <a:rPr lang="da-DK" b="1" dirty="0">
+                          <a:latin typeface="Courier New" panose="02070309020205020404" pitchFamily="49" charset="0"/>
+                          <a:cs typeface="Courier New" panose="02070309020205020404" pitchFamily="49" charset="0"/>
+                        </a:rPr>
+                        <a:t>if x &lt; 0:</a:t>
+                      </a:r>
+                    </a:p>
+                    <a:p>
+                      <a:r>
+                        <a:rPr lang="da-DK" b="1" dirty="0">
+                          <a:latin typeface="Courier New" panose="02070309020205020404" pitchFamily="49" charset="0"/>
+                          <a:cs typeface="Courier New" panose="02070309020205020404" pitchFamily="49" charset="0"/>
+                        </a:rPr>
+                        <a:t>    print('negative')</a:t>
+                      </a:r>
+                    </a:p>
+                    <a:p>
+                      <a:r>
+                        <a:rPr lang="da-DK" b="1" dirty="0" err="1">
+                          <a:latin typeface="Courier New" panose="02070309020205020404" pitchFamily="49" charset="0"/>
+                          <a:cs typeface="Courier New" panose="02070309020205020404" pitchFamily="49" charset="0"/>
+                        </a:rPr>
+                        <a:t>else</a:t>
+                      </a:r>
+                      <a:r>
+                        <a:rPr lang="da-DK" b="1" dirty="0">
+                          <a:latin typeface="Courier New" panose="02070309020205020404" pitchFamily="49" charset="0"/>
+                          <a:cs typeface="Courier New" panose="02070309020205020404" pitchFamily="49" charset="0"/>
+                        </a:rPr>
+                        <a:t>:</a:t>
+                      </a:r>
+                    </a:p>
+                    <a:p>
+                      <a:r>
+                        <a:rPr lang="da-DK" b="1" dirty="0">
+                          <a:latin typeface="Courier New" panose="02070309020205020404" pitchFamily="49" charset="0"/>
+                          <a:cs typeface="Courier New" panose="02070309020205020404" pitchFamily="49" charset="0"/>
+                        </a:rPr>
+                        <a:t>    </a:t>
+                      </a:r>
+                      <a:r>
+                        <a:rPr lang="da-DK" b="1" dirty="0" err="1">
+                          <a:latin typeface="Courier New" panose="02070309020205020404" pitchFamily="49" charset="0"/>
+                          <a:cs typeface="Courier New" panose="02070309020205020404" pitchFamily="49" charset="0"/>
+                        </a:rPr>
+                        <a:t>if</a:t>
+                      </a:r>
+                      <a:r>
+                        <a:rPr lang="da-DK" b="1" dirty="0">
+                          <a:latin typeface="Courier New" panose="02070309020205020404" pitchFamily="49" charset="0"/>
+                          <a:cs typeface="Courier New" panose="02070309020205020404" pitchFamily="49" charset="0"/>
+                        </a:rPr>
+                        <a:t> x == 0:</a:t>
+                      </a:r>
+                    </a:p>
+                    <a:p>
+                      <a:r>
+                        <a:rPr lang="da-DK" b="1" dirty="0">
+                          <a:latin typeface="Courier New" panose="02070309020205020404" pitchFamily="49" charset="0"/>
+                          <a:cs typeface="Courier New" panose="02070309020205020404" pitchFamily="49" charset="0"/>
+                        </a:rPr>
+                        <a:t>        print('</a:t>
+                      </a:r>
+                      <a:r>
+                        <a:rPr lang="da-DK" b="1" dirty="0" err="1">
+                          <a:latin typeface="Courier New" panose="02070309020205020404" pitchFamily="49" charset="0"/>
+                          <a:cs typeface="Courier New" panose="02070309020205020404" pitchFamily="49" charset="0"/>
+                        </a:rPr>
+                        <a:t>zero</a:t>
+                      </a:r>
+                      <a:r>
+                        <a:rPr lang="da-DK" b="1" dirty="0">
+                          <a:latin typeface="Courier New" panose="02070309020205020404" pitchFamily="49" charset="0"/>
+                          <a:cs typeface="Courier New" panose="02070309020205020404" pitchFamily="49" charset="0"/>
+                        </a:rPr>
+                        <a:t>')</a:t>
+                      </a:r>
+                    </a:p>
+                    <a:p>
+                      <a:r>
+                        <a:rPr lang="da-DK" b="1" dirty="0">
+                          <a:latin typeface="Courier New" panose="02070309020205020404" pitchFamily="49" charset="0"/>
+                          <a:cs typeface="Courier New" panose="02070309020205020404" pitchFamily="49" charset="0"/>
+                        </a:rPr>
+                        <a:t>    </a:t>
+                      </a:r>
+                      <a:r>
+                        <a:rPr lang="da-DK" b="1" dirty="0" err="1">
+                          <a:latin typeface="Courier New" panose="02070309020205020404" pitchFamily="49" charset="0"/>
+                          <a:cs typeface="Courier New" panose="02070309020205020404" pitchFamily="49" charset="0"/>
+                        </a:rPr>
+                        <a:t>else</a:t>
+                      </a:r>
+                      <a:r>
+                        <a:rPr lang="da-DK" b="1" dirty="0">
+                          <a:latin typeface="Courier New" panose="02070309020205020404" pitchFamily="49" charset="0"/>
+                          <a:cs typeface="Courier New" panose="02070309020205020404" pitchFamily="49" charset="0"/>
+                        </a:rPr>
+                        <a:t>:</a:t>
+                      </a:r>
+                    </a:p>
+                    <a:p>
+                      <a:r>
+                        <a:rPr lang="da-DK" b="1" dirty="0">
+                          <a:latin typeface="Courier New" panose="02070309020205020404" pitchFamily="49" charset="0"/>
+                          <a:cs typeface="Courier New" panose="02070309020205020404" pitchFamily="49" charset="0"/>
+                        </a:rPr>
+                        <a:t>        </a:t>
+                      </a:r>
+                      <a:r>
+                        <a:rPr lang="da-DK" b="1" dirty="0" err="1">
+                          <a:latin typeface="Courier New" panose="02070309020205020404" pitchFamily="49" charset="0"/>
+                          <a:cs typeface="Courier New" panose="02070309020205020404" pitchFamily="49" charset="0"/>
+                        </a:rPr>
+                        <a:t>if</a:t>
+                      </a:r>
+                      <a:r>
+                        <a:rPr lang="da-DK" b="1" dirty="0">
+                          <a:latin typeface="Courier New" panose="02070309020205020404" pitchFamily="49" charset="0"/>
+                          <a:cs typeface="Courier New" panose="02070309020205020404" pitchFamily="49" charset="0"/>
+                        </a:rPr>
+                        <a:t> x == 1:</a:t>
+                      </a:r>
+                    </a:p>
+                    <a:p>
+                      <a:r>
+                        <a:rPr lang="da-DK" b="1" dirty="0">
+                          <a:latin typeface="Courier New" panose="02070309020205020404" pitchFamily="49" charset="0"/>
+                          <a:cs typeface="Courier New" panose="02070309020205020404" pitchFamily="49" charset="0"/>
+                        </a:rPr>
+                        <a:t>            print('</a:t>
+                      </a:r>
+                      <a:r>
+                        <a:rPr lang="da-DK" b="1" dirty="0" err="1">
+                          <a:latin typeface="Courier New" panose="02070309020205020404" pitchFamily="49" charset="0"/>
+                          <a:cs typeface="Courier New" panose="02070309020205020404" pitchFamily="49" charset="0"/>
+                        </a:rPr>
+                        <a:t>one</a:t>
+                      </a:r>
+                      <a:r>
+                        <a:rPr lang="da-DK" b="1" dirty="0">
+                          <a:latin typeface="Courier New" panose="02070309020205020404" pitchFamily="49" charset="0"/>
+                          <a:cs typeface="Courier New" panose="02070309020205020404" pitchFamily="49" charset="0"/>
+                        </a:rPr>
+                        <a:t>')</a:t>
+                      </a:r>
+                    </a:p>
+                    <a:p>
+                      <a:r>
+                        <a:rPr lang="da-DK" b="1" dirty="0">
+                          <a:latin typeface="Courier New" panose="02070309020205020404" pitchFamily="49" charset="0"/>
+                          <a:cs typeface="Courier New" panose="02070309020205020404" pitchFamily="49" charset="0"/>
+                        </a:rPr>
+                        <a:t>        </a:t>
+                      </a:r>
+                      <a:r>
+                        <a:rPr lang="da-DK" b="1" dirty="0" err="1">
+                          <a:latin typeface="Courier New" panose="02070309020205020404" pitchFamily="49" charset="0"/>
+                          <a:cs typeface="Courier New" panose="02070309020205020404" pitchFamily="49" charset="0"/>
+                        </a:rPr>
+                        <a:t>else</a:t>
+                      </a:r>
+                      <a:r>
+                        <a:rPr lang="da-DK" b="1" dirty="0">
+                          <a:latin typeface="Courier New" panose="02070309020205020404" pitchFamily="49" charset="0"/>
+                          <a:cs typeface="Courier New" panose="02070309020205020404" pitchFamily="49" charset="0"/>
+                        </a:rPr>
+                        <a:t>: </a:t>
+                      </a:r>
+                    </a:p>
+                    <a:p>
+                      <a:r>
+                        <a:rPr lang="da-DK" b="1" dirty="0">
+                          <a:latin typeface="Courier New" panose="02070309020205020404" pitchFamily="49" charset="0"/>
+                          <a:cs typeface="Courier New" panose="02070309020205020404" pitchFamily="49" charset="0"/>
+                        </a:rPr>
+                        <a:t>            print('&gt;= 2')</a:t>
+                      </a:r>
+                      <a:endParaRPr lang="en-US" b="1" dirty="0">
+                        <a:latin typeface="Courier New" panose="02070309020205020404" pitchFamily="49" charset="0"/>
+                        <a:cs typeface="Courier New" panose="02070309020205020404" pitchFamily="49" charset="0"/>
+                      </a:endParaRPr>
+                    </a:p>
+                  </a:txBody>
+                  <a:tcPr>
+                    <a:lnL w="6350" cap="flat" cmpd="sng" algn="ctr">
+                      <a:solidFill>
+                        <a:schemeClr val="tx1"/>
+                      </a:solidFill>
+                      <a:prstDash val="solid"/>
+                      <a:round/>
+                      <a:headEnd type="none" w="med" len="med"/>
+                      <a:tailEnd type="none" w="med" len="med"/>
+                    </a:lnL>
+                    <a:lnR w="6350" cap="flat" cmpd="sng" algn="ctr">
+                      <a:solidFill>
+                        <a:schemeClr val="tx1"/>
+                      </a:solidFill>
+                      <a:prstDash val="solid"/>
+                      <a:round/>
+                      <a:headEnd type="none" w="med" len="med"/>
+                      <a:tailEnd type="none" w="med" len="med"/>
+                    </a:lnR>
+                    <a:lnT w="6350" cap="flat" cmpd="sng" algn="ctr">
+                      <a:solidFill>
+                        <a:schemeClr val="tx1"/>
+                      </a:solidFill>
+                      <a:prstDash val="solid"/>
+                      <a:round/>
+                      <a:headEnd type="none" w="med" len="med"/>
+                      <a:tailEnd type="none" w="med" len="med"/>
+                    </a:lnT>
+                    <a:lnB w="6350" cap="flat" cmpd="sng" algn="ctr">
+                      <a:solidFill>
+                        <a:schemeClr val="tx1"/>
+                      </a:solidFill>
+                      <a:prstDash val="solid"/>
+                      <a:round/>
+                      <a:headEnd type="none" w="med" len="med"/>
+                      <a:tailEnd type="none" w="med" len="med"/>
+                    </a:lnB>
+                    <a:lnTlToBr w="12700" cmpd="sng">
+                      <a:noFill/>
+                      <a:prstDash val="solid"/>
+                    </a:lnTlToBr>
+                    <a:lnBlToTr w="12700" cmpd="sng">
+                      <a:noFill/>
+                      <a:prstDash val="solid"/>
+                    </a:lnBlToTr>
+                    <a:solidFill>
+                      <a:schemeClr val="accent5">
+                        <a:lumMod val="20000"/>
+                        <a:lumOff val="80000"/>
+                      </a:schemeClr>
+                    </a:solidFill>
+                  </a:tcPr>
+                </a:tc>
+                <a:extLst>
+                  <a:ext uri="{0D108BD9-81ED-4DB2-BD59-A6C34878D82A}">
+                    <a16:rowId xmlns:a16="http://schemas.microsoft.com/office/drawing/2014/main" val="4112970457"/>
+                  </a:ext>
+                </a:extLst>
+              </a:tr>
+            </a:tbl>
+          </a:graphicData>
+        </a:graphic>
+      </p:graphicFrame>
+    </p:spTree>
+    <p:extLst>
+      <p:ext uri="{BB962C8B-B14F-4D97-AF65-F5344CB8AC3E}">
+        <p14:creationId xmlns:p14="http://schemas.microsoft.com/office/powerpoint/2010/main" val="2353739137"/>
+      </p:ext>
+    </p:extLst>
+  </p:cSld>
+  <p:clrMapOvr>
+    <a:masterClrMapping/>
+  </p:clrMapOvr>
+</p:sld>
+</file>
+
+<file path=ppt/slides/slide8.xml><?xml version="1.0" encoding="utf-8"?>
+<p:sld xmlns:a="http://schemas.openxmlformats.org/drawingml/2006/main" xmlns:r="http://schemas.openxmlformats.org/officeDocument/2006/relationships" xmlns:p="http://schemas.openxmlformats.org/presentationml/2006/main">
+  <p:cSld>
     <p:bg>
       <p:bgPr>
         <a:solidFill>
@@ -20315,7 +22340,7 @@
 </p:sld>
 </file>
 
-<file path=ppt/slides/slide8.xml><?xml version="1.0" encoding="utf-8"?>
+<file path=ppt/slides/slide9.xml><?xml version="1.0" encoding="utf-8"?>
 <p:sld xmlns:a="http://schemas.openxmlformats.org/drawingml/2006/main" xmlns:r="http://schemas.openxmlformats.org/officeDocument/2006/relationships" xmlns:p="http://schemas.openxmlformats.org/presentationml/2006/main">
   <p:cSld>
     <p:spTree>
@@ -20881,1138 +22906,6 @@
   <p:clrMapOvr>
     <a:masterClrMapping/>
   </p:clrMapOvr>
-</p:sld>
-</file>
-
-<file path=ppt/slides/slide9.xml><?xml version="1.0" encoding="utf-8"?>
-<p:sld xmlns:a="http://schemas.openxmlformats.org/drawingml/2006/main" xmlns:r="http://schemas.openxmlformats.org/officeDocument/2006/relationships" xmlns:p="http://schemas.openxmlformats.org/presentationml/2006/main">
-  <p:cSld>
-    <p:spTree>
-      <p:nvGrpSpPr>
-        <p:cNvPr id="1" name=""/>
-        <p:cNvGrpSpPr/>
-        <p:nvPr/>
-      </p:nvGrpSpPr>
-      <p:grpSpPr>
-        <a:xfrm>
-          <a:off x="0" y="0"/>
-          <a:ext cx="0" cy="0"/>
-          <a:chOff x="0" y="0"/>
-          <a:chExt cx="0" cy="0"/>
-        </a:xfrm>
-      </p:grpSpPr>
-      <p:sp>
-        <p:nvSpPr>
-          <p:cNvPr id="2" name="Title 1">
-            <a:extLst>
-              <a:ext uri="{FF2B5EF4-FFF2-40B4-BE49-F238E27FC236}">
-                <a16:creationId xmlns:a16="http://schemas.microsoft.com/office/drawing/2014/main" id="{91BDC123-E5D6-4B1E-838D-428C0508E6B1}"/>
-              </a:ext>
-            </a:extLst>
-          </p:cNvPr>
-          <p:cNvSpPr>
-            <a:spLocks noGrp="1"/>
-          </p:cNvSpPr>
-          <p:nvPr>
-            <p:ph type="title"/>
-          </p:nvPr>
-        </p:nvSpPr>
-        <p:spPr/>
-        <p:txBody>
-          <a:bodyPr/>
-          <a:lstStyle/>
-          <a:p>
-            <a:r>
-              <a:rPr lang="da-DK" dirty="0"/>
-              <a:t>Common </a:t>
-            </a:r>
-            <a:r>
-              <a:rPr lang="da-DK" dirty="0" err="1"/>
-              <a:t>mistake</a:t>
-            </a:r>
-            <a:endParaRPr lang="da-DK" dirty="0"/>
-          </a:p>
-        </p:txBody>
-      </p:sp>
-      <p:graphicFrame>
-        <p:nvGraphicFramePr>
-          <p:cNvPr id="4" name="Table 3">
-            <a:extLst>
-              <a:ext uri="{FF2B5EF4-FFF2-40B4-BE49-F238E27FC236}">
-                <a16:creationId xmlns:a16="http://schemas.microsoft.com/office/drawing/2014/main" id="{E47B0A96-A9F4-4F69-8933-393AB0B1C5AE}"/>
-              </a:ext>
-            </a:extLst>
-          </p:cNvPr>
-          <p:cNvGraphicFramePr>
-            <a:graphicFrameLocks noGrp="1"/>
-          </p:cNvGraphicFramePr>
-          <p:nvPr>
-            <p:extLst>
-              <p:ext uri="{D42A27DB-BD31-4B8C-83A1-F6EECF244321}">
-                <p14:modId xmlns:p14="http://schemas.microsoft.com/office/powerpoint/2010/main" val="1708989440"/>
-              </p:ext>
-            </p:extLst>
-          </p:nvPr>
-        </p:nvGraphicFramePr>
-        <p:xfrm>
-          <a:off x="1973378" y="2331128"/>
-          <a:ext cx="3763391" cy="3216577"/>
-        </p:xfrm>
-        <a:graphic>
-          <a:graphicData uri="http://schemas.openxmlformats.org/drawingml/2006/table">
-            <a:tbl>
-              <a:tblPr firstRow="1" bandRow="1">
-                <a:tableStyleId>{5C22544A-7EE6-4342-B048-85BDC9FD1C3A}</a:tableStyleId>
-              </a:tblPr>
-              <a:tblGrid>
-                <a:gridCol w="3763391">
-                  <a:extLst>
-                    <a:ext uri="{9D8B030D-6E8A-4147-A177-3AD203B41FA5}">
-                      <a16:colId xmlns:a16="http://schemas.microsoft.com/office/drawing/2014/main" val="1873682825"/>
-                    </a:ext>
-                  </a:extLst>
-                </a:gridCol>
-              </a:tblGrid>
-              <a:tr h="313378">
-                <a:tc>
-                  <a:txBody>
-                    <a:bodyPr/>
-                    <a:lstStyle/>
-                    <a:p>
-                      <a:r>
-                        <a:rPr lang="da-DK" sz="1800" b="1" dirty="0">
-                          <a:latin typeface="Courier New" panose="02070309020205020404" pitchFamily="49" charset="0"/>
-                          <a:cs typeface="Courier New" panose="02070309020205020404" pitchFamily="49" charset="0"/>
-                        </a:rPr>
-                        <a:t>if-if.py</a:t>
-                      </a:r>
-                    </a:p>
-                  </a:txBody>
-                  <a:tcPr anchor="ctr">
-                    <a:lnL w="6350" cap="flat" cmpd="sng" algn="ctr">
-                      <a:solidFill>
-                        <a:schemeClr val="tx1"/>
-                      </a:solidFill>
-                      <a:prstDash val="solid"/>
-                      <a:round/>
-                      <a:headEnd type="none" w="med" len="med"/>
-                      <a:tailEnd type="none" w="med" len="med"/>
-                    </a:lnL>
-                    <a:lnR w="6350" cap="flat" cmpd="sng" algn="ctr">
-                      <a:solidFill>
-                        <a:schemeClr val="tx1"/>
-                      </a:solidFill>
-                      <a:prstDash val="solid"/>
-                      <a:round/>
-                      <a:headEnd type="none" w="med" len="med"/>
-                      <a:tailEnd type="none" w="med" len="med"/>
-                    </a:lnR>
-                    <a:lnT w="6350" cap="flat" cmpd="sng" algn="ctr">
-                      <a:solidFill>
-                        <a:schemeClr val="tx1"/>
-                      </a:solidFill>
-                      <a:prstDash val="solid"/>
-                      <a:round/>
-                      <a:headEnd type="none" w="med" len="med"/>
-                      <a:tailEnd type="none" w="med" len="med"/>
-                    </a:lnT>
-                    <a:lnB w="6350" cap="flat" cmpd="sng" algn="ctr">
-                      <a:solidFill>
-                        <a:schemeClr val="tx1"/>
-                      </a:solidFill>
-                      <a:prstDash val="solid"/>
-                      <a:round/>
-                      <a:headEnd type="none" w="med" len="med"/>
-                      <a:tailEnd type="none" w="med" len="med"/>
-                    </a:lnB>
-                    <a:lnTlToBr w="12700" cmpd="sng">
-                      <a:noFill/>
-                      <a:prstDash val="solid"/>
-                    </a:lnTlToBr>
-                    <a:lnBlToTr w="12700" cmpd="sng">
-                      <a:noFill/>
-                      <a:prstDash val="solid"/>
-                    </a:lnBlToTr>
-                    <a:solidFill>
-                      <a:srgbClr val="C00000"/>
-                    </a:solidFill>
-                  </a:tcPr>
-                </a:tc>
-                <a:extLst>
-                  <a:ext uri="{0D108BD9-81ED-4DB2-BD59-A6C34878D82A}">
-                    <a16:rowId xmlns:a16="http://schemas.microsoft.com/office/drawing/2014/main" val="3330819881"/>
-                  </a:ext>
-                </a:extLst>
-              </a:tr>
-              <a:tr h="783445">
-                <a:tc>
-                  <a:txBody>
-                    <a:bodyPr/>
-                    <a:lstStyle/>
-                    <a:p>
-                      <a:pPr>
-                        <a:spcAft>
-                          <a:spcPts val="600"/>
-                        </a:spcAft>
-                      </a:pPr>
-                      <a:r>
-                        <a:rPr lang="en-US" sz="1800" b="1" dirty="0">
-                          <a:solidFill>
-                            <a:schemeClr val="tx1"/>
-                          </a:solidFill>
-                          <a:latin typeface="Courier New" panose="02070309020205020404" pitchFamily="49" charset="0"/>
-                          <a:cs typeface="Courier New" panose="02070309020205020404" pitchFamily="49" charset="0"/>
-                        </a:rPr>
-                        <a:t>x = int(input())</a:t>
-                      </a:r>
-                    </a:p>
-                    <a:p>
-                      <a:r>
-                        <a:rPr lang="en-US" sz="1800" b="1" dirty="0">
-                          <a:solidFill>
-                            <a:schemeClr val="tx1"/>
-                          </a:solidFill>
-                          <a:latin typeface="Courier New" panose="02070309020205020404" pitchFamily="49" charset="0"/>
-                          <a:cs typeface="Courier New" panose="02070309020205020404" pitchFamily="49" charset="0"/>
-                        </a:rPr>
-                        <a:t>if x == 0:</a:t>
-                      </a:r>
-                    </a:p>
-                    <a:p>
-                      <a:r>
-                        <a:rPr lang="en-US" sz="1800" b="1" dirty="0">
-                          <a:solidFill>
-                            <a:schemeClr val="tx1"/>
-                          </a:solidFill>
-                          <a:latin typeface="Courier New" panose="02070309020205020404" pitchFamily="49" charset="0"/>
-                          <a:cs typeface="Courier New" panose="02070309020205020404" pitchFamily="49" charset="0"/>
-                        </a:rPr>
-                        <a:t>    print('zero')</a:t>
-                      </a:r>
-                    </a:p>
-                    <a:p>
-                      <a:r>
-                        <a:rPr lang="en-US" sz="1800" b="1" dirty="0">
-                          <a:solidFill>
-                            <a:srgbClr val="C00000"/>
-                          </a:solidFill>
-                          <a:latin typeface="Courier New" panose="02070309020205020404" pitchFamily="49" charset="0"/>
-                          <a:cs typeface="Courier New" panose="02070309020205020404" pitchFamily="49" charset="0"/>
-                        </a:rPr>
-                        <a:t>if</a:t>
-                      </a:r>
-                      <a:r>
-                        <a:rPr lang="en-US" sz="1800" b="1" dirty="0">
-                          <a:solidFill>
-                            <a:schemeClr val="tx1"/>
-                          </a:solidFill>
-                          <a:latin typeface="Courier New" panose="02070309020205020404" pitchFamily="49" charset="0"/>
-                          <a:cs typeface="Courier New" panose="02070309020205020404" pitchFamily="49" charset="0"/>
-                        </a:rPr>
-                        <a:t> x % 2 == 0:</a:t>
-                      </a:r>
-                    </a:p>
-                    <a:p>
-                      <a:r>
-                        <a:rPr lang="en-US" sz="1800" b="1" dirty="0">
-                          <a:solidFill>
-                            <a:schemeClr val="tx1"/>
-                          </a:solidFill>
-                          <a:latin typeface="Courier New" panose="02070309020205020404" pitchFamily="49" charset="0"/>
-                          <a:cs typeface="Courier New" panose="02070309020205020404" pitchFamily="49" charset="0"/>
-                        </a:rPr>
-                        <a:t>    print('even')</a:t>
-                      </a:r>
-                    </a:p>
-                  </a:txBody>
-                  <a:tcPr>
-                    <a:lnL w="6350" cap="flat" cmpd="sng" algn="ctr">
-                      <a:solidFill>
-                        <a:schemeClr val="tx1"/>
-                      </a:solidFill>
-                      <a:prstDash val="solid"/>
-                      <a:round/>
-                      <a:headEnd type="none" w="med" len="med"/>
-                      <a:tailEnd type="none" w="med" len="med"/>
-                    </a:lnL>
-                    <a:lnR w="6350" cap="flat" cmpd="sng" algn="ctr">
-                      <a:solidFill>
-                        <a:schemeClr val="tx1"/>
-                      </a:solidFill>
-                      <a:prstDash val="solid"/>
-                      <a:round/>
-                      <a:headEnd type="none" w="med" len="med"/>
-                      <a:tailEnd type="none" w="med" len="med"/>
-                    </a:lnR>
-                    <a:lnT w="6350" cap="flat" cmpd="sng" algn="ctr">
-                      <a:solidFill>
-                        <a:schemeClr val="tx1"/>
-                      </a:solidFill>
-                      <a:prstDash val="solid"/>
-                      <a:round/>
-                      <a:headEnd type="none" w="med" len="med"/>
-                      <a:tailEnd type="none" w="med" len="med"/>
-                    </a:lnT>
-                    <a:lnB w="6350" cap="flat" cmpd="sng" algn="ctr">
-                      <a:solidFill>
-                        <a:schemeClr val="tx1"/>
-                      </a:solidFill>
-                      <a:prstDash val="solid"/>
-                      <a:round/>
-                      <a:headEnd type="none" w="med" len="med"/>
-                      <a:tailEnd type="none" w="med" len="med"/>
-                    </a:lnB>
-                    <a:lnTlToBr w="12700" cmpd="sng">
-                      <a:noFill/>
-                      <a:prstDash val="solid"/>
-                    </a:lnTlToBr>
-                    <a:lnBlToTr w="12700" cmpd="sng">
-                      <a:noFill/>
-                      <a:prstDash val="solid"/>
-                    </a:lnBlToTr>
-                    <a:solidFill>
-                      <a:schemeClr val="accent5">
-                        <a:lumMod val="20000"/>
-                        <a:lumOff val="80000"/>
-                      </a:schemeClr>
-                    </a:solidFill>
-                  </a:tcPr>
-                </a:tc>
-                <a:extLst>
-                  <a:ext uri="{0D108BD9-81ED-4DB2-BD59-A6C34878D82A}">
-                    <a16:rowId xmlns:a16="http://schemas.microsoft.com/office/drawing/2014/main" val="4112970457"/>
-                  </a:ext>
-                </a:extLst>
-              </a:tr>
-              <a:tr h="313378">
-                <a:tc>
-                  <a:txBody>
-                    <a:bodyPr/>
-                    <a:lstStyle/>
-                    <a:p>
-                      <a:r>
-                        <a:rPr lang="pt-BR" sz="1800" b="1" dirty="0">
-                          <a:solidFill>
-                            <a:schemeClr val="bg1"/>
-                          </a:solidFill>
-                          <a:latin typeface="Courier New" panose="02070309020205020404" pitchFamily="49" charset="0"/>
-                          <a:cs typeface="Courier New" panose="02070309020205020404" pitchFamily="49" charset="0"/>
-                        </a:rPr>
-                        <a:t>Python shell</a:t>
-                      </a:r>
-                    </a:p>
-                  </a:txBody>
-                  <a:tcPr>
-                    <a:lnL w="6350" cap="flat" cmpd="sng" algn="ctr">
-                      <a:solidFill>
-                        <a:schemeClr val="tx1"/>
-                      </a:solidFill>
-                      <a:prstDash val="solid"/>
-                      <a:round/>
-                      <a:headEnd type="none" w="med" len="med"/>
-                      <a:tailEnd type="none" w="med" len="med"/>
-                    </a:lnL>
-                    <a:lnR w="6350" cap="flat" cmpd="sng" algn="ctr">
-                      <a:solidFill>
-                        <a:schemeClr val="tx1"/>
-                      </a:solidFill>
-                      <a:prstDash val="solid"/>
-                      <a:round/>
-                      <a:headEnd type="none" w="med" len="med"/>
-                      <a:tailEnd type="none" w="med" len="med"/>
-                    </a:lnR>
-                    <a:lnT w="6350" cap="flat" cmpd="sng" algn="ctr">
-                      <a:solidFill>
-                        <a:schemeClr val="tx1"/>
-                      </a:solidFill>
-                      <a:prstDash val="solid"/>
-                      <a:round/>
-                      <a:headEnd type="none" w="med" len="med"/>
-                      <a:tailEnd type="none" w="med" len="med"/>
-                    </a:lnT>
-                    <a:lnB w="6350" cap="flat" cmpd="sng" algn="ctr">
-                      <a:solidFill>
-                        <a:schemeClr val="tx1"/>
-                      </a:solidFill>
-                      <a:prstDash val="solid"/>
-                      <a:round/>
-                      <a:headEnd type="none" w="med" len="med"/>
-                      <a:tailEnd type="none" w="med" len="med"/>
-                    </a:lnB>
-                    <a:lnTlToBr w="12700" cmpd="sng">
-                      <a:noFill/>
-                      <a:prstDash val="solid"/>
-                    </a:lnTlToBr>
-                    <a:lnBlToTr w="12700" cmpd="sng">
-                      <a:noFill/>
-                      <a:prstDash val="solid"/>
-                    </a:lnBlToTr>
-                    <a:solidFill>
-                      <a:srgbClr val="C00000"/>
-                    </a:solidFill>
-                  </a:tcPr>
-                </a:tc>
-                <a:extLst>
-                  <a:ext uri="{0D108BD9-81ED-4DB2-BD59-A6C34878D82A}">
-                    <a16:rowId xmlns:a16="http://schemas.microsoft.com/office/drawing/2014/main" val="3167765046"/>
-                  </a:ext>
-                </a:extLst>
-              </a:tr>
-              <a:tr h="945817">
-                <a:tc>
-                  <a:txBody>
-                    <a:bodyPr/>
-                    <a:lstStyle/>
-                    <a:p>
-                      <a:pPr marL="266700" indent="-266700">
-                        <a:buClr>
-                          <a:srgbClr val="C00000"/>
-                        </a:buClr>
-                        <a:buSzPct val="100000"/>
-                        <a:buFont typeface="Courier New" panose="02070309020205020404" pitchFamily="49" charset="0"/>
-                        <a:buChar char="&gt;"/>
-                      </a:pPr>
-                      <a:r>
-                        <a:rPr lang="en-US" sz="1800" b="1" dirty="0">
-                          <a:latin typeface="Courier New" panose="02070309020205020404" pitchFamily="49" charset="0"/>
-                          <a:cs typeface="Courier New" panose="02070309020205020404" pitchFamily="49" charset="0"/>
-                        </a:rPr>
-                        <a:t>0</a:t>
-                      </a:r>
-                    </a:p>
-                    <a:p>
-                      <a:pPr marL="266700" marR="0" lvl="0" indent="-266700" algn="l" defTabSz="914400" rtl="0" eaLnBrk="1" fontAlgn="auto" latinLnBrk="0" hangingPunct="1">
-                        <a:lnSpc>
-                          <a:spcPct val="100000"/>
-                        </a:lnSpc>
-                        <a:spcBef>
-                          <a:spcPts val="0"/>
-                        </a:spcBef>
-                        <a:spcAft>
-                          <a:spcPts val="0"/>
-                        </a:spcAft>
-                        <a:buClr>
-                          <a:schemeClr val="accent1">
-                            <a:lumMod val="50000"/>
-                          </a:schemeClr>
-                        </a:buClr>
-                        <a:buSzPct val="120000"/>
-                        <a:buFont typeface="Courier New" panose="02070309020205020404" pitchFamily="49" charset="0"/>
-                        <a:buChar char="|"/>
-                        <a:tabLst/>
-                        <a:defRPr/>
-                      </a:pPr>
-                      <a:r>
-                        <a:rPr lang="en-US" sz="1800" b="1" dirty="0">
-                          <a:latin typeface="Courier New" panose="02070309020205020404" pitchFamily="49" charset="0"/>
-                          <a:cs typeface="Courier New" panose="02070309020205020404" pitchFamily="49" charset="0"/>
-                        </a:rPr>
-                        <a:t>zero</a:t>
-                      </a:r>
-                    </a:p>
-                    <a:p>
-                      <a:pPr marL="266700" marR="0" lvl="0" indent="-266700" algn="l" defTabSz="914400" rtl="0" eaLnBrk="1" fontAlgn="auto" latinLnBrk="0" hangingPunct="1">
-                        <a:lnSpc>
-                          <a:spcPct val="100000"/>
-                        </a:lnSpc>
-                        <a:spcBef>
-                          <a:spcPts val="0"/>
-                        </a:spcBef>
-                        <a:spcAft>
-                          <a:spcPts val="0"/>
-                        </a:spcAft>
-                        <a:buClr>
-                          <a:schemeClr val="accent1">
-                            <a:lumMod val="50000"/>
-                          </a:schemeClr>
-                        </a:buClr>
-                        <a:buSzPct val="120000"/>
-                        <a:buFont typeface="Courier New" panose="02070309020205020404" pitchFamily="49" charset="0"/>
-                        <a:buChar char="|"/>
-                        <a:tabLst/>
-                        <a:defRPr/>
-                      </a:pPr>
-                      <a:r>
-                        <a:rPr lang="en-US" sz="1800" b="1" dirty="0">
-                          <a:latin typeface="Courier New" panose="02070309020205020404" pitchFamily="49" charset="0"/>
-                          <a:cs typeface="Courier New" panose="02070309020205020404" pitchFamily="49" charset="0"/>
-                        </a:rPr>
-                        <a:t>even</a:t>
-                      </a:r>
-                      <a:endParaRPr lang="en-US" sz="1400" b="1" dirty="0">
-                        <a:solidFill>
-                          <a:srgbClr val="C00000"/>
-                        </a:solidFill>
-                        <a:latin typeface="Courier New" panose="02070309020205020404" pitchFamily="49" charset="0"/>
-                        <a:cs typeface="Courier New" panose="02070309020205020404" pitchFamily="49" charset="0"/>
-                      </a:endParaRPr>
-                    </a:p>
-                  </a:txBody>
-                  <a:tcPr>
-                    <a:lnL w="6350" cap="flat" cmpd="sng" algn="ctr">
-                      <a:solidFill>
-                        <a:schemeClr val="tx1"/>
-                      </a:solidFill>
-                      <a:prstDash val="solid"/>
-                      <a:round/>
-                      <a:headEnd type="none" w="med" len="med"/>
-                      <a:tailEnd type="none" w="med" len="med"/>
-                    </a:lnL>
-                    <a:lnR w="6350" cap="flat" cmpd="sng" algn="ctr">
-                      <a:solidFill>
-                        <a:schemeClr val="tx1"/>
-                      </a:solidFill>
-                      <a:prstDash val="solid"/>
-                      <a:round/>
-                      <a:headEnd type="none" w="med" len="med"/>
-                      <a:tailEnd type="none" w="med" len="med"/>
-                    </a:lnR>
-                    <a:lnT w="6350" cap="flat" cmpd="sng" algn="ctr">
-                      <a:solidFill>
-                        <a:schemeClr val="tx1"/>
-                      </a:solidFill>
-                      <a:prstDash val="solid"/>
-                      <a:round/>
-                      <a:headEnd type="none" w="med" len="med"/>
-                      <a:tailEnd type="none" w="med" len="med"/>
-                    </a:lnT>
-                    <a:lnB w="6350" cap="flat" cmpd="sng" algn="ctr">
-                      <a:solidFill>
-                        <a:schemeClr val="tx1"/>
-                      </a:solidFill>
-                      <a:prstDash val="solid"/>
-                      <a:round/>
-                      <a:headEnd type="none" w="med" len="med"/>
-                      <a:tailEnd type="none" w="med" len="med"/>
-                    </a:lnB>
-                    <a:lnTlToBr w="12700" cmpd="sng">
-                      <a:noFill/>
-                      <a:prstDash val="solid"/>
-                    </a:lnTlToBr>
-                    <a:lnBlToTr w="12700" cmpd="sng">
-                      <a:noFill/>
-                      <a:prstDash val="solid"/>
-                    </a:lnBlToTr>
-                    <a:solidFill>
-                      <a:schemeClr val="accent5">
-                        <a:lumMod val="20000"/>
-                        <a:lumOff val="80000"/>
-                      </a:schemeClr>
-                    </a:solidFill>
-                  </a:tcPr>
-                </a:tc>
-                <a:extLst>
-                  <a:ext uri="{0D108BD9-81ED-4DB2-BD59-A6C34878D82A}">
-                    <a16:rowId xmlns:a16="http://schemas.microsoft.com/office/drawing/2014/main" val="4204568129"/>
-                  </a:ext>
-                </a:extLst>
-              </a:tr>
-            </a:tbl>
-          </a:graphicData>
-        </a:graphic>
-      </p:graphicFrame>
-      <p:graphicFrame>
-        <p:nvGraphicFramePr>
-          <p:cNvPr id="5" name="Table 4">
-            <a:extLst>
-              <a:ext uri="{FF2B5EF4-FFF2-40B4-BE49-F238E27FC236}">
-                <a16:creationId xmlns:a16="http://schemas.microsoft.com/office/drawing/2014/main" id="{84A6A35F-BAC9-4890-8CB9-B588AA5F8D34}"/>
-              </a:ext>
-            </a:extLst>
-          </p:cNvPr>
-          <p:cNvGraphicFramePr>
-            <a:graphicFrameLocks noGrp="1"/>
-          </p:cNvGraphicFramePr>
-          <p:nvPr>
-            <p:extLst>
-              <p:ext uri="{D42A27DB-BD31-4B8C-83A1-F6EECF244321}">
-                <p14:modId xmlns:p14="http://schemas.microsoft.com/office/powerpoint/2010/main" val="1779953135"/>
-              </p:ext>
-            </p:extLst>
-          </p:nvPr>
-        </p:nvGraphicFramePr>
-        <p:xfrm>
-          <a:off x="6455233" y="2326478"/>
-          <a:ext cx="3763391" cy="3216577"/>
-        </p:xfrm>
-        <a:graphic>
-          <a:graphicData uri="http://schemas.openxmlformats.org/drawingml/2006/table">
-            <a:tbl>
-              <a:tblPr firstRow="1" bandRow="1">
-                <a:tableStyleId>{5C22544A-7EE6-4342-B048-85BDC9FD1C3A}</a:tableStyleId>
-              </a:tblPr>
-              <a:tblGrid>
-                <a:gridCol w="3763391">
-                  <a:extLst>
-                    <a:ext uri="{9D8B030D-6E8A-4147-A177-3AD203B41FA5}">
-                      <a16:colId xmlns:a16="http://schemas.microsoft.com/office/drawing/2014/main" val="1873682825"/>
-                    </a:ext>
-                  </a:extLst>
-                </a:gridCol>
-              </a:tblGrid>
-              <a:tr h="313378">
-                <a:tc>
-                  <a:txBody>
-                    <a:bodyPr/>
-                    <a:lstStyle/>
-                    <a:p>
-                      <a:r>
-                        <a:rPr lang="da-DK" sz="1800" b="1" dirty="0">
-                          <a:latin typeface="Courier New" panose="02070309020205020404" pitchFamily="49" charset="0"/>
-                          <a:cs typeface="Courier New" panose="02070309020205020404" pitchFamily="49" charset="0"/>
-                        </a:rPr>
-                        <a:t>if-elif.py</a:t>
-                      </a:r>
-                    </a:p>
-                  </a:txBody>
-                  <a:tcPr anchor="ctr">
-                    <a:lnL w="6350" cap="flat" cmpd="sng" algn="ctr">
-                      <a:solidFill>
-                        <a:schemeClr val="tx1"/>
-                      </a:solidFill>
-                      <a:prstDash val="solid"/>
-                      <a:round/>
-                      <a:headEnd type="none" w="med" len="med"/>
-                      <a:tailEnd type="none" w="med" len="med"/>
-                    </a:lnL>
-                    <a:lnR w="6350" cap="flat" cmpd="sng" algn="ctr">
-                      <a:solidFill>
-                        <a:schemeClr val="tx1"/>
-                      </a:solidFill>
-                      <a:prstDash val="solid"/>
-                      <a:round/>
-                      <a:headEnd type="none" w="med" len="med"/>
-                      <a:tailEnd type="none" w="med" len="med"/>
-                    </a:lnR>
-                    <a:lnT w="6350" cap="flat" cmpd="sng" algn="ctr">
-                      <a:solidFill>
-                        <a:schemeClr val="tx1"/>
-                      </a:solidFill>
-                      <a:prstDash val="solid"/>
-                      <a:round/>
-                      <a:headEnd type="none" w="med" len="med"/>
-                      <a:tailEnd type="none" w="med" len="med"/>
-                    </a:lnT>
-                    <a:lnB w="6350" cap="flat" cmpd="sng" algn="ctr">
-                      <a:solidFill>
-                        <a:schemeClr val="tx1"/>
-                      </a:solidFill>
-                      <a:prstDash val="solid"/>
-                      <a:round/>
-                      <a:headEnd type="none" w="med" len="med"/>
-                      <a:tailEnd type="none" w="med" len="med"/>
-                    </a:lnB>
-                    <a:lnTlToBr w="12700" cmpd="sng">
-                      <a:noFill/>
-                      <a:prstDash val="solid"/>
-                    </a:lnTlToBr>
-                    <a:lnBlToTr w="12700" cmpd="sng">
-                      <a:noFill/>
-                      <a:prstDash val="solid"/>
-                    </a:lnBlToTr>
-                    <a:solidFill>
-                      <a:srgbClr val="C00000"/>
-                    </a:solidFill>
-                  </a:tcPr>
-                </a:tc>
-                <a:extLst>
-                  <a:ext uri="{0D108BD9-81ED-4DB2-BD59-A6C34878D82A}">
-                    <a16:rowId xmlns:a16="http://schemas.microsoft.com/office/drawing/2014/main" val="3330819881"/>
-                  </a:ext>
-                </a:extLst>
-              </a:tr>
-              <a:tr h="783445">
-                <a:tc>
-                  <a:txBody>
-                    <a:bodyPr/>
-                    <a:lstStyle/>
-                    <a:p>
-                      <a:pPr>
-                        <a:spcAft>
-                          <a:spcPts val="600"/>
-                        </a:spcAft>
-                      </a:pPr>
-                      <a:r>
-                        <a:rPr lang="en-US" sz="1800" b="1" dirty="0">
-                          <a:solidFill>
-                            <a:schemeClr val="tx1"/>
-                          </a:solidFill>
-                          <a:latin typeface="Courier New" panose="02070309020205020404" pitchFamily="49" charset="0"/>
-                          <a:cs typeface="Courier New" panose="02070309020205020404" pitchFamily="49" charset="0"/>
-                        </a:rPr>
-                        <a:t>x = int(input())</a:t>
-                      </a:r>
-                    </a:p>
-                    <a:p>
-                      <a:r>
-                        <a:rPr lang="en-US" sz="1800" b="1" dirty="0">
-                          <a:solidFill>
-                            <a:schemeClr val="tx1"/>
-                          </a:solidFill>
-                          <a:latin typeface="Courier New" panose="02070309020205020404" pitchFamily="49" charset="0"/>
-                          <a:cs typeface="Courier New" panose="02070309020205020404" pitchFamily="49" charset="0"/>
-                        </a:rPr>
-                        <a:t>if x == 0:</a:t>
-                      </a:r>
-                    </a:p>
-                    <a:p>
-                      <a:r>
-                        <a:rPr lang="en-US" sz="1800" b="1" dirty="0">
-                          <a:solidFill>
-                            <a:schemeClr val="tx1"/>
-                          </a:solidFill>
-                          <a:latin typeface="Courier New" panose="02070309020205020404" pitchFamily="49" charset="0"/>
-                          <a:cs typeface="Courier New" panose="02070309020205020404" pitchFamily="49" charset="0"/>
-                        </a:rPr>
-                        <a:t>    print('zero')</a:t>
-                      </a:r>
-                    </a:p>
-                    <a:p>
-                      <a:r>
-                        <a:rPr lang="en-US" sz="1800" b="1" dirty="0" err="1">
-                          <a:solidFill>
-                            <a:srgbClr val="C00000"/>
-                          </a:solidFill>
-                          <a:latin typeface="Courier New" panose="02070309020205020404" pitchFamily="49" charset="0"/>
-                          <a:cs typeface="Courier New" panose="02070309020205020404" pitchFamily="49" charset="0"/>
-                        </a:rPr>
-                        <a:t>elif</a:t>
-                      </a:r>
-                      <a:r>
-                        <a:rPr lang="en-US" sz="1800" b="1" dirty="0">
-                          <a:solidFill>
-                            <a:schemeClr val="tx1"/>
-                          </a:solidFill>
-                          <a:latin typeface="Courier New" panose="02070309020205020404" pitchFamily="49" charset="0"/>
-                          <a:cs typeface="Courier New" panose="02070309020205020404" pitchFamily="49" charset="0"/>
-                        </a:rPr>
-                        <a:t> x % 2 == 0:</a:t>
-                      </a:r>
-                    </a:p>
-                    <a:p>
-                      <a:r>
-                        <a:rPr lang="en-US" sz="1800" b="1" dirty="0">
-                          <a:solidFill>
-                            <a:schemeClr val="tx1"/>
-                          </a:solidFill>
-                          <a:latin typeface="Courier New" panose="02070309020205020404" pitchFamily="49" charset="0"/>
-                          <a:cs typeface="Courier New" panose="02070309020205020404" pitchFamily="49" charset="0"/>
-                        </a:rPr>
-                        <a:t>    print('even')</a:t>
-                      </a:r>
-                    </a:p>
-                  </a:txBody>
-                  <a:tcPr>
-                    <a:lnL w="6350" cap="flat" cmpd="sng" algn="ctr">
-                      <a:solidFill>
-                        <a:schemeClr val="tx1"/>
-                      </a:solidFill>
-                      <a:prstDash val="solid"/>
-                      <a:round/>
-                      <a:headEnd type="none" w="med" len="med"/>
-                      <a:tailEnd type="none" w="med" len="med"/>
-                    </a:lnL>
-                    <a:lnR w="6350" cap="flat" cmpd="sng" algn="ctr">
-                      <a:solidFill>
-                        <a:schemeClr val="tx1"/>
-                      </a:solidFill>
-                      <a:prstDash val="solid"/>
-                      <a:round/>
-                      <a:headEnd type="none" w="med" len="med"/>
-                      <a:tailEnd type="none" w="med" len="med"/>
-                    </a:lnR>
-                    <a:lnT w="6350" cap="flat" cmpd="sng" algn="ctr">
-                      <a:solidFill>
-                        <a:schemeClr val="tx1"/>
-                      </a:solidFill>
-                      <a:prstDash val="solid"/>
-                      <a:round/>
-                      <a:headEnd type="none" w="med" len="med"/>
-                      <a:tailEnd type="none" w="med" len="med"/>
-                    </a:lnT>
-                    <a:lnB w="6350" cap="flat" cmpd="sng" algn="ctr">
-                      <a:solidFill>
-                        <a:schemeClr val="tx1"/>
-                      </a:solidFill>
-                      <a:prstDash val="solid"/>
-                      <a:round/>
-                      <a:headEnd type="none" w="med" len="med"/>
-                      <a:tailEnd type="none" w="med" len="med"/>
-                    </a:lnB>
-                    <a:lnTlToBr w="12700" cmpd="sng">
-                      <a:noFill/>
-                      <a:prstDash val="solid"/>
-                    </a:lnTlToBr>
-                    <a:lnBlToTr w="12700" cmpd="sng">
-                      <a:noFill/>
-                      <a:prstDash val="solid"/>
-                    </a:lnBlToTr>
-                    <a:solidFill>
-                      <a:schemeClr val="accent5">
-                        <a:lumMod val="20000"/>
-                        <a:lumOff val="80000"/>
-                      </a:schemeClr>
-                    </a:solidFill>
-                  </a:tcPr>
-                </a:tc>
-                <a:extLst>
-                  <a:ext uri="{0D108BD9-81ED-4DB2-BD59-A6C34878D82A}">
-                    <a16:rowId xmlns:a16="http://schemas.microsoft.com/office/drawing/2014/main" val="4112970457"/>
-                  </a:ext>
-                </a:extLst>
-              </a:tr>
-              <a:tr h="313378">
-                <a:tc>
-                  <a:txBody>
-                    <a:bodyPr/>
-                    <a:lstStyle/>
-                    <a:p>
-                      <a:r>
-                        <a:rPr lang="pt-BR" sz="1800" b="1" dirty="0">
-                          <a:solidFill>
-                            <a:schemeClr val="bg1"/>
-                          </a:solidFill>
-                          <a:latin typeface="Courier New" panose="02070309020205020404" pitchFamily="49" charset="0"/>
-                          <a:cs typeface="Courier New" panose="02070309020205020404" pitchFamily="49" charset="0"/>
-                        </a:rPr>
-                        <a:t>Python shell</a:t>
-                      </a:r>
-                    </a:p>
-                  </a:txBody>
-                  <a:tcPr>
-                    <a:lnL w="6350" cap="flat" cmpd="sng" algn="ctr">
-                      <a:solidFill>
-                        <a:schemeClr val="tx1"/>
-                      </a:solidFill>
-                      <a:prstDash val="solid"/>
-                      <a:round/>
-                      <a:headEnd type="none" w="med" len="med"/>
-                      <a:tailEnd type="none" w="med" len="med"/>
-                    </a:lnL>
-                    <a:lnR w="6350" cap="flat" cmpd="sng" algn="ctr">
-                      <a:solidFill>
-                        <a:schemeClr val="tx1"/>
-                      </a:solidFill>
-                      <a:prstDash val="solid"/>
-                      <a:round/>
-                      <a:headEnd type="none" w="med" len="med"/>
-                      <a:tailEnd type="none" w="med" len="med"/>
-                    </a:lnR>
-                    <a:lnT w="6350" cap="flat" cmpd="sng" algn="ctr">
-                      <a:solidFill>
-                        <a:schemeClr val="tx1"/>
-                      </a:solidFill>
-                      <a:prstDash val="solid"/>
-                      <a:round/>
-                      <a:headEnd type="none" w="med" len="med"/>
-                      <a:tailEnd type="none" w="med" len="med"/>
-                    </a:lnT>
-                    <a:lnB w="6350" cap="flat" cmpd="sng" algn="ctr">
-                      <a:solidFill>
-                        <a:schemeClr val="tx1"/>
-                      </a:solidFill>
-                      <a:prstDash val="solid"/>
-                      <a:round/>
-                      <a:headEnd type="none" w="med" len="med"/>
-                      <a:tailEnd type="none" w="med" len="med"/>
-                    </a:lnB>
-                    <a:lnTlToBr w="12700" cmpd="sng">
-                      <a:noFill/>
-                      <a:prstDash val="solid"/>
-                    </a:lnTlToBr>
-                    <a:lnBlToTr w="12700" cmpd="sng">
-                      <a:noFill/>
-                      <a:prstDash val="solid"/>
-                    </a:lnBlToTr>
-                    <a:solidFill>
-                      <a:srgbClr val="C00000"/>
-                    </a:solidFill>
-                  </a:tcPr>
-                </a:tc>
-                <a:extLst>
-                  <a:ext uri="{0D108BD9-81ED-4DB2-BD59-A6C34878D82A}">
-                    <a16:rowId xmlns:a16="http://schemas.microsoft.com/office/drawing/2014/main" val="3167765046"/>
-                  </a:ext>
-                </a:extLst>
-              </a:tr>
-              <a:tr h="945817">
-                <a:tc>
-                  <a:txBody>
-                    <a:bodyPr/>
-                    <a:lstStyle/>
-                    <a:p>
-                      <a:pPr marL="266700" indent="-266700">
-                        <a:buClr>
-                          <a:srgbClr val="C00000"/>
-                        </a:buClr>
-                        <a:buSzPct val="100000"/>
-                        <a:buFont typeface="Courier New" panose="02070309020205020404" pitchFamily="49" charset="0"/>
-                        <a:buChar char="&gt;"/>
-                      </a:pPr>
-                      <a:r>
-                        <a:rPr lang="en-US" sz="1800" b="1" dirty="0">
-                          <a:latin typeface="Courier New" panose="02070309020205020404" pitchFamily="49" charset="0"/>
-                          <a:cs typeface="Courier New" panose="02070309020205020404" pitchFamily="49" charset="0"/>
-                        </a:rPr>
-                        <a:t>0</a:t>
-                      </a:r>
-                    </a:p>
-                    <a:p>
-                      <a:pPr marL="266700" marR="0" lvl="0" indent="-266700" algn="l" defTabSz="914400" rtl="0" eaLnBrk="1" fontAlgn="auto" latinLnBrk="0" hangingPunct="1">
-                        <a:lnSpc>
-                          <a:spcPct val="100000"/>
-                        </a:lnSpc>
-                        <a:spcBef>
-                          <a:spcPts val="0"/>
-                        </a:spcBef>
-                        <a:spcAft>
-                          <a:spcPts val="0"/>
-                        </a:spcAft>
-                        <a:buClr>
-                          <a:schemeClr val="accent1">
-                            <a:lumMod val="50000"/>
-                          </a:schemeClr>
-                        </a:buClr>
-                        <a:buSzPct val="120000"/>
-                        <a:buFont typeface="Courier New" panose="02070309020205020404" pitchFamily="49" charset="0"/>
-                        <a:buChar char="|"/>
-                        <a:tabLst/>
-                        <a:defRPr/>
-                      </a:pPr>
-                      <a:r>
-                        <a:rPr lang="en-US" sz="1800" b="1" dirty="0">
-                          <a:latin typeface="Courier New" panose="02070309020205020404" pitchFamily="49" charset="0"/>
-                          <a:cs typeface="Courier New" panose="02070309020205020404" pitchFamily="49" charset="0"/>
-                        </a:rPr>
-                        <a:t>zero</a:t>
-                      </a:r>
-                    </a:p>
-                    <a:p>
-                      <a:pPr marL="0" marR="0" lvl="0" indent="0" algn="l" defTabSz="914400" rtl="0" eaLnBrk="1" fontAlgn="auto" latinLnBrk="0" hangingPunct="1">
-                        <a:lnSpc>
-                          <a:spcPct val="100000"/>
-                        </a:lnSpc>
-                        <a:spcBef>
-                          <a:spcPts val="0"/>
-                        </a:spcBef>
-                        <a:spcAft>
-                          <a:spcPts val="0"/>
-                        </a:spcAft>
-                        <a:buClr>
-                          <a:schemeClr val="accent1">
-                            <a:lumMod val="50000"/>
-                          </a:schemeClr>
-                        </a:buClr>
-                        <a:buSzPct val="120000"/>
-                        <a:buFont typeface="Courier New" panose="02070309020205020404" pitchFamily="49" charset="0"/>
-                        <a:buNone/>
-                        <a:tabLst/>
-                        <a:defRPr/>
-                      </a:pPr>
-                      <a:endParaRPr lang="en-US" sz="1400" b="1" dirty="0">
-                        <a:solidFill>
-                          <a:srgbClr val="C00000"/>
-                        </a:solidFill>
-                        <a:latin typeface="Courier New" panose="02070309020205020404" pitchFamily="49" charset="0"/>
-                        <a:cs typeface="Courier New" panose="02070309020205020404" pitchFamily="49" charset="0"/>
-                      </a:endParaRPr>
-                    </a:p>
-                  </a:txBody>
-                  <a:tcPr>
-                    <a:lnL w="6350" cap="flat" cmpd="sng" algn="ctr">
-                      <a:solidFill>
-                        <a:schemeClr val="tx1"/>
-                      </a:solidFill>
-                      <a:prstDash val="solid"/>
-                      <a:round/>
-                      <a:headEnd type="none" w="med" len="med"/>
-                      <a:tailEnd type="none" w="med" len="med"/>
-                    </a:lnL>
-                    <a:lnR w="6350" cap="flat" cmpd="sng" algn="ctr">
-                      <a:solidFill>
-                        <a:schemeClr val="tx1"/>
-                      </a:solidFill>
-                      <a:prstDash val="solid"/>
-                      <a:round/>
-                      <a:headEnd type="none" w="med" len="med"/>
-                      <a:tailEnd type="none" w="med" len="med"/>
-                    </a:lnR>
-                    <a:lnT w="6350" cap="flat" cmpd="sng" algn="ctr">
-                      <a:solidFill>
-                        <a:schemeClr val="tx1"/>
-                      </a:solidFill>
-                      <a:prstDash val="solid"/>
-                      <a:round/>
-                      <a:headEnd type="none" w="med" len="med"/>
-                      <a:tailEnd type="none" w="med" len="med"/>
-                    </a:lnT>
-                    <a:lnB w="6350" cap="flat" cmpd="sng" algn="ctr">
-                      <a:solidFill>
-                        <a:schemeClr val="tx1"/>
-                      </a:solidFill>
-                      <a:prstDash val="solid"/>
-                      <a:round/>
-                      <a:headEnd type="none" w="med" len="med"/>
-                      <a:tailEnd type="none" w="med" len="med"/>
-                    </a:lnB>
-                    <a:lnTlToBr w="12700" cmpd="sng">
-                      <a:noFill/>
-                      <a:prstDash val="solid"/>
-                    </a:lnTlToBr>
-                    <a:lnBlToTr w="12700" cmpd="sng">
-                      <a:noFill/>
-                      <a:prstDash val="solid"/>
-                    </a:lnBlToTr>
-                    <a:solidFill>
-                      <a:schemeClr val="accent5">
-                        <a:lumMod val="20000"/>
-                        <a:lumOff val="80000"/>
-                      </a:schemeClr>
-                    </a:solidFill>
-                  </a:tcPr>
-                </a:tc>
-                <a:extLst>
-                  <a:ext uri="{0D108BD9-81ED-4DB2-BD59-A6C34878D82A}">
-                    <a16:rowId xmlns:a16="http://schemas.microsoft.com/office/drawing/2014/main" val="4204568129"/>
-                  </a:ext>
-                </a:extLst>
-              </a:tr>
-            </a:tbl>
-          </a:graphicData>
-        </a:graphic>
-      </p:graphicFrame>
-      <p:pic>
-        <p:nvPicPr>
-          <p:cNvPr id="6" name="Picture 5">
-            <a:extLst>
-              <a:ext uri="{FF2B5EF4-FFF2-40B4-BE49-F238E27FC236}">
-                <a16:creationId xmlns:a16="http://schemas.microsoft.com/office/drawing/2014/main" id="{5F11C221-8A2B-4CD1-A546-36CEDD4082C4}"/>
-              </a:ext>
-            </a:extLst>
-          </p:cNvPr>
-          <p:cNvPicPr>
-            <a:picLocks noChangeAspect="1"/>
-          </p:cNvPicPr>
-          <p:nvPr/>
-        </p:nvPicPr>
-        <p:blipFill>
-          <a:blip r:embed="rId2" cstate="print">
-            <a:extLst>
-              <a:ext uri="{28A0092B-C50C-407E-A947-70E740481C1C}">
-                <a14:useLocalDpi xmlns:a14="http://schemas.microsoft.com/office/drawing/2010/main" val="0"/>
-              </a:ext>
-            </a:extLst>
-          </a:blip>
-          <a:stretch>
-            <a:fillRect/>
-          </a:stretch>
-        </p:blipFill>
-        <p:spPr>
-          <a:xfrm>
-            <a:off x="1293379" y="5137151"/>
-            <a:ext cx="487666" cy="405904"/>
-          </a:xfrm>
-          <a:prstGeom prst="rect">
-            <a:avLst/>
-          </a:prstGeom>
-        </p:spPr>
-      </p:pic>
-    </p:spTree>
-    <p:extLst>
-      <p:ext uri="{BB962C8B-B14F-4D97-AF65-F5344CB8AC3E}">
-        <p14:creationId xmlns:p14="http://schemas.microsoft.com/office/powerpoint/2010/main" val="795770451"/>
-      </p:ext>
-    </p:extLst>
-  </p:cSld>
-  <p:clrMapOvr>
-    <a:masterClrMapping/>
-  </p:clrMapOvr>
-  <p:timing>
-    <p:tnLst>
-      <p:par>
-        <p:cTn id="1" dur="indefinite" restart="never" nodeType="tmRoot">
-          <p:childTnLst>
-            <p:seq concurrent="1" nextAc="seek">
-              <p:cTn id="2" dur="indefinite" nodeType="mainSeq">
-                <p:childTnLst>
-                  <p:par>
-                    <p:cTn id="3" fill="hold">
-                      <p:stCondLst>
-                        <p:cond delay="indefinite"/>
-                        <p:cond evt="onBegin" delay="0">
-                          <p:tn val="2"/>
-                        </p:cond>
-                      </p:stCondLst>
-                      <p:childTnLst>
-                        <p:par>
-                          <p:cTn id="4" fill="hold">
-                            <p:stCondLst>
-                              <p:cond delay="0"/>
-                            </p:stCondLst>
-                            <p:childTnLst>
-                              <p:par>
-                                <p:cTn id="5" presetID="10" presetClass="entr" presetSubtype="0" fill="hold" nodeType="withEffect">
-                                  <p:stCondLst>
-                                    <p:cond delay="0"/>
-                                  </p:stCondLst>
-                                  <p:childTnLst>
-                                    <p:set>
-                                      <p:cBhvr>
-                                        <p:cTn id="6" dur="1" fill="hold">
-                                          <p:stCondLst>
-                                            <p:cond delay="0"/>
-                                          </p:stCondLst>
-                                        </p:cTn>
-                                        <p:tgtEl>
-                                          <p:spTgt spid="6"/>
-                                        </p:tgtEl>
-                                        <p:attrNameLst>
-                                          <p:attrName>style.visibility</p:attrName>
-                                        </p:attrNameLst>
-                                      </p:cBhvr>
-                                      <p:to>
-                                        <p:strVal val="visible"/>
-                                      </p:to>
-                                    </p:set>
-                                    <p:animEffect transition="in" filter="fade">
-                                      <p:cBhvr>
-                                        <p:cTn id="7" dur="500"/>
-                                        <p:tgtEl>
-                                          <p:spTgt spid="6"/>
-                                        </p:tgtEl>
-                                      </p:cBhvr>
-                                    </p:animEffect>
-                                  </p:childTnLst>
-                                </p:cTn>
-                              </p:par>
-                            </p:childTnLst>
-                          </p:cTn>
-                        </p:par>
-                      </p:childTnLst>
-                    </p:cTn>
-                  </p:par>
-                </p:childTnLst>
-              </p:cTn>
-              <p:prevCondLst>
-                <p:cond evt="onPrev" delay="0">
-                  <p:tgtEl>
-                    <p:sldTgt/>
-                  </p:tgtEl>
-                </p:cond>
-              </p:prevCondLst>
-              <p:nextCondLst>
-                <p:cond evt="onNext" delay="0">
-                  <p:tgtEl>
-                    <p:sldTgt/>
-                  </p:tgtEl>
-                </p:cond>
-              </p:nextCondLst>
-            </p:seq>
-          </p:childTnLst>
-        </p:cTn>
-      </p:par>
-    </p:tnLst>
-  </p:timing>
 </p:sld>
 </file>
 

--- a/ipsa/slides/control.pptx
+++ b/ipsa/slides/control.pptx
@@ -5,7 +5,7 @@
     <p:sldMasterId id="2147483648" r:id="rId1"/>
   </p:sldMasterIdLst>
   <p:notesMasterIdLst>
-    <p:notesMasterId r:id="rId17"/>
+    <p:notesMasterId r:id="rId18"/>
   </p:notesMasterIdLst>
   <p:sldIdLst>
     <p:sldId id="370" r:id="rId2"/>
@@ -22,7 +22,8 @@
     <p:sldId id="385" r:id="rId13"/>
     <p:sldId id="388" r:id="rId14"/>
     <p:sldId id="386" r:id="rId15"/>
-    <p:sldId id="387" r:id="rId16"/>
+    <p:sldId id="391" r:id="rId16"/>
+    <p:sldId id="387" r:id="rId17"/>
   </p:sldIdLst>
   <p:sldSz cx="12192000" cy="6858000"/>
   <p:notesSz cx="6858000" cy="9144000"/>
@@ -132,13 +133,165 @@
 <file path=ppt/revisionInfo.xml><?xml version="1.0" encoding="utf-8"?>
 <p1510:revInfo xmlns:a="http://schemas.openxmlformats.org/drawingml/2006/main" xmlns:r="http://schemas.openxmlformats.org/officeDocument/2006/relationships" xmlns:p1510="http://schemas.microsoft.com/office/powerpoint/2015/10/main">
   <p1510:revLst>
-    <p1510:client id="{DDB2EBFE-BE9D-478D-B155-AD8F8F2B5AB2}" v="20" dt="2024-02-05T08:03:33.637"/>
+    <p1510:client id="{5A202A9A-287B-44F3-8939-D04FF8059D66}" v="74" dt="2024-12-18T12:19:05.196"/>
   </p1510:revLst>
 </p1510:revInfo>
 </file>
 
 <file path=ppt/changesInfos/changesInfo1.xml><?xml version="1.0" encoding="utf-8"?>
 <pc:chgInfo xmlns:a="http://schemas.openxmlformats.org/drawingml/2006/main" xmlns:r="http://schemas.openxmlformats.org/officeDocument/2006/relationships" xmlns:ac="http://schemas.microsoft.com/office/drawing/2013/main/command" xmlns:pc="http://schemas.microsoft.com/office/powerpoint/2013/main/command">
+  <pc:docChgLst>
+    <pc:chgData name="Gerth Stølting Brodal" userId="04ef4784-6591-4f86-a140-f5c3b108582a" providerId="ADAL" clId="{5A202A9A-287B-44F3-8939-D04FF8059D66}"/>
+    <pc:docChg chg="undo custSel addSld modSld">
+      <pc:chgData name="Gerth Stølting Brodal" userId="04ef4784-6591-4f86-a140-f5c3b108582a" providerId="ADAL" clId="{5A202A9A-287B-44F3-8939-D04FF8059D66}" dt="2024-12-18T12:19:05.196" v="1107" actId="20577"/>
+      <pc:docMkLst>
+        <pc:docMk/>
+      </pc:docMkLst>
+      <pc:sldChg chg="addSp delSp modSp new mod modAnim modNotesTx">
+        <pc:chgData name="Gerth Stølting Brodal" userId="04ef4784-6591-4f86-a140-f5c3b108582a" providerId="ADAL" clId="{5A202A9A-287B-44F3-8939-D04FF8059D66}" dt="2024-12-18T12:19:05.196" v="1107" actId="20577"/>
+        <pc:sldMkLst>
+          <pc:docMk/>
+          <pc:sldMk cId="2077438254" sldId="391"/>
+        </pc:sldMkLst>
+        <pc:spChg chg="mod">
+          <ac:chgData name="Gerth Stølting Brodal" userId="04ef4784-6591-4f86-a140-f5c3b108582a" providerId="ADAL" clId="{5A202A9A-287B-44F3-8939-D04FF8059D66}" dt="2024-12-18T10:37:03.340" v="682" actId="1076"/>
+          <ac:spMkLst>
+            <pc:docMk/>
+            <pc:sldMk cId="2077438254" sldId="391"/>
+            <ac:spMk id="2" creationId="{5C6EB888-E169-9745-52B4-AD4A7CA428B9}"/>
+          </ac:spMkLst>
+        </pc:spChg>
+        <pc:spChg chg="mod">
+          <ac:chgData name="Gerth Stølting Brodal" userId="04ef4784-6591-4f86-a140-f5c3b108582a" providerId="ADAL" clId="{5A202A9A-287B-44F3-8939-D04FF8059D66}" dt="2024-12-18T12:19:05.196" v="1107" actId="20577"/>
+          <ac:spMkLst>
+            <pc:docMk/>
+            <pc:sldMk cId="2077438254" sldId="391"/>
+            <ac:spMk id="3" creationId="{5FB15087-8789-1E86-2833-C8282CE6B5C3}"/>
+          </ac:spMkLst>
+        </pc:spChg>
+        <pc:spChg chg="add del">
+          <ac:chgData name="Gerth Stølting Brodal" userId="04ef4784-6591-4f86-a140-f5c3b108582a" providerId="ADAL" clId="{5A202A9A-287B-44F3-8939-D04FF8059D66}" dt="2024-12-18T09:50:06.799" v="46" actId="22"/>
+          <ac:spMkLst>
+            <pc:docMk/>
+            <pc:sldMk cId="2077438254" sldId="391"/>
+            <ac:spMk id="5" creationId="{4078411E-7EB8-3EBE-A75F-F84C69775554}"/>
+          </ac:spMkLst>
+        </pc:spChg>
+        <pc:spChg chg="add del">
+          <ac:chgData name="Gerth Stølting Brodal" userId="04ef4784-6591-4f86-a140-f5c3b108582a" providerId="ADAL" clId="{5A202A9A-287B-44F3-8939-D04FF8059D66}" dt="2024-12-18T09:50:12.552" v="48" actId="22"/>
+          <ac:spMkLst>
+            <pc:docMk/>
+            <pc:sldMk cId="2077438254" sldId="391"/>
+            <ac:spMk id="7" creationId="{A10005A3-F78B-E48F-76CC-32F9F7E61750}"/>
+          </ac:spMkLst>
+        </pc:spChg>
+        <pc:spChg chg="add del">
+          <ac:chgData name="Gerth Stølting Brodal" userId="04ef4784-6591-4f86-a140-f5c3b108582a" providerId="ADAL" clId="{5A202A9A-287B-44F3-8939-D04FF8059D66}" dt="2024-12-18T10:00:31.344" v="52" actId="22"/>
+          <ac:spMkLst>
+            <pc:docMk/>
+            <pc:sldMk cId="2077438254" sldId="391"/>
+            <ac:spMk id="10" creationId="{1FFE8BE3-2FBA-9DDA-35D9-6F14F88BAEA3}"/>
+          </ac:spMkLst>
+        </pc:spChg>
+        <pc:spChg chg="add mod">
+          <ac:chgData name="Gerth Stølting Brodal" userId="04ef4784-6591-4f86-a140-f5c3b108582a" providerId="ADAL" clId="{5A202A9A-287B-44F3-8939-D04FF8059D66}" dt="2024-12-18T10:16:07.992" v="455" actId="1037"/>
+          <ac:spMkLst>
+            <pc:docMk/>
+            <pc:sldMk cId="2077438254" sldId="391"/>
+            <ac:spMk id="16" creationId="{B8A4B65A-06D7-11D9-1B7D-08BC26E2352F}"/>
+          </ac:spMkLst>
+        </pc:spChg>
+        <pc:spChg chg="add mod">
+          <ac:chgData name="Gerth Stølting Brodal" userId="04ef4784-6591-4f86-a140-f5c3b108582a" providerId="ADAL" clId="{5A202A9A-287B-44F3-8939-D04FF8059D66}" dt="2024-12-18T10:16:07.992" v="455" actId="1037"/>
+          <ac:spMkLst>
+            <pc:docMk/>
+            <pc:sldMk cId="2077438254" sldId="391"/>
+            <ac:spMk id="18" creationId="{7C55346A-44F9-5112-9FB0-154AD01DE983}"/>
+          </ac:spMkLst>
+        </pc:spChg>
+        <pc:spChg chg="add mod">
+          <ac:chgData name="Gerth Stølting Brodal" userId="04ef4784-6591-4f86-a140-f5c3b108582a" providerId="ADAL" clId="{5A202A9A-287B-44F3-8939-D04FF8059D66}" dt="2024-12-18T10:16:07.992" v="455" actId="1037"/>
+          <ac:spMkLst>
+            <pc:docMk/>
+            <pc:sldMk cId="2077438254" sldId="391"/>
+            <ac:spMk id="20" creationId="{E9240245-F323-65AC-AC86-6ABC0D8422D1}"/>
+          </ac:spMkLst>
+        </pc:spChg>
+        <pc:spChg chg="add del mod">
+          <ac:chgData name="Gerth Stølting Brodal" userId="04ef4784-6591-4f86-a140-f5c3b108582a" providerId="ADAL" clId="{5A202A9A-287B-44F3-8939-D04FF8059D66}" dt="2024-12-18T10:14:37.781" v="357"/>
+          <ac:spMkLst>
+            <pc:docMk/>
+            <pc:sldMk cId="2077438254" sldId="391"/>
+            <ac:spMk id="22" creationId="{080BE306-A0CA-F0C5-5BEB-35E207745AEF}"/>
+          </ac:spMkLst>
+        </pc:spChg>
+        <pc:graphicFrameChg chg="add del mod">
+          <ac:chgData name="Gerth Stølting Brodal" userId="04ef4784-6591-4f86-a140-f5c3b108582a" providerId="ADAL" clId="{5A202A9A-287B-44F3-8939-D04FF8059D66}" dt="2024-12-18T10:03:52.120" v="60" actId="478"/>
+          <ac:graphicFrameMkLst>
+            <pc:docMk/>
+            <pc:sldMk cId="2077438254" sldId="391"/>
+            <ac:graphicFrameMk id="8" creationId="{34443A8D-BD34-EE6B-EC7B-F183B4047FC9}"/>
+          </ac:graphicFrameMkLst>
+        </pc:graphicFrameChg>
+        <pc:graphicFrameChg chg="add mod modGraphic">
+          <ac:chgData name="Gerth Stølting Brodal" userId="04ef4784-6591-4f86-a140-f5c3b108582a" providerId="ADAL" clId="{5A202A9A-287B-44F3-8939-D04FF8059D66}" dt="2024-12-18T12:18:15.192" v="1105" actId="1076"/>
+          <ac:graphicFrameMkLst>
+            <pc:docMk/>
+            <pc:sldMk cId="2077438254" sldId="391"/>
+            <ac:graphicFrameMk id="11" creationId="{02F531C8-5154-8ABB-8F78-8E20CC705335}"/>
+          </ac:graphicFrameMkLst>
+        </pc:graphicFrameChg>
+        <pc:graphicFrameChg chg="add mod modGraphic">
+          <ac:chgData name="Gerth Stølting Brodal" userId="04ef4784-6591-4f86-a140-f5c3b108582a" providerId="ADAL" clId="{5A202A9A-287B-44F3-8939-D04FF8059D66}" dt="2024-12-18T10:16:07.992" v="455" actId="1037"/>
+          <ac:graphicFrameMkLst>
+            <pc:docMk/>
+            <pc:sldMk cId="2077438254" sldId="391"/>
+            <ac:graphicFrameMk id="12" creationId="{49CAE249-0CFD-66AD-BC65-DF4033B6C043}"/>
+          </ac:graphicFrameMkLst>
+        </pc:graphicFrameChg>
+        <pc:cxnChg chg="add mod">
+          <ac:chgData name="Gerth Stølting Brodal" userId="04ef4784-6591-4f86-a140-f5c3b108582a" providerId="ADAL" clId="{5A202A9A-287B-44F3-8939-D04FF8059D66}" dt="2024-12-18T10:16:07.992" v="455" actId="1037"/>
+          <ac:cxnSpMkLst>
+            <pc:docMk/>
+            <pc:sldMk cId="2077438254" sldId="391"/>
+            <ac:cxnSpMk id="13" creationId="{97508C72-EE9D-4F7B-EE7A-E2EE4DA95A02}"/>
+          </ac:cxnSpMkLst>
+        </pc:cxnChg>
+        <pc:cxnChg chg="add mod">
+          <ac:chgData name="Gerth Stølting Brodal" userId="04ef4784-6591-4f86-a140-f5c3b108582a" providerId="ADAL" clId="{5A202A9A-287B-44F3-8939-D04FF8059D66}" dt="2024-12-18T10:17:03.185" v="476" actId="1038"/>
+          <ac:cxnSpMkLst>
+            <pc:docMk/>
+            <pc:sldMk cId="2077438254" sldId="391"/>
+            <ac:cxnSpMk id="17" creationId="{87A7AE90-EA3B-A87C-0BB3-AEE4A06077F9}"/>
+          </ac:cxnSpMkLst>
+        </pc:cxnChg>
+        <pc:cxnChg chg="add del mod">
+          <ac:chgData name="Gerth Stølting Brodal" userId="04ef4784-6591-4f86-a140-f5c3b108582a" providerId="ADAL" clId="{5A202A9A-287B-44F3-8939-D04FF8059D66}" dt="2024-12-18T10:13:55.628" v="327" actId="478"/>
+          <ac:cxnSpMkLst>
+            <pc:docMk/>
+            <pc:sldMk cId="2077438254" sldId="391"/>
+            <ac:cxnSpMk id="19" creationId="{BF3FDE3F-E802-A55A-FB1C-4B6470676F35}"/>
+          </ac:cxnSpMkLst>
+        </pc:cxnChg>
+        <pc:cxnChg chg="add del mod">
+          <ac:chgData name="Gerth Stølting Brodal" userId="04ef4784-6591-4f86-a140-f5c3b108582a" providerId="ADAL" clId="{5A202A9A-287B-44F3-8939-D04FF8059D66}" dt="2024-12-18T10:13:52.235" v="326" actId="478"/>
+          <ac:cxnSpMkLst>
+            <pc:docMk/>
+            <pc:sldMk cId="2077438254" sldId="391"/>
+            <ac:cxnSpMk id="21" creationId="{F73B2160-9FFE-FDDE-99AB-87D14440282E}"/>
+          </ac:cxnSpMkLst>
+        </pc:cxnChg>
+        <pc:cxnChg chg="add mod">
+          <ac:chgData name="Gerth Stølting Brodal" userId="04ef4784-6591-4f86-a140-f5c3b108582a" providerId="ADAL" clId="{5A202A9A-287B-44F3-8939-D04FF8059D66}" dt="2024-12-18T10:16:07.992" v="455" actId="1037"/>
+          <ac:cxnSpMkLst>
+            <pc:docMk/>
+            <pc:sldMk cId="2077438254" sldId="391"/>
+            <ac:cxnSpMk id="27" creationId="{CB8FBD1D-9C9D-9B7F-346A-48CEDA043D18}"/>
+          </ac:cxnSpMkLst>
+        </pc:cxnChg>
+      </pc:sldChg>
+    </pc:docChg>
+  </pc:docChgLst>
   <pc:docChgLst>
     <pc:chgData name="Gerth Stølting Brodal" userId="04ef4784-6591-4f86-a140-f5c3b108582a" providerId="ADAL" clId="{CCA6BA44-85D7-4E34-A506-D12B36546E3D}"/>
     <pc:docChg chg="modSld">
@@ -152,118 +305,6 @@
           <pc:docMk/>
           <pc:sldMk cId="328472895" sldId="380"/>
         </pc:sldMkLst>
-        <pc:spChg chg="mod">
-          <ac:chgData name="Gerth Stølting Brodal" userId="04ef4784-6591-4f86-a140-f5c3b108582a" providerId="ADAL" clId="{CCA6BA44-85D7-4E34-A506-D12B36546E3D}" dt="2023-02-06T06:50:16.540" v="46" actId="1037"/>
-          <ac:spMkLst>
-            <pc:docMk/>
-            <pc:sldMk cId="328472895" sldId="380"/>
-            <ac:spMk id="4" creationId="{00000000-0000-0000-0000-000000000000}"/>
-          </ac:spMkLst>
-        </pc:spChg>
-        <pc:spChg chg="mod">
-          <ac:chgData name="Gerth Stølting Brodal" userId="04ef4784-6591-4f86-a140-f5c3b108582a" providerId="ADAL" clId="{CCA6BA44-85D7-4E34-A506-D12B36546E3D}" dt="2023-02-06T06:50:16.540" v="46" actId="1037"/>
-          <ac:spMkLst>
-            <pc:docMk/>
-            <pc:sldMk cId="328472895" sldId="380"/>
-            <ac:spMk id="5" creationId="{00000000-0000-0000-0000-000000000000}"/>
-          </ac:spMkLst>
-        </pc:spChg>
-        <pc:spChg chg="mod">
-          <ac:chgData name="Gerth Stølting Brodal" userId="04ef4784-6591-4f86-a140-f5c3b108582a" providerId="ADAL" clId="{CCA6BA44-85D7-4E34-A506-D12B36546E3D}" dt="2023-02-06T06:50:16.540" v="46" actId="1037"/>
-          <ac:spMkLst>
-            <pc:docMk/>
-            <pc:sldMk cId="328472895" sldId="380"/>
-            <ac:spMk id="6" creationId="{00000000-0000-0000-0000-000000000000}"/>
-          </ac:spMkLst>
-        </pc:spChg>
-        <pc:spChg chg="mod">
-          <ac:chgData name="Gerth Stølting Brodal" userId="04ef4784-6591-4f86-a140-f5c3b108582a" providerId="ADAL" clId="{CCA6BA44-85D7-4E34-A506-D12B36546E3D}" dt="2023-02-06T06:50:16.540" v="46" actId="1037"/>
-          <ac:spMkLst>
-            <pc:docMk/>
-            <pc:sldMk cId="328472895" sldId="380"/>
-            <ac:spMk id="7" creationId="{00000000-0000-0000-0000-000000000000}"/>
-          </ac:spMkLst>
-        </pc:spChg>
-        <pc:spChg chg="mod">
-          <ac:chgData name="Gerth Stølting Brodal" userId="04ef4784-6591-4f86-a140-f5c3b108582a" providerId="ADAL" clId="{CCA6BA44-85D7-4E34-A506-D12B36546E3D}" dt="2023-02-06T06:50:16.540" v="46" actId="1037"/>
-          <ac:spMkLst>
-            <pc:docMk/>
-            <pc:sldMk cId="328472895" sldId="380"/>
-            <ac:spMk id="9" creationId="{00000000-0000-0000-0000-000000000000}"/>
-          </ac:spMkLst>
-        </pc:spChg>
-        <pc:spChg chg="mod">
-          <ac:chgData name="Gerth Stølting Brodal" userId="04ef4784-6591-4f86-a140-f5c3b108582a" providerId="ADAL" clId="{CCA6BA44-85D7-4E34-A506-D12B36546E3D}" dt="2023-02-06T06:50:16.540" v="46" actId="1037"/>
-          <ac:spMkLst>
-            <pc:docMk/>
-            <pc:sldMk cId="328472895" sldId="380"/>
-            <ac:spMk id="27" creationId="{00000000-0000-0000-0000-000000000000}"/>
-          </ac:spMkLst>
-        </pc:spChg>
-        <pc:spChg chg="mod">
-          <ac:chgData name="Gerth Stølting Brodal" userId="04ef4784-6591-4f86-a140-f5c3b108582a" providerId="ADAL" clId="{CCA6BA44-85D7-4E34-A506-D12B36546E3D}" dt="2023-02-06T06:50:16.540" v="46" actId="1037"/>
-          <ac:spMkLst>
-            <pc:docMk/>
-            <pc:sldMk cId="328472895" sldId="380"/>
-            <ac:spMk id="28" creationId="{00000000-0000-0000-0000-000000000000}"/>
-          </ac:spMkLst>
-        </pc:spChg>
-        <pc:spChg chg="mod">
-          <ac:chgData name="Gerth Stølting Brodal" userId="04ef4784-6591-4f86-a140-f5c3b108582a" providerId="ADAL" clId="{CCA6BA44-85D7-4E34-A506-D12B36546E3D}" dt="2023-02-06T06:50:16.540" v="46" actId="1037"/>
-          <ac:spMkLst>
-            <pc:docMk/>
-            <pc:sldMk cId="328472895" sldId="380"/>
-            <ac:spMk id="29" creationId="{00000000-0000-0000-0000-000000000000}"/>
-          </ac:spMkLst>
-        </pc:spChg>
-        <pc:spChg chg="mod">
-          <ac:chgData name="Gerth Stølting Brodal" userId="04ef4784-6591-4f86-a140-f5c3b108582a" providerId="ADAL" clId="{CCA6BA44-85D7-4E34-A506-D12B36546E3D}" dt="2023-02-06T06:50:16.540" v="46" actId="1037"/>
-          <ac:spMkLst>
-            <pc:docMk/>
-            <pc:sldMk cId="328472895" sldId="380"/>
-            <ac:spMk id="30" creationId="{00000000-0000-0000-0000-000000000000}"/>
-          </ac:spMkLst>
-        </pc:spChg>
-        <pc:cxnChg chg="mod">
-          <ac:chgData name="Gerth Stølting Brodal" userId="04ef4784-6591-4f86-a140-f5c3b108582a" providerId="ADAL" clId="{CCA6BA44-85D7-4E34-A506-D12B36546E3D}" dt="2023-02-06T06:50:16.540" v="46" actId="1037"/>
-          <ac:cxnSpMkLst>
-            <pc:docMk/>
-            <pc:sldMk cId="328472895" sldId="380"/>
-            <ac:cxnSpMk id="11" creationId="{00000000-0000-0000-0000-000000000000}"/>
-          </ac:cxnSpMkLst>
-        </pc:cxnChg>
-        <pc:cxnChg chg="mod">
-          <ac:chgData name="Gerth Stølting Brodal" userId="04ef4784-6591-4f86-a140-f5c3b108582a" providerId="ADAL" clId="{CCA6BA44-85D7-4E34-A506-D12B36546E3D}" dt="2023-02-06T06:50:16.540" v="46" actId="1037"/>
-          <ac:cxnSpMkLst>
-            <pc:docMk/>
-            <pc:sldMk cId="328472895" sldId="380"/>
-            <ac:cxnSpMk id="12" creationId="{00000000-0000-0000-0000-000000000000}"/>
-          </ac:cxnSpMkLst>
-        </pc:cxnChg>
-        <pc:cxnChg chg="mod">
-          <ac:chgData name="Gerth Stølting Brodal" userId="04ef4784-6591-4f86-a140-f5c3b108582a" providerId="ADAL" clId="{CCA6BA44-85D7-4E34-A506-D12B36546E3D}" dt="2023-02-06T06:50:16.540" v="46" actId="1037"/>
-          <ac:cxnSpMkLst>
-            <pc:docMk/>
-            <pc:sldMk cId="328472895" sldId="380"/>
-            <ac:cxnSpMk id="13" creationId="{00000000-0000-0000-0000-000000000000}"/>
-          </ac:cxnSpMkLst>
-        </pc:cxnChg>
-        <pc:cxnChg chg="mod">
-          <ac:chgData name="Gerth Stølting Brodal" userId="04ef4784-6591-4f86-a140-f5c3b108582a" providerId="ADAL" clId="{CCA6BA44-85D7-4E34-A506-D12B36546E3D}" dt="2023-02-06T06:50:16.540" v="46" actId="1037"/>
-          <ac:cxnSpMkLst>
-            <pc:docMk/>
-            <pc:sldMk cId="328472895" sldId="380"/>
-            <ac:cxnSpMk id="14" creationId="{00000000-0000-0000-0000-000000000000}"/>
-          </ac:cxnSpMkLst>
-        </pc:cxnChg>
-        <pc:cxnChg chg="mod">
-          <ac:chgData name="Gerth Stølting Brodal" userId="04ef4784-6591-4f86-a140-f5c3b108582a" providerId="ADAL" clId="{CCA6BA44-85D7-4E34-A506-D12B36546E3D}" dt="2023-02-06T06:50:16.540" v="46" actId="1037"/>
-          <ac:cxnSpMkLst>
-            <pc:docMk/>
-            <pc:sldMk cId="328472895" sldId="380"/>
-            <ac:cxnSpMk id="15" creationId="{00000000-0000-0000-0000-000000000000}"/>
-          </ac:cxnSpMkLst>
-        </pc:cxnChg>
       </pc:sldChg>
       <pc:sldChg chg="modSp mod">
         <pc:chgData name="Gerth Stølting Brodal" userId="04ef4784-6591-4f86-a140-f5c3b108582a" providerId="ADAL" clId="{CCA6BA44-85D7-4E34-A506-D12B36546E3D}" dt="2023-02-06T06:48:18.531" v="1" actId="20577"/>
@@ -271,14 +312,6 @@
           <pc:docMk/>
           <pc:sldMk cId="1756381776" sldId="383"/>
         </pc:sldMkLst>
-        <pc:spChg chg="mod">
-          <ac:chgData name="Gerth Stølting Brodal" userId="04ef4784-6591-4f86-a140-f5c3b108582a" providerId="ADAL" clId="{CCA6BA44-85D7-4E34-A506-D12B36546E3D}" dt="2023-02-06T06:48:18.531" v="1" actId="20577"/>
-          <ac:spMkLst>
-            <pc:docMk/>
-            <pc:sldMk cId="1756381776" sldId="383"/>
-            <ac:spMk id="3" creationId="{00000000-0000-0000-0000-000000000000}"/>
-          </ac:spMkLst>
-        </pc:spChg>
       </pc:sldChg>
       <pc:sldChg chg="modSp">
         <pc:chgData name="Gerth Stølting Brodal" userId="04ef4784-6591-4f86-a140-f5c3b108582a" providerId="ADAL" clId="{CCA6BA44-85D7-4E34-A506-D12B36546E3D}" dt="2023-02-06T07:15:19.333" v="57" actId="20577"/>
@@ -286,14 +319,6 @@
           <pc:docMk/>
           <pc:sldMk cId="2572527049" sldId="388"/>
         </pc:sldMkLst>
-        <pc:spChg chg="mod">
-          <ac:chgData name="Gerth Stølting Brodal" userId="04ef4784-6591-4f86-a140-f5c3b108582a" providerId="ADAL" clId="{CCA6BA44-85D7-4E34-A506-D12B36546E3D}" dt="2023-02-06T07:15:19.333" v="57" actId="20577"/>
-          <ac:spMkLst>
-            <pc:docMk/>
-            <pc:sldMk cId="2572527049" sldId="388"/>
-            <ac:spMk id="3" creationId="{00000000-0000-0000-0000-000000000000}"/>
-          </ac:spMkLst>
-        </pc:spChg>
       </pc:sldChg>
     </pc:docChg>
   </pc:docChgLst>
@@ -310,14 +335,6 @@
           <pc:docMk/>
           <pc:sldMk cId="973870306" sldId="273"/>
         </pc:sldMkLst>
-        <pc:spChg chg="mod">
-          <ac:chgData name="Gerth Stølting Brodal" userId="04ef4784-6591-4f86-a140-f5c3b108582a" providerId="ADAL" clId="{DDB2EBFE-BE9D-478D-B155-AD8F8F2B5AB2}" dt="2024-01-30T12:41:42.534" v="33" actId="20577"/>
-          <ac:spMkLst>
-            <pc:docMk/>
-            <pc:sldMk cId="973870306" sldId="273"/>
-            <ac:spMk id="3" creationId="{00000000-0000-0000-0000-000000000000}"/>
-          </ac:spMkLst>
-        </pc:spChg>
       </pc:sldChg>
       <pc:sldChg chg="modNotesTx">
         <pc:chgData name="Gerth Stølting Brodal" userId="04ef4784-6591-4f86-a140-f5c3b108582a" providerId="ADAL" clId="{DDB2EBFE-BE9D-478D-B155-AD8F8F2B5AB2}" dt="2024-02-05T08:02:32.535" v="147" actId="20577"/>
@@ -339,30 +356,6 @@
           <pc:docMk/>
           <pc:sldMk cId="2353739137" sldId="390"/>
         </pc:sldMkLst>
-        <pc:spChg chg="mod">
-          <ac:chgData name="Gerth Stølting Brodal" userId="04ef4784-6591-4f86-a140-f5c3b108582a" providerId="ADAL" clId="{DDB2EBFE-BE9D-478D-B155-AD8F8F2B5AB2}" dt="2024-02-05T08:05:17.719" v="302" actId="6549"/>
-          <ac:spMkLst>
-            <pc:docMk/>
-            <pc:sldMk cId="2353739137" sldId="390"/>
-            <ac:spMk id="2" creationId="{300D2980-7746-9AC1-E353-FFBFA32F3271}"/>
-          </ac:spMkLst>
-        </pc:spChg>
-        <pc:graphicFrameChg chg="add mod">
-          <ac:chgData name="Gerth Stølting Brodal" userId="04ef4784-6591-4f86-a140-f5c3b108582a" providerId="ADAL" clId="{DDB2EBFE-BE9D-478D-B155-AD8F8F2B5AB2}" dt="2024-02-05T08:07:34.012" v="327" actId="554"/>
-          <ac:graphicFrameMkLst>
-            <pc:docMk/>
-            <pc:sldMk cId="2353739137" sldId="390"/>
-            <ac:graphicFrameMk id="4" creationId="{004F710B-956D-6723-B2F5-62E14699C9D1}"/>
-          </ac:graphicFrameMkLst>
-        </pc:graphicFrameChg>
-        <pc:graphicFrameChg chg="add mod modGraphic">
-          <ac:chgData name="Gerth Stølting Brodal" userId="04ef4784-6591-4f86-a140-f5c3b108582a" providerId="ADAL" clId="{DDB2EBFE-BE9D-478D-B155-AD8F8F2B5AB2}" dt="2024-02-05T08:07:34.012" v="327" actId="554"/>
-          <ac:graphicFrameMkLst>
-            <pc:docMk/>
-            <pc:sldMk cId="2353739137" sldId="390"/>
-            <ac:graphicFrameMk id="5" creationId="{3BB6B9DA-B672-2FE0-5D5B-88ABA077A7BB}"/>
-          </ac:graphicFrameMkLst>
-        </pc:graphicFrameChg>
       </pc:sldChg>
     </pc:docChg>
   </pc:docChgLst>
@@ -386,14 +379,6 @@
           <pc:docMk/>
           <pc:sldMk cId="959264993" sldId="291"/>
         </pc:sldMkLst>
-        <pc:spChg chg="mod">
-          <ac:chgData name="Gerth Stølting Brodal" userId="04ef4784-6591-4f86-a140-f5c3b108582a" providerId="ADAL" clId="{2FC3BC44-7AD5-499A-9E6F-BCA215DBF3B1}" dt="2022-02-07T07:21:44.250" v="328" actId="20577"/>
-          <ac:spMkLst>
-            <pc:docMk/>
-            <pc:sldMk cId="959264993" sldId="291"/>
-            <ac:spMk id="3" creationId="{00000000-0000-0000-0000-000000000000}"/>
-          </ac:spMkLst>
-        </pc:spChg>
       </pc:sldChg>
       <pc:sldChg chg="modNotesTx">
         <pc:chgData name="Gerth Stølting Brodal" userId="04ef4784-6591-4f86-a140-f5c3b108582a" providerId="ADAL" clId="{2FC3BC44-7AD5-499A-9E6F-BCA215DBF3B1}" dt="2022-02-06T09:16:42.150" v="95" actId="20577"/>
@@ -415,46 +400,6 @@
           <pc:docMk/>
           <pc:sldMk cId="795770451" sldId="389"/>
         </pc:sldMkLst>
-        <pc:spChg chg="mod">
-          <ac:chgData name="Gerth Stølting Brodal" userId="04ef4784-6591-4f86-a140-f5c3b108582a" providerId="ADAL" clId="{2FC3BC44-7AD5-499A-9E6F-BCA215DBF3B1}" dt="2022-02-06T09:47:54.447" v="217" actId="20577"/>
-          <ac:spMkLst>
-            <pc:docMk/>
-            <pc:sldMk cId="795770451" sldId="389"/>
-            <ac:spMk id="2" creationId="{91BDC123-E5D6-4B1E-838D-428C0508E6B1}"/>
-          </ac:spMkLst>
-        </pc:spChg>
-        <pc:spChg chg="del">
-          <ac:chgData name="Gerth Stølting Brodal" userId="04ef4784-6591-4f86-a140-f5c3b108582a" providerId="ADAL" clId="{2FC3BC44-7AD5-499A-9E6F-BCA215DBF3B1}" dt="2022-02-06T09:40:50.998" v="124" actId="478"/>
-          <ac:spMkLst>
-            <pc:docMk/>
-            <pc:sldMk cId="795770451" sldId="389"/>
-            <ac:spMk id="3" creationId="{658D0D55-B8CF-47C7-8F86-495A41E07603}"/>
-          </ac:spMkLst>
-        </pc:spChg>
-        <pc:graphicFrameChg chg="add mod modGraphic">
-          <ac:chgData name="Gerth Stølting Brodal" userId="04ef4784-6591-4f86-a140-f5c3b108582a" providerId="ADAL" clId="{2FC3BC44-7AD5-499A-9E6F-BCA215DBF3B1}" dt="2022-02-06T09:45:54.599" v="183" actId="20577"/>
-          <ac:graphicFrameMkLst>
-            <pc:docMk/>
-            <pc:sldMk cId="795770451" sldId="389"/>
-            <ac:graphicFrameMk id="4" creationId="{E47B0A96-A9F4-4F69-8933-393AB0B1C5AE}"/>
-          </ac:graphicFrameMkLst>
-        </pc:graphicFrameChg>
-        <pc:graphicFrameChg chg="add mod modGraphic">
-          <ac:chgData name="Gerth Stølting Brodal" userId="04ef4784-6591-4f86-a140-f5c3b108582a" providerId="ADAL" clId="{2FC3BC44-7AD5-499A-9E6F-BCA215DBF3B1}" dt="2022-02-06T09:46:02.986" v="192" actId="5793"/>
-          <ac:graphicFrameMkLst>
-            <pc:docMk/>
-            <pc:sldMk cId="795770451" sldId="389"/>
-            <ac:graphicFrameMk id="5" creationId="{84A6A35F-BAC9-4890-8CB9-B588AA5F8D34}"/>
-          </ac:graphicFrameMkLst>
-        </pc:graphicFrameChg>
-        <pc:picChg chg="add mod">
-          <ac:chgData name="Gerth Stølting Brodal" userId="04ef4784-6591-4f86-a140-f5c3b108582a" providerId="ADAL" clId="{2FC3BC44-7AD5-499A-9E6F-BCA215DBF3B1}" dt="2022-02-06T09:45:03.484" v="174" actId="1076"/>
-          <ac:picMkLst>
-            <pc:docMk/>
-            <pc:sldMk cId="795770451" sldId="389"/>
-            <ac:picMk id="6" creationId="{5F11C221-8A2B-4CD1-A546-36CEDD4082C4}"/>
-          </ac:picMkLst>
-        </pc:picChg>
       </pc:sldChg>
     </pc:docChg>
   </pc:docChgLst>
@@ -543,7 +488,7 @@
           <a:p>
             <a:fld id="{FB1A172F-81D4-4DC4-9113-1DBD56EC3646}" type="datetimeFigureOut">
               <a:rPr lang="en-US" smtClean="0"/>
-              <a:t>2/5/2024</a:t>
+              <a:t>12/18/2024</a:t>
             </a:fld>
             <a:endParaRPr lang="en-US"/>
           </a:p>
@@ -1755,6 +1700,252 @@
           <a:lstStyle/>
           <a:p>
             <a:r>
+              <a:rPr lang="da-DK" dirty="0" err="1"/>
+              <a:t>Binary</a:t>
+            </a:r>
+            <a:r>
+              <a:rPr lang="da-DK" dirty="0"/>
+              <a:t> </a:t>
+            </a:r>
+            <a:r>
+              <a:rPr lang="da-DK" dirty="0" err="1"/>
+              <a:t>search</a:t>
+            </a:r>
+            <a:r>
+              <a:rPr lang="da-DK" dirty="0"/>
+              <a:t> is tricky, </a:t>
+            </a:r>
+            <a:r>
+              <a:rPr lang="da-DK" dirty="0" err="1"/>
+              <a:t>sometimes</a:t>
+            </a:r>
+            <a:r>
+              <a:rPr lang="da-DK" dirty="0"/>
+              <a:t> </a:t>
+            </a:r>
+            <a:r>
+              <a:rPr lang="da-DK" dirty="0" err="1"/>
+              <a:t>you</a:t>
+            </a:r>
+            <a:r>
+              <a:rPr lang="da-DK" dirty="0"/>
+              <a:t> </a:t>
+            </a:r>
+            <a:r>
+              <a:rPr lang="da-DK" dirty="0" err="1"/>
+              <a:t>can</a:t>
+            </a:r>
+            <a:r>
+              <a:rPr lang="da-DK" dirty="0"/>
+              <a:t> </a:t>
+            </a:r>
+            <a:r>
+              <a:rPr lang="da-DK" dirty="0" err="1"/>
+              <a:t>use</a:t>
+            </a:r>
+            <a:r>
+              <a:rPr lang="da-DK" dirty="0"/>
+              <a:t> a </a:t>
+            </a:r>
+            <a:r>
+              <a:rPr lang="da-DK" dirty="0" err="1"/>
+              <a:t>library</a:t>
+            </a:r>
+            <a:r>
+              <a:rPr lang="da-DK" dirty="0"/>
+              <a:t> to </a:t>
+            </a:r>
+            <a:r>
+              <a:rPr lang="da-DK" dirty="0" err="1"/>
+              <a:t>make</a:t>
+            </a:r>
+            <a:r>
+              <a:rPr lang="da-DK" dirty="0"/>
+              <a:t> </a:t>
+            </a:r>
+            <a:r>
+              <a:rPr lang="da-DK" dirty="0" err="1"/>
+              <a:t>your</a:t>
+            </a:r>
+            <a:r>
+              <a:rPr lang="da-DK" dirty="0"/>
+              <a:t> </a:t>
+            </a:r>
+            <a:r>
+              <a:rPr lang="da-DK" dirty="0" err="1"/>
+              <a:t>life</a:t>
+            </a:r>
+            <a:r>
+              <a:rPr lang="da-DK" dirty="0"/>
+              <a:t> </a:t>
+            </a:r>
+            <a:r>
+              <a:rPr lang="da-DK" dirty="0" err="1"/>
+              <a:t>easier</a:t>
+            </a:r>
+            <a:endParaRPr lang="da-DK" dirty="0"/>
+          </a:p>
+          <a:p>
+            <a:r>
+              <a:rPr lang="en-US" dirty="0"/>
+              <a:t>Sometimes you cannot use bisect, e.g. when bisecting for a float value, like the float sqrt(x)</a:t>
+            </a:r>
+          </a:p>
+          <a:p>
+            <a:r>
+              <a:rPr lang="en-US" dirty="0" err="1"/>
+              <a:t>int_sqrt</a:t>
+            </a:r>
+            <a:r>
+              <a:rPr lang="en-US" dirty="0"/>
+              <a:t>(x)</a:t>
+            </a:r>
+          </a:p>
+          <a:p>
+            <a:r>
+              <a:rPr lang="en-US" dirty="0"/>
+              <a:t>= </a:t>
+            </a:r>
+            <a:r>
+              <a:rPr lang="en-US" dirty="0" err="1"/>
+              <a:t>bisect_right</a:t>
+            </a:r>
+            <a:r>
+              <a:rPr lang="en-US" dirty="0"/>
+              <a:t>(range(x + 1), False, key=lambda r: r*r &gt; x) – 1</a:t>
+            </a:r>
+          </a:p>
+          <a:p>
+            <a:r>
+              <a:rPr lang="en-US" dirty="0"/>
+              <a:t>= </a:t>
+            </a:r>
+            <a:r>
+              <a:rPr lang="en-US" dirty="0" err="1"/>
+              <a:t>bisect_right</a:t>
+            </a:r>
+            <a:r>
+              <a:rPr lang="en-US" dirty="0"/>
+              <a:t>(range(x + 1), x, key=lambda i: i*i) – 1</a:t>
+            </a:r>
+          </a:p>
+          <a:p>
+            <a:pPr marL="0" marR="0" lvl="0" indent="0" algn="l" defTabSz="914400" rtl="0" eaLnBrk="1" fontAlgn="auto" latinLnBrk="0" hangingPunct="1">
+              <a:lnSpc>
+                <a:spcPct val="100000"/>
+              </a:lnSpc>
+              <a:spcBef>
+                <a:spcPts val="0"/>
+              </a:spcBef>
+              <a:spcAft>
+                <a:spcPts val="0"/>
+              </a:spcAft>
+              <a:buClrTx/>
+              <a:buSzTx/>
+              <a:buFontTx/>
+              <a:buNone/>
+              <a:tabLst/>
+              <a:defRPr/>
+            </a:pPr>
+            <a:r>
+              <a:rPr lang="en-US" dirty="0"/>
+              <a:t>= </a:t>
+            </a:r>
+            <a:r>
+              <a:rPr lang="en-US" dirty="0" err="1"/>
+              <a:t>bisect_right</a:t>
+            </a:r>
+            <a:r>
+              <a:rPr lang="en-US" dirty="0"/>
+              <a:t>([x**2 for x in range(x+2)], x) – 1  # inefficient</a:t>
+            </a:r>
+          </a:p>
+          <a:p>
+            <a:endParaRPr lang="en-US" dirty="0"/>
+          </a:p>
+        </p:txBody>
+      </p:sp>
+      <p:sp>
+        <p:nvSpPr>
+          <p:cNvPr id="4" name="Slide Number Placeholder 3"/>
+          <p:cNvSpPr>
+            <a:spLocks noGrp="1"/>
+          </p:cNvSpPr>
+          <p:nvPr>
+            <p:ph type="sldNum" sz="quarter" idx="5"/>
+          </p:nvPr>
+        </p:nvSpPr>
+        <p:spPr/>
+        <p:txBody>
+          <a:bodyPr/>
+          <a:lstStyle/>
+          <a:p>
+            <a:fld id="{CD563DD8-32AB-41BE-B1C6-8EAC45222ACE}" type="slidenum">
+              <a:rPr lang="en-US" smtClean="0"/>
+              <a:t>15</a:t>
+            </a:fld>
+            <a:endParaRPr lang="en-US"/>
+          </a:p>
+        </p:txBody>
+      </p:sp>
+    </p:spTree>
+    <p:extLst>
+      <p:ext uri="{BB962C8B-B14F-4D97-AF65-F5344CB8AC3E}">
+        <p14:creationId xmlns:p14="http://schemas.microsoft.com/office/powerpoint/2010/main" val="3551279688"/>
+      </p:ext>
+    </p:extLst>
+  </p:cSld>
+  <p:clrMapOvr>
+    <a:masterClrMapping/>
+  </p:clrMapOvr>
+</p:notes>
+</file>
+
+<file path=ppt/notesSlides/notesSlide9.xml><?xml version="1.0" encoding="utf-8"?>
+<p:notes xmlns:a="http://schemas.openxmlformats.org/drawingml/2006/main" xmlns:r="http://schemas.openxmlformats.org/officeDocument/2006/relationships" xmlns:p="http://schemas.openxmlformats.org/presentationml/2006/main">
+  <p:cSld>
+    <p:spTree>
+      <p:nvGrpSpPr>
+        <p:cNvPr id="1" name=""/>
+        <p:cNvGrpSpPr/>
+        <p:nvPr/>
+      </p:nvGrpSpPr>
+      <p:grpSpPr>
+        <a:xfrm>
+          <a:off x="0" y="0"/>
+          <a:ext cx="0" cy="0"/>
+          <a:chOff x="0" y="0"/>
+          <a:chExt cx="0" cy="0"/>
+        </a:xfrm>
+      </p:grpSpPr>
+      <p:sp>
+        <p:nvSpPr>
+          <p:cNvPr id="2" name="Slide Image Placeholder 1"/>
+          <p:cNvSpPr>
+            <a:spLocks noGrp="1" noRot="1" noChangeAspect="1"/>
+          </p:cNvSpPr>
+          <p:nvPr>
+            <p:ph type="sldImg"/>
+          </p:nvPr>
+        </p:nvSpPr>
+        <p:spPr/>
+      </p:sp>
+      <p:sp>
+        <p:nvSpPr>
+          <p:cNvPr id="3" name="Notes Placeholder 2"/>
+          <p:cNvSpPr>
+            <a:spLocks noGrp="1"/>
+          </p:cNvSpPr>
+          <p:nvPr>
+            <p:ph type="body" idx="1"/>
+          </p:nvPr>
+        </p:nvSpPr>
+        <p:spPr/>
+        <p:txBody>
+          <a:bodyPr/>
+          <a:lstStyle/>
+          <a:p>
+            <a:r>
               <a:rPr lang="en-US" dirty="0"/>
               <a:t>Run</a:t>
             </a:r>
@@ -1897,7 +2088,7 @@
           <a:p>
             <a:fld id="{CD563DD8-32AB-41BE-B1C6-8EAC45222ACE}" type="slidenum">
               <a:rPr lang="en-US" smtClean="0"/>
-              <a:t>15</a:t>
+              <a:t>16</a:t>
             </a:fld>
             <a:endParaRPr lang="en-US"/>
           </a:p>
@@ -2053,7 +2244,7 @@
           <a:p>
             <a:fld id="{0560A9CD-0304-4E0B-9E82-E7E0115DE05B}" type="datetimeFigureOut">
               <a:rPr lang="en-US" smtClean="0"/>
-              <a:t>2/5/2024</a:t>
+              <a:t>12/18/2024</a:t>
             </a:fld>
             <a:endParaRPr lang="en-US"/>
           </a:p>
@@ -2221,7 +2412,7 @@
           <a:p>
             <a:fld id="{0560A9CD-0304-4E0B-9E82-E7E0115DE05B}" type="datetimeFigureOut">
               <a:rPr lang="en-US" smtClean="0"/>
-              <a:t>2/5/2024</a:t>
+              <a:t>12/18/2024</a:t>
             </a:fld>
             <a:endParaRPr lang="en-US"/>
           </a:p>
@@ -2399,7 +2590,7 @@
           <a:p>
             <a:fld id="{0560A9CD-0304-4E0B-9E82-E7E0115DE05B}" type="datetimeFigureOut">
               <a:rPr lang="en-US" smtClean="0"/>
-              <a:t>2/5/2024</a:t>
+              <a:t>12/18/2024</a:t>
             </a:fld>
             <a:endParaRPr lang="en-US"/>
           </a:p>
@@ -2576,7 +2767,7 @@
           <a:p>
             <a:fld id="{0560A9CD-0304-4E0B-9E82-E7E0115DE05B}" type="datetimeFigureOut">
               <a:rPr lang="en-US" smtClean="0"/>
-              <a:t>2/5/2024</a:t>
+              <a:t>12/18/2024</a:t>
             </a:fld>
             <a:endParaRPr lang="en-US"/>
           </a:p>
@@ -2821,7 +3012,7 @@
           <a:p>
             <a:fld id="{0560A9CD-0304-4E0B-9E82-E7E0115DE05B}" type="datetimeFigureOut">
               <a:rPr lang="en-US" smtClean="0"/>
-              <a:t>2/5/2024</a:t>
+              <a:t>12/18/2024</a:t>
             </a:fld>
             <a:endParaRPr lang="en-US"/>
           </a:p>
@@ -3050,7 +3241,7 @@
           <a:p>
             <a:fld id="{0560A9CD-0304-4E0B-9E82-E7E0115DE05B}" type="datetimeFigureOut">
               <a:rPr lang="en-US" smtClean="0"/>
-              <a:t>2/5/2024</a:t>
+              <a:t>12/18/2024</a:t>
             </a:fld>
             <a:endParaRPr lang="en-US"/>
           </a:p>
@@ -3414,7 +3605,7 @@
           <a:p>
             <a:fld id="{0560A9CD-0304-4E0B-9E82-E7E0115DE05B}" type="datetimeFigureOut">
               <a:rPr lang="en-US" smtClean="0"/>
-              <a:t>2/5/2024</a:t>
+              <a:t>12/18/2024</a:t>
             </a:fld>
             <a:endParaRPr lang="en-US"/>
           </a:p>
@@ -3531,7 +3722,7 @@
           <a:p>
             <a:fld id="{0560A9CD-0304-4E0B-9E82-E7E0115DE05B}" type="datetimeFigureOut">
               <a:rPr lang="en-US" smtClean="0"/>
-              <a:t>2/5/2024</a:t>
+              <a:t>12/18/2024</a:t>
             </a:fld>
             <a:endParaRPr lang="en-US"/>
           </a:p>
@@ -3626,7 +3817,7 @@
           <a:p>
             <a:fld id="{0560A9CD-0304-4E0B-9E82-E7E0115DE05B}" type="datetimeFigureOut">
               <a:rPr lang="en-US" smtClean="0"/>
-              <a:t>2/5/2024</a:t>
+              <a:t>12/18/2024</a:t>
             </a:fld>
             <a:endParaRPr lang="en-US"/>
           </a:p>
@@ -3901,7 +4092,7 @@
           <a:p>
             <a:fld id="{0560A9CD-0304-4E0B-9E82-E7E0115DE05B}" type="datetimeFigureOut">
               <a:rPr lang="en-US" smtClean="0"/>
-              <a:t>2/5/2024</a:t>
+              <a:t>12/18/2024</a:t>
             </a:fld>
             <a:endParaRPr lang="en-US"/>
           </a:p>
@@ -4153,7 +4344,7 @@
           <a:p>
             <a:fld id="{0560A9CD-0304-4E0B-9E82-E7E0115DE05B}" type="datetimeFigureOut">
               <a:rPr lang="en-US" smtClean="0"/>
-              <a:t>2/5/2024</a:t>
+              <a:t>12/18/2024</a:t>
             </a:fld>
             <a:endParaRPr lang="en-US"/>
           </a:p>
@@ -4364,7 +4555,7 @@
           <a:p>
             <a:fld id="{0560A9CD-0304-4E0B-9E82-E7E0115DE05B}" type="datetimeFigureOut">
               <a:rPr lang="en-US" smtClean="0"/>
-              <a:t>2/5/2024</a:t>
+              <a:t>12/18/2024</a:t>
             </a:fld>
             <a:endParaRPr lang="en-US"/>
           </a:p>
@@ -13581,6 +13772,2417 @@
       </p:grpSpPr>
       <p:sp>
         <p:nvSpPr>
+          <p:cNvPr id="2" name="Title 1">
+            <a:extLst>
+              <a:ext uri="{FF2B5EF4-FFF2-40B4-BE49-F238E27FC236}">
+                <a16:creationId xmlns:a16="http://schemas.microsoft.com/office/drawing/2014/main" id="{5C6EB888-E169-9745-52B4-AD4A7CA428B9}"/>
+              </a:ext>
+            </a:extLst>
+          </p:cNvPr>
+          <p:cNvSpPr>
+            <a:spLocks noGrp="1"/>
+          </p:cNvSpPr>
+          <p:nvPr>
+            <p:ph type="title"/>
+          </p:nvPr>
+        </p:nvSpPr>
+        <p:spPr>
+          <a:xfrm>
+            <a:off x="254650" y="365125"/>
+            <a:ext cx="10515600" cy="1325563"/>
+          </a:xfrm>
+        </p:spPr>
+        <p:txBody>
+          <a:bodyPr/>
+          <a:lstStyle/>
+          <a:p>
+            <a:r>
+              <a:rPr lang="da-DK" dirty="0" err="1">
+                <a:cs typeface="Courier New" panose="02070309020205020404" pitchFamily="49" charset="0"/>
+              </a:rPr>
+              <a:t>bisect</a:t>
+            </a:r>
+            <a:endParaRPr lang="en-US" dirty="0">
+              <a:cs typeface="Courier New" panose="02070309020205020404" pitchFamily="49" charset="0"/>
+            </a:endParaRPr>
+          </a:p>
+        </p:txBody>
+      </p:sp>
+      <p:sp>
+        <p:nvSpPr>
+          <p:cNvPr id="3" name="Content Placeholder 2">
+            <a:extLst>
+              <a:ext uri="{FF2B5EF4-FFF2-40B4-BE49-F238E27FC236}">
+                <a16:creationId xmlns:a16="http://schemas.microsoft.com/office/drawing/2014/main" id="{5FB15087-8789-1E86-2833-C8282CE6B5C3}"/>
+              </a:ext>
+            </a:extLst>
+          </p:cNvPr>
+          <p:cNvSpPr>
+            <a:spLocks noGrp="1"/>
+          </p:cNvSpPr>
+          <p:nvPr>
+            <p:ph idx="1"/>
+          </p:nvPr>
+        </p:nvSpPr>
+        <p:spPr>
+          <a:xfrm>
+            <a:off x="254650" y="1825625"/>
+            <a:ext cx="5345046" cy="2585349"/>
+          </a:xfrm>
+        </p:spPr>
+        <p:txBody>
+          <a:bodyPr>
+            <a:normAutofit/>
+          </a:bodyPr>
+          <a:lstStyle/>
+          <a:p>
+            <a:r>
+              <a:rPr lang="en-US" sz="2400" b="1" dirty="0"/>
+              <a:t>Note  </a:t>
+            </a:r>
+            <a:r>
+              <a:rPr lang="en-US" sz="2400" dirty="0"/>
+              <a:t>Binary search on sorted lists is </a:t>
+            </a:r>
+            <a:r>
+              <a:rPr lang="en-US" sz="2400"/>
+              <a:t>supported by </a:t>
+            </a:r>
+            <a:r>
+              <a:rPr lang="en-US" sz="2400" dirty="0"/>
+              <a:t>the standard library module </a:t>
+            </a:r>
+            <a:r>
+              <a:rPr lang="en-US" sz="2400" dirty="0">
+                <a:solidFill>
+                  <a:srgbClr val="C00000"/>
+                </a:solidFill>
+                <a:latin typeface="Courier New" panose="02070309020205020404" pitchFamily="49" charset="0"/>
+                <a:cs typeface="Courier New" panose="02070309020205020404" pitchFamily="49" charset="0"/>
+              </a:rPr>
+              <a:t>bisect</a:t>
+            </a:r>
+          </a:p>
+          <a:p>
+            <a:r>
+              <a:rPr lang="en-US" sz="2400" dirty="0" err="1">
+                <a:solidFill>
+                  <a:srgbClr val="C00000"/>
+                </a:solidFill>
+                <a:latin typeface="Courier New" panose="02070309020205020404" pitchFamily="49" charset="0"/>
+                <a:cs typeface="Courier New" panose="02070309020205020404" pitchFamily="49" charset="0"/>
+              </a:rPr>
+              <a:t>bisect_left</a:t>
+            </a:r>
+            <a:r>
+              <a:rPr lang="en-US" sz="2400" dirty="0"/>
+              <a:t> and </a:t>
+            </a:r>
+            <a:r>
+              <a:rPr lang="en-US" sz="2400" dirty="0" err="1">
+                <a:solidFill>
+                  <a:srgbClr val="C00000"/>
+                </a:solidFill>
+                <a:latin typeface="Courier New" panose="02070309020205020404" pitchFamily="49" charset="0"/>
+                <a:cs typeface="Courier New" panose="02070309020205020404" pitchFamily="49" charset="0"/>
+              </a:rPr>
+              <a:t>bisect_right</a:t>
+            </a:r>
+            <a:r>
+              <a:rPr lang="en-US" sz="2400" dirty="0">
+                <a:solidFill>
+                  <a:srgbClr val="C00000"/>
+                </a:solidFill>
+              </a:rPr>
+              <a:t> </a:t>
+            </a:r>
+            <a:r>
+              <a:rPr lang="en-US" sz="2400" dirty="0"/>
+              <a:t>return the </a:t>
+            </a:r>
+            <a:r>
+              <a:rPr lang="en-US" sz="2400" i="1" dirty="0"/>
+              <a:t>insertion point</a:t>
+            </a:r>
+            <a:r>
+              <a:rPr lang="en-US" sz="2400" dirty="0"/>
+              <a:t> before and after, respectively, of existing occurrences of the value</a:t>
+            </a:r>
+            <a:endParaRPr lang="en-US" sz="2400" dirty="0">
+              <a:latin typeface="Courier New" panose="02070309020205020404" pitchFamily="49" charset="0"/>
+              <a:cs typeface="Courier New" panose="02070309020205020404" pitchFamily="49" charset="0"/>
+            </a:endParaRPr>
+          </a:p>
+          <a:p>
+            <a:pPr marL="0" indent="0">
+              <a:buNone/>
+            </a:pPr>
+            <a:endParaRPr lang="en-US" sz="2400" dirty="0"/>
+          </a:p>
+          <a:p>
+            <a:endParaRPr lang="en-US" sz="2400" dirty="0"/>
+          </a:p>
+        </p:txBody>
+      </p:sp>
+      <p:graphicFrame>
+        <p:nvGraphicFramePr>
+          <p:cNvPr id="11" name="Table 10">
+            <a:extLst>
+              <a:ext uri="{FF2B5EF4-FFF2-40B4-BE49-F238E27FC236}">
+                <a16:creationId xmlns:a16="http://schemas.microsoft.com/office/drawing/2014/main" id="{02F531C8-5154-8ABB-8F78-8E20CC705335}"/>
+              </a:ext>
+            </a:extLst>
+          </p:cNvPr>
+          <p:cNvGraphicFramePr>
+            <a:graphicFrameLocks noGrp="1"/>
+          </p:cNvGraphicFramePr>
+          <p:nvPr>
+            <p:extLst>
+              <p:ext uri="{D42A27DB-BD31-4B8C-83A1-F6EECF244321}">
+                <p14:modId xmlns:p14="http://schemas.microsoft.com/office/powerpoint/2010/main" val="3280481968"/>
+              </p:ext>
+            </p:extLst>
+          </p:nvPr>
+        </p:nvGraphicFramePr>
+        <p:xfrm>
+          <a:off x="5991828" y="987000"/>
+          <a:ext cx="5855980" cy="3779520"/>
+        </p:xfrm>
+        <a:graphic>
+          <a:graphicData uri="http://schemas.openxmlformats.org/drawingml/2006/table">
+            <a:tbl>
+              <a:tblPr firstRow="1" bandRow="1">
+                <a:tableStyleId>{5C22544A-7EE6-4342-B048-85BDC9FD1C3A}</a:tableStyleId>
+              </a:tblPr>
+              <a:tblGrid>
+                <a:gridCol w="5855980">
+                  <a:extLst>
+                    <a:ext uri="{9D8B030D-6E8A-4147-A177-3AD203B41FA5}">
+                      <a16:colId xmlns:a16="http://schemas.microsoft.com/office/drawing/2014/main" val="1873682825"/>
+                    </a:ext>
+                  </a:extLst>
+                </a:gridCol>
+              </a:tblGrid>
+              <a:tr h="179367">
+                <a:tc>
+                  <a:txBody>
+                    <a:bodyPr/>
+                    <a:lstStyle/>
+                    <a:p>
+                      <a:r>
+                        <a:rPr lang="da-DK" sz="1600" b="1" dirty="0">
+                          <a:latin typeface="Courier New" panose="02070309020205020404" pitchFamily="49" charset="0"/>
+                          <a:cs typeface="Courier New" panose="02070309020205020404" pitchFamily="49" charset="0"/>
+                        </a:rPr>
+                        <a:t>binary_search_bisect.py</a:t>
+                      </a:r>
+                    </a:p>
+                  </a:txBody>
+                  <a:tcPr anchor="ctr">
+                    <a:lnL w="6350" cap="flat" cmpd="sng" algn="ctr">
+                      <a:solidFill>
+                        <a:schemeClr val="tx1"/>
+                      </a:solidFill>
+                      <a:prstDash val="solid"/>
+                      <a:round/>
+                      <a:headEnd type="none" w="med" len="med"/>
+                      <a:tailEnd type="none" w="med" len="med"/>
+                    </a:lnL>
+                    <a:lnR w="6350" cap="flat" cmpd="sng" algn="ctr">
+                      <a:solidFill>
+                        <a:schemeClr val="tx1"/>
+                      </a:solidFill>
+                      <a:prstDash val="solid"/>
+                      <a:round/>
+                      <a:headEnd type="none" w="med" len="med"/>
+                      <a:tailEnd type="none" w="med" len="med"/>
+                    </a:lnR>
+                    <a:lnT w="6350" cap="flat" cmpd="sng" algn="ctr">
+                      <a:solidFill>
+                        <a:schemeClr val="tx1"/>
+                      </a:solidFill>
+                      <a:prstDash val="solid"/>
+                      <a:round/>
+                      <a:headEnd type="none" w="med" len="med"/>
+                      <a:tailEnd type="none" w="med" len="med"/>
+                    </a:lnT>
+                    <a:lnB w="6350" cap="flat" cmpd="sng" algn="ctr">
+                      <a:solidFill>
+                        <a:schemeClr val="tx1"/>
+                      </a:solidFill>
+                      <a:prstDash val="solid"/>
+                      <a:round/>
+                      <a:headEnd type="none" w="med" len="med"/>
+                      <a:tailEnd type="none" w="med" len="med"/>
+                    </a:lnB>
+                    <a:lnTlToBr w="12700" cmpd="sng">
+                      <a:noFill/>
+                      <a:prstDash val="solid"/>
+                    </a:lnTlToBr>
+                    <a:lnBlToTr w="12700" cmpd="sng">
+                      <a:noFill/>
+                      <a:prstDash val="solid"/>
+                    </a:lnBlToTr>
+                    <a:solidFill>
+                      <a:srgbClr val="C00000"/>
+                    </a:solidFill>
+                  </a:tcPr>
+                </a:tc>
+                <a:extLst>
+                  <a:ext uri="{0D108BD9-81ED-4DB2-BD59-A6C34878D82A}">
+                    <a16:rowId xmlns:a16="http://schemas.microsoft.com/office/drawing/2014/main" val="3330819881"/>
+                  </a:ext>
+                </a:extLst>
+              </a:tr>
+              <a:tr h="1092506">
+                <a:tc>
+                  <a:txBody>
+                    <a:bodyPr/>
+                    <a:lstStyle/>
+                    <a:p>
+                      <a:r>
+                        <a:rPr lang="en-US" sz="1600" b="1" dirty="0">
+                          <a:solidFill>
+                            <a:schemeClr val="tx1"/>
+                          </a:solidFill>
+                          <a:latin typeface="Courier New" panose="02070309020205020404" pitchFamily="49" charset="0"/>
+                          <a:cs typeface="Courier New" panose="02070309020205020404" pitchFamily="49" charset="0"/>
+                        </a:rPr>
+                        <a:t>from </a:t>
+                      </a:r>
+                      <a:r>
+                        <a:rPr lang="en-US" sz="1600" b="1" dirty="0">
+                          <a:solidFill>
+                            <a:srgbClr val="C00000"/>
+                          </a:solidFill>
+                          <a:latin typeface="Courier New" panose="02070309020205020404" pitchFamily="49" charset="0"/>
+                          <a:cs typeface="Courier New" panose="02070309020205020404" pitchFamily="49" charset="0"/>
+                        </a:rPr>
+                        <a:t>bisect</a:t>
+                      </a:r>
+                      <a:r>
+                        <a:rPr lang="en-US" sz="1600" b="1" dirty="0">
+                          <a:solidFill>
+                            <a:schemeClr val="tx1"/>
+                          </a:solidFill>
+                          <a:latin typeface="Courier New" panose="02070309020205020404" pitchFamily="49" charset="0"/>
+                          <a:cs typeface="Courier New" panose="02070309020205020404" pitchFamily="49" charset="0"/>
+                        </a:rPr>
+                        <a:t> import </a:t>
+                      </a:r>
+                      <a:r>
+                        <a:rPr lang="en-US" sz="1600" b="1" dirty="0" err="1">
+                          <a:solidFill>
+                            <a:srgbClr val="C00000"/>
+                          </a:solidFill>
+                          <a:latin typeface="Courier New" panose="02070309020205020404" pitchFamily="49" charset="0"/>
+                          <a:cs typeface="Courier New" panose="02070309020205020404" pitchFamily="49" charset="0"/>
+                        </a:rPr>
+                        <a:t>bisect_left</a:t>
+                      </a:r>
+                      <a:r>
+                        <a:rPr lang="en-US" sz="1600" b="1" dirty="0">
+                          <a:solidFill>
+                            <a:schemeClr val="tx1"/>
+                          </a:solidFill>
+                          <a:latin typeface="Courier New" panose="02070309020205020404" pitchFamily="49" charset="0"/>
+                          <a:cs typeface="Courier New" panose="02070309020205020404" pitchFamily="49" charset="0"/>
+                        </a:rPr>
+                        <a:t>, </a:t>
+                      </a:r>
+                      <a:r>
+                        <a:rPr lang="en-US" sz="1600" b="1" dirty="0" err="1">
+                          <a:solidFill>
+                            <a:srgbClr val="C00000"/>
+                          </a:solidFill>
+                          <a:latin typeface="Courier New" panose="02070309020205020404" pitchFamily="49" charset="0"/>
+                          <a:cs typeface="Courier New" panose="02070309020205020404" pitchFamily="49" charset="0"/>
+                        </a:rPr>
+                        <a:t>bisect_right</a:t>
+                      </a:r>
+                      <a:endParaRPr lang="en-US" sz="1600" b="1" dirty="0">
+                        <a:solidFill>
+                          <a:srgbClr val="C00000"/>
+                        </a:solidFill>
+                        <a:latin typeface="Courier New" panose="02070309020205020404" pitchFamily="49" charset="0"/>
+                        <a:cs typeface="Courier New" panose="02070309020205020404" pitchFamily="49" charset="0"/>
+                      </a:endParaRPr>
+                    </a:p>
+                    <a:p>
+                      <a:endParaRPr lang="en-US" sz="1600" b="1" dirty="0">
+                        <a:solidFill>
+                          <a:schemeClr val="tx1"/>
+                        </a:solidFill>
+                        <a:latin typeface="Courier New" panose="02070309020205020404" pitchFamily="49" charset="0"/>
+                        <a:cs typeface="Courier New" panose="02070309020205020404" pitchFamily="49" charset="0"/>
+                      </a:endParaRPr>
+                    </a:p>
+                    <a:p>
+                      <a:r>
+                        <a:rPr lang="en-US" sz="1600" b="1" dirty="0">
+                          <a:solidFill>
+                            <a:schemeClr val="tx1"/>
+                          </a:solidFill>
+                          <a:latin typeface="Courier New" panose="02070309020205020404" pitchFamily="49" charset="0"/>
+                          <a:cs typeface="Courier New" panose="02070309020205020404" pitchFamily="49" charset="0"/>
+                        </a:rPr>
+                        <a:t>L = [3, 4, 6, 7, 7, 7, 10, 11, 13, 16, 17]</a:t>
+                      </a:r>
+                    </a:p>
+                    <a:p>
+                      <a:endParaRPr lang="en-US" sz="1600" b="1" dirty="0">
+                        <a:solidFill>
+                          <a:schemeClr val="tx1"/>
+                        </a:solidFill>
+                        <a:latin typeface="Courier New" panose="02070309020205020404" pitchFamily="49" charset="0"/>
+                        <a:cs typeface="Courier New" panose="02070309020205020404" pitchFamily="49" charset="0"/>
+                      </a:endParaRPr>
+                    </a:p>
+                    <a:p>
+                      <a:r>
+                        <a:rPr lang="en-US" sz="1600" b="1" dirty="0">
+                          <a:solidFill>
+                            <a:schemeClr val="tx1"/>
+                          </a:solidFill>
+                          <a:latin typeface="Courier New" panose="02070309020205020404" pitchFamily="49" charset="0"/>
+                          <a:cs typeface="Courier New" panose="02070309020205020404" pitchFamily="49" charset="0"/>
+                        </a:rPr>
+                        <a:t>print(</a:t>
+                      </a:r>
+                      <a:r>
+                        <a:rPr lang="en-US" sz="1600" b="1" dirty="0" err="1">
+                          <a:solidFill>
+                            <a:srgbClr val="C00000"/>
+                          </a:solidFill>
+                          <a:latin typeface="Courier New" panose="02070309020205020404" pitchFamily="49" charset="0"/>
+                          <a:cs typeface="Courier New" panose="02070309020205020404" pitchFamily="49" charset="0"/>
+                        </a:rPr>
+                        <a:t>bisect_left</a:t>
+                      </a:r>
+                      <a:r>
+                        <a:rPr lang="en-US" sz="1600" b="1" dirty="0">
+                          <a:solidFill>
+                            <a:schemeClr val="tx1"/>
+                          </a:solidFill>
+                          <a:latin typeface="Courier New" panose="02070309020205020404" pitchFamily="49" charset="0"/>
+                          <a:cs typeface="Courier New" panose="02070309020205020404" pitchFamily="49" charset="0"/>
+                        </a:rPr>
+                        <a:t>(L, 7))</a:t>
+                      </a:r>
+                    </a:p>
+                    <a:p>
+                      <a:r>
+                        <a:rPr lang="en-US" sz="1600" b="1" dirty="0">
+                          <a:solidFill>
+                            <a:schemeClr val="tx1"/>
+                          </a:solidFill>
+                          <a:latin typeface="Courier New" panose="02070309020205020404" pitchFamily="49" charset="0"/>
+                          <a:cs typeface="Courier New" panose="02070309020205020404" pitchFamily="49" charset="0"/>
+                        </a:rPr>
+                        <a:t>print(</a:t>
+                      </a:r>
+                      <a:r>
+                        <a:rPr lang="en-US" sz="1600" b="1" dirty="0" err="1">
+                          <a:solidFill>
+                            <a:srgbClr val="C00000"/>
+                          </a:solidFill>
+                          <a:latin typeface="Courier New" panose="02070309020205020404" pitchFamily="49" charset="0"/>
+                          <a:cs typeface="Courier New" panose="02070309020205020404" pitchFamily="49" charset="0"/>
+                        </a:rPr>
+                        <a:t>bisect_right</a:t>
+                      </a:r>
+                      <a:r>
+                        <a:rPr lang="en-US" sz="1600" b="1" dirty="0">
+                          <a:solidFill>
+                            <a:schemeClr val="tx1"/>
+                          </a:solidFill>
+                          <a:latin typeface="Courier New" panose="02070309020205020404" pitchFamily="49" charset="0"/>
+                          <a:cs typeface="Courier New" panose="02070309020205020404" pitchFamily="49" charset="0"/>
+                        </a:rPr>
+                        <a:t>(L, 7))</a:t>
+                      </a:r>
+                    </a:p>
+                    <a:p>
+                      <a:r>
+                        <a:rPr lang="en-US" sz="1600" b="1" dirty="0">
+                          <a:solidFill>
+                            <a:schemeClr val="tx1"/>
+                          </a:solidFill>
+                          <a:latin typeface="Courier New" panose="02070309020205020404" pitchFamily="49" charset="0"/>
+                          <a:cs typeface="Courier New" panose="02070309020205020404" pitchFamily="49" charset="0"/>
+                        </a:rPr>
+                        <a:t>print(</a:t>
+                      </a:r>
+                      <a:r>
+                        <a:rPr lang="en-US" sz="1600" b="1" dirty="0" err="1">
+                          <a:solidFill>
+                            <a:srgbClr val="C00000"/>
+                          </a:solidFill>
+                          <a:latin typeface="Courier New" panose="02070309020205020404" pitchFamily="49" charset="0"/>
+                          <a:cs typeface="Courier New" panose="02070309020205020404" pitchFamily="49" charset="0"/>
+                        </a:rPr>
+                        <a:t>bisect_left</a:t>
+                      </a:r>
+                      <a:r>
+                        <a:rPr lang="en-US" sz="1600" b="1" dirty="0">
+                          <a:solidFill>
+                            <a:schemeClr val="tx1"/>
+                          </a:solidFill>
+                          <a:latin typeface="Courier New" panose="02070309020205020404" pitchFamily="49" charset="0"/>
+                          <a:cs typeface="Courier New" panose="02070309020205020404" pitchFamily="49" charset="0"/>
+                        </a:rPr>
+                        <a:t>(L, 14))</a:t>
+                      </a:r>
+                    </a:p>
+                    <a:p>
+                      <a:r>
+                        <a:rPr lang="en-US" sz="1600" b="1" dirty="0">
+                          <a:solidFill>
+                            <a:schemeClr val="tx1"/>
+                          </a:solidFill>
+                          <a:latin typeface="Courier New" panose="02070309020205020404" pitchFamily="49" charset="0"/>
+                          <a:cs typeface="Courier New" panose="02070309020205020404" pitchFamily="49" charset="0"/>
+                        </a:rPr>
+                        <a:t>print(</a:t>
+                      </a:r>
+                      <a:r>
+                        <a:rPr lang="en-US" sz="1600" b="1" dirty="0" err="1">
+                          <a:solidFill>
+                            <a:srgbClr val="C00000"/>
+                          </a:solidFill>
+                          <a:latin typeface="Courier New" panose="02070309020205020404" pitchFamily="49" charset="0"/>
+                          <a:cs typeface="Courier New" panose="02070309020205020404" pitchFamily="49" charset="0"/>
+                        </a:rPr>
+                        <a:t>bisect_right</a:t>
+                      </a:r>
+                      <a:r>
+                        <a:rPr lang="en-US" sz="1600" b="1" dirty="0">
+                          <a:solidFill>
+                            <a:schemeClr val="tx1"/>
+                          </a:solidFill>
+                          <a:latin typeface="Courier New" panose="02070309020205020404" pitchFamily="49" charset="0"/>
+                          <a:cs typeface="Courier New" panose="02070309020205020404" pitchFamily="49" charset="0"/>
+                        </a:rPr>
+                        <a:t>(L, 14))</a:t>
+                      </a:r>
+                    </a:p>
+                  </a:txBody>
+                  <a:tcPr>
+                    <a:lnL w="6350" cap="flat" cmpd="sng" algn="ctr">
+                      <a:solidFill>
+                        <a:schemeClr val="tx1"/>
+                      </a:solidFill>
+                      <a:prstDash val="solid"/>
+                      <a:round/>
+                      <a:headEnd type="none" w="med" len="med"/>
+                      <a:tailEnd type="none" w="med" len="med"/>
+                    </a:lnL>
+                    <a:lnR w="6350" cap="flat" cmpd="sng" algn="ctr">
+                      <a:solidFill>
+                        <a:schemeClr val="tx1"/>
+                      </a:solidFill>
+                      <a:prstDash val="solid"/>
+                      <a:round/>
+                      <a:headEnd type="none" w="med" len="med"/>
+                      <a:tailEnd type="none" w="med" len="med"/>
+                    </a:lnR>
+                    <a:lnT w="6350" cap="flat" cmpd="sng" algn="ctr">
+                      <a:solidFill>
+                        <a:schemeClr val="tx1"/>
+                      </a:solidFill>
+                      <a:prstDash val="solid"/>
+                      <a:round/>
+                      <a:headEnd type="none" w="med" len="med"/>
+                      <a:tailEnd type="none" w="med" len="med"/>
+                    </a:lnT>
+                    <a:lnB w="6350" cap="flat" cmpd="sng" algn="ctr">
+                      <a:solidFill>
+                        <a:schemeClr val="tx1"/>
+                      </a:solidFill>
+                      <a:prstDash val="solid"/>
+                      <a:round/>
+                      <a:headEnd type="none" w="med" len="med"/>
+                      <a:tailEnd type="none" w="med" len="med"/>
+                    </a:lnB>
+                    <a:lnTlToBr w="12700" cmpd="sng">
+                      <a:noFill/>
+                      <a:prstDash val="solid"/>
+                    </a:lnTlToBr>
+                    <a:lnBlToTr w="12700" cmpd="sng">
+                      <a:noFill/>
+                      <a:prstDash val="solid"/>
+                    </a:lnBlToTr>
+                    <a:solidFill>
+                      <a:schemeClr val="accent5">
+                        <a:lumMod val="20000"/>
+                        <a:lumOff val="80000"/>
+                      </a:schemeClr>
+                    </a:solidFill>
+                  </a:tcPr>
+                </a:tc>
+                <a:extLst>
+                  <a:ext uri="{0D108BD9-81ED-4DB2-BD59-A6C34878D82A}">
+                    <a16:rowId xmlns:a16="http://schemas.microsoft.com/office/drawing/2014/main" val="4112970457"/>
+                  </a:ext>
+                </a:extLst>
+              </a:tr>
+              <a:tr h="179367">
+                <a:tc>
+                  <a:txBody>
+                    <a:bodyPr/>
+                    <a:lstStyle/>
+                    <a:p>
+                      <a:r>
+                        <a:rPr lang="pt-BR" sz="1600" b="1" dirty="0">
+                          <a:solidFill>
+                            <a:schemeClr val="bg1"/>
+                          </a:solidFill>
+                          <a:latin typeface="Courier New" panose="02070309020205020404" pitchFamily="49" charset="0"/>
+                          <a:cs typeface="Courier New" panose="02070309020205020404" pitchFamily="49" charset="0"/>
+                        </a:rPr>
+                        <a:t>Python shell</a:t>
+                      </a:r>
+                    </a:p>
+                  </a:txBody>
+                  <a:tcPr>
+                    <a:lnL w="6350" cap="flat" cmpd="sng" algn="ctr">
+                      <a:solidFill>
+                        <a:schemeClr val="tx1"/>
+                      </a:solidFill>
+                      <a:prstDash val="solid"/>
+                      <a:round/>
+                      <a:headEnd type="none" w="med" len="med"/>
+                      <a:tailEnd type="none" w="med" len="med"/>
+                    </a:lnL>
+                    <a:lnR w="6350" cap="flat" cmpd="sng" algn="ctr">
+                      <a:solidFill>
+                        <a:schemeClr val="tx1"/>
+                      </a:solidFill>
+                      <a:prstDash val="solid"/>
+                      <a:round/>
+                      <a:headEnd type="none" w="med" len="med"/>
+                      <a:tailEnd type="none" w="med" len="med"/>
+                    </a:lnR>
+                    <a:lnT w="6350" cap="flat" cmpd="sng" algn="ctr">
+                      <a:solidFill>
+                        <a:schemeClr val="tx1"/>
+                      </a:solidFill>
+                      <a:prstDash val="solid"/>
+                      <a:round/>
+                      <a:headEnd type="none" w="med" len="med"/>
+                      <a:tailEnd type="none" w="med" len="med"/>
+                    </a:lnT>
+                    <a:lnB w="6350" cap="flat" cmpd="sng" algn="ctr">
+                      <a:solidFill>
+                        <a:schemeClr val="tx1"/>
+                      </a:solidFill>
+                      <a:prstDash val="solid"/>
+                      <a:round/>
+                      <a:headEnd type="none" w="med" len="med"/>
+                      <a:tailEnd type="none" w="med" len="med"/>
+                    </a:lnB>
+                    <a:lnTlToBr w="12700" cmpd="sng">
+                      <a:noFill/>
+                      <a:prstDash val="solid"/>
+                    </a:lnTlToBr>
+                    <a:lnBlToTr w="12700" cmpd="sng">
+                      <a:noFill/>
+                      <a:prstDash val="solid"/>
+                    </a:lnBlToTr>
+                    <a:solidFill>
+                      <a:srgbClr val="C00000"/>
+                    </a:solidFill>
+                  </a:tcPr>
+                </a:tc>
+                <a:extLst>
+                  <a:ext uri="{0D108BD9-81ED-4DB2-BD59-A6C34878D82A}">
+                    <a16:rowId xmlns:a16="http://schemas.microsoft.com/office/drawing/2014/main" val="3167765046"/>
+                  </a:ext>
+                </a:extLst>
+              </a:tr>
+              <a:tr h="505989">
+                <a:tc>
+                  <a:txBody>
+                    <a:bodyPr/>
+                    <a:lstStyle/>
+                    <a:p>
+                      <a:pPr marL="266700" marR="0" lvl="0" indent="-266700" algn="l" defTabSz="914400" rtl="0" eaLnBrk="1" fontAlgn="auto" latinLnBrk="0" hangingPunct="1">
+                        <a:lnSpc>
+                          <a:spcPct val="100000"/>
+                        </a:lnSpc>
+                        <a:spcBef>
+                          <a:spcPts val="0"/>
+                        </a:spcBef>
+                        <a:spcAft>
+                          <a:spcPts val="0"/>
+                        </a:spcAft>
+                        <a:buClr>
+                          <a:schemeClr val="accent1">
+                            <a:lumMod val="50000"/>
+                          </a:schemeClr>
+                        </a:buClr>
+                        <a:buSzPct val="120000"/>
+                        <a:buFont typeface="Courier New" panose="02070309020205020404" pitchFamily="49" charset="0"/>
+                        <a:buChar char="|"/>
+                        <a:tabLst/>
+                        <a:defRPr/>
+                      </a:pPr>
+                      <a:r>
+                        <a:rPr lang="en-US" sz="1600" b="1" dirty="0">
+                          <a:latin typeface="Courier New" panose="02070309020205020404" pitchFamily="49" charset="0"/>
+                          <a:cs typeface="Courier New" panose="02070309020205020404" pitchFamily="49" charset="0"/>
+                        </a:rPr>
+                        <a:t>3  </a:t>
+                      </a:r>
+                      <a:r>
+                        <a:rPr lang="en-US" sz="1600" b="1" i="1" dirty="0">
+                          <a:solidFill>
+                            <a:schemeClr val="bg1">
+                              <a:lumMod val="50000"/>
+                            </a:schemeClr>
+                          </a:solidFill>
+                          <a:latin typeface="Courier New" panose="02070309020205020404" pitchFamily="49" charset="0"/>
+                          <a:cs typeface="Courier New" panose="02070309020205020404" pitchFamily="49" charset="0"/>
+                        </a:rPr>
+                        <a:t># </a:t>
+                      </a:r>
+                      <a:r>
+                        <a:rPr lang="en-US" sz="1600" b="1" i="1" dirty="0" err="1">
+                          <a:solidFill>
+                            <a:schemeClr val="bg1">
+                              <a:lumMod val="50000"/>
+                            </a:schemeClr>
+                          </a:solidFill>
+                          <a:latin typeface="Courier New" panose="02070309020205020404" pitchFamily="49" charset="0"/>
+                          <a:cs typeface="Courier New" panose="02070309020205020404" pitchFamily="49" charset="0"/>
+                        </a:rPr>
+                        <a:t>bisect_left</a:t>
+                      </a:r>
+                      <a:r>
+                        <a:rPr lang="en-US" sz="1600" b="1" i="1" dirty="0">
+                          <a:solidFill>
+                            <a:schemeClr val="bg1">
+                              <a:lumMod val="50000"/>
+                            </a:schemeClr>
+                          </a:solidFill>
+                          <a:latin typeface="Courier New" panose="02070309020205020404" pitchFamily="49" charset="0"/>
+                          <a:cs typeface="Courier New" panose="02070309020205020404" pitchFamily="49" charset="0"/>
+                        </a:rPr>
+                        <a:t>(L, 7)</a:t>
+                      </a:r>
+                    </a:p>
+                    <a:p>
+                      <a:pPr marL="266700" marR="0" lvl="0" indent="-266700" algn="l" defTabSz="914400" rtl="0" eaLnBrk="1" fontAlgn="auto" latinLnBrk="0" hangingPunct="1">
+                        <a:lnSpc>
+                          <a:spcPct val="100000"/>
+                        </a:lnSpc>
+                        <a:spcBef>
+                          <a:spcPts val="0"/>
+                        </a:spcBef>
+                        <a:spcAft>
+                          <a:spcPts val="0"/>
+                        </a:spcAft>
+                        <a:buClr>
+                          <a:schemeClr val="accent1">
+                            <a:lumMod val="50000"/>
+                          </a:schemeClr>
+                        </a:buClr>
+                        <a:buSzPct val="120000"/>
+                        <a:buFont typeface="Courier New" panose="02070309020205020404" pitchFamily="49" charset="0"/>
+                        <a:buChar char="|"/>
+                        <a:tabLst/>
+                        <a:defRPr/>
+                      </a:pPr>
+                      <a:r>
+                        <a:rPr lang="en-US" sz="1600" b="1" dirty="0">
+                          <a:latin typeface="Courier New" panose="02070309020205020404" pitchFamily="49" charset="0"/>
+                          <a:cs typeface="Courier New" panose="02070309020205020404" pitchFamily="49" charset="0"/>
+                        </a:rPr>
+                        <a:t>6  </a:t>
+                      </a:r>
+                      <a:r>
+                        <a:rPr lang="en-US" sz="1600" b="1" i="1" dirty="0">
+                          <a:solidFill>
+                            <a:schemeClr val="bg1">
+                              <a:lumMod val="50000"/>
+                            </a:schemeClr>
+                          </a:solidFill>
+                          <a:latin typeface="Courier New" panose="02070309020205020404" pitchFamily="49" charset="0"/>
+                          <a:cs typeface="Courier New" panose="02070309020205020404" pitchFamily="49" charset="0"/>
+                        </a:rPr>
+                        <a:t># </a:t>
+                      </a:r>
+                      <a:r>
+                        <a:rPr lang="en-US" sz="1600" b="1" i="1" dirty="0" err="1">
+                          <a:solidFill>
+                            <a:schemeClr val="bg1">
+                              <a:lumMod val="50000"/>
+                            </a:schemeClr>
+                          </a:solidFill>
+                          <a:latin typeface="Courier New" panose="02070309020205020404" pitchFamily="49" charset="0"/>
+                          <a:cs typeface="Courier New" panose="02070309020205020404" pitchFamily="49" charset="0"/>
+                        </a:rPr>
+                        <a:t>bisect_right</a:t>
+                      </a:r>
+                      <a:r>
+                        <a:rPr lang="en-US" sz="1600" b="1" i="1" dirty="0">
+                          <a:solidFill>
+                            <a:schemeClr val="bg1">
+                              <a:lumMod val="50000"/>
+                            </a:schemeClr>
+                          </a:solidFill>
+                          <a:latin typeface="Courier New" panose="02070309020205020404" pitchFamily="49" charset="0"/>
+                          <a:cs typeface="Courier New" panose="02070309020205020404" pitchFamily="49" charset="0"/>
+                        </a:rPr>
+                        <a:t>(L, 7)</a:t>
+                      </a:r>
+                      <a:endParaRPr lang="en-US" sz="1600" b="1" dirty="0">
+                        <a:latin typeface="Courier New" panose="02070309020205020404" pitchFamily="49" charset="0"/>
+                        <a:cs typeface="Courier New" panose="02070309020205020404" pitchFamily="49" charset="0"/>
+                      </a:endParaRPr>
+                    </a:p>
+                    <a:p>
+                      <a:pPr marL="266700" marR="0" lvl="0" indent="-266700" algn="l" defTabSz="914400" rtl="0" eaLnBrk="1" fontAlgn="auto" latinLnBrk="0" hangingPunct="1">
+                        <a:lnSpc>
+                          <a:spcPct val="100000"/>
+                        </a:lnSpc>
+                        <a:spcBef>
+                          <a:spcPts val="0"/>
+                        </a:spcBef>
+                        <a:spcAft>
+                          <a:spcPts val="0"/>
+                        </a:spcAft>
+                        <a:buClr>
+                          <a:schemeClr val="accent1">
+                            <a:lumMod val="50000"/>
+                          </a:schemeClr>
+                        </a:buClr>
+                        <a:buSzPct val="120000"/>
+                        <a:buFont typeface="Courier New" panose="02070309020205020404" pitchFamily="49" charset="0"/>
+                        <a:buChar char="|"/>
+                        <a:tabLst/>
+                        <a:defRPr/>
+                      </a:pPr>
+                      <a:r>
+                        <a:rPr lang="en-US" sz="1600" b="1" dirty="0">
+                          <a:latin typeface="Courier New" panose="02070309020205020404" pitchFamily="49" charset="0"/>
+                          <a:cs typeface="Courier New" panose="02070309020205020404" pitchFamily="49" charset="0"/>
+                        </a:rPr>
+                        <a:t>9  </a:t>
+                      </a:r>
+                      <a:r>
+                        <a:rPr lang="en-US" sz="1600" b="1" i="1" dirty="0">
+                          <a:solidFill>
+                            <a:schemeClr val="bg1">
+                              <a:lumMod val="50000"/>
+                            </a:schemeClr>
+                          </a:solidFill>
+                          <a:latin typeface="Courier New" panose="02070309020205020404" pitchFamily="49" charset="0"/>
+                          <a:cs typeface="Courier New" panose="02070309020205020404" pitchFamily="49" charset="0"/>
+                        </a:rPr>
+                        <a:t># </a:t>
+                      </a:r>
+                      <a:r>
+                        <a:rPr lang="en-US" sz="1600" b="1" i="1" dirty="0" err="1">
+                          <a:solidFill>
+                            <a:schemeClr val="bg1">
+                              <a:lumMod val="50000"/>
+                            </a:schemeClr>
+                          </a:solidFill>
+                          <a:latin typeface="Courier New" panose="02070309020205020404" pitchFamily="49" charset="0"/>
+                          <a:cs typeface="Courier New" panose="02070309020205020404" pitchFamily="49" charset="0"/>
+                        </a:rPr>
+                        <a:t>bisect_left</a:t>
+                      </a:r>
+                      <a:r>
+                        <a:rPr lang="en-US" sz="1600" b="1" i="1" dirty="0">
+                          <a:solidFill>
+                            <a:schemeClr val="bg1">
+                              <a:lumMod val="50000"/>
+                            </a:schemeClr>
+                          </a:solidFill>
+                          <a:latin typeface="Courier New" panose="02070309020205020404" pitchFamily="49" charset="0"/>
+                          <a:cs typeface="Courier New" panose="02070309020205020404" pitchFamily="49" charset="0"/>
+                        </a:rPr>
+                        <a:t>(L, 14)</a:t>
+                      </a:r>
+                      <a:endParaRPr lang="en-US" sz="1600" b="1" dirty="0">
+                        <a:latin typeface="Courier New" panose="02070309020205020404" pitchFamily="49" charset="0"/>
+                        <a:cs typeface="Courier New" panose="02070309020205020404" pitchFamily="49" charset="0"/>
+                      </a:endParaRPr>
+                    </a:p>
+                    <a:p>
+                      <a:pPr marL="266700" marR="0" lvl="0" indent="-266700" algn="l" defTabSz="914400" rtl="0" eaLnBrk="1" fontAlgn="auto" latinLnBrk="0" hangingPunct="1">
+                        <a:lnSpc>
+                          <a:spcPct val="100000"/>
+                        </a:lnSpc>
+                        <a:spcBef>
+                          <a:spcPts val="0"/>
+                        </a:spcBef>
+                        <a:spcAft>
+                          <a:spcPts val="0"/>
+                        </a:spcAft>
+                        <a:buClr>
+                          <a:schemeClr val="accent1">
+                            <a:lumMod val="50000"/>
+                          </a:schemeClr>
+                        </a:buClr>
+                        <a:buSzPct val="120000"/>
+                        <a:buFont typeface="Courier New" panose="02070309020205020404" pitchFamily="49" charset="0"/>
+                        <a:buChar char="|"/>
+                        <a:tabLst/>
+                        <a:defRPr/>
+                      </a:pPr>
+                      <a:r>
+                        <a:rPr lang="en-US" sz="1600" b="1" dirty="0">
+                          <a:latin typeface="Courier New" panose="02070309020205020404" pitchFamily="49" charset="0"/>
+                          <a:cs typeface="Courier New" panose="02070309020205020404" pitchFamily="49" charset="0"/>
+                        </a:rPr>
+                        <a:t>9  </a:t>
+                      </a:r>
+                      <a:r>
+                        <a:rPr lang="en-US" sz="1600" b="1" i="1" dirty="0">
+                          <a:solidFill>
+                            <a:schemeClr val="bg1">
+                              <a:lumMod val="50000"/>
+                            </a:schemeClr>
+                          </a:solidFill>
+                          <a:latin typeface="Courier New" panose="02070309020205020404" pitchFamily="49" charset="0"/>
+                          <a:cs typeface="Courier New" panose="02070309020205020404" pitchFamily="49" charset="0"/>
+                        </a:rPr>
+                        <a:t># </a:t>
+                      </a:r>
+                      <a:r>
+                        <a:rPr lang="en-US" sz="1600" b="1" i="1" dirty="0" err="1">
+                          <a:solidFill>
+                            <a:schemeClr val="bg1">
+                              <a:lumMod val="50000"/>
+                            </a:schemeClr>
+                          </a:solidFill>
+                          <a:latin typeface="Courier New" panose="02070309020205020404" pitchFamily="49" charset="0"/>
+                          <a:cs typeface="Courier New" panose="02070309020205020404" pitchFamily="49" charset="0"/>
+                        </a:rPr>
+                        <a:t>bisect_right</a:t>
+                      </a:r>
+                      <a:r>
+                        <a:rPr lang="en-US" sz="1600" b="1" i="1" dirty="0">
+                          <a:solidFill>
+                            <a:schemeClr val="bg1">
+                              <a:lumMod val="50000"/>
+                            </a:schemeClr>
+                          </a:solidFill>
+                          <a:latin typeface="Courier New" panose="02070309020205020404" pitchFamily="49" charset="0"/>
+                          <a:cs typeface="Courier New" panose="02070309020205020404" pitchFamily="49" charset="0"/>
+                        </a:rPr>
+                        <a:t>(L, 14)</a:t>
+                      </a:r>
+                      <a:r>
+                        <a:rPr lang="en-US" sz="1600" b="1" dirty="0">
+                          <a:latin typeface="Courier New" panose="02070309020205020404" pitchFamily="49" charset="0"/>
+                          <a:cs typeface="Courier New" panose="02070309020205020404" pitchFamily="49" charset="0"/>
+                        </a:rPr>
+                        <a:t>  </a:t>
+                      </a:r>
+                      <a:endParaRPr lang="en-US" sz="1200" b="1" dirty="0">
+                        <a:solidFill>
+                          <a:srgbClr val="C00000"/>
+                        </a:solidFill>
+                        <a:latin typeface="Courier New" panose="02070309020205020404" pitchFamily="49" charset="0"/>
+                        <a:cs typeface="Courier New" panose="02070309020205020404" pitchFamily="49" charset="0"/>
+                      </a:endParaRPr>
+                    </a:p>
+                  </a:txBody>
+                  <a:tcPr>
+                    <a:lnL w="6350" cap="flat" cmpd="sng" algn="ctr">
+                      <a:solidFill>
+                        <a:schemeClr val="tx1"/>
+                      </a:solidFill>
+                      <a:prstDash val="solid"/>
+                      <a:round/>
+                      <a:headEnd type="none" w="med" len="med"/>
+                      <a:tailEnd type="none" w="med" len="med"/>
+                    </a:lnL>
+                    <a:lnR w="6350" cap="flat" cmpd="sng" algn="ctr">
+                      <a:solidFill>
+                        <a:schemeClr val="tx1"/>
+                      </a:solidFill>
+                      <a:prstDash val="solid"/>
+                      <a:round/>
+                      <a:headEnd type="none" w="med" len="med"/>
+                      <a:tailEnd type="none" w="med" len="med"/>
+                    </a:lnR>
+                    <a:lnT w="6350" cap="flat" cmpd="sng" algn="ctr">
+                      <a:solidFill>
+                        <a:schemeClr val="tx1"/>
+                      </a:solidFill>
+                      <a:prstDash val="solid"/>
+                      <a:round/>
+                      <a:headEnd type="none" w="med" len="med"/>
+                      <a:tailEnd type="none" w="med" len="med"/>
+                    </a:lnT>
+                    <a:lnB w="6350" cap="flat" cmpd="sng" algn="ctr">
+                      <a:solidFill>
+                        <a:schemeClr val="tx1"/>
+                      </a:solidFill>
+                      <a:prstDash val="solid"/>
+                      <a:round/>
+                      <a:headEnd type="none" w="med" len="med"/>
+                      <a:tailEnd type="none" w="med" len="med"/>
+                    </a:lnB>
+                    <a:lnTlToBr w="12700" cmpd="sng">
+                      <a:noFill/>
+                      <a:prstDash val="solid"/>
+                    </a:lnTlToBr>
+                    <a:lnBlToTr w="12700" cmpd="sng">
+                      <a:noFill/>
+                      <a:prstDash val="solid"/>
+                    </a:lnBlToTr>
+                    <a:solidFill>
+                      <a:schemeClr val="accent5">
+                        <a:lumMod val="20000"/>
+                        <a:lumOff val="80000"/>
+                      </a:schemeClr>
+                    </a:solidFill>
+                  </a:tcPr>
+                </a:tc>
+                <a:extLst>
+                  <a:ext uri="{0D108BD9-81ED-4DB2-BD59-A6C34878D82A}">
+                    <a16:rowId xmlns:a16="http://schemas.microsoft.com/office/drawing/2014/main" val="4204568129"/>
+                  </a:ext>
+                </a:extLst>
+              </a:tr>
+            </a:tbl>
+          </a:graphicData>
+        </a:graphic>
+      </p:graphicFrame>
+      <p:graphicFrame>
+        <p:nvGraphicFramePr>
+          <p:cNvPr id="12" name="Table 11">
+            <a:extLst>
+              <a:ext uri="{FF2B5EF4-FFF2-40B4-BE49-F238E27FC236}">
+                <a16:creationId xmlns:a16="http://schemas.microsoft.com/office/drawing/2014/main" id="{49CAE249-0CFD-66AD-BC65-DF4033B6C043}"/>
+              </a:ext>
+            </a:extLst>
+          </p:cNvPr>
+          <p:cNvGraphicFramePr>
+            <a:graphicFrameLocks noGrp="1"/>
+          </p:cNvGraphicFramePr>
+          <p:nvPr>
+            <p:extLst>
+              <p:ext uri="{D42A27DB-BD31-4B8C-83A1-F6EECF244321}">
+                <p14:modId xmlns:p14="http://schemas.microsoft.com/office/powerpoint/2010/main" val="2210068799"/>
+              </p:ext>
+            </p:extLst>
+          </p:nvPr>
+        </p:nvGraphicFramePr>
+        <p:xfrm>
+          <a:off x="1514954" y="5751195"/>
+          <a:ext cx="7059448" cy="741680"/>
+        </p:xfrm>
+        <a:graphic>
+          <a:graphicData uri="http://schemas.openxmlformats.org/drawingml/2006/table">
+            <a:tbl>
+              <a:tblPr firstRow="1" bandRow="1">
+                <a:tableStyleId>{2D5ABB26-0587-4C30-8999-92F81FD0307C}</a:tableStyleId>
+              </a:tblPr>
+              <a:tblGrid>
+                <a:gridCol w="641768">
+                  <a:extLst>
+                    <a:ext uri="{9D8B030D-6E8A-4147-A177-3AD203B41FA5}">
+                      <a16:colId xmlns:a16="http://schemas.microsoft.com/office/drawing/2014/main" val="3821525899"/>
+                    </a:ext>
+                  </a:extLst>
+                </a:gridCol>
+                <a:gridCol w="641768">
+                  <a:extLst>
+                    <a:ext uri="{9D8B030D-6E8A-4147-A177-3AD203B41FA5}">
+                      <a16:colId xmlns:a16="http://schemas.microsoft.com/office/drawing/2014/main" val="3855207571"/>
+                    </a:ext>
+                  </a:extLst>
+                </a:gridCol>
+                <a:gridCol w="641768">
+                  <a:extLst>
+                    <a:ext uri="{9D8B030D-6E8A-4147-A177-3AD203B41FA5}">
+                      <a16:colId xmlns:a16="http://schemas.microsoft.com/office/drawing/2014/main" val="4079671559"/>
+                    </a:ext>
+                  </a:extLst>
+                </a:gridCol>
+                <a:gridCol w="641768">
+                  <a:extLst>
+                    <a:ext uri="{9D8B030D-6E8A-4147-A177-3AD203B41FA5}">
+                      <a16:colId xmlns:a16="http://schemas.microsoft.com/office/drawing/2014/main" val="1480018592"/>
+                    </a:ext>
+                  </a:extLst>
+                </a:gridCol>
+                <a:gridCol w="641768">
+                  <a:extLst>
+                    <a:ext uri="{9D8B030D-6E8A-4147-A177-3AD203B41FA5}">
+                      <a16:colId xmlns:a16="http://schemas.microsoft.com/office/drawing/2014/main" val="3417030530"/>
+                    </a:ext>
+                  </a:extLst>
+                </a:gridCol>
+                <a:gridCol w="641768">
+                  <a:extLst>
+                    <a:ext uri="{9D8B030D-6E8A-4147-A177-3AD203B41FA5}">
+                      <a16:colId xmlns:a16="http://schemas.microsoft.com/office/drawing/2014/main" val="382049569"/>
+                    </a:ext>
+                  </a:extLst>
+                </a:gridCol>
+                <a:gridCol w="641768">
+                  <a:extLst>
+                    <a:ext uri="{9D8B030D-6E8A-4147-A177-3AD203B41FA5}">
+                      <a16:colId xmlns:a16="http://schemas.microsoft.com/office/drawing/2014/main" val="260403653"/>
+                    </a:ext>
+                  </a:extLst>
+                </a:gridCol>
+                <a:gridCol w="641768">
+                  <a:extLst>
+                    <a:ext uri="{9D8B030D-6E8A-4147-A177-3AD203B41FA5}">
+                      <a16:colId xmlns:a16="http://schemas.microsoft.com/office/drawing/2014/main" val="2880502377"/>
+                    </a:ext>
+                  </a:extLst>
+                </a:gridCol>
+                <a:gridCol w="641768">
+                  <a:extLst>
+                    <a:ext uri="{9D8B030D-6E8A-4147-A177-3AD203B41FA5}">
+                      <a16:colId xmlns:a16="http://schemas.microsoft.com/office/drawing/2014/main" val="927707823"/>
+                    </a:ext>
+                  </a:extLst>
+                </a:gridCol>
+                <a:gridCol w="641768">
+                  <a:extLst>
+                    <a:ext uri="{9D8B030D-6E8A-4147-A177-3AD203B41FA5}">
+                      <a16:colId xmlns:a16="http://schemas.microsoft.com/office/drawing/2014/main" val="874554756"/>
+                    </a:ext>
+                  </a:extLst>
+                </a:gridCol>
+                <a:gridCol w="641768">
+                  <a:extLst>
+                    <a:ext uri="{9D8B030D-6E8A-4147-A177-3AD203B41FA5}">
+                      <a16:colId xmlns:a16="http://schemas.microsoft.com/office/drawing/2014/main" val="1686187145"/>
+                    </a:ext>
+                  </a:extLst>
+                </a:gridCol>
+              </a:tblGrid>
+              <a:tr h="370840">
+                <a:tc>
+                  <a:txBody>
+                    <a:bodyPr/>
+                    <a:lstStyle/>
+                    <a:p>
+                      <a:pPr algn="ctr"/>
+                      <a:r>
+                        <a:rPr lang="da-DK" sz="1200" dirty="0"/>
+                        <a:t>0</a:t>
+                      </a:r>
+                      <a:endParaRPr lang="en-US" sz="1200" dirty="0"/>
+                    </a:p>
+                  </a:txBody>
+                  <a:tcPr anchor="b">
+                    <a:lnB w="12700" cap="flat" cmpd="sng" algn="ctr">
+                      <a:solidFill>
+                        <a:schemeClr val="tx1"/>
+                      </a:solidFill>
+                      <a:prstDash val="solid"/>
+                      <a:round/>
+                      <a:headEnd type="none" w="med" len="med"/>
+                      <a:tailEnd type="none" w="med" len="med"/>
+                    </a:lnB>
+                  </a:tcPr>
+                </a:tc>
+                <a:tc>
+                  <a:txBody>
+                    <a:bodyPr/>
+                    <a:lstStyle/>
+                    <a:p>
+                      <a:pPr algn="ctr"/>
+                      <a:r>
+                        <a:rPr lang="da-DK" sz="1200" dirty="0"/>
+                        <a:t>1</a:t>
+                      </a:r>
+                      <a:endParaRPr lang="en-US" sz="1200" dirty="0"/>
+                    </a:p>
+                  </a:txBody>
+                  <a:tcPr anchor="b">
+                    <a:lnB w="12700" cap="flat" cmpd="sng" algn="ctr">
+                      <a:solidFill>
+                        <a:schemeClr val="tx1"/>
+                      </a:solidFill>
+                      <a:prstDash val="solid"/>
+                      <a:round/>
+                      <a:headEnd type="none" w="med" len="med"/>
+                      <a:tailEnd type="none" w="med" len="med"/>
+                    </a:lnB>
+                  </a:tcPr>
+                </a:tc>
+                <a:tc>
+                  <a:txBody>
+                    <a:bodyPr/>
+                    <a:lstStyle/>
+                    <a:p>
+                      <a:pPr algn="ctr"/>
+                      <a:r>
+                        <a:rPr lang="da-DK" sz="1200" dirty="0"/>
+                        <a:t>2</a:t>
+                      </a:r>
+                      <a:endParaRPr lang="en-US" sz="1200" dirty="0"/>
+                    </a:p>
+                  </a:txBody>
+                  <a:tcPr anchor="b">
+                    <a:lnB w="12700" cap="flat" cmpd="sng" algn="ctr">
+                      <a:solidFill>
+                        <a:schemeClr val="tx1"/>
+                      </a:solidFill>
+                      <a:prstDash val="solid"/>
+                      <a:round/>
+                      <a:headEnd type="none" w="med" len="med"/>
+                      <a:tailEnd type="none" w="med" len="med"/>
+                    </a:lnB>
+                  </a:tcPr>
+                </a:tc>
+                <a:tc>
+                  <a:txBody>
+                    <a:bodyPr/>
+                    <a:lstStyle/>
+                    <a:p>
+                      <a:pPr algn="ctr"/>
+                      <a:r>
+                        <a:rPr lang="da-DK" sz="1200" dirty="0"/>
+                        <a:t>3</a:t>
+                      </a:r>
+                      <a:endParaRPr lang="en-US" sz="1200" dirty="0"/>
+                    </a:p>
+                  </a:txBody>
+                  <a:tcPr anchor="b">
+                    <a:lnB w="12700" cap="flat" cmpd="sng" algn="ctr">
+                      <a:solidFill>
+                        <a:schemeClr val="tx1"/>
+                      </a:solidFill>
+                      <a:prstDash val="solid"/>
+                      <a:round/>
+                      <a:headEnd type="none" w="med" len="med"/>
+                      <a:tailEnd type="none" w="med" len="med"/>
+                    </a:lnB>
+                  </a:tcPr>
+                </a:tc>
+                <a:tc>
+                  <a:txBody>
+                    <a:bodyPr/>
+                    <a:lstStyle/>
+                    <a:p>
+                      <a:pPr algn="ctr"/>
+                      <a:r>
+                        <a:rPr lang="da-DK" sz="1200" dirty="0"/>
+                        <a:t>4</a:t>
+                      </a:r>
+                      <a:endParaRPr lang="en-US" sz="1200" dirty="0"/>
+                    </a:p>
+                  </a:txBody>
+                  <a:tcPr anchor="b">
+                    <a:lnB w="12700" cap="flat" cmpd="sng" algn="ctr">
+                      <a:solidFill>
+                        <a:schemeClr val="tx1"/>
+                      </a:solidFill>
+                      <a:prstDash val="solid"/>
+                      <a:round/>
+                      <a:headEnd type="none" w="med" len="med"/>
+                      <a:tailEnd type="none" w="med" len="med"/>
+                    </a:lnB>
+                  </a:tcPr>
+                </a:tc>
+                <a:tc>
+                  <a:txBody>
+                    <a:bodyPr/>
+                    <a:lstStyle/>
+                    <a:p>
+                      <a:pPr algn="ctr"/>
+                      <a:r>
+                        <a:rPr lang="da-DK" sz="1200" dirty="0"/>
+                        <a:t>5</a:t>
+                      </a:r>
+                      <a:endParaRPr lang="en-US" sz="1200" dirty="0"/>
+                    </a:p>
+                  </a:txBody>
+                  <a:tcPr anchor="b">
+                    <a:lnB w="12700" cap="flat" cmpd="sng" algn="ctr">
+                      <a:solidFill>
+                        <a:schemeClr val="tx1"/>
+                      </a:solidFill>
+                      <a:prstDash val="solid"/>
+                      <a:round/>
+                      <a:headEnd type="none" w="med" len="med"/>
+                      <a:tailEnd type="none" w="med" len="med"/>
+                    </a:lnB>
+                  </a:tcPr>
+                </a:tc>
+                <a:tc>
+                  <a:txBody>
+                    <a:bodyPr/>
+                    <a:lstStyle/>
+                    <a:p>
+                      <a:pPr algn="ctr"/>
+                      <a:r>
+                        <a:rPr lang="da-DK" sz="1200" dirty="0"/>
+                        <a:t>6</a:t>
+                      </a:r>
+                      <a:endParaRPr lang="en-US" sz="1200" dirty="0"/>
+                    </a:p>
+                  </a:txBody>
+                  <a:tcPr anchor="b">
+                    <a:lnB w="12700" cap="flat" cmpd="sng" algn="ctr">
+                      <a:solidFill>
+                        <a:schemeClr val="tx1"/>
+                      </a:solidFill>
+                      <a:prstDash val="solid"/>
+                      <a:round/>
+                      <a:headEnd type="none" w="med" len="med"/>
+                      <a:tailEnd type="none" w="med" len="med"/>
+                    </a:lnB>
+                  </a:tcPr>
+                </a:tc>
+                <a:tc>
+                  <a:txBody>
+                    <a:bodyPr/>
+                    <a:lstStyle/>
+                    <a:p>
+                      <a:pPr algn="ctr"/>
+                      <a:r>
+                        <a:rPr lang="da-DK" sz="1200" dirty="0"/>
+                        <a:t>7</a:t>
+                      </a:r>
+                      <a:endParaRPr lang="en-US" sz="1200" dirty="0"/>
+                    </a:p>
+                  </a:txBody>
+                  <a:tcPr anchor="b">
+                    <a:lnB w="12700" cap="flat" cmpd="sng" algn="ctr">
+                      <a:solidFill>
+                        <a:schemeClr val="tx1"/>
+                      </a:solidFill>
+                      <a:prstDash val="solid"/>
+                      <a:round/>
+                      <a:headEnd type="none" w="med" len="med"/>
+                      <a:tailEnd type="none" w="med" len="med"/>
+                    </a:lnB>
+                  </a:tcPr>
+                </a:tc>
+                <a:tc>
+                  <a:txBody>
+                    <a:bodyPr/>
+                    <a:lstStyle/>
+                    <a:p>
+                      <a:pPr algn="ctr"/>
+                      <a:r>
+                        <a:rPr lang="da-DK" sz="1200" dirty="0"/>
+                        <a:t>8</a:t>
+                      </a:r>
+                      <a:endParaRPr lang="en-US" sz="1200" dirty="0"/>
+                    </a:p>
+                  </a:txBody>
+                  <a:tcPr anchor="b">
+                    <a:lnB w="12700" cap="flat" cmpd="sng" algn="ctr">
+                      <a:solidFill>
+                        <a:schemeClr val="tx1"/>
+                      </a:solidFill>
+                      <a:prstDash val="solid"/>
+                      <a:round/>
+                      <a:headEnd type="none" w="med" len="med"/>
+                      <a:tailEnd type="none" w="med" len="med"/>
+                    </a:lnB>
+                  </a:tcPr>
+                </a:tc>
+                <a:tc>
+                  <a:txBody>
+                    <a:bodyPr/>
+                    <a:lstStyle/>
+                    <a:p>
+                      <a:pPr algn="ctr"/>
+                      <a:r>
+                        <a:rPr lang="da-DK" sz="1200" dirty="0"/>
+                        <a:t>9</a:t>
+                      </a:r>
+                      <a:endParaRPr lang="en-US" sz="1200" dirty="0"/>
+                    </a:p>
+                  </a:txBody>
+                  <a:tcPr anchor="b">
+                    <a:lnB w="12700" cap="flat" cmpd="sng" algn="ctr">
+                      <a:solidFill>
+                        <a:schemeClr val="tx1"/>
+                      </a:solidFill>
+                      <a:prstDash val="solid"/>
+                      <a:round/>
+                      <a:headEnd type="none" w="med" len="med"/>
+                      <a:tailEnd type="none" w="med" len="med"/>
+                    </a:lnB>
+                  </a:tcPr>
+                </a:tc>
+                <a:tc>
+                  <a:txBody>
+                    <a:bodyPr/>
+                    <a:lstStyle/>
+                    <a:p>
+                      <a:pPr algn="ctr"/>
+                      <a:r>
+                        <a:rPr lang="da-DK" sz="1200" dirty="0"/>
+                        <a:t>10</a:t>
+                      </a:r>
+                      <a:endParaRPr lang="en-US" sz="1200" dirty="0"/>
+                    </a:p>
+                  </a:txBody>
+                  <a:tcPr anchor="b">
+                    <a:lnB w="12700" cap="flat" cmpd="sng" algn="ctr">
+                      <a:solidFill>
+                        <a:schemeClr val="tx1"/>
+                      </a:solidFill>
+                      <a:prstDash val="solid"/>
+                      <a:round/>
+                      <a:headEnd type="none" w="med" len="med"/>
+                      <a:tailEnd type="none" w="med" len="med"/>
+                    </a:lnB>
+                  </a:tcPr>
+                </a:tc>
+                <a:extLst>
+                  <a:ext uri="{0D108BD9-81ED-4DB2-BD59-A6C34878D82A}">
+                    <a16:rowId xmlns:a16="http://schemas.microsoft.com/office/drawing/2014/main" val="523261560"/>
+                  </a:ext>
+                </a:extLst>
+              </a:tr>
+              <a:tr h="370840">
+                <a:tc>
+                  <a:txBody>
+                    <a:bodyPr/>
+                    <a:lstStyle/>
+                    <a:p>
+                      <a:pPr algn="ctr"/>
+                      <a:r>
+                        <a:rPr lang="da-DK" b="1" dirty="0">
+                          <a:latin typeface="Courier New" panose="02070309020205020404" pitchFamily="49" charset="0"/>
+                          <a:cs typeface="Courier New" panose="02070309020205020404" pitchFamily="49" charset="0"/>
+                        </a:rPr>
+                        <a:t>3</a:t>
+                      </a:r>
+                      <a:endParaRPr lang="en-US" b="1" dirty="0">
+                        <a:latin typeface="Courier New" panose="02070309020205020404" pitchFamily="49" charset="0"/>
+                        <a:cs typeface="Courier New" panose="02070309020205020404" pitchFamily="49" charset="0"/>
+                      </a:endParaRPr>
+                    </a:p>
+                  </a:txBody>
+                  <a:tcPr>
+                    <a:lnL w="12700" cap="flat" cmpd="sng" algn="ctr">
+                      <a:solidFill>
+                        <a:schemeClr val="tx1"/>
+                      </a:solidFill>
+                      <a:prstDash val="solid"/>
+                      <a:round/>
+                      <a:headEnd type="none" w="med" len="med"/>
+                      <a:tailEnd type="none" w="med" len="med"/>
+                    </a:lnL>
+                    <a:lnR w="12700" cap="flat" cmpd="sng" algn="ctr">
+                      <a:solidFill>
+                        <a:schemeClr val="tx1"/>
+                      </a:solidFill>
+                      <a:prstDash val="solid"/>
+                      <a:round/>
+                      <a:headEnd type="none" w="med" len="med"/>
+                      <a:tailEnd type="none" w="med" len="med"/>
+                    </a:lnR>
+                    <a:lnT w="12700" cap="flat" cmpd="sng" algn="ctr">
+                      <a:solidFill>
+                        <a:schemeClr val="tx1"/>
+                      </a:solidFill>
+                      <a:prstDash val="solid"/>
+                      <a:round/>
+                      <a:headEnd type="none" w="med" len="med"/>
+                      <a:tailEnd type="none" w="med" len="med"/>
+                    </a:lnT>
+                    <a:lnB w="12700" cap="flat" cmpd="sng" algn="ctr">
+                      <a:solidFill>
+                        <a:schemeClr val="tx1"/>
+                      </a:solidFill>
+                      <a:prstDash val="solid"/>
+                      <a:round/>
+                      <a:headEnd type="none" w="med" len="med"/>
+                      <a:tailEnd type="none" w="med" len="med"/>
+                    </a:lnB>
+                    <a:solidFill>
+                      <a:srgbClr val="FFFF00"/>
+                    </a:solidFill>
+                  </a:tcPr>
+                </a:tc>
+                <a:tc>
+                  <a:txBody>
+                    <a:bodyPr/>
+                    <a:lstStyle/>
+                    <a:p>
+                      <a:pPr algn="ctr"/>
+                      <a:r>
+                        <a:rPr lang="da-DK" b="1" dirty="0">
+                          <a:latin typeface="Courier New" panose="02070309020205020404" pitchFamily="49" charset="0"/>
+                          <a:cs typeface="Courier New" panose="02070309020205020404" pitchFamily="49" charset="0"/>
+                        </a:rPr>
+                        <a:t>4</a:t>
+                      </a:r>
+                      <a:endParaRPr lang="en-US" b="1" dirty="0">
+                        <a:latin typeface="Courier New" panose="02070309020205020404" pitchFamily="49" charset="0"/>
+                        <a:cs typeface="Courier New" panose="02070309020205020404" pitchFamily="49" charset="0"/>
+                      </a:endParaRPr>
+                    </a:p>
+                  </a:txBody>
+                  <a:tcPr>
+                    <a:lnL w="12700" cap="flat" cmpd="sng" algn="ctr">
+                      <a:solidFill>
+                        <a:schemeClr val="tx1"/>
+                      </a:solidFill>
+                      <a:prstDash val="solid"/>
+                      <a:round/>
+                      <a:headEnd type="none" w="med" len="med"/>
+                      <a:tailEnd type="none" w="med" len="med"/>
+                    </a:lnL>
+                    <a:lnR w="12700" cap="flat" cmpd="sng" algn="ctr">
+                      <a:solidFill>
+                        <a:schemeClr val="tx1"/>
+                      </a:solidFill>
+                      <a:prstDash val="solid"/>
+                      <a:round/>
+                      <a:headEnd type="none" w="med" len="med"/>
+                      <a:tailEnd type="none" w="med" len="med"/>
+                    </a:lnR>
+                    <a:lnT w="12700" cap="flat" cmpd="sng" algn="ctr">
+                      <a:solidFill>
+                        <a:schemeClr val="tx1"/>
+                      </a:solidFill>
+                      <a:prstDash val="solid"/>
+                      <a:round/>
+                      <a:headEnd type="none" w="med" len="med"/>
+                      <a:tailEnd type="none" w="med" len="med"/>
+                    </a:lnT>
+                    <a:lnB w="12700" cap="flat" cmpd="sng" algn="ctr">
+                      <a:solidFill>
+                        <a:schemeClr val="tx1"/>
+                      </a:solidFill>
+                      <a:prstDash val="solid"/>
+                      <a:round/>
+                      <a:headEnd type="none" w="med" len="med"/>
+                      <a:tailEnd type="none" w="med" len="med"/>
+                    </a:lnB>
+                    <a:solidFill>
+                      <a:srgbClr val="FFFF00"/>
+                    </a:solidFill>
+                  </a:tcPr>
+                </a:tc>
+                <a:tc>
+                  <a:txBody>
+                    <a:bodyPr/>
+                    <a:lstStyle/>
+                    <a:p>
+                      <a:pPr algn="ctr"/>
+                      <a:r>
+                        <a:rPr lang="da-DK" b="1" dirty="0">
+                          <a:latin typeface="Courier New" panose="02070309020205020404" pitchFamily="49" charset="0"/>
+                          <a:cs typeface="Courier New" panose="02070309020205020404" pitchFamily="49" charset="0"/>
+                        </a:rPr>
+                        <a:t>6</a:t>
+                      </a:r>
+                      <a:endParaRPr lang="en-US" b="1" dirty="0">
+                        <a:latin typeface="Courier New" panose="02070309020205020404" pitchFamily="49" charset="0"/>
+                        <a:cs typeface="Courier New" panose="02070309020205020404" pitchFamily="49" charset="0"/>
+                      </a:endParaRPr>
+                    </a:p>
+                  </a:txBody>
+                  <a:tcPr>
+                    <a:lnL w="12700" cap="flat" cmpd="sng" algn="ctr">
+                      <a:solidFill>
+                        <a:schemeClr val="tx1"/>
+                      </a:solidFill>
+                      <a:prstDash val="solid"/>
+                      <a:round/>
+                      <a:headEnd type="none" w="med" len="med"/>
+                      <a:tailEnd type="none" w="med" len="med"/>
+                    </a:lnL>
+                    <a:lnR w="12700" cap="flat" cmpd="sng" algn="ctr">
+                      <a:solidFill>
+                        <a:schemeClr val="tx1"/>
+                      </a:solidFill>
+                      <a:prstDash val="solid"/>
+                      <a:round/>
+                      <a:headEnd type="none" w="med" len="med"/>
+                      <a:tailEnd type="none" w="med" len="med"/>
+                    </a:lnR>
+                    <a:lnT w="12700" cap="flat" cmpd="sng" algn="ctr">
+                      <a:solidFill>
+                        <a:schemeClr val="tx1"/>
+                      </a:solidFill>
+                      <a:prstDash val="solid"/>
+                      <a:round/>
+                      <a:headEnd type="none" w="med" len="med"/>
+                      <a:tailEnd type="none" w="med" len="med"/>
+                    </a:lnT>
+                    <a:lnB w="12700" cap="flat" cmpd="sng" algn="ctr">
+                      <a:solidFill>
+                        <a:schemeClr val="tx1"/>
+                      </a:solidFill>
+                      <a:prstDash val="solid"/>
+                      <a:round/>
+                      <a:headEnd type="none" w="med" len="med"/>
+                      <a:tailEnd type="none" w="med" len="med"/>
+                    </a:lnB>
+                    <a:solidFill>
+                      <a:srgbClr val="FFFF00"/>
+                    </a:solidFill>
+                  </a:tcPr>
+                </a:tc>
+                <a:tc>
+                  <a:txBody>
+                    <a:bodyPr/>
+                    <a:lstStyle/>
+                    <a:p>
+                      <a:pPr algn="ctr"/>
+                      <a:r>
+                        <a:rPr lang="da-DK" b="1" dirty="0">
+                          <a:latin typeface="Courier New" panose="02070309020205020404" pitchFamily="49" charset="0"/>
+                          <a:cs typeface="Courier New" panose="02070309020205020404" pitchFamily="49" charset="0"/>
+                        </a:rPr>
+                        <a:t>7</a:t>
+                      </a:r>
+                      <a:endParaRPr lang="en-US" b="1" dirty="0">
+                        <a:latin typeface="Courier New" panose="02070309020205020404" pitchFamily="49" charset="0"/>
+                        <a:cs typeface="Courier New" panose="02070309020205020404" pitchFamily="49" charset="0"/>
+                      </a:endParaRPr>
+                    </a:p>
+                  </a:txBody>
+                  <a:tcPr>
+                    <a:lnL w="12700" cap="flat" cmpd="sng" algn="ctr">
+                      <a:solidFill>
+                        <a:schemeClr val="tx1"/>
+                      </a:solidFill>
+                      <a:prstDash val="solid"/>
+                      <a:round/>
+                      <a:headEnd type="none" w="med" len="med"/>
+                      <a:tailEnd type="none" w="med" len="med"/>
+                    </a:lnL>
+                    <a:lnR w="12700" cap="flat" cmpd="sng" algn="ctr">
+                      <a:solidFill>
+                        <a:schemeClr val="tx1"/>
+                      </a:solidFill>
+                      <a:prstDash val="solid"/>
+                      <a:round/>
+                      <a:headEnd type="none" w="med" len="med"/>
+                      <a:tailEnd type="none" w="med" len="med"/>
+                    </a:lnR>
+                    <a:lnT w="12700" cap="flat" cmpd="sng" algn="ctr">
+                      <a:solidFill>
+                        <a:schemeClr val="tx1"/>
+                      </a:solidFill>
+                      <a:prstDash val="solid"/>
+                      <a:round/>
+                      <a:headEnd type="none" w="med" len="med"/>
+                      <a:tailEnd type="none" w="med" len="med"/>
+                    </a:lnT>
+                    <a:lnB w="12700" cap="flat" cmpd="sng" algn="ctr">
+                      <a:solidFill>
+                        <a:schemeClr val="tx1"/>
+                      </a:solidFill>
+                      <a:prstDash val="solid"/>
+                      <a:round/>
+                      <a:headEnd type="none" w="med" len="med"/>
+                      <a:tailEnd type="none" w="med" len="med"/>
+                    </a:lnB>
+                    <a:solidFill>
+                      <a:srgbClr val="FFFF00"/>
+                    </a:solidFill>
+                  </a:tcPr>
+                </a:tc>
+                <a:tc>
+                  <a:txBody>
+                    <a:bodyPr/>
+                    <a:lstStyle/>
+                    <a:p>
+                      <a:pPr algn="ctr"/>
+                      <a:r>
+                        <a:rPr lang="da-DK" b="1" dirty="0">
+                          <a:latin typeface="Courier New" panose="02070309020205020404" pitchFamily="49" charset="0"/>
+                          <a:cs typeface="Courier New" panose="02070309020205020404" pitchFamily="49" charset="0"/>
+                        </a:rPr>
+                        <a:t>7</a:t>
+                      </a:r>
+                      <a:endParaRPr lang="en-US" b="1" dirty="0">
+                        <a:latin typeface="Courier New" panose="02070309020205020404" pitchFamily="49" charset="0"/>
+                        <a:cs typeface="Courier New" panose="02070309020205020404" pitchFamily="49" charset="0"/>
+                      </a:endParaRPr>
+                    </a:p>
+                  </a:txBody>
+                  <a:tcPr>
+                    <a:lnL w="12700" cap="flat" cmpd="sng" algn="ctr">
+                      <a:solidFill>
+                        <a:schemeClr val="tx1"/>
+                      </a:solidFill>
+                      <a:prstDash val="solid"/>
+                      <a:round/>
+                      <a:headEnd type="none" w="med" len="med"/>
+                      <a:tailEnd type="none" w="med" len="med"/>
+                    </a:lnL>
+                    <a:lnR w="12700" cap="flat" cmpd="sng" algn="ctr">
+                      <a:solidFill>
+                        <a:schemeClr val="tx1"/>
+                      </a:solidFill>
+                      <a:prstDash val="solid"/>
+                      <a:round/>
+                      <a:headEnd type="none" w="med" len="med"/>
+                      <a:tailEnd type="none" w="med" len="med"/>
+                    </a:lnR>
+                    <a:lnT w="12700" cap="flat" cmpd="sng" algn="ctr">
+                      <a:solidFill>
+                        <a:schemeClr val="tx1"/>
+                      </a:solidFill>
+                      <a:prstDash val="solid"/>
+                      <a:round/>
+                      <a:headEnd type="none" w="med" len="med"/>
+                      <a:tailEnd type="none" w="med" len="med"/>
+                    </a:lnT>
+                    <a:lnB w="12700" cap="flat" cmpd="sng" algn="ctr">
+                      <a:solidFill>
+                        <a:schemeClr val="tx1"/>
+                      </a:solidFill>
+                      <a:prstDash val="solid"/>
+                      <a:round/>
+                      <a:headEnd type="none" w="med" len="med"/>
+                      <a:tailEnd type="none" w="med" len="med"/>
+                    </a:lnB>
+                    <a:solidFill>
+                      <a:srgbClr val="FFFF00"/>
+                    </a:solidFill>
+                  </a:tcPr>
+                </a:tc>
+                <a:tc>
+                  <a:txBody>
+                    <a:bodyPr/>
+                    <a:lstStyle/>
+                    <a:p>
+                      <a:pPr algn="ctr"/>
+                      <a:r>
+                        <a:rPr lang="da-DK" b="1" dirty="0">
+                          <a:latin typeface="Courier New" panose="02070309020205020404" pitchFamily="49" charset="0"/>
+                          <a:cs typeface="Courier New" panose="02070309020205020404" pitchFamily="49" charset="0"/>
+                        </a:rPr>
+                        <a:t>7</a:t>
+                      </a:r>
+                      <a:endParaRPr lang="en-US" b="1" dirty="0">
+                        <a:latin typeface="Courier New" panose="02070309020205020404" pitchFamily="49" charset="0"/>
+                        <a:cs typeface="Courier New" panose="02070309020205020404" pitchFamily="49" charset="0"/>
+                      </a:endParaRPr>
+                    </a:p>
+                  </a:txBody>
+                  <a:tcPr>
+                    <a:lnL w="12700" cap="flat" cmpd="sng" algn="ctr">
+                      <a:solidFill>
+                        <a:schemeClr val="tx1"/>
+                      </a:solidFill>
+                      <a:prstDash val="solid"/>
+                      <a:round/>
+                      <a:headEnd type="none" w="med" len="med"/>
+                      <a:tailEnd type="none" w="med" len="med"/>
+                    </a:lnL>
+                    <a:lnR w="12700" cap="flat" cmpd="sng" algn="ctr">
+                      <a:solidFill>
+                        <a:schemeClr val="tx1"/>
+                      </a:solidFill>
+                      <a:prstDash val="solid"/>
+                      <a:round/>
+                      <a:headEnd type="none" w="med" len="med"/>
+                      <a:tailEnd type="none" w="med" len="med"/>
+                    </a:lnR>
+                    <a:lnT w="12700" cap="flat" cmpd="sng" algn="ctr">
+                      <a:solidFill>
+                        <a:schemeClr val="tx1"/>
+                      </a:solidFill>
+                      <a:prstDash val="solid"/>
+                      <a:round/>
+                      <a:headEnd type="none" w="med" len="med"/>
+                      <a:tailEnd type="none" w="med" len="med"/>
+                    </a:lnT>
+                    <a:lnB w="12700" cap="flat" cmpd="sng" algn="ctr">
+                      <a:solidFill>
+                        <a:schemeClr val="tx1"/>
+                      </a:solidFill>
+                      <a:prstDash val="solid"/>
+                      <a:round/>
+                      <a:headEnd type="none" w="med" len="med"/>
+                      <a:tailEnd type="none" w="med" len="med"/>
+                    </a:lnB>
+                    <a:solidFill>
+                      <a:srgbClr val="FFFF00"/>
+                    </a:solidFill>
+                  </a:tcPr>
+                </a:tc>
+                <a:tc>
+                  <a:txBody>
+                    <a:bodyPr/>
+                    <a:lstStyle/>
+                    <a:p>
+                      <a:pPr algn="ctr"/>
+                      <a:r>
+                        <a:rPr lang="da-DK" b="1" dirty="0">
+                          <a:latin typeface="Courier New" panose="02070309020205020404" pitchFamily="49" charset="0"/>
+                          <a:cs typeface="Courier New" panose="02070309020205020404" pitchFamily="49" charset="0"/>
+                        </a:rPr>
+                        <a:t>10</a:t>
+                      </a:r>
+                      <a:endParaRPr lang="en-US" b="1" dirty="0">
+                        <a:latin typeface="Courier New" panose="02070309020205020404" pitchFamily="49" charset="0"/>
+                        <a:cs typeface="Courier New" panose="02070309020205020404" pitchFamily="49" charset="0"/>
+                      </a:endParaRPr>
+                    </a:p>
+                  </a:txBody>
+                  <a:tcPr>
+                    <a:lnL w="12700" cap="flat" cmpd="sng" algn="ctr">
+                      <a:solidFill>
+                        <a:schemeClr val="tx1"/>
+                      </a:solidFill>
+                      <a:prstDash val="solid"/>
+                      <a:round/>
+                      <a:headEnd type="none" w="med" len="med"/>
+                      <a:tailEnd type="none" w="med" len="med"/>
+                    </a:lnL>
+                    <a:lnR w="12700" cap="flat" cmpd="sng" algn="ctr">
+                      <a:solidFill>
+                        <a:schemeClr val="tx1"/>
+                      </a:solidFill>
+                      <a:prstDash val="solid"/>
+                      <a:round/>
+                      <a:headEnd type="none" w="med" len="med"/>
+                      <a:tailEnd type="none" w="med" len="med"/>
+                    </a:lnR>
+                    <a:lnT w="12700" cap="flat" cmpd="sng" algn="ctr">
+                      <a:solidFill>
+                        <a:schemeClr val="tx1"/>
+                      </a:solidFill>
+                      <a:prstDash val="solid"/>
+                      <a:round/>
+                      <a:headEnd type="none" w="med" len="med"/>
+                      <a:tailEnd type="none" w="med" len="med"/>
+                    </a:lnT>
+                    <a:lnB w="12700" cap="flat" cmpd="sng" algn="ctr">
+                      <a:solidFill>
+                        <a:schemeClr val="tx1"/>
+                      </a:solidFill>
+                      <a:prstDash val="solid"/>
+                      <a:round/>
+                      <a:headEnd type="none" w="med" len="med"/>
+                      <a:tailEnd type="none" w="med" len="med"/>
+                    </a:lnB>
+                    <a:solidFill>
+                      <a:srgbClr val="FFFF00"/>
+                    </a:solidFill>
+                  </a:tcPr>
+                </a:tc>
+                <a:tc>
+                  <a:txBody>
+                    <a:bodyPr/>
+                    <a:lstStyle/>
+                    <a:p>
+                      <a:pPr algn="ctr"/>
+                      <a:r>
+                        <a:rPr lang="da-DK" b="1" dirty="0">
+                          <a:latin typeface="Courier New" panose="02070309020205020404" pitchFamily="49" charset="0"/>
+                          <a:cs typeface="Courier New" panose="02070309020205020404" pitchFamily="49" charset="0"/>
+                        </a:rPr>
+                        <a:t>11</a:t>
+                      </a:r>
+                      <a:endParaRPr lang="en-US" b="1" dirty="0">
+                        <a:latin typeface="Courier New" panose="02070309020205020404" pitchFamily="49" charset="0"/>
+                        <a:cs typeface="Courier New" panose="02070309020205020404" pitchFamily="49" charset="0"/>
+                      </a:endParaRPr>
+                    </a:p>
+                  </a:txBody>
+                  <a:tcPr>
+                    <a:lnL w="12700" cap="flat" cmpd="sng" algn="ctr">
+                      <a:solidFill>
+                        <a:schemeClr val="tx1"/>
+                      </a:solidFill>
+                      <a:prstDash val="solid"/>
+                      <a:round/>
+                      <a:headEnd type="none" w="med" len="med"/>
+                      <a:tailEnd type="none" w="med" len="med"/>
+                    </a:lnL>
+                    <a:lnR w="12700" cap="flat" cmpd="sng" algn="ctr">
+                      <a:solidFill>
+                        <a:schemeClr val="tx1"/>
+                      </a:solidFill>
+                      <a:prstDash val="solid"/>
+                      <a:round/>
+                      <a:headEnd type="none" w="med" len="med"/>
+                      <a:tailEnd type="none" w="med" len="med"/>
+                    </a:lnR>
+                    <a:lnT w="12700" cap="flat" cmpd="sng" algn="ctr">
+                      <a:solidFill>
+                        <a:schemeClr val="tx1"/>
+                      </a:solidFill>
+                      <a:prstDash val="solid"/>
+                      <a:round/>
+                      <a:headEnd type="none" w="med" len="med"/>
+                      <a:tailEnd type="none" w="med" len="med"/>
+                    </a:lnT>
+                    <a:lnB w="12700" cap="flat" cmpd="sng" algn="ctr">
+                      <a:solidFill>
+                        <a:schemeClr val="tx1"/>
+                      </a:solidFill>
+                      <a:prstDash val="solid"/>
+                      <a:round/>
+                      <a:headEnd type="none" w="med" len="med"/>
+                      <a:tailEnd type="none" w="med" len="med"/>
+                    </a:lnB>
+                    <a:solidFill>
+                      <a:srgbClr val="FFFF00"/>
+                    </a:solidFill>
+                  </a:tcPr>
+                </a:tc>
+                <a:tc>
+                  <a:txBody>
+                    <a:bodyPr/>
+                    <a:lstStyle/>
+                    <a:p>
+                      <a:pPr algn="ctr"/>
+                      <a:r>
+                        <a:rPr lang="da-DK" b="1" dirty="0">
+                          <a:latin typeface="Courier New" panose="02070309020205020404" pitchFamily="49" charset="0"/>
+                          <a:cs typeface="Courier New" panose="02070309020205020404" pitchFamily="49" charset="0"/>
+                        </a:rPr>
+                        <a:t>13</a:t>
+                      </a:r>
+                      <a:endParaRPr lang="en-US" b="1" dirty="0">
+                        <a:latin typeface="Courier New" panose="02070309020205020404" pitchFamily="49" charset="0"/>
+                        <a:cs typeface="Courier New" panose="02070309020205020404" pitchFamily="49" charset="0"/>
+                      </a:endParaRPr>
+                    </a:p>
+                  </a:txBody>
+                  <a:tcPr>
+                    <a:lnL w="12700" cap="flat" cmpd="sng" algn="ctr">
+                      <a:solidFill>
+                        <a:schemeClr val="tx1"/>
+                      </a:solidFill>
+                      <a:prstDash val="solid"/>
+                      <a:round/>
+                      <a:headEnd type="none" w="med" len="med"/>
+                      <a:tailEnd type="none" w="med" len="med"/>
+                    </a:lnL>
+                    <a:lnR w="12700" cap="flat" cmpd="sng" algn="ctr">
+                      <a:solidFill>
+                        <a:schemeClr val="tx1"/>
+                      </a:solidFill>
+                      <a:prstDash val="solid"/>
+                      <a:round/>
+                      <a:headEnd type="none" w="med" len="med"/>
+                      <a:tailEnd type="none" w="med" len="med"/>
+                    </a:lnR>
+                    <a:lnT w="12700" cap="flat" cmpd="sng" algn="ctr">
+                      <a:solidFill>
+                        <a:schemeClr val="tx1"/>
+                      </a:solidFill>
+                      <a:prstDash val="solid"/>
+                      <a:round/>
+                      <a:headEnd type="none" w="med" len="med"/>
+                      <a:tailEnd type="none" w="med" len="med"/>
+                    </a:lnT>
+                    <a:lnB w="12700" cap="flat" cmpd="sng" algn="ctr">
+                      <a:solidFill>
+                        <a:schemeClr val="tx1"/>
+                      </a:solidFill>
+                      <a:prstDash val="solid"/>
+                      <a:round/>
+                      <a:headEnd type="none" w="med" len="med"/>
+                      <a:tailEnd type="none" w="med" len="med"/>
+                    </a:lnB>
+                    <a:solidFill>
+                      <a:srgbClr val="FFFF00"/>
+                    </a:solidFill>
+                  </a:tcPr>
+                </a:tc>
+                <a:tc>
+                  <a:txBody>
+                    <a:bodyPr/>
+                    <a:lstStyle/>
+                    <a:p>
+                      <a:pPr algn="ctr"/>
+                      <a:r>
+                        <a:rPr lang="da-DK" b="1" dirty="0">
+                          <a:latin typeface="Courier New" panose="02070309020205020404" pitchFamily="49" charset="0"/>
+                          <a:cs typeface="Courier New" panose="02070309020205020404" pitchFamily="49" charset="0"/>
+                        </a:rPr>
+                        <a:t>16</a:t>
+                      </a:r>
+                      <a:endParaRPr lang="en-US" b="1" dirty="0">
+                        <a:latin typeface="Courier New" panose="02070309020205020404" pitchFamily="49" charset="0"/>
+                        <a:cs typeface="Courier New" panose="02070309020205020404" pitchFamily="49" charset="0"/>
+                      </a:endParaRPr>
+                    </a:p>
+                  </a:txBody>
+                  <a:tcPr>
+                    <a:lnL w="12700" cap="flat" cmpd="sng" algn="ctr">
+                      <a:solidFill>
+                        <a:schemeClr val="tx1"/>
+                      </a:solidFill>
+                      <a:prstDash val="solid"/>
+                      <a:round/>
+                      <a:headEnd type="none" w="med" len="med"/>
+                      <a:tailEnd type="none" w="med" len="med"/>
+                    </a:lnL>
+                    <a:lnR w="12700" cap="flat" cmpd="sng" algn="ctr">
+                      <a:solidFill>
+                        <a:schemeClr val="tx1"/>
+                      </a:solidFill>
+                      <a:prstDash val="solid"/>
+                      <a:round/>
+                      <a:headEnd type="none" w="med" len="med"/>
+                      <a:tailEnd type="none" w="med" len="med"/>
+                    </a:lnR>
+                    <a:lnT w="12700" cap="flat" cmpd="sng" algn="ctr">
+                      <a:solidFill>
+                        <a:schemeClr val="tx1"/>
+                      </a:solidFill>
+                      <a:prstDash val="solid"/>
+                      <a:round/>
+                      <a:headEnd type="none" w="med" len="med"/>
+                      <a:tailEnd type="none" w="med" len="med"/>
+                    </a:lnT>
+                    <a:lnB w="12700" cap="flat" cmpd="sng" algn="ctr">
+                      <a:solidFill>
+                        <a:schemeClr val="tx1"/>
+                      </a:solidFill>
+                      <a:prstDash val="solid"/>
+                      <a:round/>
+                      <a:headEnd type="none" w="med" len="med"/>
+                      <a:tailEnd type="none" w="med" len="med"/>
+                    </a:lnB>
+                    <a:solidFill>
+                      <a:srgbClr val="FFFF00"/>
+                    </a:solidFill>
+                  </a:tcPr>
+                </a:tc>
+                <a:tc>
+                  <a:txBody>
+                    <a:bodyPr/>
+                    <a:lstStyle/>
+                    <a:p>
+                      <a:pPr algn="ctr"/>
+                      <a:r>
+                        <a:rPr lang="da-DK" b="1" dirty="0">
+                          <a:latin typeface="Courier New" panose="02070309020205020404" pitchFamily="49" charset="0"/>
+                          <a:cs typeface="Courier New" panose="02070309020205020404" pitchFamily="49" charset="0"/>
+                        </a:rPr>
+                        <a:t>17</a:t>
+                      </a:r>
+                      <a:endParaRPr lang="en-US" b="1" dirty="0">
+                        <a:latin typeface="Courier New" panose="02070309020205020404" pitchFamily="49" charset="0"/>
+                        <a:cs typeface="Courier New" panose="02070309020205020404" pitchFamily="49" charset="0"/>
+                      </a:endParaRPr>
+                    </a:p>
+                  </a:txBody>
+                  <a:tcPr>
+                    <a:lnL w="12700" cap="flat" cmpd="sng" algn="ctr">
+                      <a:solidFill>
+                        <a:schemeClr val="tx1"/>
+                      </a:solidFill>
+                      <a:prstDash val="solid"/>
+                      <a:round/>
+                      <a:headEnd type="none" w="med" len="med"/>
+                      <a:tailEnd type="none" w="med" len="med"/>
+                    </a:lnL>
+                    <a:lnR w="12700" cap="flat" cmpd="sng" algn="ctr">
+                      <a:solidFill>
+                        <a:schemeClr val="tx1"/>
+                      </a:solidFill>
+                      <a:prstDash val="solid"/>
+                      <a:round/>
+                      <a:headEnd type="none" w="med" len="med"/>
+                      <a:tailEnd type="none" w="med" len="med"/>
+                    </a:lnR>
+                    <a:lnT w="12700" cap="flat" cmpd="sng" algn="ctr">
+                      <a:solidFill>
+                        <a:schemeClr val="tx1"/>
+                      </a:solidFill>
+                      <a:prstDash val="solid"/>
+                      <a:round/>
+                      <a:headEnd type="none" w="med" len="med"/>
+                      <a:tailEnd type="none" w="med" len="med"/>
+                    </a:lnT>
+                    <a:lnB w="12700" cap="flat" cmpd="sng" algn="ctr">
+                      <a:solidFill>
+                        <a:schemeClr val="tx1"/>
+                      </a:solidFill>
+                      <a:prstDash val="solid"/>
+                      <a:round/>
+                      <a:headEnd type="none" w="med" len="med"/>
+                      <a:tailEnd type="none" w="med" len="med"/>
+                    </a:lnB>
+                    <a:solidFill>
+                      <a:srgbClr val="FFFF00"/>
+                    </a:solidFill>
+                  </a:tcPr>
+                </a:tc>
+                <a:extLst>
+                  <a:ext uri="{0D108BD9-81ED-4DB2-BD59-A6C34878D82A}">
+                    <a16:rowId xmlns:a16="http://schemas.microsoft.com/office/drawing/2014/main" val="1457267651"/>
+                  </a:ext>
+                </a:extLst>
+              </a:tr>
+            </a:tbl>
+          </a:graphicData>
+        </a:graphic>
+      </p:graphicFrame>
+      <p:cxnSp>
+        <p:nvCxnSpPr>
+          <p:cNvPr id="13" name="Straight Arrow Connector 12">
+            <a:extLst>
+              <a:ext uri="{FF2B5EF4-FFF2-40B4-BE49-F238E27FC236}">
+                <a16:creationId xmlns:a16="http://schemas.microsoft.com/office/drawing/2014/main" id="{97508C72-EE9D-4F7B-EE7A-E2EE4DA95A02}"/>
+              </a:ext>
+            </a:extLst>
+          </p:cNvPr>
+          <p:cNvCxnSpPr>
+            <a:cxnSpLocks/>
+          </p:cNvCxnSpPr>
+          <p:nvPr/>
+        </p:nvCxnSpPr>
+        <p:spPr>
+          <a:xfrm>
+            <a:off x="3735281" y="5465379"/>
+            <a:ext cx="0" cy="289003"/>
+          </a:xfrm>
+          <a:prstGeom prst="straightConnector1">
+            <a:avLst/>
+          </a:prstGeom>
+          <a:ln>
+            <a:solidFill>
+              <a:schemeClr val="tx1"/>
+            </a:solidFill>
+            <a:tailEnd type="triangle"/>
+          </a:ln>
+        </p:spPr>
+        <p:style>
+          <a:lnRef idx="1">
+            <a:schemeClr val="accent1"/>
+          </a:lnRef>
+          <a:fillRef idx="0">
+            <a:schemeClr val="accent1"/>
+          </a:fillRef>
+          <a:effectRef idx="0">
+            <a:schemeClr val="accent1"/>
+          </a:effectRef>
+          <a:fontRef idx="minor">
+            <a:schemeClr val="tx1"/>
+          </a:fontRef>
+        </p:style>
+      </p:cxnSp>
+      <p:sp>
+        <p:nvSpPr>
+          <p:cNvPr id="16" name="TextBox 15">
+            <a:extLst>
+              <a:ext uri="{FF2B5EF4-FFF2-40B4-BE49-F238E27FC236}">
+                <a16:creationId xmlns:a16="http://schemas.microsoft.com/office/drawing/2014/main" id="{B8A4B65A-06D7-11D9-1B7D-08BC26E2352F}"/>
+              </a:ext>
+            </a:extLst>
+          </p:cNvPr>
+          <p:cNvSpPr txBox="1"/>
+          <p:nvPr/>
+        </p:nvSpPr>
+        <p:spPr>
+          <a:xfrm>
+            <a:off x="1950720" y="5149467"/>
+            <a:ext cx="2301445" cy="307777"/>
+          </a:xfrm>
+          <a:prstGeom prst="rect">
+            <a:avLst/>
+          </a:prstGeom>
+          <a:noFill/>
+        </p:spPr>
+        <p:txBody>
+          <a:bodyPr wrap="square">
+            <a:spAutoFit/>
+          </a:bodyPr>
+          <a:lstStyle/>
+          <a:p>
+            <a:pPr algn="r"/>
+            <a:r>
+              <a:rPr lang="en-US" sz="1400" b="1" dirty="0" err="1">
+                <a:solidFill>
+                  <a:schemeClr val="tx1"/>
+                </a:solidFill>
+                <a:latin typeface="Courier New" panose="02070309020205020404" pitchFamily="49" charset="0"/>
+                <a:cs typeface="Courier New" panose="02070309020205020404" pitchFamily="49" charset="0"/>
+              </a:rPr>
+              <a:t>bisect_left</a:t>
+            </a:r>
+            <a:r>
+              <a:rPr lang="en-US" sz="1400" b="1" dirty="0">
+                <a:solidFill>
+                  <a:schemeClr val="tx1"/>
+                </a:solidFill>
+                <a:latin typeface="Courier New" panose="02070309020205020404" pitchFamily="49" charset="0"/>
+                <a:cs typeface="Courier New" panose="02070309020205020404" pitchFamily="49" charset="0"/>
+              </a:rPr>
+              <a:t>(L, 7)</a:t>
+            </a:r>
+            <a:endParaRPr lang="en-US" sz="1400" dirty="0"/>
+          </a:p>
+        </p:txBody>
+      </p:sp>
+      <p:cxnSp>
+        <p:nvCxnSpPr>
+          <p:cNvPr id="17" name="Straight Arrow Connector 16">
+            <a:extLst>
+              <a:ext uri="{FF2B5EF4-FFF2-40B4-BE49-F238E27FC236}">
+                <a16:creationId xmlns:a16="http://schemas.microsoft.com/office/drawing/2014/main" id="{87A7AE90-EA3B-A87C-0BB3-AEE4A06077F9}"/>
+              </a:ext>
+            </a:extLst>
+          </p:cNvPr>
+          <p:cNvCxnSpPr>
+            <a:cxnSpLocks/>
+          </p:cNvCxnSpPr>
+          <p:nvPr/>
+        </p:nvCxnSpPr>
+        <p:spPr>
+          <a:xfrm>
+            <a:off x="5663605" y="5485197"/>
+            <a:ext cx="0" cy="289003"/>
+          </a:xfrm>
+          <a:prstGeom prst="straightConnector1">
+            <a:avLst/>
+          </a:prstGeom>
+          <a:ln>
+            <a:solidFill>
+              <a:schemeClr val="tx1"/>
+            </a:solidFill>
+            <a:tailEnd type="triangle"/>
+          </a:ln>
+        </p:spPr>
+        <p:style>
+          <a:lnRef idx="1">
+            <a:schemeClr val="accent1"/>
+          </a:lnRef>
+          <a:fillRef idx="0">
+            <a:schemeClr val="accent1"/>
+          </a:fillRef>
+          <a:effectRef idx="0">
+            <a:schemeClr val="accent1"/>
+          </a:effectRef>
+          <a:fontRef idx="minor">
+            <a:schemeClr val="tx1"/>
+          </a:fontRef>
+        </p:style>
+      </p:cxnSp>
+      <p:sp>
+        <p:nvSpPr>
+          <p:cNvPr id="18" name="TextBox 17">
+            <a:extLst>
+              <a:ext uri="{FF2B5EF4-FFF2-40B4-BE49-F238E27FC236}">
+                <a16:creationId xmlns:a16="http://schemas.microsoft.com/office/drawing/2014/main" id="{7C55346A-44F9-5112-9FB0-154AD01DE983}"/>
+              </a:ext>
+            </a:extLst>
+          </p:cNvPr>
+          <p:cNvSpPr txBox="1"/>
+          <p:nvPr/>
+        </p:nvSpPr>
+        <p:spPr>
+          <a:xfrm>
+            <a:off x="4556496" y="5149467"/>
+            <a:ext cx="3047998" cy="307777"/>
+          </a:xfrm>
+          <a:prstGeom prst="rect">
+            <a:avLst/>
+          </a:prstGeom>
+          <a:noFill/>
+        </p:spPr>
+        <p:txBody>
+          <a:bodyPr wrap="square">
+            <a:spAutoFit/>
+          </a:bodyPr>
+          <a:lstStyle/>
+          <a:p>
+            <a:r>
+              <a:rPr lang="en-US" sz="1400" b="1" dirty="0" err="1">
+                <a:solidFill>
+                  <a:schemeClr val="tx1"/>
+                </a:solidFill>
+                <a:latin typeface="Courier New" panose="02070309020205020404" pitchFamily="49" charset="0"/>
+                <a:cs typeface="Courier New" panose="02070309020205020404" pitchFamily="49" charset="0"/>
+              </a:rPr>
+              <a:t>bisect_</a:t>
+            </a:r>
+            <a:r>
+              <a:rPr lang="en-US" sz="1400" b="1" dirty="0" err="1">
+                <a:latin typeface="Courier New" panose="02070309020205020404" pitchFamily="49" charset="0"/>
+                <a:cs typeface="Courier New" panose="02070309020205020404" pitchFamily="49" charset="0"/>
+              </a:rPr>
+              <a:t>right</a:t>
+            </a:r>
+            <a:r>
+              <a:rPr lang="en-US" sz="1400" b="1" dirty="0">
+                <a:solidFill>
+                  <a:schemeClr val="tx1"/>
+                </a:solidFill>
+                <a:latin typeface="Courier New" panose="02070309020205020404" pitchFamily="49" charset="0"/>
+                <a:cs typeface="Courier New" panose="02070309020205020404" pitchFamily="49" charset="0"/>
+              </a:rPr>
+              <a:t>(L, 7)</a:t>
+            </a:r>
+            <a:endParaRPr lang="en-US" sz="1400" dirty="0"/>
+          </a:p>
+        </p:txBody>
+      </p:sp>
+      <p:sp>
+        <p:nvSpPr>
+          <p:cNvPr id="20" name="TextBox 19">
+            <a:extLst>
+              <a:ext uri="{FF2B5EF4-FFF2-40B4-BE49-F238E27FC236}">
+                <a16:creationId xmlns:a16="http://schemas.microsoft.com/office/drawing/2014/main" id="{E9240245-F323-65AC-AC86-6ABC0D8422D1}"/>
+              </a:ext>
+            </a:extLst>
+          </p:cNvPr>
+          <p:cNvSpPr txBox="1"/>
+          <p:nvPr/>
+        </p:nvSpPr>
+        <p:spPr>
+          <a:xfrm>
+            <a:off x="6982179" y="5149467"/>
+            <a:ext cx="4761495" cy="307777"/>
+          </a:xfrm>
+          <a:prstGeom prst="rect">
+            <a:avLst/>
+          </a:prstGeom>
+          <a:noFill/>
+        </p:spPr>
+        <p:txBody>
+          <a:bodyPr wrap="square">
+            <a:spAutoFit/>
+          </a:bodyPr>
+          <a:lstStyle/>
+          <a:p>
+            <a:r>
+              <a:rPr lang="en-US" sz="1400" b="1" dirty="0" err="1">
+                <a:solidFill>
+                  <a:schemeClr val="tx1"/>
+                </a:solidFill>
+                <a:latin typeface="Courier New" panose="02070309020205020404" pitchFamily="49" charset="0"/>
+                <a:cs typeface="Courier New" panose="02070309020205020404" pitchFamily="49" charset="0"/>
+              </a:rPr>
+              <a:t>bisect_left</a:t>
+            </a:r>
+            <a:r>
+              <a:rPr lang="en-US" sz="1400" b="1" dirty="0">
+                <a:solidFill>
+                  <a:schemeClr val="tx1"/>
+                </a:solidFill>
+                <a:latin typeface="Courier New" panose="02070309020205020404" pitchFamily="49" charset="0"/>
+                <a:cs typeface="Courier New" panose="02070309020205020404" pitchFamily="49" charset="0"/>
+              </a:rPr>
+              <a:t>(L, 14) = </a:t>
+            </a:r>
+            <a:r>
+              <a:rPr lang="en-US" sz="1400" b="1" dirty="0" err="1">
+                <a:solidFill>
+                  <a:schemeClr val="tx1"/>
+                </a:solidFill>
+                <a:latin typeface="Courier New" panose="02070309020205020404" pitchFamily="49" charset="0"/>
+                <a:cs typeface="Courier New" panose="02070309020205020404" pitchFamily="49" charset="0"/>
+              </a:rPr>
+              <a:t>bisect_</a:t>
+            </a:r>
+            <a:r>
+              <a:rPr lang="en-US" sz="1400" b="1" dirty="0" err="1">
+                <a:latin typeface="Courier New" panose="02070309020205020404" pitchFamily="49" charset="0"/>
+                <a:cs typeface="Courier New" panose="02070309020205020404" pitchFamily="49" charset="0"/>
+              </a:rPr>
+              <a:t>right</a:t>
+            </a:r>
+            <a:r>
+              <a:rPr lang="en-US" sz="1400" b="1" dirty="0">
+                <a:solidFill>
+                  <a:schemeClr val="tx1"/>
+                </a:solidFill>
+                <a:latin typeface="Courier New" panose="02070309020205020404" pitchFamily="49" charset="0"/>
+                <a:cs typeface="Courier New" panose="02070309020205020404" pitchFamily="49" charset="0"/>
+              </a:rPr>
+              <a:t>(L, 14)</a:t>
+            </a:r>
+            <a:endParaRPr lang="en-US" sz="1400" dirty="0"/>
+          </a:p>
+        </p:txBody>
+      </p:sp>
+      <p:cxnSp>
+        <p:nvCxnSpPr>
+          <p:cNvPr id="27" name="Straight Arrow Connector 26">
+            <a:extLst>
+              <a:ext uri="{FF2B5EF4-FFF2-40B4-BE49-F238E27FC236}">
+                <a16:creationId xmlns:a16="http://schemas.microsoft.com/office/drawing/2014/main" id="{CB8FBD1D-9C9D-9B7F-346A-48CEDA043D18}"/>
+              </a:ext>
+            </a:extLst>
+          </p:cNvPr>
+          <p:cNvCxnSpPr>
+            <a:cxnSpLocks/>
+          </p:cNvCxnSpPr>
+          <p:nvPr/>
+        </p:nvCxnSpPr>
+        <p:spPr>
+          <a:xfrm>
+            <a:off x="7609595" y="5485196"/>
+            <a:ext cx="0" cy="289003"/>
+          </a:xfrm>
+          <a:prstGeom prst="straightConnector1">
+            <a:avLst/>
+          </a:prstGeom>
+          <a:ln>
+            <a:solidFill>
+              <a:schemeClr val="tx1"/>
+            </a:solidFill>
+            <a:tailEnd type="triangle"/>
+          </a:ln>
+        </p:spPr>
+        <p:style>
+          <a:lnRef idx="1">
+            <a:schemeClr val="accent1"/>
+          </a:lnRef>
+          <a:fillRef idx="0">
+            <a:schemeClr val="accent1"/>
+          </a:fillRef>
+          <a:effectRef idx="0">
+            <a:schemeClr val="accent1"/>
+          </a:effectRef>
+          <a:fontRef idx="minor">
+            <a:schemeClr val="tx1"/>
+          </a:fontRef>
+        </p:style>
+      </p:cxnSp>
+    </p:spTree>
+    <p:extLst>
+      <p:ext uri="{BB962C8B-B14F-4D97-AF65-F5344CB8AC3E}">
+        <p14:creationId xmlns:p14="http://schemas.microsoft.com/office/powerpoint/2010/main" val="2077438254"/>
+      </p:ext>
+    </p:extLst>
+  </p:cSld>
+  <p:clrMapOvr>
+    <a:masterClrMapping/>
+  </p:clrMapOvr>
+</p:sld>
+</file>
+
+<file path=ppt/slides/slide16.xml><?xml version="1.0" encoding="utf-8"?>
+<p:sld xmlns:a="http://schemas.openxmlformats.org/drawingml/2006/main" xmlns:r="http://schemas.openxmlformats.org/officeDocument/2006/relationships" xmlns:p="http://schemas.openxmlformats.org/presentationml/2006/main">
+  <p:cSld>
+    <p:spTree>
+      <p:nvGrpSpPr>
+        <p:cNvPr id="1" name=""/>
+        <p:cNvGrpSpPr/>
+        <p:nvPr/>
+      </p:nvGrpSpPr>
+      <p:grpSpPr>
+        <a:xfrm>
+          <a:off x="0" y="0"/>
+          <a:ext cx="0" cy="0"/>
+          <a:chOff x="0" y="0"/>
+          <a:chExt cx="0" cy="0"/>
+        </a:xfrm>
+      </p:grpSpPr>
+      <p:sp>
+        <p:nvSpPr>
           <p:cNvPr id="2" name="Title 1"/>
           <p:cNvSpPr>
             <a:spLocks noGrp="1"/>

--- a/ipsa/slides/control.pptx
+++ b/ipsa/slides/control.pptx
@@ -130,14 +130,6 @@
 </p:presentation>
 </file>
 
-<file path=ppt/revisionInfo.xml><?xml version="1.0" encoding="utf-8"?>
-<p1510:revInfo xmlns:a="http://schemas.openxmlformats.org/drawingml/2006/main" xmlns:r="http://schemas.openxmlformats.org/officeDocument/2006/relationships" xmlns:p1510="http://schemas.microsoft.com/office/powerpoint/2015/10/main">
-  <p1510:revLst>
-    <p1510:client id="{5A202A9A-287B-44F3-8939-D04FF8059D66}" v="74" dt="2024-12-18T12:19:05.196"/>
-  </p1510:revLst>
-</p1510:revInfo>
-</file>
-
 <file path=ppt/changesInfos/changesInfo1.xml><?xml version="1.0" encoding="utf-8"?>
 <pc:chgInfo xmlns:a="http://schemas.openxmlformats.org/drawingml/2006/main" xmlns:r="http://schemas.openxmlformats.org/officeDocument/2006/relationships" xmlns:ac="http://schemas.microsoft.com/office/drawing/2013/main/command" xmlns:pc="http://schemas.microsoft.com/office/powerpoint/2013/main/command">
   <pc:docChgLst>
@@ -153,142 +145,6 @@
           <pc:docMk/>
           <pc:sldMk cId="2077438254" sldId="391"/>
         </pc:sldMkLst>
-        <pc:spChg chg="mod">
-          <ac:chgData name="Gerth Stølting Brodal" userId="04ef4784-6591-4f86-a140-f5c3b108582a" providerId="ADAL" clId="{5A202A9A-287B-44F3-8939-D04FF8059D66}" dt="2024-12-18T10:37:03.340" v="682" actId="1076"/>
-          <ac:spMkLst>
-            <pc:docMk/>
-            <pc:sldMk cId="2077438254" sldId="391"/>
-            <ac:spMk id="2" creationId="{5C6EB888-E169-9745-52B4-AD4A7CA428B9}"/>
-          </ac:spMkLst>
-        </pc:spChg>
-        <pc:spChg chg="mod">
-          <ac:chgData name="Gerth Stølting Brodal" userId="04ef4784-6591-4f86-a140-f5c3b108582a" providerId="ADAL" clId="{5A202A9A-287B-44F3-8939-D04FF8059D66}" dt="2024-12-18T12:19:05.196" v="1107" actId="20577"/>
-          <ac:spMkLst>
-            <pc:docMk/>
-            <pc:sldMk cId="2077438254" sldId="391"/>
-            <ac:spMk id="3" creationId="{5FB15087-8789-1E86-2833-C8282CE6B5C3}"/>
-          </ac:spMkLst>
-        </pc:spChg>
-        <pc:spChg chg="add del">
-          <ac:chgData name="Gerth Stølting Brodal" userId="04ef4784-6591-4f86-a140-f5c3b108582a" providerId="ADAL" clId="{5A202A9A-287B-44F3-8939-D04FF8059D66}" dt="2024-12-18T09:50:06.799" v="46" actId="22"/>
-          <ac:spMkLst>
-            <pc:docMk/>
-            <pc:sldMk cId="2077438254" sldId="391"/>
-            <ac:spMk id="5" creationId="{4078411E-7EB8-3EBE-A75F-F84C69775554}"/>
-          </ac:spMkLst>
-        </pc:spChg>
-        <pc:spChg chg="add del">
-          <ac:chgData name="Gerth Stølting Brodal" userId="04ef4784-6591-4f86-a140-f5c3b108582a" providerId="ADAL" clId="{5A202A9A-287B-44F3-8939-D04FF8059D66}" dt="2024-12-18T09:50:12.552" v="48" actId="22"/>
-          <ac:spMkLst>
-            <pc:docMk/>
-            <pc:sldMk cId="2077438254" sldId="391"/>
-            <ac:spMk id="7" creationId="{A10005A3-F78B-E48F-76CC-32F9F7E61750}"/>
-          </ac:spMkLst>
-        </pc:spChg>
-        <pc:spChg chg="add del">
-          <ac:chgData name="Gerth Stølting Brodal" userId="04ef4784-6591-4f86-a140-f5c3b108582a" providerId="ADAL" clId="{5A202A9A-287B-44F3-8939-D04FF8059D66}" dt="2024-12-18T10:00:31.344" v="52" actId="22"/>
-          <ac:spMkLst>
-            <pc:docMk/>
-            <pc:sldMk cId="2077438254" sldId="391"/>
-            <ac:spMk id="10" creationId="{1FFE8BE3-2FBA-9DDA-35D9-6F14F88BAEA3}"/>
-          </ac:spMkLst>
-        </pc:spChg>
-        <pc:spChg chg="add mod">
-          <ac:chgData name="Gerth Stølting Brodal" userId="04ef4784-6591-4f86-a140-f5c3b108582a" providerId="ADAL" clId="{5A202A9A-287B-44F3-8939-D04FF8059D66}" dt="2024-12-18T10:16:07.992" v="455" actId="1037"/>
-          <ac:spMkLst>
-            <pc:docMk/>
-            <pc:sldMk cId="2077438254" sldId="391"/>
-            <ac:spMk id="16" creationId="{B8A4B65A-06D7-11D9-1B7D-08BC26E2352F}"/>
-          </ac:spMkLst>
-        </pc:spChg>
-        <pc:spChg chg="add mod">
-          <ac:chgData name="Gerth Stølting Brodal" userId="04ef4784-6591-4f86-a140-f5c3b108582a" providerId="ADAL" clId="{5A202A9A-287B-44F3-8939-D04FF8059D66}" dt="2024-12-18T10:16:07.992" v="455" actId="1037"/>
-          <ac:spMkLst>
-            <pc:docMk/>
-            <pc:sldMk cId="2077438254" sldId="391"/>
-            <ac:spMk id="18" creationId="{7C55346A-44F9-5112-9FB0-154AD01DE983}"/>
-          </ac:spMkLst>
-        </pc:spChg>
-        <pc:spChg chg="add mod">
-          <ac:chgData name="Gerth Stølting Brodal" userId="04ef4784-6591-4f86-a140-f5c3b108582a" providerId="ADAL" clId="{5A202A9A-287B-44F3-8939-D04FF8059D66}" dt="2024-12-18T10:16:07.992" v="455" actId="1037"/>
-          <ac:spMkLst>
-            <pc:docMk/>
-            <pc:sldMk cId="2077438254" sldId="391"/>
-            <ac:spMk id="20" creationId="{E9240245-F323-65AC-AC86-6ABC0D8422D1}"/>
-          </ac:spMkLst>
-        </pc:spChg>
-        <pc:spChg chg="add del mod">
-          <ac:chgData name="Gerth Stølting Brodal" userId="04ef4784-6591-4f86-a140-f5c3b108582a" providerId="ADAL" clId="{5A202A9A-287B-44F3-8939-D04FF8059D66}" dt="2024-12-18T10:14:37.781" v="357"/>
-          <ac:spMkLst>
-            <pc:docMk/>
-            <pc:sldMk cId="2077438254" sldId="391"/>
-            <ac:spMk id="22" creationId="{080BE306-A0CA-F0C5-5BEB-35E207745AEF}"/>
-          </ac:spMkLst>
-        </pc:spChg>
-        <pc:graphicFrameChg chg="add del mod">
-          <ac:chgData name="Gerth Stølting Brodal" userId="04ef4784-6591-4f86-a140-f5c3b108582a" providerId="ADAL" clId="{5A202A9A-287B-44F3-8939-D04FF8059D66}" dt="2024-12-18T10:03:52.120" v="60" actId="478"/>
-          <ac:graphicFrameMkLst>
-            <pc:docMk/>
-            <pc:sldMk cId="2077438254" sldId="391"/>
-            <ac:graphicFrameMk id="8" creationId="{34443A8D-BD34-EE6B-EC7B-F183B4047FC9}"/>
-          </ac:graphicFrameMkLst>
-        </pc:graphicFrameChg>
-        <pc:graphicFrameChg chg="add mod modGraphic">
-          <ac:chgData name="Gerth Stølting Brodal" userId="04ef4784-6591-4f86-a140-f5c3b108582a" providerId="ADAL" clId="{5A202A9A-287B-44F3-8939-D04FF8059D66}" dt="2024-12-18T12:18:15.192" v="1105" actId="1076"/>
-          <ac:graphicFrameMkLst>
-            <pc:docMk/>
-            <pc:sldMk cId="2077438254" sldId="391"/>
-            <ac:graphicFrameMk id="11" creationId="{02F531C8-5154-8ABB-8F78-8E20CC705335}"/>
-          </ac:graphicFrameMkLst>
-        </pc:graphicFrameChg>
-        <pc:graphicFrameChg chg="add mod modGraphic">
-          <ac:chgData name="Gerth Stølting Brodal" userId="04ef4784-6591-4f86-a140-f5c3b108582a" providerId="ADAL" clId="{5A202A9A-287B-44F3-8939-D04FF8059D66}" dt="2024-12-18T10:16:07.992" v="455" actId="1037"/>
-          <ac:graphicFrameMkLst>
-            <pc:docMk/>
-            <pc:sldMk cId="2077438254" sldId="391"/>
-            <ac:graphicFrameMk id="12" creationId="{49CAE249-0CFD-66AD-BC65-DF4033B6C043}"/>
-          </ac:graphicFrameMkLst>
-        </pc:graphicFrameChg>
-        <pc:cxnChg chg="add mod">
-          <ac:chgData name="Gerth Stølting Brodal" userId="04ef4784-6591-4f86-a140-f5c3b108582a" providerId="ADAL" clId="{5A202A9A-287B-44F3-8939-D04FF8059D66}" dt="2024-12-18T10:16:07.992" v="455" actId="1037"/>
-          <ac:cxnSpMkLst>
-            <pc:docMk/>
-            <pc:sldMk cId="2077438254" sldId="391"/>
-            <ac:cxnSpMk id="13" creationId="{97508C72-EE9D-4F7B-EE7A-E2EE4DA95A02}"/>
-          </ac:cxnSpMkLst>
-        </pc:cxnChg>
-        <pc:cxnChg chg="add mod">
-          <ac:chgData name="Gerth Stølting Brodal" userId="04ef4784-6591-4f86-a140-f5c3b108582a" providerId="ADAL" clId="{5A202A9A-287B-44F3-8939-D04FF8059D66}" dt="2024-12-18T10:17:03.185" v="476" actId="1038"/>
-          <ac:cxnSpMkLst>
-            <pc:docMk/>
-            <pc:sldMk cId="2077438254" sldId="391"/>
-            <ac:cxnSpMk id="17" creationId="{87A7AE90-EA3B-A87C-0BB3-AEE4A06077F9}"/>
-          </ac:cxnSpMkLst>
-        </pc:cxnChg>
-        <pc:cxnChg chg="add del mod">
-          <ac:chgData name="Gerth Stølting Brodal" userId="04ef4784-6591-4f86-a140-f5c3b108582a" providerId="ADAL" clId="{5A202A9A-287B-44F3-8939-D04FF8059D66}" dt="2024-12-18T10:13:55.628" v="327" actId="478"/>
-          <ac:cxnSpMkLst>
-            <pc:docMk/>
-            <pc:sldMk cId="2077438254" sldId="391"/>
-            <ac:cxnSpMk id="19" creationId="{BF3FDE3F-E802-A55A-FB1C-4B6470676F35}"/>
-          </ac:cxnSpMkLst>
-        </pc:cxnChg>
-        <pc:cxnChg chg="add del mod">
-          <ac:chgData name="Gerth Stølting Brodal" userId="04ef4784-6591-4f86-a140-f5c3b108582a" providerId="ADAL" clId="{5A202A9A-287B-44F3-8939-D04FF8059D66}" dt="2024-12-18T10:13:52.235" v="326" actId="478"/>
-          <ac:cxnSpMkLst>
-            <pc:docMk/>
-            <pc:sldMk cId="2077438254" sldId="391"/>
-            <ac:cxnSpMk id="21" creationId="{F73B2160-9FFE-FDDE-99AB-87D14440282E}"/>
-          </ac:cxnSpMkLst>
-        </pc:cxnChg>
-        <pc:cxnChg chg="add mod">
-          <ac:chgData name="Gerth Stølting Brodal" userId="04ef4784-6591-4f86-a140-f5c3b108582a" providerId="ADAL" clId="{5A202A9A-287B-44F3-8939-D04FF8059D66}" dt="2024-12-18T10:16:07.992" v="455" actId="1037"/>
-          <ac:cxnSpMkLst>
-            <pc:docMk/>
-            <pc:sldMk cId="2077438254" sldId="391"/>
-            <ac:cxnSpMk id="27" creationId="{CB8FBD1D-9C9D-9B7F-346A-48CEDA043D18}"/>
-          </ac:cxnSpMkLst>
-        </pc:cxnChg>
       </pc:sldChg>
     </pc:docChg>
   </pc:docChgLst>
@@ -319,6 +175,30 @@
           <pc:docMk/>
           <pc:sldMk cId="2572527049" sldId="388"/>
         </pc:sldMkLst>
+      </pc:sldChg>
+    </pc:docChg>
+  </pc:docChgLst>
+  <pc:docChgLst>
+    <pc:chgData name="Gerth Stølting Brodal" userId="04ef4784-6591-4f86-a140-f5c3b108582a" providerId="ADAL" clId="{27124F44-A0F7-408A-AA2B-2C5136C1DC06}"/>
+    <pc:docChg chg="modSld">
+      <pc:chgData name="Gerth Stølting Brodal" userId="04ef4784-6591-4f86-a140-f5c3b108582a" providerId="ADAL" clId="{27124F44-A0F7-408A-AA2B-2C5136C1DC06}" dt="2025-10-27T18:12:39.264" v="1" actId="962"/>
+      <pc:docMkLst>
+        <pc:docMk/>
+      </pc:docMkLst>
+      <pc:sldChg chg="modSp mod">
+        <pc:chgData name="Gerth Stølting Brodal" userId="04ef4784-6591-4f86-a140-f5c3b108582a" providerId="ADAL" clId="{27124F44-A0F7-408A-AA2B-2C5136C1DC06}" dt="2025-10-27T18:12:39.264" v="1" actId="962"/>
+        <pc:sldMkLst>
+          <pc:docMk/>
+          <pc:sldMk cId="4014275231" sldId="384"/>
+        </pc:sldMkLst>
+        <pc:spChg chg="mod">
+          <ac:chgData name="Gerth Stølting Brodal" userId="04ef4784-6591-4f86-a140-f5c3b108582a" providerId="ADAL" clId="{27124F44-A0F7-408A-AA2B-2C5136C1DC06}" dt="2025-10-27T18:12:39.264" v="1" actId="962"/>
+          <ac:spMkLst>
+            <pc:docMk/>
+            <pc:sldMk cId="4014275231" sldId="384"/>
+            <ac:spMk id="5" creationId="{00000000-0000-0000-0000-000000000000}"/>
+          </ac:spMkLst>
+        </pc:spChg>
       </pc:sldChg>
     </pc:docChg>
   </pc:docChgLst>
@@ -488,7 +368,7 @@
           <a:p>
             <a:fld id="{FB1A172F-81D4-4DC4-9113-1DBD56EC3646}" type="datetimeFigureOut">
               <a:rPr lang="en-US" smtClean="0"/>
-              <a:t>12/18/2024</a:t>
+              <a:t>10/27/2025</a:t>
             </a:fld>
             <a:endParaRPr lang="en-US"/>
           </a:p>
@@ -2244,7 +2124,7 @@
           <a:p>
             <a:fld id="{0560A9CD-0304-4E0B-9E82-E7E0115DE05B}" type="datetimeFigureOut">
               <a:rPr lang="en-US" smtClean="0"/>
-              <a:t>12/18/2024</a:t>
+              <a:t>10/27/2025</a:t>
             </a:fld>
             <a:endParaRPr lang="en-US"/>
           </a:p>
@@ -2412,7 +2292,7 @@
           <a:p>
             <a:fld id="{0560A9CD-0304-4E0B-9E82-E7E0115DE05B}" type="datetimeFigureOut">
               <a:rPr lang="en-US" smtClean="0"/>
-              <a:t>12/18/2024</a:t>
+              <a:t>10/27/2025</a:t>
             </a:fld>
             <a:endParaRPr lang="en-US"/>
           </a:p>
@@ -2590,7 +2470,7 @@
           <a:p>
             <a:fld id="{0560A9CD-0304-4E0B-9E82-E7E0115DE05B}" type="datetimeFigureOut">
               <a:rPr lang="en-US" smtClean="0"/>
-              <a:t>12/18/2024</a:t>
+              <a:t>10/27/2025</a:t>
             </a:fld>
             <a:endParaRPr lang="en-US"/>
           </a:p>
@@ -2767,7 +2647,7 @@
           <a:p>
             <a:fld id="{0560A9CD-0304-4E0B-9E82-E7E0115DE05B}" type="datetimeFigureOut">
               <a:rPr lang="en-US" smtClean="0"/>
-              <a:t>12/18/2024</a:t>
+              <a:t>10/27/2025</a:t>
             </a:fld>
             <a:endParaRPr lang="en-US"/>
           </a:p>
@@ -3012,7 +2892,7 @@
           <a:p>
             <a:fld id="{0560A9CD-0304-4E0B-9E82-E7E0115DE05B}" type="datetimeFigureOut">
               <a:rPr lang="en-US" smtClean="0"/>
-              <a:t>12/18/2024</a:t>
+              <a:t>10/27/2025</a:t>
             </a:fld>
             <a:endParaRPr lang="en-US"/>
           </a:p>
@@ -3241,7 +3121,7 @@
           <a:p>
             <a:fld id="{0560A9CD-0304-4E0B-9E82-E7E0115DE05B}" type="datetimeFigureOut">
               <a:rPr lang="en-US" smtClean="0"/>
-              <a:t>12/18/2024</a:t>
+              <a:t>10/27/2025</a:t>
             </a:fld>
             <a:endParaRPr lang="en-US"/>
           </a:p>
@@ -3605,7 +3485,7 @@
           <a:p>
             <a:fld id="{0560A9CD-0304-4E0B-9E82-E7E0115DE05B}" type="datetimeFigureOut">
               <a:rPr lang="en-US" smtClean="0"/>
-              <a:t>12/18/2024</a:t>
+              <a:t>10/27/2025</a:t>
             </a:fld>
             <a:endParaRPr lang="en-US"/>
           </a:p>
@@ -3722,7 +3602,7 @@
           <a:p>
             <a:fld id="{0560A9CD-0304-4E0B-9E82-E7E0115DE05B}" type="datetimeFigureOut">
               <a:rPr lang="en-US" smtClean="0"/>
-              <a:t>12/18/2024</a:t>
+              <a:t>10/27/2025</a:t>
             </a:fld>
             <a:endParaRPr lang="en-US"/>
           </a:p>
@@ -3817,7 +3697,7 @@
           <a:p>
             <a:fld id="{0560A9CD-0304-4E0B-9E82-E7E0115DE05B}" type="datetimeFigureOut">
               <a:rPr lang="en-US" smtClean="0"/>
-              <a:t>12/18/2024</a:t>
+              <a:t>10/27/2025</a:t>
             </a:fld>
             <a:endParaRPr lang="en-US"/>
           </a:p>
@@ -4092,7 +3972,7 @@
           <a:p>
             <a:fld id="{0560A9CD-0304-4E0B-9E82-E7E0115DE05B}" type="datetimeFigureOut">
               <a:rPr lang="en-US" smtClean="0"/>
-              <a:t>12/18/2024</a:t>
+              <a:t>10/27/2025</a:t>
             </a:fld>
             <a:endParaRPr lang="en-US"/>
           </a:p>
@@ -4344,7 +4224,7 @@
           <a:p>
             <a:fld id="{0560A9CD-0304-4E0B-9E82-E7E0115DE05B}" type="datetimeFigureOut">
               <a:rPr lang="en-US" smtClean="0"/>
-              <a:t>12/18/2024</a:t>
+              <a:t>10/27/2025</a:t>
             </a:fld>
             <a:endParaRPr lang="en-US"/>
           </a:p>
@@ -4555,7 +4435,7 @@
           <a:p>
             <a:fld id="{0560A9CD-0304-4E0B-9E82-E7E0115DE05B}" type="datetimeFigureOut">
               <a:rPr lang="en-US" smtClean="0"/>
-              <a:t>12/18/2024</a:t>
+              <a:t>10/27/2025</a:t>
             </a:fld>
             <a:endParaRPr lang="en-US"/>
           </a:p>
@@ -24697,7 +24577,7 @@
       </p:sp>
       <p:sp>
         <p:nvSpPr>
-          <p:cNvPr id="5" name="Smiley Face 4"/>
+          <p:cNvPr id="5" name="Smiley Face 4" descr="QuizAnswer"/>
           <p:cNvSpPr/>
           <p:nvPr/>
         </p:nvSpPr>

--- a/ipsa/slides/control.pptx
+++ b/ipsa/slides/control.pptx
@@ -133,153 +133,34 @@
 <file path=ppt/changesInfos/changesInfo1.xml><?xml version="1.0" encoding="utf-8"?>
 <pc:chgInfo xmlns:a="http://schemas.openxmlformats.org/drawingml/2006/main" xmlns:r="http://schemas.openxmlformats.org/officeDocument/2006/relationships" xmlns:ac="http://schemas.microsoft.com/office/drawing/2013/main/command" xmlns:pc="http://schemas.microsoft.com/office/powerpoint/2013/main/command">
   <pc:docChgLst>
-    <pc:chgData name="Gerth Stølting Brodal" userId="04ef4784-6591-4f86-a140-f5c3b108582a" providerId="ADAL" clId="{5A202A9A-287B-44F3-8939-D04FF8059D66}"/>
-    <pc:docChg chg="undo custSel addSld modSld">
-      <pc:chgData name="Gerth Stølting Brodal" userId="04ef4784-6591-4f86-a140-f5c3b108582a" providerId="ADAL" clId="{5A202A9A-287B-44F3-8939-D04FF8059D66}" dt="2024-12-18T12:19:05.196" v="1107" actId="20577"/>
-      <pc:docMkLst>
-        <pc:docMk/>
-      </pc:docMkLst>
-      <pc:sldChg chg="addSp delSp modSp new mod modAnim modNotesTx">
-        <pc:chgData name="Gerth Stølting Brodal" userId="04ef4784-6591-4f86-a140-f5c3b108582a" providerId="ADAL" clId="{5A202A9A-287B-44F3-8939-D04FF8059D66}" dt="2024-12-18T12:19:05.196" v="1107" actId="20577"/>
-        <pc:sldMkLst>
-          <pc:docMk/>
-          <pc:sldMk cId="2077438254" sldId="391"/>
-        </pc:sldMkLst>
-      </pc:sldChg>
-    </pc:docChg>
-  </pc:docChgLst>
-  <pc:docChgLst>
-    <pc:chgData name="Gerth Stølting Brodal" userId="04ef4784-6591-4f86-a140-f5c3b108582a" providerId="ADAL" clId="{CCA6BA44-85D7-4E34-A506-D12B36546E3D}"/>
+    <pc:chgData name="Gerth Stølting Brodal" userId="04ef4784-6591-4f86-a140-f5c3b108582a" providerId="ADAL" clId="{E3FB3D3F-03A2-4D0F-876D-930F74083705}"/>
     <pc:docChg chg="modSld">
-      <pc:chgData name="Gerth Stølting Brodal" userId="04ef4784-6591-4f86-a140-f5c3b108582a" providerId="ADAL" clId="{CCA6BA44-85D7-4E34-A506-D12B36546E3D}" dt="2023-02-06T07:15:19.333" v="57" actId="20577"/>
+      <pc:chgData name="Gerth Stølting Brodal" userId="04ef4784-6591-4f86-a140-f5c3b108582a" providerId="ADAL" clId="{E3FB3D3F-03A2-4D0F-876D-930F74083705}" dt="2026-01-28T07:59:36.755" v="1" actId="14100"/>
       <pc:docMkLst>
         <pc:docMk/>
       </pc:docMkLst>
       <pc:sldChg chg="modSp mod">
-        <pc:chgData name="Gerth Stølting Brodal" userId="04ef4784-6591-4f86-a140-f5c3b108582a" providerId="ADAL" clId="{CCA6BA44-85D7-4E34-A506-D12B36546E3D}" dt="2023-02-06T06:50:16.540" v="46" actId="1037"/>
-        <pc:sldMkLst>
-          <pc:docMk/>
-          <pc:sldMk cId="328472895" sldId="380"/>
-        </pc:sldMkLst>
-      </pc:sldChg>
-      <pc:sldChg chg="modSp mod">
-        <pc:chgData name="Gerth Stølting Brodal" userId="04ef4784-6591-4f86-a140-f5c3b108582a" providerId="ADAL" clId="{CCA6BA44-85D7-4E34-A506-D12B36546E3D}" dt="2023-02-06T06:48:18.531" v="1" actId="20577"/>
-        <pc:sldMkLst>
-          <pc:docMk/>
-          <pc:sldMk cId="1756381776" sldId="383"/>
-        </pc:sldMkLst>
-      </pc:sldChg>
-      <pc:sldChg chg="modSp">
-        <pc:chgData name="Gerth Stølting Brodal" userId="04ef4784-6591-4f86-a140-f5c3b108582a" providerId="ADAL" clId="{CCA6BA44-85D7-4E34-A506-D12B36546E3D}" dt="2023-02-06T07:15:19.333" v="57" actId="20577"/>
-        <pc:sldMkLst>
-          <pc:docMk/>
-          <pc:sldMk cId="2572527049" sldId="388"/>
-        </pc:sldMkLst>
-      </pc:sldChg>
-    </pc:docChg>
-  </pc:docChgLst>
-  <pc:docChgLst>
-    <pc:chgData name="Gerth Stølting Brodal" userId="04ef4784-6591-4f86-a140-f5c3b108582a" providerId="ADAL" clId="{27124F44-A0F7-408A-AA2B-2C5136C1DC06}"/>
-    <pc:docChg chg="modSld">
-      <pc:chgData name="Gerth Stølting Brodal" userId="04ef4784-6591-4f86-a140-f5c3b108582a" providerId="ADAL" clId="{27124F44-A0F7-408A-AA2B-2C5136C1DC06}" dt="2025-10-27T18:12:39.264" v="1" actId="962"/>
-      <pc:docMkLst>
-        <pc:docMk/>
-      </pc:docMkLst>
-      <pc:sldChg chg="modSp mod">
-        <pc:chgData name="Gerth Stølting Brodal" userId="04ef4784-6591-4f86-a140-f5c3b108582a" providerId="ADAL" clId="{27124F44-A0F7-408A-AA2B-2C5136C1DC06}" dt="2025-10-27T18:12:39.264" v="1" actId="962"/>
-        <pc:sldMkLst>
-          <pc:docMk/>
-          <pc:sldMk cId="4014275231" sldId="384"/>
-        </pc:sldMkLst>
-        <pc:spChg chg="mod">
-          <ac:chgData name="Gerth Stølting Brodal" userId="04ef4784-6591-4f86-a140-f5c3b108582a" providerId="ADAL" clId="{27124F44-A0F7-408A-AA2B-2C5136C1DC06}" dt="2025-10-27T18:12:39.264" v="1" actId="962"/>
-          <ac:spMkLst>
-            <pc:docMk/>
-            <pc:sldMk cId="4014275231" sldId="384"/>
-            <ac:spMk id="5" creationId="{00000000-0000-0000-0000-000000000000}"/>
-          </ac:spMkLst>
-        </pc:spChg>
-      </pc:sldChg>
-    </pc:docChg>
-  </pc:docChgLst>
-  <pc:docChgLst>
-    <pc:chgData name="Gerth Stølting Brodal" userId="04ef4784-6591-4f86-a140-f5c3b108582a" providerId="ADAL" clId="{DDB2EBFE-BE9D-478D-B155-AD8F8F2B5AB2}"/>
-    <pc:docChg chg="undo custSel addSld modSld">
-      <pc:chgData name="Gerth Stølting Brodal" userId="04ef4784-6591-4f86-a140-f5c3b108582a" providerId="ADAL" clId="{DDB2EBFE-BE9D-478D-B155-AD8F8F2B5AB2}" dt="2024-02-05T08:07:34.012" v="327" actId="554"/>
-      <pc:docMkLst>
-        <pc:docMk/>
-      </pc:docMkLst>
-      <pc:sldChg chg="modSp modNotesTx">
-        <pc:chgData name="Gerth Stølting Brodal" userId="04ef4784-6591-4f86-a140-f5c3b108582a" providerId="ADAL" clId="{DDB2EBFE-BE9D-478D-B155-AD8F8F2B5AB2}" dt="2024-01-30T12:44:22.812" v="87" actId="313"/>
-        <pc:sldMkLst>
-          <pc:docMk/>
-          <pc:sldMk cId="973870306" sldId="273"/>
-        </pc:sldMkLst>
-      </pc:sldChg>
-      <pc:sldChg chg="modNotesTx">
-        <pc:chgData name="Gerth Stølting Brodal" userId="04ef4784-6591-4f86-a140-f5c3b108582a" providerId="ADAL" clId="{DDB2EBFE-BE9D-478D-B155-AD8F8F2B5AB2}" dt="2024-02-05T08:02:32.535" v="147" actId="20577"/>
-        <pc:sldMkLst>
-          <pc:docMk/>
-          <pc:sldMk cId="959264993" sldId="291"/>
-        </pc:sldMkLst>
-      </pc:sldChg>
-      <pc:sldChg chg="modNotesTx">
-        <pc:chgData name="Gerth Stølting Brodal" userId="04ef4784-6591-4f86-a140-f5c3b108582a" providerId="ADAL" clId="{DDB2EBFE-BE9D-478D-B155-AD8F8F2B5AB2}" dt="2024-01-30T12:38:31.484" v="15" actId="113"/>
+        <pc:chgData name="Gerth Stølting Brodal" userId="04ef4784-6591-4f86-a140-f5c3b108582a" providerId="ADAL" clId="{E3FB3D3F-03A2-4D0F-876D-930F74083705}" dt="2026-01-28T07:59:36.755" v="1" actId="14100"/>
         <pc:sldMkLst>
           <pc:docMk/>
           <pc:sldMk cId="1044916503" sldId="382"/>
         </pc:sldMkLst>
-      </pc:sldChg>
-      <pc:sldChg chg="addSp modSp new mod">
-        <pc:chgData name="Gerth Stølting Brodal" userId="04ef4784-6591-4f86-a140-f5c3b108582a" providerId="ADAL" clId="{DDB2EBFE-BE9D-478D-B155-AD8F8F2B5AB2}" dt="2024-02-05T08:07:34.012" v="327" actId="554"/>
-        <pc:sldMkLst>
-          <pc:docMk/>
-          <pc:sldMk cId="2353739137" sldId="390"/>
-        </pc:sldMkLst>
-      </pc:sldChg>
-    </pc:docChg>
-  </pc:docChgLst>
-  <pc:docChgLst>
-    <pc:chgData name="Gerth Stølting Brodal" userId="04ef4784-6591-4f86-a140-f5c3b108582a" providerId="ADAL" clId="{2FC3BC44-7AD5-499A-9E6F-BCA215DBF3B1}"/>
-    <pc:docChg chg="undo custSel addSld modSld">
-      <pc:chgData name="Gerth Stølting Brodal" userId="04ef4784-6591-4f86-a140-f5c3b108582a" providerId="ADAL" clId="{2FC3BC44-7AD5-499A-9E6F-BCA215DBF3B1}" dt="2022-02-07T07:21:44.250" v="328" actId="20577"/>
-      <pc:docMkLst>
-        <pc:docMk/>
-      </pc:docMkLst>
-      <pc:sldChg chg="modNotesTx">
-        <pc:chgData name="Gerth Stølting Brodal" userId="04ef4784-6591-4f86-a140-f5c3b108582a" providerId="ADAL" clId="{2FC3BC44-7AD5-499A-9E6F-BCA215DBF3B1}" dt="2022-02-06T09:36:12.106" v="106" actId="20577"/>
-        <pc:sldMkLst>
-          <pc:docMk/>
-          <pc:sldMk cId="973870306" sldId="273"/>
-        </pc:sldMkLst>
-      </pc:sldChg>
-      <pc:sldChg chg="modSp mod">
-        <pc:chgData name="Gerth Stølting Brodal" userId="04ef4784-6591-4f86-a140-f5c3b108582a" providerId="ADAL" clId="{2FC3BC44-7AD5-499A-9E6F-BCA215DBF3B1}" dt="2022-02-07T07:21:44.250" v="328" actId="20577"/>
-        <pc:sldMkLst>
-          <pc:docMk/>
-          <pc:sldMk cId="959264993" sldId="291"/>
-        </pc:sldMkLst>
-      </pc:sldChg>
-      <pc:sldChg chg="modNotesTx">
-        <pc:chgData name="Gerth Stølting Brodal" userId="04ef4784-6591-4f86-a140-f5c3b108582a" providerId="ADAL" clId="{2FC3BC44-7AD5-499A-9E6F-BCA215DBF3B1}" dt="2022-02-06T09:16:42.150" v="95" actId="20577"/>
-        <pc:sldMkLst>
-          <pc:docMk/>
-          <pc:sldMk cId="328472895" sldId="380"/>
-        </pc:sldMkLst>
-      </pc:sldChg>
-      <pc:sldChg chg="modNotesTx">
-        <pc:chgData name="Gerth Stølting Brodal" userId="04ef4784-6591-4f86-a140-f5c3b108582a" providerId="ADAL" clId="{2FC3BC44-7AD5-499A-9E6F-BCA215DBF3B1}" dt="2022-02-06T09:59:36.827" v="307" actId="20577"/>
-        <pc:sldMkLst>
-          <pc:docMk/>
-          <pc:sldMk cId="2643494481" sldId="386"/>
-        </pc:sldMkLst>
-      </pc:sldChg>
-      <pc:sldChg chg="addSp delSp modSp new mod modAnim">
-        <pc:chgData name="Gerth Stølting Brodal" userId="04ef4784-6591-4f86-a140-f5c3b108582a" providerId="ADAL" clId="{2FC3BC44-7AD5-499A-9E6F-BCA215DBF3B1}" dt="2022-02-06T09:47:54.447" v="217" actId="20577"/>
-        <pc:sldMkLst>
-          <pc:docMk/>
-          <pc:sldMk cId="795770451" sldId="389"/>
-        </pc:sldMkLst>
+        <pc:spChg chg="mod">
+          <ac:chgData name="Gerth Stølting Brodal" userId="04ef4784-6591-4f86-a140-f5c3b108582a" providerId="ADAL" clId="{E3FB3D3F-03A2-4D0F-876D-930F74083705}" dt="2026-01-28T07:59:36.755" v="1" actId="14100"/>
+          <ac:spMkLst>
+            <pc:docMk/>
+            <pc:sldMk cId="1044916503" sldId="382"/>
+            <ac:spMk id="4" creationId="{00000000-0000-0000-0000-000000000000}"/>
+          </ac:spMkLst>
+        </pc:spChg>
+        <pc:spChg chg="mod">
+          <ac:chgData name="Gerth Stølting Brodal" userId="04ef4784-6591-4f86-a140-f5c3b108582a" providerId="ADAL" clId="{E3FB3D3F-03A2-4D0F-876D-930F74083705}" dt="2026-01-28T07:59:28.084" v="0" actId="14100"/>
+          <ac:spMkLst>
+            <pc:docMk/>
+            <pc:sldMk cId="1044916503" sldId="382"/>
+            <ac:spMk id="10" creationId="{00000000-0000-0000-0000-000000000000}"/>
+          </ac:spMkLst>
+        </pc:spChg>
       </pc:sldChg>
     </pc:docChg>
   </pc:docChgLst>
@@ -368,7 +249,7 @@
           <a:p>
             <a:fld id="{FB1A172F-81D4-4DC4-9113-1DBD56EC3646}" type="datetimeFigureOut">
               <a:rPr lang="en-US" smtClean="0"/>
-              <a:t>10/27/2025</a:t>
+              <a:t>1/28/2026</a:t>
             </a:fld>
             <a:endParaRPr lang="en-US"/>
           </a:p>
@@ -2124,7 +2005,7 @@
           <a:p>
             <a:fld id="{0560A9CD-0304-4E0B-9E82-E7E0115DE05B}" type="datetimeFigureOut">
               <a:rPr lang="en-US" smtClean="0"/>
-              <a:t>10/27/2025</a:t>
+              <a:t>1/28/2026</a:t>
             </a:fld>
             <a:endParaRPr lang="en-US"/>
           </a:p>
@@ -2292,7 +2173,7 @@
           <a:p>
             <a:fld id="{0560A9CD-0304-4E0B-9E82-E7E0115DE05B}" type="datetimeFigureOut">
               <a:rPr lang="en-US" smtClean="0"/>
-              <a:t>10/27/2025</a:t>
+              <a:t>1/28/2026</a:t>
             </a:fld>
             <a:endParaRPr lang="en-US"/>
           </a:p>
@@ -2470,7 +2351,7 @@
           <a:p>
             <a:fld id="{0560A9CD-0304-4E0B-9E82-E7E0115DE05B}" type="datetimeFigureOut">
               <a:rPr lang="en-US" smtClean="0"/>
-              <a:t>10/27/2025</a:t>
+              <a:t>1/28/2026</a:t>
             </a:fld>
             <a:endParaRPr lang="en-US"/>
           </a:p>
@@ -2647,7 +2528,7 @@
           <a:p>
             <a:fld id="{0560A9CD-0304-4E0B-9E82-E7E0115DE05B}" type="datetimeFigureOut">
               <a:rPr lang="en-US" smtClean="0"/>
-              <a:t>10/27/2025</a:t>
+              <a:t>1/28/2026</a:t>
             </a:fld>
             <a:endParaRPr lang="en-US"/>
           </a:p>
@@ -2892,7 +2773,7 @@
           <a:p>
             <a:fld id="{0560A9CD-0304-4E0B-9E82-E7E0115DE05B}" type="datetimeFigureOut">
               <a:rPr lang="en-US" smtClean="0"/>
-              <a:t>10/27/2025</a:t>
+              <a:t>1/28/2026</a:t>
             </a:fld>
             <a:endParaRPr lang="en-US"/>
           </a:p>
@@ -3121,7 +3002,7 @@
           <a:p>
             <a:fld id="{0560A9CD-0304-4E0B-9E82-E7E0115DE05B}" type="datetimeFigureOut">
               <a:rPr lang="en-US" smtClean="0"/>
-              <a:t>10/27/2025</a:t>
+              <a:t>1/28/2026</a:t>
             </a:fld>
             <a:endParaRPr lang="en-US"/>
           </a:p>
@@ -3485,7 +3366,7 @@
           <a:p>
             <a:fld id="{0560A9CD-0304-4E0B-9E82-E7E0115DE05B}" type="datetimeFigureOut">
               <a:rPr lang="en-US" smtClean="0"/>
-              <a:t>10/27/2025</a:t>
+              <a:t>1/28/2026</a:t>
             </a:fld>
             <a:endParaRPr lang="en-US"/>
           </a:p>
@@ -3602,7 +3483,7 @@
           <a:p>
             <a:fld id="{0560A9CD-0304-4E0B-9E82-E7E0115DE05B}" type="datetimeFigureOut">
               <a:rPr lang="en-US" smtClean="0"/>
-              <a:t>10/27/2025</a:t>
+              <a:t>1/28/2026</a:t>
             </a:fld>
             <a:endParaRPr lang="en-US"/>
           </a:p>
@@ -3697,7 +3578,7 @@
           <a:p>
             <a:fld id="{0560A9CD-0304-4E0B-9E82-E7E0115DE05B}" type="datetimeFigureOut">
               <a:rPr lang="en-US" smtClean="0"/>
-              <a:t>10/27/2025</a:t>
+              <a:t>1/28/2026</a:t>
             </a:fld>
             <a:endParaRPr lang="en-US"/>
           </a:p>
@@ -3972,7 +3853,7 @@
           <a:p>
             <a:fld id="{0560A9CD-0304-4E0B-9E82-E7E0115DE05B}" type="datetimeFigureOut">
               <a:rPr lang="en-US" smtClean="0"/>
-              <a:t>10/27/2025</a:t>
+              <a:t>1/28/2026</a:t>
             </a:fld>
             <a:endParaRPr lang="en-US"/>
           </a:p>
@@ -4224,7 +4105,7 @@
           <a:p>
             <a:fld id="{0560A9CD-0304-4E0B-9E82-E7E0115DE05B}" type="datetimeFigureOut">
               <a:rPr lang="en-US" smtClean="0"/>
-              <a:t>10/27/2025</a:t>
+              <a:t>1/28/2026</a:t>
             </a:fld>
             <a:endParaRPr lang="en-US"/>
           </a:p>
@@ -4435,7 +4316,7 @@
           <a:p>
             <a:fld id="{0560A9CD-0304-4E0B-9E82-E7E0115DE05B}" type="datetimeFigureOut">
               <a:rPr lang="en-US" smtClean="0"/>
-              <a:t>10/27/2025</a:t>
+              <a:t>1/28/2026</a:t>
             </a:fld>
             <a:endParaRPr lang="en-US"/>
           </a:p>
@@ -20533,7 +20414,10 @@
             <a:ext cx="83128" cy="1104406"/>
           </a:xfrm>
           <a:prstGeom prst="leftBrace">
-            <a:avLst/>
+            <a:avLst>
+              <a:gd name="adj1" fmla="val 44618"/>
+              <a:gd name="adj2" fmla="val 50000"/>
+            </a:avLst>
           </a:prstGeom>
           <a:ln>
             <a:solidFill>
@@ -20610,7 +20494,10 @@
             <a:ext cx="83128" cy="1131732"/>
           </a:xfrm>
           <a:prstGeom prst="leftBrace">
-            <a:avLst/>
+            <a:avLst>
+              <a:gd name="adj1" fmla="val 48437"/>
+              <a:gd name="adj2" fmla="val 50000"/>
+            </a:avLst>
           </a:prstGeom>
           <a:ln>
             <a:solidFill>

--- a/ipsa/slides/control.pptx
+++ b/ipsa/slides/control.pptx
@@ -130,21 +130,52 @@
 </p:presentation>
 </file>
 
+<file path=ppt/revisionInfo.xml><?xml version="1.0" encoding="utf-8"?>
+<p1510:revInfo xmlns:a="http://schemas.openxmlformats.org/drawingml/2006/main" xmlns:r="http://schemas.openxmlformats.org/officeDocument/2006/relationships" xmlns:p1510="http://schemas.microsoft.com/office/powerpoint/2015/10/main">
+  <p1510:revLst>
+    <p1510:client id="{79A94E59-62B0-4242-B6E2-68FEC6042103}" v="2" dt="2026-02-01T22:48:50.172"/>
+  </p1510:revLst>
+</p1510:revInfo>
+</file>
+
 <file path=ppt/changesInfos/changesInfo1.xml><?xml version="1.0" encoding="utf-8"?>
 <pc:chgInfo xmlns:a="http://schemas.openxmlformats.org/drawingml/2006/main" xmlns:r="http://schemas.openxmlformats.org/officeDocument/2006/relationships" xmlns:ac="http://schemas.microsoft.com/office/drawing/2013/main/command" xmlns:pc="http://schemas.microsoft.com/office/powerpoint/2013/main/command">
   <pc:docChgLst>
     <pc:chgData name="Gerth Stølting Brodal" userId="04ef4784-6591-4f86-a140-f5c3b108582a" providerId="ADAL" clId="{E3FB3D3F-03A2-4D0F-876D-930F74083705}"/>
-    <pc:docChg chg="modSld">
-      <pc:chgData name="Gerth Stølting Brodal" userId="04ef4784-6591-4f86-a140-f5c3b108582a" providerId="ADAL" clId="{E3FB3D3F-03A2-4D0F-876D-930F74083705}" dt="2026-01-28T07:59:36.755" v="1" actId="14100"/>
+    <pc:docChg chg="undo custSel modSld">
+      <pc:chgData name="Gerth Stølting Brodal" userId="04ef4784-6591-4f86-a140-f5c3b108582a" providerId="ADAL" clId="{E3FB3D3F-03A2-4D0F-876D-930F74083705}" dt="2026-02-01T22:48:50.172" v="70" actId="20577"/>
       <pc:docMkLst>
         <pc:docMk/>
       </pc:docMkLst>
       <pc:sldChg chg="modSp mod">
-        <pc:chgData name="Gerth Stølting Brodal" userId="04ef4784-6591-4f86-a140-f5c3b108582a" providerId="ADAL" clId="{E3FB3D3F-03A2-4D0F-876D-930F74083705}" dt="2026-01-28T07:59:36.755" v="1" actId="14100"/>
+        <pc:chgData name="Gerth Stølting Brodal" userId="04ef4784-6591-4f86-a140-f5c3b108582a" providerId="ADAL" clId="{E3FB3D3F-03A2-4D0F-876D-930F74083705}" dt="2026-02-01T22:16:37.039" v="44" actId="20577"/>
+        <pc:sldMkLst>
+          <pc:docMk/>
+          <pc:sldMk cId="959264993" sldId="291"/>
+        </pc:sldMkLst>
+        <pc:spChg chg="mod">
+          <ac:chgData name="Gerth Stølting Brodal" userId="04ef4784-6591-4f86-a140-f5c3b108582a" providerId="ADAL" clId="{E3FB3D3F-03A2-4D0F-876D-930F74083705}" dt="2026-02-01T22:16:37.039" v="44" actId="20577"/>
+          <ac:spMkLst>
+            <pc:docMk/>
+            <pc:sldMk cId="959264993" sldId="291"/>
+            <ac:spMk id="3" creationId="{00000000-0000-0000-0000-000000000000}"/>
+          </ac:spMkLst>
+        </pc:spChg>
+      </pc:sldChg>
+      <pc:sldChg chg="modSp mod">
+        <pc:chgData name="Gerth Stølting Brodal" userId="04ef4784-6591-4f86-a140-f5c3b108582a" providerId="ADAL" clId="{E3FB3D3F-03A2-4D0F-876D-930F74083705}" dt="2026-02-01T22:17:31.627" v="67" actId="6549"/>
         <pc:sldMkLst>
           <pc:docMk/>
           <pc:sldMk cId="1044916503" sldId="382"/>
         </pc:sldMkLst>
+        <pc:spChg chg="mod">
+          <ac:chgData name="Gerth Stølting Brodal" userId="04ef4784-6591-4f86-a140-f5c3b108582a" providerId="ADAL" clId="{E3FB3D3F-03A2-4D0F-876D-930F74083705}" dt="2026-02-01T22:17:31.627" v="67" actId="6549"/>
+          <ac:spMkLst>
+            <pc:docMk/>
+            <pc:sldMk cId="1044916503" sldId="382"/>
+            <ac:spMk id="3" creationId="{00000000-0000-0000-0000-000000000000}"/>
+          </ac:spMkLst>
+        </pc:spChg>
         <pc:spChg chg="mod">
           <ac:chgData name="Gerth Stølting Brodal" userId="04ef4784-6591-4f86-a140-f5c3b108582a" providerId="ADAL" clId="{E3FB3D3F-03A2-4D0F-876D-930F74083705}" dt="2026-01-28T07:59:36.755" v="1" actId="14100"/>
           <ac:spMkLst>
@@ -159,6 +190,36 @@
             <pc:docMk/>
             <pc:sldMk cId="1044916503" sldId="382"/>
             <ac:spMk id="10" creationId="{00000000-0000-0000-0000-000000000000}"/>
+          </ac:spMkLst>
+        </pc:spChg>
+      </pc:sldChg>
+      <pc:sldChg chg="modSp mod modNotesTx">
+        <pc:chgData name="Gerth Stølting Brodal" userId="04ef4784-6591-4f86-a140-f5c3b108582a" providerId="ADAL" clId="{E3FB3D3F-03A2-4D0F-876D-930F74083705}" dt="2026-02-01T22:14:59.384" v="42" actId="20577"/>
+        <pc:sldMkLst>
+          <pc:docMk/>
+          <pc:sldMk cId="1756381776" sldId="383"/>
+        </pc:sldMkLst>
+        <pc:graphicFrameChg chg="modGraphic">
+          <ac:chgData name="Gerth Stølting Brodal" userId="04ef4784-6591-4f86-a140-f5c3b108582a" providerId="ADAL" clId="{E3FB3D3F-03A2-4D0F-876D-930F74083705}" dt="2026-02-01T22:14:59.384" v="42" actId="20577"/>
+          <ac:graphicFrameMkLst>
+            <pc:docMk/>
+            <pc:sldMk cId="1756381776" sldId="383"/>
+            <ac:graphicFrameMk id="5" creationId="{00000000-0000-0000-0000-000000000000}"/>
+          </ac:graphicFrameMkLst>
+        </pc:graphicFrameChg>
+      </pc:sldChg>
+      <pc:sldChg chg="modSp mod">
+        <pc:chgData name="Gerth Stølting Brodal" userId="04ef4784-6591-4f86-a140-f5c3b108582a" providerId="ADAL" clId="{E3FB3D3F-03A2-4D0F-876D-930F74083705}" dt="2026-02-01T22:48:50.172" v="70" actId="20577"/>
+        <pc:sldMkLst>
+          <pc:docMk/>
+          <pc:sldMk cId="3996646950" sldId="387"/>
+        </pc:sldMkLst>
+        <pc:spChg chg="mod">
+          <ac:chgData name="Gerth Stølting Brodal" userId="04ef4784-6591-4f86-a140-f5c3b108582a" providerId="ADAL" clId="{E3FB3D3F-03A2-4D0F-876D-930F74083705}" dt="2026-02-01T22:48:50.172" v="70" actId="20577"/>
+          <ac:spMkLst>
+            <pc:docMk/>
+            <pc:sldMk cId="3996646950" sldId="387"/>
+            <ac:spMk id="3" creationId="{00000000-0000-0000-0000-000000000000}"/>
           </ac:spMkLst>
         </pc:spChg>
       </pc:sldChg>
@@ -249,7 +310,7 @@
           <a:p>
             <a:fld id="{FB1A172F-81D4-4DC4-9113-1DBD56EC3646}" type="datetimeFigureOut">
               <a:rPr lang="en-US" smtClean="0"/>
-              <a:t>1/28/2026</a:t>
+              <a:t>2/1/2026</a:t>
             </a:fld>
             <a:endParaRPr lang="en-US"/>
           </a:p>
@@ -561,58 +622,10 @@
           <a:lstStyle/>
           <a:p>
             <a:r>
-              <a:rPr lang="da-DK" dirty="0" err="1"/>
-              <a:t>Example</a:t>
-            </a:r>
-            <a:r>
-              <a:rPr lang="da-DK" dirty="0"/>
-              <a:t>: ”</a:t>
-            </a:r>
-            <a:r>
-              <a:rPr lang="da-DK" dirty="0" err="1"/>
-              <a:t>code</a:t>
-            </a:r>
-            <a:r>
-              <a:rPr lang="da-DK" dirty="0"/>
-              <a:t> </a:t>
-            </a:r>
-            <a:r>
-              <a:rPr lang="da-DK" dirty="0" err="1"/>
-              <a:t>before</a:t>
-            </a:r>
-            <a:r>
-              <a:rPr lang="da-DK" dirty="0"/>
-              <a:t>” = ask user for an </a:t>
-            </a:r>
-            <a:r>
-              <a:rPr lang="da-DK" dirty="0" err="1"/>
-              <a:t>integer</a:t>
-            </a:r>
-            <a:r>
-              <a:rPr lang="da-DK" dirty="0"/>
-              <a:t>, print </a:t>
-            </a:r>
-            <a:r>
-              <a:rPr lang="da-DK" dirty="0" err="1"/>
-              <a:t>if</a:t>
-            </a:r>
-            <a:r>
-              <a:rPr lang="da-DK" dirty="0"/>
-              <a:t> it is </a:t>
-            </a:r>
-            <a:r>
-              <a:rPr lang="da-DK" dirty="0" err="1"/>
-              <a:t>even</a:t>
-            </a:r>
-            <a:r>
-              <a:rPr lang="da-DK" dirty="0"/>
-              <a:t> or </a:t>
-            </a:r>
-            <a:r>
-              <a:rPr lang="da-DK" dirty="0" err="1"/>
-              <a:t>odd</a:t>
-            </a:r>
-            <a:endParaRPr lang="da-DK" dirty="0"/>
+              <a:rPr lang="en-US" dirty="0"/>
+              <a:t>Donald Duck first occurred 1934</a:t>
+            </a:r>
+            <a:endParaRPr lang="en-DK" dirty="0"/>
           </a:p>
         </p:txBody>
       </p:sp>
@@ -633,7 +646,7 @@
           <a:p>
             <a:fld id="{CD563DD8-32AB-41BE-B1C6-8EAC45222ACE}" type="slidenum">
               <a:rPr lang="en-US" smtClean="0"/>
-              <a:t>3</a:t>
+              <a:t>2</a:t>
             </a:fld>
             <a:endParaRPr lang="en-US"/>
           </a:p>
@@ -642,7 +655,213 @@
     </p:spTree>
     <p:extLst>
       <p:ext uri="{BB962C8B-B14F-4D97-AF65-F5344CB8AC3E}">
-        <p14:creationId xmlns:p14="http://schemas.microsoft.com/office/powerpoint/2010/main" val="3548475439"/>
+        <p14:creationId xmlns:p14="http://schemas.microsoft.com/office/powerpoint/2010/main" val="1469531214"/>
+      </p:ext>
+    </p:extLst>
+  </p:cSld>
+  <p:clrMapOvr>
+    <a:masterClrMapping/>
+  </p:clrMapOvr>
+</p:notes>
+</file>
+
+<file path=ppt/notesSlides/notesSlide10.xml><?xml version="1.0" encoding="utf-8"?>
+<p:notes xmlns:a="http://schemas.openxmlformats.org/drawingml/2006/main" xmlns:r="http://schemas.openxmlformats.org/officeDocument/2006/relationships" xmlns:p="http://schemas.openxmlformats.org/presentationml/2006/main">
+  <p:cSld>
+    <p:spTree>
+      <p:nvGrpSpPr>
+        <p:cNvPr id="1" name=""/>
+        <p:cNvGrpSpPr/>
+        <p:nvPr/>
+      </p:nvGrpSpPr>
+      <p:grpSpPr>
+        <a:xfrm>
+          <a:off x="0" y="0"/>
+          <a:ext cx="0" cy="0"/>
+          <a:chOff x="0" y="0"/>
+          <a:chExt cx="0" cy="0"/>
+        </a:xfrm>
+      </p:grpSpPr>
+      <p:sp>
+        <p:nvSpPr>
+          <p:cNvPr id="2" name="Slide Image Placeholder 1"/>
+          <p:cNvSpPr>
+            <a:spLocks noGrp="1" noRot="1" noChangeAspect="1"/>
+          </p:cNvSpPr>
+          <p:nvPr>
+            <p:ph type="sldImg"/>
+          </p:nvPr>
+        </p:nvSpPr>
+        <p:spPr/>
+      </p:sp>
+      <p:sp>
+        <p:nvSpPr>
+          <p:cNvPr id="3" name="Notes Placeholder 2"/>
+          <p:cNvSpPr>
+            <a:spLocks noGrp="1"/>
+          </p:cNvSpPr>
+          <p:nvPr>
+            <p:ph type="body" idx="1"/>
+          </p:nvPr>
+        </p:nvSpPr>
+        <p:spPr/>
+        <p:txBody>
+          <a:bodyPr/>
+          <a:lstStyle/>
+          <a:p>
+            <a:r>
+              <a:rPr lang="en-US" dirty="0"/>
+              <a:t>Run</a:t>
+            </a:r>
+            <a:r>
+              <a:rPr lang="en-US" baseline="0" dirty="0"/>
+              <a:t> </a:t>
+            </a:r>
+            <a:r>
+              <a:rPr lang="en-US" b="1" baseline="0" dirty="0">
+                <a:solidFill>
+                  <a:srgbClr val="FF0000"/>
+                </a:solidFill>
+              </a:rPr>
+              <a:t>newton-visualization.py </a:t>
+            </a:r>
+            <a:r>
+              <a:rPr lang="en-US" b="0" baseline="0" dirty="0">
+                <a:solidFill>
+                  <a:srgbClr val="FF0000"/>
+                </a:solidFill>
+              </a:rPr>
+              <a:t>to show animation of 1/n and </a:t>
+            </a:r>
+            <a:r>
+              <a:rPr lang="en-US" b="0" baseline="0" dirty="0" err="1">
+                <a:solidFill>
+                  <a:srgbClr val="FF0000"/>
+                </a:solidFill>
+              </a:rPr>
+              <a:t>sqrt</a:t>
+            </a:r>
+            <a:r>
+              <a:rPr lang="en-US" b="0" baseline="0" dirty="0">
+                <a:solidFill>
+                  <a:srgbClr val="FF0000"/>
+                </a:solidFill>
+              </a:rPr>
+              <a:t>(n). To compute </a:t>
+            </a:r>
+            <a:r>
+              <a:rPr lang="en-US" b="0" baseline="0" dirty="0" err="1">
+                <a:solidFill>
+                  <a:srgbClr val="FF0000"/>
+                </a:solidFill>
+              </a:rPr>
+              <a:t>sqrt</a:t>
+            </a:r>
+            <a:r>
+              <a:rPr lang="en-US" b="0" baseline="0" dirty="0">
+                <a:solidFill>
+                  <a:srgbClr val="FF0000"/>
+                </a:solidFill>
+              </a:rPr>
+              <a:t>(n) is an exercise.</a:t>
+            </a:r>
+            <a:endParaRPr lang="en-US" b="1" dirty="0">
+              <a:solidFill>
+                <a:srgbClr val="FF0000"/>
+              </a:solidFill>
+            </a:endParaRPr>
+          </a:p>
+          <a:p>
+            <a:endParaRPr lang="en-US" dirty="0"/>
+          </a:p>
+          <a:p>
+            <a:r>
+              <a:rPr lang="en-US" dirty="0"/>
+              <a:t>x = 0.6 generates a different</a:t>
+            </a:r>
+            <a:r>
+              <a:rPr lang="en-US" baseline="0" dirty="0"/>
+              <a:t> result than Python computes 1 / 0.6</a:t>
+            </a:r>
+            <a:endParaRPr lang="en-US" dirty="0"/>
+          </a:p>
+          <a:p>
+            <a:endParaRPr lang="en-US" dirty="0"/>
+          </a:p>
+          <a:p>
+            <a:r>
+              <a:rPr lang="en-US" dirty="0"/>
+              <a:t>Code only works for x &lt;= 1 (otherwise</a:t>
+            </a:r>
+            <a:r>
+              <a:rPr lang="en-US" baseline="0" dirty="0"/>
+              <a:t> adjust by powers of two to enforce interval)</a:t>
+            </a:r>
+          </a:p>
+          <a:p>
+            <a:endParaRPr lang="en-US" baseline="0" dirty="0"/>
+          </a:p>
+          <a:p>
+            <a:r>
+              <a:rPr lang="en-US" baseline="0" dirty="0"/>
+              <a:t>Newton-Raphson converges fast, if starting close to the root, and </a:t>
+            </a:r>
+            <a:r>
+              <a:rPr lang="en-US" b="1" baseline="0" dirty="0"/>
+              <a:t>≈ doubles the number of correct digits</a:t>
+            </a:r>
+            <a:r>
+              <a:rPr lang="en-US" baseline="0" dirty="0"/>
+              <a:t> in each iteration, provided some conditions around the root is satisfied</a:t>
+            </a:r>
+          </a:p>
+          <a:p>
+            <a:endParaRPr lang="en-US" baseline="0" dirty="0"/>
+          </a:p>
+          <a:p>
+            <a:r>
+              <a:rPr lang="en-US" baseline="0" dirty="0"/>
+              <a:t>Implementing in hardware, it is crucial to observe that we can increase the numeric precision while running the algorithm, </a:t>
+            </a:r>
+            <a:r>
+              <a:rPr lang="en-US" baseline="0" dirty="0" err="1"/>
+              <a:t>ie</a:t>
+            </a:r>
+            <a:r>
+              <a:rPr lang="en-US" baseline="0" dirty="0"/>
+              <a:t>. the final running time will be dominated by the final iterations</a:t>
+            </a:r>
+            <a:endParaRPr lang="en-US" dirty="0"/>
+          </a:p>
+        </p:txBody>
+      </p:sp>
+      <p:sp>
+        <p:nvSpPr>
+          <p:cNvPr id="4" name="Slide Number Placeholder 3"/>
+          <p:cNvSpPr>
+            <a:spLocks noGrp="1"/>
+          </p:cNvSpPr>
+          <p:nvPr>
+            <p:ph type="sldNum" sz="quarter" idx="10"/>
+          </p:nvPr>
+        </p:nvSpPr>
+        <p:spPr/>
+        <p:txBody>
+          <a:bodyPr/>
+          <a:lstStyle/>
+          <a:p>
+            <a:fld id="{CD563DD8-32AB-41BE-B1C6-8EAC45222ACE}" type="slidenum">
+              <a:rPr lang="en-US" smtClean="0"/>
+              <a:t>16</a:t>
+            </a:fld>
+            <a:endParaRPr lang="en-US"/>
+          </a:p>
+        </p:txBody>
+      </p:sp>
+    </p:spTree>
+    <p:extLst>
+      <p:ext uri="{BB962C8B-B14F-4D97-AF65-F5344CB8AC3E}">
+        <p14:creationId xmlns:p14="http://schemas.microsoft.com/office/powerpoint/2010/main" val="2008603437"/>
       </p:ext>
     </p:extLst>
   </p:cSld>
@@ -696,41 +915,59 @@
           <a:bodyPr/>
           <a:lstStyle/>
           <a:p>
-            <a:pPr marL="0" marR="0" lvl="0" indent="0" algn="l" defTabSz="914400" rtl="0" eaLnBrk="1" fontAlgn="auto" latinLnBrk="0" hangingPunct="1">
-              <a:lnSpc>
-                <a:spcPct val="100000"/>
-              </a:lnSpc>
-              <a:spcBef>
-                <a:spcPts val="0"/>
-              </a:spcBef>
-              <a:spcAft>
-                <a:spcPts val="0"/>
-              </a:spcAft>
-              <a:buClrTx/>
-              <a:buSzTx/>
-              <a:buFontTx/>
-              <a:buNone/>
-              <a:tabLst/>
-              <a:defRPr/>
-            </a:pPr>
-            <a:r>
-              <a:rPr lang="en-US" dirty="0"/>
-              <a:t>Nice thing about Python “if</a:t>
-            </a:r>
-            <a:r>
-              <a:rPr lang="en-US" baseline="0" dirty="0"/>
-              <a:t> x=3:” will give a syntax error, opposed to other languages... like C, C++ &lt;&lt; java???&gt;&gt;</a:t>
-            </a:r>
-            <a:endParaRPr lang="en-US" dirty="0"/>
-          </a:p>
-          <a:p>
-            <a:endParaRPr lang="en-US" dirty="0"/>
-          </a:p>
-          <a:p>
-            <a:r>
-              <a:rPr lang="en-US" b="1" dirty="0"/>
-              <a:t>Remember “:”</a:t>
-            </a:r>
+            <a:r>
+              <a:rPr lang="da-DK" dirty="0" err="1"/>
+              <a:t>Example</a:t>
+            </a:r>
+            <a:r>
+              <a:rPr lang="da-DK" dirty="0"/>
+              <a:t>: ”</a:t>
+            </a:r>
+            <a:r>
+              <a:rPr lang="da-DK" dirty="0" err="1"/>
+              <a:t>code</a:t>
+            </a:r>
+            <a:r>
+              <a:rPr lang="da-DK" dirty="0"/>
+              <a:t> </a:t>
+            </a:r>
+            <a:r>
+              <a:rPr lang="da-DK" dirty="0" err="1"/>
+              <a:t>before</a:t>
+            </a:r>
+            <a:r>
+              <a:rPr lang="da-DK" dirty="0"/>
+              <a:t>” = ask user for an </a:t>
+            </a:r>
+            <a:r>
+              <a:rPr lang="da-DK" dirty="0" err="1"/>
+              <a:t>integer</a:t>
+            </a:r>
+            <a:r>
+              <a:rPr lang="da-DK" dirty="0"/>
+              <a:t>, print </a:t>
+            </a:r>
+            <a:r>
+              <a:rPr lang="da-DK" dirty="0" err="1"/>
+              <a:t>if</a:t>
+            </a:r>
+            <a:r>
+              <a:rPr lang="da-DK" dirty="0"/>
+              <a:t> it is </a:t>
+            </a:r>
+            <a:r>
+              <a:rPr lang="da-DK" dirty="0" err="1"/>
+              <a:t>even</a:t>
+            </a:r>
+            <a:r>
+              <a:rPr lang="da-DK" dirty="0"/>
+              <a:t> or </a:t>
+            </a:r>
+            <a:r>
+              <a:rPr lang="da-DK" dirty="0" err="1"/>
+              <a:t>odd</a:t>
+            </a:r>
+            <a:endParaRPr lang="da-DK" dirty="0"/>
           </a:p>
         </p:txBody>
       </p:sp>
@@ -741,7 +978,7 @@
             <a:spLocks noGrp="1"/>
           </p:cNvSpPr>
           <p:nvPr>
-            <p:ph type="sldNum" sz="quarter" idx="10"/>
+            <p:ph type="sldNum" sz="quarter" idx="5"/>
           </p:nvPr>
         </p:nvSpPr>
         <p:spPr/>
@@ -751,7 +988,7 @@
           <a:p>
             <a:fld id="{CD563DD8-32AB-41BE-B1C6-8EAC45222ACE}" type="slidenum">
               <a:rPr lang="en-US" smtClean="0"/>
-              <a:t>4</a:t>
+              <a:t>3</a:t>
             </a:fld>
             <a:endParaRPr lang="en-US"/>
           </a:p>
@@ -760,7 +997,7 @@
     </p:spTree>
     <p:extLst>
       <p:ext uri="{BB962C8B-B14F-4D97-AF65-F5344CB8AC3E}">
-        <p14:creationId xmlns:p14="http://schemas.microsoft.com/office/powerpoint/2010/main" val="1781718098"/>
+        <p14:creationId xmlns:p14="http://schemas.microsoft.com/office/powerpoint/2010/main" val="3548475439"/>
       </p:ext>
     </p:extLst>
   </p:cSld>
@@ -844,6 +1081,12 @@
           <a:p>
             <a:endParaRPr lang="en-US" dirty="0"/>
           </a:p>
+          <a:p>
+            <a:r>
+              <a:rPr lang="en-US" b="1" dirty="0"/>
+              <a:t>Remember “:”</a:t>
+            </a:r>
+          </a:p>
         </p:txBody>
       </p:sp>
       <p:sp>
@@ -863,7 +1106,7 @@
           <a:p>
             <a:fld id="{CD563DD8-32AB-41BE-B1C6-8EAC45222ACE}" type="slidenum">
               <a:rPr lang="en-US" smtClean="0"/>
-              <a:t>5</a:t>
+              <a:t>4</a:t>
             </a:fld>
             <a:endParaRPr lang="en-US"/>
           </a:p>
@@ -872,7 +1115,7 @@
     </p:spTree>
     <p:extLst>
       <p:ext uri="{BB962C8B-B14F-4D97-AF65-F5344CB8AC3E}">
-        <p14:creationId xmlns:p14="http://schemas.microsoft.com/office/powerpoint/2010/main" val="501124359"/>
+        <p14:creationId xmlns:p14="http://schemas.microsoft.com/office/powerpoint/2010/main" val="1781718098"/>
       </p:ext>
     </p:extLst>
   </p:cSld>
@@ -951,57 +1194,6 @@
               <a:rPr lang="en-US" baseline="0" dirty="0"/>
               <a:t> x=3:” will give a syntax error, opposed to other languages... like C, C++ &lt;&lt; java???&gt;&gt;</a:t>
             </a:r>
-          </a:p>
-          <a:p>
-            <a:pPr marL="0" marR="0" lvl="0" indent="0" algn="l" defTabSz="914400" rtl="0" eaLnBrk="1" fontAlgn="auto" latinLnBrk="0" hangingPunct="1">
-              <a:lnSpc>
-                <a:spcPct val="100000"/>
-              </a:lnSpc>
-              <a:spcBef>
-                <a:spcPts val="0"/>
-              </a:spcBef>
-              <a:spcAft>
-                <a:spcPts val="0"/>
-              </a:spcAft>
-              <a:buClrTx/>
-              <a:buSzTx/>
-              <a:buFontTx/>
-              <a:buNone/>
-              <a:tabLst/>
-              <a:defRPr/>
-            </a:pPr>
-            <a:endParaRPr lang="en-US" baseline="0" dirty="0"/>
-          </a:p>
-          <a:p>
-            <a:pPr marL="0" marR="0" lvl="0" indent="0" algn="l" defTabSz="914400" rtl="0" eaLnBrk="1" fontAlgn="auto" latinLnBrk="0" hangingPunct="1">
-              <a:lnSpc>
-                <a:spcPct val="100000"/>
-              </a:lnSpc>
-              <a:spcBef>
-                <a:spcPts val="0"/>
-              </a:spcBef>
-              <a:spcAft>
-                <a:spcPts val="0"/>
-              </a:spcAft>
-              <a:buClrTx/>
-              <a:buSzTx/>
-              <a:buFontTx/>
-              <a:buNone/>
-              <a:tabLst/>
-              <a:defRPr/>
-            </a:pPr>
-            <a:r>
-              <a:rPr lang="en-US" baseline="0" dirty="0"/>
-              <a:t>Ugly way to write if-</a:t>
-            </a:r>
-            <a:r>
-              <a:rPr lang="en-US" baseline="0" dirty="0" err="1"/>
-              <a:t>elif</a:t>
-            </a:r>
-            <a:r>
-              <a:rPr lang="en-US" baseline="0" dirty="0"/>
-              <a:t> is with nested if statements</a:t>
-            </a:r>
             <a:endParaRPr lang="en-US" dirty="0"/>
           </a:p>
           <a:p>
@@ -1026,7 +1218,7 @@
           <a:p>
             <a:fld id="{CD563DD8-32AB-41BE-B1C6-8EAC45222ACE}" type="slidenum">
               <a:rPr lang="en-US" smtClean="0"/>
-              <a:t>6</a:t>
+              <a:t>5</a:t>
             </a:fld>
             <a:endParaRPr lang="en-US"/>
           </a:p>
@@ -1035,7 +1227,7 @@
     </p:spTree>
     <p:extLst>
       <p:ext uri="{BB962C8B-B14F-4D97-AF65-F5344CB8AC3E}">
-        <p14:creationId xmlns:p14="http://schemas.microsoft.com/office/powerpoint/2010/main" val="4271896687"/>
+        <p14:creationId xmlns:p14="http://schemas.microsoft.com/office/powerpoint/2010/main" val="501124359"/>
       </p:ext>
     </p:extLst>
   </p:cSld>
@@ -1089,63 +1281,85 @@
           <a:bodyPr/>
           <a:lstStyle/>
           <a:p>
+            <a:pPr marL="0" marR="0" lvl="0" indent="0" algn="l" defTabSz="914400" rtl="0" eaLnBrk="1" fontAlgn="auto" latinLnBrk="0" hangingPunct="1">
+              <a:lnSpc>
+                <a:spcPct val="100000"/>
+              </a:lnSpc>
+              <a:spcBef>
+                <a:spcPts val="0"/>
+              </a:spcBef>
+              <a:spcAft>
+                <a:spcPts val="0"/>
+              </a:spcAft>
+              <a:buClrTx/>
+              <a:buSzTx/>
+              <a:buFontTx/>
+              <a:buNone/>
+              <a:tabLst/>
+              <a:defRPr/>
+            </a:pPr>
             <a:r>
               <a:rPr lang="en-US" dirty="0"/>
-              <a:t>Example: y = 1 / x if x != 0 else 0.0</a:t>
-            </a:r>
-          </a:p>
-          <a:p>
+              <a:t>Nice thing about Python “if</a:t>
+            </a:r>
+            <a:r>
+              <a:rPr lang="en-US" baseline="0" dirty="0"/>
+              <a:t> x=3:” will give a syntax error, opposed to other languages... like C, C++ &lt;&lt; java???&gt;&gt;</a:t>
+            </a:r>
+          </a:p>
+          <a:p>
+            <a:pPr marL="0" marR="0" lvl="0" indent="0" algn="l" defTabSz="914400" rtl="0" eaLnBrk="1" fontAlgn="auto" latinLnBrk="0" hangingPunct="1">
+              <a:lnSpc>
+                <a:spcPct val="100000"/>
+              </a:lnSpc>
+              <a:spcBef>
+                <a:spcPts val="0"/>
+              </a:spcBef>
+              <a:spcAft>
+                <a:spcPts val="0"/>
+              </a:spcAft>
+              <a:buClrTx/>
+              <a:buSzTx/>
+              <a:buFontTx/>
+              <a:buNone/>
+              <a:tabLst/>
+              <a:defRPr/>
+            </a:pPr>
+            <a:endParaRPr lang="en-US" baseline="0" dirty="0"/>
+          </a:p>
+          <a:p>
+            <a:pPr marL="0" marR="0" lvl="0" indent="0" algn="l" defTabSz="914400" rtl="0" eaLnBrk="1" fontAlgn="auto" latinLnBrk="0" hangingPunct="1">
+              <a:lnSpc>
+                <a:spcPct val="100000"/>
+              </a:lnSpc>
+              <a:spcBef>
+                <a:spcPts val="0"/>
+              </a:spcBef>
+              <a:spcAft>
+                <a:spcPts val="0"/>
+              </a:spcAft>
+              <a:buClrTx/>
+              <a:buSzTx/>
+              <a:buFontTx/>
+              <a:buNone/>
+              <a:tabLst/>
+              <a:defRPr/>
+            </a:pPr>
+            <a:r>
+              <a:rPr lang="en-US" baseline="0" dirty="0"/>
+              <a:t>Ugly way to write if-</a:t>
+            </a:r>
+            <a:r>
+              <a:rPr lang="en-US" baseline="0" dirty="0" err="1"/>
+              <a:t>elif</a:t>
+            </a:r>
+            <a:r>
+              <a:rPr lang="en-US" baseline="0" dirty="0"/>
+              <a:t> is with nested if statements</a:t>
+            </a:r>
             <a:endParaRPr lang="en-US" dirty="0"/>
           </a:p>
           <a:p>
-            <a:r>
-              <a:rPr lang="en-US" dirty="0"/>
-              <a:t>PEP308: 17 variations were considered, but “</a:t>
-            </a:r>
-            <a:r>
-              <a:rPr lang="da-DK" dirty="0"/>
-              <a:t>Guido van </a:t>
-            </a:r>
-            <a:r>
-              <a:rPr lang="da-DK" dirty="0" err="1"/>
-              <a:t>Rossum</a:t>
-            </a:r>
-            <a:r>
-              <a:rPr lang="da-DK" dirty="0"/>
-              <a:t> </a:t>
-            </a:r>
-            <a:r>
-              <a:rPr lang="da-DK" dirty="0" err="1"/>
-              <a:t>eventually</a:t>
-            </a:r>
-            <a:r>
-              <a:rPr lang="da-DK" dirty="0"/>
-              <a:t> </a:t>
-            </a:r>
-            <a:r>
-              <a:rPr lang="da-DK" dirty="0" err="1"/>
-              <a:t>chose</a:t>
-            </a:r>
-            <a:r>
-              <a:rPr lang="da-DK" dirty="0"/>
-              <a:t> a </a:t>
-            </a:r>
-            <a:r>
-              <a:rPr lang="da-DK" dirty="0" err="1"/>
-              <a:t>surprising</a:t>
-            </a:r>
-            <a:r>
-              <a:rPr lang="da-DK" dirty="0"/>
-              <a:t> </a:t>
-            </a:r>
-            <a:r>
-              <a:rPr lang="da-DK" dirty="0" err="1"/>
-              <a:t>syntax</a:t>
-            </a:r>
-            <a:r>
-              <a:rPr lang="da-DK"/>
-              <a:t>”</a:t>
-            </a:r>
             <a:endParaRPr lang="en-US" dirty="0"/>
           </a:p>
         </p:txBody>
@@ -1167,7 +1381,7 @@
           <a:p>
             <a:fld id="{CD563DD8-32AB-41BE-B1C6-8EAC45222ACE}" type="slidenum">
               <a:rPr lang="en-US" smtClean="0"/>
-              <a:t>11</a:t>
+              <a:t>6</a:t>
             </a:fld>
             <a:endParaRPr lang="en-US"/>
           </a:p>
@@ -1176,7 +1390,7 @@
     </p:spTree>
     <p:extLst>
       <p:ext uri="{BB962C8B-B14F-4D97-AF65-F5344CB8AC3E}">
-        <p14:creationId xmlns:p14="http://schemas.microsoft.com/office/powerpoint/2010/main" val="3099969349"/>
+        <p14:creationId xmlns:p14="http://schemas.microsoft.com/office/powerpoint/2010/main" val="4271896687"/>
       </p:ext>
     </p:extLst>
   </p:cSld>
@@ -1230,51 +1444,63 @@
           <a:bodyPr/>
           <a:lstStyle/>
           <a:p>
-            <a:pPr marL="0" marR="0" lvl="0" indent="0" algn="l" defTabSz="914400" rtl="0" eaLnBrk="1" fontAlgn="auto" latinLnBrk="0" hangingPunct="1">
-              <a:lnSpc>
-                <a:spcPct val="100000"/>
-              </a:lnSpc>
-              <a:spcBef>
-                <a:spcPts val="0"/>
-              </a:spcBef>
-              <a:spcAft>
-                <a:spcPts val="0"/>
-              </a:spcAft>
-              <a:buClrTx/>
-              <a:buSzTx/>
-              <a:buFontTx/>
-              <a:buNone/>
-              <a:tabLst/>
-              <a:defRPr/>
-            </a:pPr>
             <a:r>
               <a:rPr lang="en-US" dirty="0"/>
-              <a:t>Random-pair generates uniformly pairs of integers</a:t>
-            </a:r>
-            <a:r>
-              <a:rPr lang="en-US" baseline="0" dirty="0"/>
-              <a:t> where there is at least one integer in-between.</a:t>
-            </a:r>
+              <a:t>Example: y = 1 / x if x != 0 else 0.0</a:t>
+            </a:r>
+          </a:p>
+          <a:p>
             <a:endParaRPr lang="en-US" dirty="0"/>
           </a:p>
           <a:p>
-            <a:pPr marL="0" marR="0" lvl="0" indent="0" algn="l" defTabSz="914400" rtl="0" eaLnBrk="1" fontAlgn="auto" latinLnBrk="0" hangingPunct="1">
-              <a:lnSpc>
-                <a:spcPct val="100000"/>
-              </a:lnSpc>
-              <a:spcBef>
-                <a:spcPts val="0"/>
-              </a:spcBef>
-              <a:spcAft>
-                <a:spcPts val="0"/>
-              </a:spcAft>
-              <a:buClrTx/>
-              <a:buSzTx/>
-              <a:buFontTx/>
-              <a:buNone/>
-              <a:tabLst/>
-              <a:defRPr/>
-            </a:pPr>
+            <a:r>
+              <a:rPr lang="en-US" dirty="0"/>
+              <a:t>PEP308: 17 variations were considered, but “</a:t>
+            </a:r>
+            <a:r>
+              <a:rPr lang="da-DK" dirty="0"/>
+              <a:t>Guido van </a:t>
+            </a:r>
+            <a:r>
+              <a:rPr lang="da-DK" dirty="0" err="1"/>
+              <a:t>Rossum</a:t>
+            </a:r>
+            <a:r>
+              <a:rPr lang="da-DK" dirty="0"/>
+              <a:t> </a:t>
+            </a:r>
+            <a:r>
+              <a:rPr lang="da-DK" dirty="0" err="1"/>
+              <a:t>eventually</a:t>
+            </a:r>
+            <a:r>
+              <a:rPr lang="da-DK" dirty="0"/>
+              <a:t> </a:t>
+            </a:r>
+            <a:r>
+              <a:rPr lang="da-DK" dirty="0" err="1"/>
+              <a:t>chose</a:t>
+            </a:r>
+            <a:r>
+              <a:rPr lang="da-DK" dirty="0"/>
+              <a:t> a </a:t>
+            </a:r>
+            <a:r>
+              <a:rPr lang="da-DK" dirty="0" err="1"/>
+              <a:t>surprising</a:t>
+            </a:r>
+            <a:r>
+              <a:rPr lang="da-DK" dirty="0"/>
+              <a:t> </a:t>
+            </a:r>
+            <a:r>
+              <a:rPr lang="da-DK" dirty="0" err="1"/>
+              <a:t>syntax</a:t>
+            </a:r>
+            <a:r>
+              <a:rPr lang="da-DK"/>
+              <a:t>”</a:t>
+            </a:r>
             <a:endParaRPr lang="en-US" dirty="0"/>
           </a:p>
         </p:txBody>
@@ -1296,7 +1522,7 @@
           <a:p>
             <a:fld id="{CD563DD8-32AB-41BE-B1C6-8EAC45222ACE}" type="slidenum">
               <a:rPr lang="en-US" smtClean="0"/>
-              <a:t>13</a:t>
+              <a:t>11</a:t>
             </a:fld>
             <a:endParaRPr lang="en-US"/>
           </a:p>
@@ -1305,7 +1531,7 @@
     </p:spTree>
     <p:extLst>
       <p:ext uri="{BB962C8B-B14F-4D97-AF65-F5344CB8AC3E}">
-        <p14:creationId xmlns:p14="http://schemas.microsoft.com/office/powerpoint/2010/main" val="2830863579"/>
+        <p14:creationId xmlns:p14="http://schemas.microsoft.com/office/powerpoint/2010/main" val="3099969349"/>
       </p:ext>
     </p:extLst>
   </p:cSld>
@@ -1359,23 +1585,51 @@
           <a:bodyPr/>
           <a:lstStyle/>
           <a:p>
+            <a:pPr marL="0" marR="0" lvl="0" indent="0" algn="l" defTabSz="914400" rtl="0" eaLnBrk="1" fontAlgn="auto" latinLnBrk="0" hangingPunct="1">
+              <a:lnSpc>
+                <a:spcPct val="100000"/>
+              </a:lnSpc>
+              <a:spcBef>
+                <a:spcPts val="0"/>
+              </a:spcBef>
+              <a:spcAft>
+                <a:spcPts val="0"/>
+              </a:spcAft>
+              <a:buClrTx/>
+              <a:buSzTx/>
+              <a:buFontTx/>
+              <a:buNone/>
+              <a:tabLst/>
+              <a:defRPr/>
+            </a:pPr>
             <a:r>
               <a:rPr lang="en-US" dirty="0"/>
-              <a:t>sqrt(20) = 4.472</a:t>
-            </a:r>
-          </a:p>
-          <a:p>
-            <a:r>
-              <a:rPr lang="en-US" dirty="0"/>
-              <a:t>high = x + 1 to ensure high &gt; sqrt(x</a:t>
-            </a:r>
-            <a:r>
-              <a:rPr lang="en-US"/>
-              <a:t>) also for x = 1</a:t>
+              <a:t>Random-pair generates uniformly pairs of integers</a:t>
+            </a:r>
+            <a:r>
+              <a:rPr lang="en-US" baseline="0" dirty="0"/>
+              <a:t> where there is at least one integer in-between.</a:t>
             </a:r>
             <a:endParaRPr lang="en-US" dirty="0"/>
           </a:p>
           <a:p>
+            <a:pPr marL="0" marR="0" lvl="0" indent="0" algn="l" defTabSz="914400" rtl="0" eaLnBrk="1" fontAlgn="auto" latinLnBrk="0" hangingPunct="1">
+              <a:lnSpc>
+                <a:spcPct val="100000"/>
+              </a:lnSpc>
+              <a:spcBef>
+                <a:spcPts val="0"/>
+              </a:spcBef>
+              <a:spcAft>
+                <a:spcPts val="0"/>
+              </a:spcAft>
+              <a:buClrTx/>
+              <a:buSzTx/>
+              <a:buFontTx/>
+              <a:buNone/>
+              <a:tabLst/>
+              <a:defRPr/>
+            </a:pPr>
             <a:endParaRPr lang="en-US" dirty="0"/>
           </a:p>
         </p:txBody>
@@ -1397,7 +1651,7 @@
           <a:p>
             <a:fld id="{CD563DD8-32AB-41BE-B1C6-8EAC45222ACE}" type="slidenum">
               <a:rPr lang="en-US" smtClean="0"/>
-              <a:t>14</a:t>
+              <a:t>13</a:t>
             </a:fld>
             <a:endParaRPr lang="en-US"/>
           </a:p>
@@ -1406,7 +1660,7 @@
     </p:spTree>
     <p:extLst>
       <p:ext uri="{BB962C8B-B14F-4D97-AF65-F5344CB8AC3E}">
-        <p14:creationId xmlns:p14="http://schemas.microsoft.com/office/powerpoint/2010/main" val="3901015568"/>
+        <p14:creationId xmlns:p14="http://schemas.microsoft.com/office/powerpoint/2010/main" val="2830863579"/>
       </p:ext>
     </p:extLst>
   </p:cSld>
@@ -1461,165 +1715,20 @@
           <a:lstStyle/>
           <a:p>
             <a:r>
-              <a:rPr lang="da-DK" dirty="0" err="1"/>
-              <a:t>Binary</a:t>
-            </a:r>
-            <a:r>
-              <a:rPr lang="da-DK" dirty="0"/>
-              <a:t> </a:t>
-            </a:r>
-            <a:r>
-              <a:rPr lang="da-DK" dirty="0" err="1"/>
-              <a:t>search</a:t>
-            </a:r>
-            <a:r>
-              <a:rPr lang="da-DK" dirty="0"/>
-              <a:t> is tricky, </a:t>
-            </a:r>
-            <a:r>
-              <a:rPr lang="da-DK" dirty="0" err="1"/>
-              <a:t>sometimes</a:t>
-            </a:r>
-            <a:r>
-              <a:rPr lang="da-DK" dirty="0"/>
-              <a:t> </a:t>
-            </a:r>
-            <a:r>
-              <a:rPr lang="da-DK" dirty="0" err="1"/>
-              <a:t>you</a:t>
-            </a:r>
-            <a:r>
-              <a:rPr lang="da-DK" dirty="0"/>
-              <a:t> </a:t>
-            </a:r>
-            <a:r>
-              <a:rPr lang="da-DK" dirty="0" err="1"/>
-              <a:t>can</a:t>
-            </a:r>
-            <a:r>
-              <a:rPr lang="da-DK" dirty="0"/>
-              <a:t> </a:t>
-            </a:r>
-            <a:r>
-              <a:rPr lang="da-DK" dirty="0" err="1"/>
-              <a:t>use</a:t>
-            </a:r>
-            <a:r>
-              <a:rPr lang="da-DK" dirty="0"/>
-              <a:t> a </a:t>
-            </a:r>
-            <a:r>
-              <a:rPr lang="da-DK" dirty="0" err="1"/>
-              <a:t>library</a:t>
-            </a:r>
-            <a:r>
-              <a:rPr lang="da-DK" dirty="0"/>
-              <a:t> to </a:t>
-            </a:r>
-            <a:r>
-              <a:rPr lang="da-DK" dirty="0" err="1"/>
-              <a:t>make</a:t>
-            </a:r>
-            <a:r>
-              <a:rPr lang="da-DK" dirty="0"/>
-              <a:t> </a:t>
-            </a:r>
-            <a:r>
-              <a:rPr lang="da-DK" dirty="0" err="1"/>
-              <a:t>your</a:t>
-            </a:r>
-            <a:r>
-              <a:rPr lang="da-DK" dirty="0"/>
-              <a:t> </a:t>
-            </a:r>
-            <a:r>
-              <a:rPr lang="da-DK" dirty="0" err="1"/>
-              <a:t>life</a:t>
-            </a:r>
-            <a:r>
-              <a:rPr lang="da-DK" dirty="0"/>
-              <a:t> </a:t>
-            </a:r>
-            <a:r>
-              <a:rPr lang="da-DK" dirty="0" err="1"/>
-              <a:t>easier</a:t>
-            </a:r>
-            <a:endParaRPr lang="da-DK" dirty="0"/>
-          </a:p>
-          <a:p>
-            <a:r>
               <a:rPr lang="en-US" dirty="0"/>
-              <a:t>Sometimes you cannot use bisect, e.g. when bisecting for a float value, like the float sqrt(x)</a:t>
-            </a:r>
-          </a:p>
-          <a:p>
-            <a:r>
-              <a:rPr lang="en-US" dirty="0" err="1"/>
-              <a:t>int_sqrt</a:t>
-            </a:r>
+              <a:t>sqrt(20) = 4.472</a:t>
+            </a:r>
+          </a:p>
+          <a:p>
             <a:r>
               <a:rPr lang="en-US" dirty="0"/>
-              <a:t>(x)</a:t>
-            </a:r>
-          </a:p>
-          <a:p>
-            <a:r>
-              <a:rPr lang="en-US" dirty="0"/>
-              <a:t>= </a:t>
-            </a:r>
-            <a:r>
-              <a:rPr lang="en-US" dirty="0" err="1"/>
-              <a:t>bisect_right</a:t>
-            </a:r>
-            <a:r>
-              <a:rPr lang="en-US" dirty="0"/>
-              <a:t>(range(x + 1), False, key=lambda r: r*r &gt; x) – 1</a:t>
-            </a:r>
-          </a:p>
-          <a:p>
-            <a:r>
-              <a:rPr lang="en-US" dirty="0"/>
-              <a:t>= </a:t>
-            </a:r>
-            <a:r>
-              <a:rPr lang="en-US" dirty="0" err="1"/>
-              <a:t>bisect_right</a:t>
-            </a:r>
-            <a:r>
-              <a:rPr lang="en-US" dirty="0"/>
-              <a:t>(range(x + 1), x, key=lambda i: i*i) – 1</a:t>
-            </a:r>
-          </a:p>
-          <a:p>
-            <a:pPr marL="0" marR="0" lvl="0" indent="0" algn="l" defTabSz="914400" rtl="0" eaLnBrk="1" fontAlgn="auto" latinLnBrk="0" hangingPunct="1">
-              <a:lnSpc>
-                <a:spcPct val="100000"/>
-              </a:lnSpc>
-              <a:spcBef>
-                <a:spcPts val="0"/>
-              </a:spcBef>
-              <a:spcAft>
-                <a:spcPts val="0"/>
-              </a:spcAft>
-              <a:buClrTx/>
-              <a:buSzTx/>
-              <a:buFontTx/>
-              <a:buNone/>
-              <a:tabLst/>
-              <a:defRPr/>
-            </a:pPr>
-            <a:r>
-              <a:rPr lang="en-US" dirty="0"/>
-              <a:t>= </a:t>
-            </a:r>
-            <a:r>
-              <a:rPr lang="en-US" dirty="0" err="1"/>
-              <a:t>bisect_right</a:t>
-            </a:r>
-            <a:r>
-              <a:rPr lang="en-US" dirty="0"/>
-              <a:t>([x**2 for x in range(x+2)], x) – 1  # inefficient</a:t>
-            </a:r>
+              <a:t>high = x + 1 to ensure high &gt; sqrt(x</a:t>
+            </a:r>
+            <a:r>
+              <a:rPr lang="en-US"/>
+              <a:t>) also for x = 1</a:t>
+            </a:r>
+            <a:endParaRPr lang="en-US" dirty="0"/>
           </a:p>
           <a:p>
             <a:endParaRPr lang="en-US" dirty="0"/>
@@ -1633,7 +1742,7 @@
             <a:spLocks noGrp="1"/>
           </p:cNvSpPr>
           <p:nvPr>
-            <p:ph type="sldNum" sz="quarter" idx="5"/>
+            <p:ph type="sldNum" sz="quarter" idx="10"/>
           </p:nvPr>
         </p:nvSpPr>
         <p:spPr/>
@@ -1643,7 +1752,7 @@
           <a:p>
             <a:fld id="{CD563DD8-32AB-41BE-B1C6-8EAC45222ACE}" type="slidenum">
               <a:rPr lang="en-US" smtClean="0"/>
-              <a:t>15</a:t>
+              <a:t>14</a:t>
             </a:fld>
             <a:endParaRPr lang="en-US"/>
           </a:p>
@@ -1652,7 +1761,7 @@
     </p:spTree>
     <p:extLst>
       <p:ext uri="{BB962C8B-B14F-4D97-AF65-F5344CB8AC3E}">
-        <p14:creationId xmlns:p14="http://schemas.microsoft.com/office/powerpoint/2010/main" val="3551279688"/>
+        <p14:creationId xmlns:p14="http://schemas.microsoft.com/office/powerpoint/2010/main" val="3901015568"/>
       </p:ext>
     </p:extLst>
   </p:cSld>
@@ -1707,127 +1816,167 @@
           <a:lstStyle/>
           <a:p>
             <a:r>
+              <a:rPr lang="da-DK" dirty="0" err="1"/>
+              <a:t>Binary</a:t>
+            </a:r>
+            <a:r>
+              <a:rPr lang="da-DK" dirty="0"/>
+              <a:t> </a:t>
+            </a:r>
+            <a:r>
+              <a:rPr lang="da-DK" dirty="0" err="1"/>
+              <a:t>search</a:t>
+            </a:r>
+            <a:r>
+              <a:rPr lang="da-DK" dirty="0"/>
+              <a:t> is tricky, </a:t>
+            </a:r>
+            <a:r>
+              <a:rPr lang="da-DK" dirty="0" err="1"/>
+              <a:t>sometimes</a:t>
+            </a:r>
+            <a:r>
+              <a:rPr lang="da-DK" dirty="0"/>
+              <a:t> </a:t>
+            </a:r>
+            <a:r>
+              <a:rPr lang="da-DK" dirty="0" err="1"/>
+              <a:t>you</a:t>
+            </a:r>
+            <a:r>
+              <a:rPr lang="da-DK" dirty="0"/>
+              <a:t> </a:t>
+            </a:r>
+            <a:r>
+              <a:rPr lang="da-DK" dirty="0" err="1"/>
+              <a:t>can</a:t>
+            </a:r>
+            <a:r>
+              <a:rPr lang="da-DK" dirty="0"/>
+              <a:t> </a:t>
+            </a:r>
+            <a:r>
+              <a:rPr lang="da-DK" dirty="0" err="1"/>
+              <a:t>use</a:t>
+            </a:r>
+            <a:r>
+              <a:rPr lang="da-DK" dirty="0"/>
+              <a:t> a </a:t>
+            </a:r>
+            <a:r>
+              <a:rPr lang="da-DK" dirty="0" err="1"/>
+              <a:t>library</a:t>
+            </a:r>
+            <a:r>
+              <a:rPr lang="da-DK" dirty="0"/>
+              <a:t> to </a:t>
+            </a:r>
+            <a:r>
+              <a:rPr lang="da-DK" dirty="0" err="1"/>
+              <a:t>make</a:t>
+            </a:r>
+            <a:r>
+              <a:rPr lang="da-DK" dirty="0"/>
+              <a:t> </a:t>
+            </a:r>
+            <a:r>
+              <a:rPr lang="da-DK" dirty="0" err="1"/>
+              <a:t>your</a:t>
+            </a:r>
+            <a:r>
+              <a:rPr lang="da-DK" dirty="0"/>
+              <a:t> </a:t>
+            </a:r>
+            <a:r>
+              <a:rPr lang="da-DK" dirty="0" err="1"/>
+              <a:t>life</a:t>
+            </a:r>
+            <a:r>
+              <a:rPr lang="da-DK" dirty="0"/>
+              <a:t> </a:t>
+            </a:r>
+            <a:r>
+              <a:rPr lang="da-DK" dirty="0" err="1"/>
+              <a:t>easier</a:t>
+            </a:r>
+            <a:endParaRPr lang="da-DK" dirty="0"/>
+          </a:p>
+          <a:p>
+            <a:r>
               <a:rPr lang="en-US" dirty="0"/>
-              <a:t>Run</a:t>
-            </a:r>
-            <a:r>
-              <a:rPr lang="en-US" baseline="0" dirty="0"/>
-              <a:t> </a:t>
-            </a:r>
-            <a:r>
-              <a:rPr lang="en-US" b="1" baseline="0" dirty="0">
-                <a:solidFill>
-                  <a:srgbClr val="FF0000"/>
-                </a:solidFill>
-              </a:rPr>
-              <a:t>newton-visualization.py </a:t>
-            </a:r>
-            <a:r>
-              <a:rPr lang="en-US" b="0" baseline="0" dirty="0">
-                <a:solidFill>
-                  <a:srgbClr val="FF0000"/>
-                </a:solidFill>
-              </a:rPr>
-              <a:t>to show animation of 1/n and </a:t>
-            </a:r>
-            <a:r>
-              <a:rPr lang="en-US" b="0" baseline="0" dirty="0" err="1">
-                <a:solidFill>
-                  <a:srgbClr val="FF0000"/>
-                </a:solidFill>
-              </a:rPr>
-              <a:t>sqrt</a:t>
-            </a:r>
-            <a:r>
-              <a:rPr lang="en-US" b="0" baseline="0" dirty="0">
-                <a:solidFill>
-                  <a:srgbClr val="FF0000"/>
-                </a:solidFill>
-              </a:rPr>
-              <a:t>(n). To compute </a:t>
-            </a:r>
-            <a:r>
-              <a:rPr lang="en-US" b="0" baseline="0" dirty="0" err="1">
-                <a:solidFill>
-                  <a:srgbClr val="FF0000"/>
-                </a:solidFill>
-              </a:rPr>
-              <a:t>sqrt</a:t>
-            </a:r>
-            <a:r>
-              <a:rPr lang="en-US" b="0" baseline="0" dirty="0">
-                <a:solidFill>
-                  <a:srgbClr val="FF0000"/>
-                </a:solidFill>
-              </a:rPr>
-              <a:t>(n) is an exercise.</a:t>
-            </a:r>
-            <a:endParaRPr lang="en-US" b="1" dirty="0">
-              <a:solidFill>
-                <a:srgbClr val="FF0000"/>
-              </a:solidFill>
-            </a:endParaRPr>
-          </a:p>
-          <a:p>
-            <a:endParaRPr lang="en-US" dirty="0"/>
-          </a:p>
-          <a:p>
+              <a:t>Sometimes you cannot use bisect, e.g. when bisecting for a float value, like the float sqrt(x)</a:t>
+            </a:r>
+          </a:p>
+          <a:p>
+            <a:r>
+              <a:rPr lang="en-US" dirty="0" err="1"/>
+              <a:t>int_sqrt</a:t>
+            </a:r>
             <a:r>
               <a:rPr lang="en-US" dirty="0"/>
-              <a:t>x = 0.6 generates a different</a:t>
-            </a:r>
-            <a:r>
-              <a:rPr lang="en-US" baseline="0" dirty="0"/>
-              <a:t> result than Python computes 1 / 0.6</a:t>
-            </a:r>
-            <a:endParaRPr lang="en-US" dirty="0"/>
-          </a:p>
-          <a:p>
-            <a:endParaRPr lang="en-US" dirty="0"/>
+              <a:t>(x)</a:t>
+            </a:r>
           </a:p>
           <a:p>
             <a:r>
               <a:rPr lang="en-US" dirty="0"/>
-              <a:t>Code only works for x &lt;= 1 (otherwise</a:t>
-            </a:r>
-            <a:r>
-              <a:rPr lang="en-US" baseline="0" dirty="0"/>
-              <a:t> adjust by powers of two to enforce interval)</a:t>
-            </a:r>
-          </a:p>
-          <a:p>
-            <a:endParaRPr lang="en-US" baseline="0" dirty="0"/>
-          </a:p>
-          <a:p>
-            <a:r>
-              <a:rPr lang="en-US" baseline="0" dirty="0"/>
-              <a:t>Newton-Raphson converges fast, if starting close to the root, and </a:t>
-            </a:r>
-            <a:r>
-              <a:rPr lang="en-US" b="1" baseline="0" dirty="0"/>
-              <a:t>≈ doubles the number of correct digits</a:t>
-            </a:r>
-            <a:r>
-              <a:rPr lang="en-US" baseline="0" dirty="0"/>
-              <a:t> in each iteration, provided some conditions around the root is satisfied</a:t>
-            </a:r>
-          </a:p>
-          <a:p>
-            <a:endParaRPr lang="en-US" baseline="0" dirty="0"/>
-          </a:p>
-          <a:p>
-            <a:r>
-              <a:rPr lang="en-US" baseline="0" dirty="0"/>
-              <a:t>Implementing in hardware, it is crucial to observe that we can increase the numeric precision while running the algorithm, </a:t>
-            </a:r>
-            <a:r>
-              <a:rPr lang="en-US" baseline="0" dirty="0" err="1"/>
-              <a:t>ie</a:t>
-            </a:r>
-            <a:r>
-              <a:rPr lang="en-US" baseline="0" dirty="0"/>
-              <a:t>. the final running time will be dominated by the final iterations</a:t>
-            </a:r>
+              <a:t>= </a:t>
+            </a:r>
+            <a:r>
+              <a:rPr lang="en-US" dirty="0" err="1"/>
+              <a:t>bisect_right</a:t>
+            </a:r>
+            <a:r>
+              <a:rPr lang="en-US" dirty="0"/>
+              <a:t>(range(x + 1), False, key=lambda r: r*r &gt; x) – 1</a:t>
+            </a:r>
+          </a:p>
+          <a:p>
+            <a:r>
+              <a:rPr lang="en-US" dirty="0"/>
+              <a:t>= </a:t>
+            </a:r>
+            <a:r>
+              <a:rPr lang="en-US" dirty="0" err="1"/>
+              <a:t>bisect_right</a:t>
+            </a:r>
+            <a:r>
+              <a:rPr lang="en-US" dirty="0"/>
+              <a:t>(range(x + 1), x, key=lambda i: i*i) – 1</a:t>
+            </a:r>
+          </a:p>
+          <a:p>
+            <a:pPr marL="0" marR="0" lvl="0" indent="0" algn="l" defTabSz="914400" rtl="0" eaLnBrk="1" fontAlgn="auto" latinLnBrk="0" hangingPunct="1">
+              <a:lnSpc>
+                <a:spcPct val="100000"/>
+              </a:lnSpc>
+              <a:spcBef>
+                <a:spcPts val="0"/>
+              </a:spcBef>
+              <a:spcAft>
+                <a:spcPts val="0"/>
+              </a:spcAft>
+              <a:buClrTx/>
+              <a:buSzTx/>
+              <a:buFontTx/>
+              <a:buNone/>
+              <a:tabLst/>
+              <a:defRPr/>
+            </a:pPr>
+            <a:r>
+              <a:rPr lang="en-US" dirty="0"/>
+              <a:t>= </a:t>
+            </a:r>
+            <a:r>
+              <a:rPr lang="en-US" dirty="0" err="1"/>
+              <a:t>bisect_right</a:t>
+            </a:r>
+            <a:r>
+              <a:rPr lang="en-US" dirty="0"/>
+              <a:t>([x**2 for x in range(x+2)], x) – 1  # inefficient</a:t>
+            </a:r>
+          </a:p>
+          <a:p>
             <a:endParaRPr lang="en-US" dirty="0"/>
           </a:p>
         </p:txBody>
@@ -1839,7 +1988,7 @@
             <a:spLocks noGrp="1"/>
           </p:cNvSpPr>
           <p:nvPr>
-            <p:ph type="sldNum" sz="quarter" idx="10"/>
+            <p:ph type="sldNum" sz="quarter" idx="5"/>
           </p:nvPr>
         </p:nvSpPr>
         <p:spPr/>
@@ -1849,7 +1998,7 @@
           <a:p>
             <a:fld id="{CD563DD8-32AB-41BE-B1C6-8EAC45222ACE}" type="slidenum">
               <a:rPr lang="en-US" smtClean="0"/>
-              <a:t>16</a:t>
+              <a:t>15</a:t>
             </a:fld>
             <a:endParaRPr lang="en-US"/>
           </a:p>
@@ -1858,7 +2007,7 @@
     </p:spTree>
     <p:extLst>
       <p:ext uri="{BB962C8B-B14F-4D97-AF65-F5344CB8AC3E}">
-        <p14:creationId xmlns:p14="http://schemas.microsoft.com/office/powerpoint/2010/main" val="2008603437"/>
+        <p14:creationId xmlns:p14="http://schemas.microsoft.com/office/powerpoint/2010/main" val="3551279688"/>
       </p:ext>
     </p:extLst>
   </p:cSld>
@@ -2005,7 +2154,7 @@
           <a:p>
             <a:fld id="{0560A9CD-0304-4E0B-9E82-E7E0115DE05B}" type="datetimeFigureOut">
               <a:rPr lang="en-US" smtClean="0"/>
-              <a:t>1/28/2026</a:t>
+              <a:t>2/1/2026</a:t>
             </a:fld>
             <a:endParaRPr lang="en-US"/>
           </a:p>
@@ -2173,7 +2322,7 @@
           <a:p>
             <a:fld id="{0560A9CD-0304-4E0B-9E82-E7E0115DE05B}" type="datetimeFigureOut">
               <a:rPr lang="en-US" smtClean="0"/>
-              <a:t>1/28/2026</a:t>
+              <a:t>2/1/2026</a:t>
             </a:fld>
             <a:endParaRPr lang="en-US"/>
           </a:p>
@@ -2351,7 +2500,7 @@
           <a:p>
             <a:fld id="{0560A9CD-0304-4E0B-9E82-E7E0115DE05B}" type="datetimeFigureOut">
               <a:rPr lang="en-US" smtClean="0"/>
-              <a:t>1/28/2026</a:t>
+              <a:t>2/1/2026</a:t>
             </a:fld>
             <a:endParaRPr lang="en-US"/>
           </a:p>
@@ -2528,7 +2677,7 @@
           <a:p>
             <a:fld id="{0560A9CD-0304-4E0B-9E82-E7E0115DE05B}" type="datetimeFigureOut">
               <a:rPr lang="en-US" smtClean="0"/>
-              <a:t>1/28/2026</a:t>
+              <a:t>2/1/2026</a:t>
             </a:fld>
             <a:endParaRPr lang="en-US"/>
           </a:p>
@@ -2773,7 +2922,7 @@
           <a:p>
             <a:fld id="{0560A9CD-0304-4E0B-9E82-E7E0115DE05B}" type="datetimeFigureOut">
               <a:rPr lang="en-US" smtClean="0"/>
-              <a:t>1/28/2026</a:t>
+              <a:t>2/1/2026</a:t>
             </a:fld>
             <a:endParaRPr lang="en-US"/>
           </a:p>
@@ -3002,7 +3151,7 @@
           <a:p>
             <a:fld id="{0560A9CD-0304-4E0B-9E82-E7E0115DE05B}" type="datetimeFigureOut">
               <a:rPr lang="en-US" smtClean="0"/>
-              <a:t>1/28/2026</a:t>
+              <a:t>2/1/2026</a:t>
             </a:fld>
             <a:endParaRPr lang="en-US"/>
           </a:p>
@@ -3366,7 +3515,7 @@
           <a:p>
             <a:fld id="{0560A9CD-0304-4E0B-9E82-E7E0115DE05B}" type="datetimeFigureOut">
               <a:rPr lang="en-US" smtClean="0"/>
-              <a:t>1/28/2026</a:t>
+              <a:t>2/1/2026</a:t>
             </a:fld>
             <a:endParaRPr lang="en-US"/>
           </a:p>
@@ -3483,7 +3632,7 @@
           <a:p>
             <a:fld id="{0560A9CD-0304-4E0B-9E82-E7E0115DE05B}" type="datetimeFigureOut">
               <a:rPr lang="en-US" smtClean="0"/>
-              <a:t>1/28/2026</a:t>
+              <a:t>2/1/2026</a:t>
             </a:fld>
             <a:endParaRPr lang="en-US"/>
           </a:p>
@@ -3578,7 +3727,7 @@
           <a:p>
             <a:fld id="{0560A9CD-0304-4E0B-9E82-E7E0115DE05B}" type="datetimeFigureOut">
               <a:rPr lang="en-US" smtClean="0"/>
-              <a:t>1/28/2026</a:t>
+              <a:t>2/1/2026</a:t>
             </a:fld>
             <a:endParaRPr lang="en-US"/>
           </a:p>
@@ -3853,7 +4002,7 @@
           <a:p>
             <a:fld id="{0560A9CD-0304-4E0B-9E82-E7E0115DE05B}" type="datetimeFigureOut">
               <a:rPr lang="en-US" smtClean="0"/>
-              <a:t>1/28/2026</a:t>
+              <a:t>2/1/2026</a:t>
             </a:fld>
             <a:endParaRPr lang="en-US"/>
           </a:p>
@@ -4105,7 +4254,7 @@
           <a:p>
             <a:fld id="{0560A9CD-0304-4E0B-9E82-E7E0115DE05B}" type="datetimeFigureOut">
               <a:rPr lang="en-US" smtClean="0"/>
-              <a:t>1/28/2026</a:t>
+              <a:t>2/1/2026</a:t>
             </a:fld>
             <a:endParaRPr lang="en-US"/>
           </a:p>
@@ -4316,7 +4465,7 @@
           <a:p>
             <a:fld id="{0560A9CD-0304-4E0B-9E82-E7E0115DE05B}" type="datetimeFigureOut">
               <a:rPr lang="en-US" smtClean="0"/>
-              <a:t>1/28/2026</a:t>
+              <a:t>2/1/2026</a:t>
             </a:fld>
             <a:endParaRPr lang="en-US"/>
           </a:p>
@@ -13603,15 +13752,7 @@
             </a:r>
             <a:r>
               <a:rPr lang="en-US" sz="2400" dirty="0"/>
-              <a:t>Binary search on sorted lists is </a:t>
-            </a:r>
-            <a:r>
-              <a:rPr lang="en-US" sz="2400"/>
-              <a:t>supported by </a:t>
-            </a:r>
-            <a:r>
-              <a:rPr lang="en-US" sz="2400" dirty="0"/>
-              <a:t>the standard library module </a:t>
+              <a:t>Binary search on sorted lists is supported by the standard library module </a:t>
             </a:r>
             <a:r>
               <a:rPr lang="en-US" sz="2400" dirty="0">
@@ -16009,7 +16150,7 @@
             </a:r>
             <a:r>
               <a:rPr lang="en-US" dirty="0"/>
-              <a:t> only using +, -, and *</a:t>
+              <a:t> using only +, -, and *</a:t>
             </a:r>
           </a:p>
           <a:p>
@@ -16033,7 +16174,7 @@
             </a:r>
             <a:r>
               <a:rPr lang="en-US" dirty="0"/>
-              <a:t> of f</a:t>
+              <a:t> of  f</a:t>
             </a:r>
           </a:p>
           <a:p>
@@ -18139,7 +18280,7 @@
           <p:nvPr>
             <p:extLst>
               <p:ext uri="{D42A27DB-BD31-4B8C-83A1-F6EECF244321}">
-                <p14:modId xmlns:p14="http://schemas.microsoft.com/office/powerpoint/2010/main" val="2510986670"/>
+                <p14:modId xmlns:p14="http://schemas.microsoft.com/office/powerpoint/2010/main" val="2658681925"/>
               </p:ext>
             </p:extLst>
           </p:nvPr>
@@ -18465,7 +18606,7 @@
                           <a:latin typeface="Courier New" panose="02070309020205020404" pitchFamily="49" charset="0"/>
                           <a:cs typeface="Courier New" panose="02070309020205020404" pitchFamily="49" charset="0"/>
                         </a:rPr>
-                        <a:t>Age: 84</a:t>
+                        <a:t>Age: 92</a:t>
                       </a:r>
                     </a:p>
                     <a:p>
@@ -18495,7 +18636,7 @@
                           <a:latin typeface="Courier New" panose="02070309020205020404" pitchFamily="49" charset="0"/>
                           <a:cs typeface="Courier New" panose="02070309020205020404" pitchFamily="49" charset="0"/>
                         </a:rPr>
-                        <a:t>Donald Duck is 84 years old</a:t>
+                        <a:t>Donald Duck is 92 years old</a:t>
                       </a:r>
                       <a:endParaRPr lang="en-US" sz="1400" b="1" dirty="0">
                         <a:solidFill>
@@ -20082,6 +20223,10 @@
               </a:rPr>
               <a:t>:</a:t>
             </a:r>
+            <a:endParaRPr lang="da-DK" sz="2400" i="1" dirty="0">
+              <a:latin typeface="Courier New" panose="02070309020205020404" pitchFamily="49" charset="0"/>
+              <a:cs typeface="Courier New" panose="02070309020205020404" pitchFamily="49" charset="0"/>
+            </a:endParaRPr>
           </a:p>
           <a:p>
             <a:pPr marL="0" indent="0">
@@ -21698,7 +21843,7 @@
             </a:r>
             <a:r>
               <a:rPr lang="en-US" sz="2400" dirty="0" err="1"/>
-              <a:t>elfi</a:t>
+              <a:t>elif</a:t>
             </a:r>
             <a:r>
               <a:rPr lang="en-US" sz="2400" dirty="0"/>
